--- a/2.2 Data Presentations (STA101).pptx
+++ b/2.2 Data Presentations (STA101).pptx
@@ -5259,7 +5259,7 @@
           <a:p>
             <a:fld id="{97B34786-0A07-4281-A7C3-7630DD8912B6}" type="datetimeFigureOut">
               <a:rPr lang="en-US" smtClean="0"/>
-              <a:t>6/2/2024</a:t>
+              <a:t>6/4/2024</a:t>
             </a:fld>
             <a:endParaRPr lang="en-US"/>
           </a:p>
@@ -5438,7 +5438,7 @@
           <a:p>
             <a:fld id="{97B34786-0A07-4281-A7C3-7630DD8912B6}" type="datetimeFigureOut">
               <a:rPr lang="en-US" smtClean="0"/>
-              <a:t>6/2/2024</a:t>
+              <a:t>6/4/2024</a:t>
             </a:fld>
             <a:endParaRPr lang="en-US"/>
           </a:p>
@@ -5618,7 +5618,7 @@
           <a:p>
             <a:fld id="{97B34786-0A07-4281-A7C3-7630DD8912B6}" type="datetimeFigureOut">
               <a:rPr lang="en-US" smtClean="0"/>
-              <a:t>6/2/2024</a:t>
+              <a:t>6/4/2024</a:t>
             </a:fld>
             <a:endParaRPr lang="en-US"/>
           </a:p>
@@ -5793,7 +5793,7 @@
           <a:p>
             <a:fld id="{97B34786-0A07-4281-A7C3-7630DD8912B6}" type="datetimeFigureOut">
               <a:rPr lang="en-US" smtClean="0"/>
-              <a:t>6/2/2024</a:t>
+              <a:t>6/4/2024</a:t>
             </a:fld>
             <a:endParaRPr lang="en-US"/>
           </a:p>
@@ -5963,7 +5963,7 @@
           <a:p>
             <a:fld id="{97B34786-0A07-4281-A7C3-7630DD8912B6}" type="datetimeFigureOut">
               <a:rPr lang="en-US" smtClean="0"/>
-              <a:t>6/2/2024</a:t>
+              <a:t>6/4/2024</a:t>
             </a:fld>
             <a:endParaRPr lang="en-US"/>
           </a:p>
@@ -6276,7 +6276,7 @@
           <a:p>
             <a:fld id="{97B34786-0A07-4281-A7C3-7630DD8912B6}" type="datetimeFigureOut">
               <a:rPr lang="en-US" smtClean="0"/>
-              <a:t>6/2/2024</a:t>
+              <a:t>6/4/2024</a:t>
             </a:fld>
             <a:endParaRPr lang="en-US"/>
           </a:p>
@@ -6662,7 +6662,7 @@
           <a:p>
             <a:fld id="{97B34786-0A07-4281-A7C3-7630DD8912B6}" type="datetimeFigureOut">
               <a:rPr lang="en-US" smtClean="0"/>
-              <a:t>6/2/2024</a:t>
+              <a:t>6/4/2024</a:t>
             </a:fld>
             <a:endParaRPr lang="en-US"/>
           </a:p>
@@ -7096,7 +7096,7 @@
           <a:p>
             <a:fld id="{97B34786-0A07-4281-A7C3-7630DD8912B6}" type="datetimeFigureOut">
               <a:rPr lang="en-US" smtClean="0"/>
-              <a:t>6/2/2024</a:t>
+              <a:t>6/4/2024</a:t>
             </a:fld>
             <a:endParaRPr lang="en-US"/>
           </a:p>
@@ -7214,7 +7214,7 @@
           <a:p>
             <a:fld id="{97B34786-0A07-4281-A7C3-7630DD8912B6}" type="datetimeFigureOut">
               <a:rPr lang="en-US" smtClean="0"/>
-              <a:t>6/2/2024</a:t>
+              <a:t>6/4/2024</a:t>
             </a:fld>
             <a:endParaRPr lang="en-US"/>
           </a:p>
@@ -7309,7 +7309,7 @@
           <a:p>
             <a:fld id="{97B34786-0A07-4281-A7C3-7630DD8912B6}" type="datetimeFigureOut">
               <a:rPr lang="en-US" smtClean="0"/>
-              <a:t>6/2/2024</a:t>
+              <a:t>6/4/2024</a:t>
             </a:fld>
             <a:endParaRPr lang="en-US"/>
           </a:p>
@@ -7659,7 +7659,7 @@
           <a:p>
             <a:fld id="{97B34786-0A07-4281-A7C3-7630DD8912B6}" type="datetimeFigureOut">
               <a:rPr lang="en-US" smtClean="0"/>
-              <a:t>6/2/2024</a:t>
+              <a:t>6/4/2024</a:t>
             </a:fld>
             <a:endParaRPr lang="en-US"/>
           </a:p>
@@ -8084,7 +8084,7 @@
           <a:p>
             <a:fld id="{97B34786-0A07-4281-A7C3-7630DD8912B6}" type="datetimeFigureOut">
               <a:rPr lang="en-US" smtClean="0"/>
-              <a:t>6/2/2024</a:t>
+              <a:t>6/4/2024</a:t>
             </a:fld>
             <a:endParaRPr lang="en-US"/>
           </a:p>
@@ -8365,7 +8365,7 @@
           <a:p>
             <a:fld id="{97B34786-0A07-4281-A7C3-7630DD8912B6}" type="datetimeFigureOut">
               <a:rPr lang="en-US" smtClean="0"/>
-              <a:t>6/2/2024</a:t>
+              <a:t>6/4/2024</a:t>
             </a:fld>
             <a:endParaRPr lang="en-US"/>
           </a:p>
@@ -27775,9 +27775,10 @@
           <a:lstStyle/>
           <a:p>
             <a:r>
-              <a:rPr lang="en-US" dirty="0"/>
-              <a:t>Class Work (Devore P26)</a:t>
+              <a:rPr lang="en-US"/>
+              <a:t>Class Work</a:t>
             </a:r>
+            <a:endParaRPr lang="en-US" dirty="0"/>
           </a:p>
         </p:txBody>
       </p:sp>

--- a/2.2 Data Presentations (STA101).pptx
+++ b/2.2 Data Presentations (STA101).pptx
@@ -22,17 +22,16 @@
     <p:sldId id="431" r:id="rId16"/>
     <p:sldId id="418" r:id="rId17"/>
     <p:sldId id="419" r:id="rId18"/>
-    <p:sldId id="420" r:id="rId19"/>
-    <p:sldId id="422" r:id="rId20"/>
-    <p:sldId id="423" r:id="rId21"/>
-    <p:sldId id="425" r:id="rId22"/>
-    <p:sldId id="424" r:id="rId23"/>
-    <p:sldId id="426" r:id="rId24"/>
-    <p:sldId id="427" r:id="rId25"/>
-    <p:sldId id="428" r:id="rId26"/>
-    <p:sldId id="432" r:id="rId27"/>
-    <p:sldId id="405" r:id="rId28"/>
-    <p:sldId id="363" r:id="rId29"/>
+    <p:sldId id="422" r:id="rId19"/>
+    <p:sldId id="423" r:id="rId20"/>
+    <p:sldId id="425" r:id="rId21"/>
+    <p:sldId id="424" r:id="rId22"/>
+    <p:sldId id="426" r:id="rId23"/>
+    <p:sldId id="427" r:id="rId24"/>
+    <p:sldId id="428" r:id="rId25"/>
+    <p:sldId id="432" r:id="rId26"/>
+    <p:sldId id="405" r:id="rId27"/>
+    <p:sldId id="363" r:id="rId28"/>
   </p:sldIdLst>
   <p:sldSz cx="14630400" cy="8229600"/>
   <p:notesSz cx="6858000" cy="9144000"/>
@@ -1011,407 +1010,6 @@
     <c:autoTitleDeleted val="1"/>
     <c:plotArea>
       <c:layout/>
-      <c:lineChart>
-        <c:grouping val="standard"/>
-        <c:varyColors val="0"/>
-        <c:ser>
-          <c:idx val="0"/>
-          <c:order val="0"/>
-          <c:spPr>
-            <a:ln w="38100" cap="rnd">
-              <a:solidFill>
-                <a:schemeClr val="tx1"/>
-              </a:solidFill>
-              <a:round/>
-            </a:ln>
-            <a:effectLst/>
-          </c:spPr>
-          <c:marker>
-            <c:symbol val="circle"/>
-            <c:size val="5"/>
-            <c:spPr>
-              <a:solidFill>
-                <a:srgbClr val="FFC000"/>
-              </a:solidFill>
-              <a:ln w="38100">
-                <a:solidFill>
-                  <a:schemeClr val="tx1"/>
-                </a:solidFill>
-              </a:ln>
-              <a:effectLst/>
-            </c:spPr>
-          </c:marker>
-          <c:dPt>
-            <c:idx val="4"/>
-            <c:marker>
-              <c:symbol val="circle"/>
-              <c:size val="5"/>
-              <c:spPr>
-                <a:solidFill>
-                  <a:srgbClr val="FFC000"/>
-                </a:solidFill>
-                <a:ln w="38100">
-                  <a:solidFill>
-                    <a:schemeClr val="tx1"/>
-                  </a:solidFill>
-                  <a:prstDash val="sysDash"/>
-                </a:ln>
-                <a:effectLst/>
-              </c:spPr>
-            </c:marker>
-            <c:bubble3D val="0"/>
-            <c:spPr>
-              <a:ln w="38100" cap="rnd">
-                <a:solidFill>
-                  <a:schemeClr val="tx1"/>
-                </a:solidFill>
-                <a:prstDash val="sysDash"/>
-                <a:round/>
-              </a:ln>
-              <a:effectLst/>
-            </c:spPr>
-            <c:extLst>
-              <c:ext xmlns:c16="http://schemas.microsoft.com/office/drawing/2014/chart" uri="{C3380CC4-5D6E-409C-BE32-E72D297353CC}">
-                <c16:uniqueId val="{00000001-053D-40A5-A8FD-C95C637592B0}"/>
-              </c:ext>
-            </c:extLst>
-          </c:dPt>
-          <c:cat>
-            <c:numRef>
-              <c:f>Sheet1!$C$4:$C$8</c:f>
-              <c:numCache>
-                <c:formatCode>General</c:formatCode>
-                <c:ptCount val="5"/>
-                <c:pt idx="0">
-                  <c:v>5</c:v>
-                </c:pt>
-                <c:pt idx="1">
-                  <c:v>9</c:v>
-                </c:pt>
-                <c:pt idx="2">
-                  <c:v>13</c:v>
-                </c:pt>
-                <c:pt idx="3">
-                  <c:v>17</c:v>
-                </c:pt>
-                <c:pt idx="4">
-                  <c:v>21</c:v>
-                </c:pt>
-              </c:numCache>
-            </c:numRef>
-          </c:cat>
-          <c:val>
-            <c:numRef>
-              <c:f>Sheet1!$F$4:$F$8</c:f>
-              <c:numCache>
-                <c:formatCode>General</c:formatCode>
-                <c:ptCount val="5"/>
-                <c:pt idx="0">
-                  <c:v>13</c:v>
-                </c:pt>
-                <c:pt idx="1">
-                  <c:v>9</c:v>
-                </c:pt>
-                <c:pt idx="2">
-                  <c:v>6</c:v>
-                </c:pt>
-                <c:pt idx="3">
-                  <c:v>3</c:v>
-                </c:pt>
-                <c:pt idx="4">
-                  <c:v>0</c:v>
-                </c:pt>
-              </c:numCache>
-            </c:numRef>
-          </c:val>
-          <c:smooth val="0"/>
-          <c:extLst>
-            <c:ext xmlns:c16="http://schemas.microsoft.com/office/drawing/2014/chart" uri="{C3380CC4-5D6E-409C-BE32-E72D297353CC}">
-              <c16:uniqueId val="{00000000-053D-40A5-A8FD-C95C637592B0}"/>
-            </c:ext>
-          </c:extLst>
-        </c:ser>
-        <c:dLbls>
-          <c:showLegendKey val="0"/>
-          <c:showVal val="0"/>
-          <c:showCatName val="0"/>
-          <c:showSerName val="0"/>
-          <c:showPercent val="0"/>
-          <c:showBubbleSize val="0"/>
-        </c:dLbls>
-        <c:marker val="1"/>
-        <c:smooth val="0"/>
-        <c:axId val="405182160"/>
-        <c:axId val="355950144"/>
-      </c:lineChart>
-      <c:catAx>
-        <c:axId val="405182160"/>
-        <c:scaling>
-          <c:orientation val="minMax"/>
-        </c:scaling>
-        <c:delete val="0"/>
-        <c:axPos val="b"/>
-        <c:title>
-          <c:tx>
-            <c:rich>
-              <a:bodyPr rot="0" spcFirstLastPara="1" vertOverflow="ellipsis" vert="horz" wrap="square" anchor="ctr" anchorCtr="1"/>
-              <a:lstStyle/>
-              <a:p>
-                <a:pPr>
-                  <a:defRPr sz="2400" b="0" i="0" u="none" strike="noStrike" kern="1200" baseline="0">
-                    <a:solidFill>
-                      <a:schemeClr val="tx1"/>
-                    </a:solidFill>
-                    <a:latin typeface="Century Schoolbook" panose="02040604050505020304" pitchFamily="18" charset="0"/>
-                    <a:ea typeface="+mn-ea"/>
-                    <a:cs typeface="+mn-cs"/>
-                  </a:defRPr>
-                </a:pPr>
-                <a:r>
-                  <a:rPr lang="en-US"/>
-                  <a:t>Class</a:t>
-                </a:r>
-              </a:p>
-            </c:rich>
-          </c:tx>
-          <c:overlay val="0"/>
-          <c:spPr>
-            <a:noFill/>
-            <a:ln>
-              <a:noFill/>
-            </a:ln>
-            <a:effectLst/>
-          </c:spPr>
-          <c:txPr>
-            <a:bodyPr rot="0" spcFirstLastPara="1" vertOverflow="ellipsis" vert="horz" wrap="square" anchor="ctr" anchorCtr="1"/>
-            <a:lstStyle/>
-            <a:p>
-              <a:pPr>
-                <a:defRPr sz="2400" b="0" i="0" u="none" strike="noStrike" kern="1200" baseline="0">
-                  <a:solidFill>
-                    <a:schemeClr val="tx1"/>
-                  </a:solidFill>
-                  <a:latin typeface="Century Schoolbook" panose="02040604050505020304" pitchFamily="18" charset="0"/>
-                  <a:ea typeface="+mn-ea"/>
-                  <a:cs typeface="+mn-cs"/>
-                </a:defRPr>
-              </a:pPr>
-              <a:endParaRPr lang="en-US"/>
-            </a:p>
-          </c:txPr>
-        </c:title>
-        <c:numFmt formatCode="General" sourceLinked="1"/>
-        <c:majorTickMark val="none"/>
-        <c:minorTickMark val="none"/>
-        <c:tickLblPos val="nextTo"/>
-        <c:spPr>
-          <a:noFill/>
-          <a:ln w="9525" cap="flat" cmpd="sng" algn="ctr">
-            <a:solidFill>
-              <a:schemeClr val="tx1">
-                <a:lumMod val="15000"/>
-                <a:lumOff val="85000"/>
-              </a:schemeClr>
-            </a:solidFill>
-            <a:round/>
-          </a:ln>
-          <a:effectLst/>
-        </c:spPr>
-        <c:txPr>
-          <a:bodyPr rot="-60000000" spcFirstLastPara="1" vertOverflow="ellipsis" vert="horz" wrap="square" anchor="ctr" anchorCtr="1"/>
-          <a:lstStyle/>
-          <a:p>
-            <a:pPr>
-              <a:defRPr sz="2400" b="0" i="0" u="none" strike="noStrike" kern="1200" baseline="0">
-                <a:solidFill>
-                  <a:schemeClr val="tx1"/>
-                </a:solidFill>
-                <a:latin typeface="Century Schoolbook" panose="02040604050505020304" pitchFamily="18" charset="0"/>
-                <a:ea typeface="+mn-ea"/>
-                <a:cs typeface="+mn-cs"/>
-              </a:defRPr>
-            </a:pPr>
-            <a:endParaRPr lang="en-US"/>
-          </a:p>
-        </c:txPr>
-        <c:crossAx val="355950144"/>
-        <c:crosses val="autoZero"/>
-        <c:auto val="1"/>
-        <c:lblAlgn val="ctr"/>
-        <c:lblOffset val="100"/>
-        <c:noMultiLvlLbl val="0"/>
-      </c:catAx>
-      <c:valAx>
-        <c:axId val="355950144"/>
-        <c:scaling>
-          <c:orientation val="minMax"/>
-        </c:scaling>
-        <c:delete val="0"/>
-        <c:axPos val="l"/>
-        <c:majorGridlines>
-          <c:spPr>
-            <a:ln w="9525" cap="flat" cmpd="sng" algn="ctr">
-              <a:solidFill>
-                <a:schemeClr val="tx1">
-                  <a:lumMod val="15000"/>
-                  <a:lumOff val="85000"/>
-                </a:schemeClr>
-              </a:solidFill>
-              <a:round/>
-            </a:ln>
-            <a:effectLst/>
-          </c:spPr>
-        </c:majorGridlines>
-        <c:title>
-          <c:tx>
-            <c:rich>
-              <a:bodyPr rot="-5400000" spcFirstLastPara="1" vertOverflow="ellipsis" vert="horz" wrap="square" anchor="ctr" anchorCtr="1"/>
-              <a:lstStyle/>
-              <a:p>
-                <a:pPr>
-                  <a:defRPr sz="2400" b="0" i="0" u="none" strike="noStrike" kern="1200" baseline="0">
-                    <a:solidFill>
-                      <a:schemeClr val="tx1"/>
-                    </a:solidFill>
-                    <a:latin typeface="Century Schoolbook" panose="02040604050505020304" pitchFamily="18" charset="0"/>
-                    <a:ea typeface="+mn-ea"/>
-                    <a:cs typeface="+mn-cs"/>
-                  </a:defRPr>
-                </a:pPr>
-                <a:r>
-                  <a:rPr lang="en-US"/>
-                  <a:t>Cumulative frequency</a:t>
-                </a:r>
-              </a:p>
-            </c:rich>
-          </c:tx>
-          <c:overlay val="0"/>
-          <c:spPr>
-            <a:noFill/>
-            <a:ln>
-              <a:noFill/>
-            </a:ln>
-            <a:effectLst/>
-          </c:spPr>
-          <c:txPr>
-            <a:bodyPr rot="-5400000" spcFirstLastPara="1" vertOverflow="ellipsis" vert="horz" wrap="square" anchor="ctr" anchorCtr="1"/>
-            <a:lstStyle/>
-            <a:p>
-              <a:pPr>
-                <a:defRPr sz="2400" b="0" i="0" u="none" strike="noStrike" kern="1200" baseline="0">
-                  <a:solidFill>
-                    <a:schemeClr val="tx1"/>
-                  </a:solidFill>
-                  <a:latin typeface="Century Schoolbook" panose="02040604050505020304" pitchFamily="18" charset="0"/>
-                  <a:ea typeface="+mn-ea"/>
-                  <a:cs typeface="+mn-cs"/>
-                </a:defRPr>
-              </a:pPr>
-              <a:endParaRPr lang="en-US"/>
-            </a:p>
-          </c:txPr>
-        </c:title>
-        <c:numFmt formatCode="General" sourceLinked="1"/>
-        <c:majorTickMark val="none"/>
-        <c:minorTickMark val="none"/>
-        <c:tickLblPos val="nextTo"/>
-        <c:spPr>
-          <a:noFill/>
-          <a:ln>
-            <a:noFill/>
-          </a:ln>
-          <a:effectLst/>
-        </c:spPr>
-        <c:txPr>
-          <a:bodyPr rot="-60000000" spcFirstLastPara="1" vertOverflow="ellipsis" vert="horz" wrap="square" anchor="ctr" anchorCtr="1"/>
-          <a:lstStyle/>
-          <a:p>
-            <a:pPr>
-              <a:defRPr sz="2400" b="0" i="0" u="none" strike="noStrike" kern="1200" baseline="0">
-                <a:solidFill>
-                  <a:schemeClr val="tx1"/>
-                </a:solidFill>
-                <a:latin typeface="Century Schoolbook" panose="02040604050505020304" pitchFamily="18" charset="0"/>
-                <a:ea typeface="+mn-ea"/>
-                <a:cs typeface="+mn-cs"/>
-              </a:defRPr>
-            </a:pPr>
-            <a:endParaRPr lang="en-US"/>
-          </a:p>
-        </c:txPr>
-        <c:crossAx val="405182160"/>
-        <c:crosses val="autoZero"/>
-        <c:crossBetween val="between"/>
-      </c:valAx>
-      <c:spPr>
-        <a:noFill/>
-        <a:ln>
-          <a:noFill/>
-        </a:ln>
-        <a:effectLst/>
-      </c:spPr>
-    </c:plotArea>
-    <c:plotVisOnly val="1"/>
-    <c:dispBlanksAs val="gap"/>
-    <c:extLst>
-      <c:ext xmlns:c16r3="http://schemas.microsoft.com/office/drawing/2017/03/chart" uri="{56B9EC1D-385E-4148-901F-78D8002777C0}">
-        <c16r3:dataDisplayOptions16>
-          <c16r3:dispNaAsBlank val="1"/>
-        </c16r3:dataDisplayOptions16>
-      </c:ext>
-    </c:extLst>
-    <c:showDLblsOverMax val="0"/>
-  </c:chart>
-  <c:spPr>
-    <a:solidFill>
-      <a:schemeClr val="bg1"/>
-    </a:solidFill>
-    <a:ln w="9525" cap="flat" cmpd="sng" algn="ctr">
-      <a:solidFill>
-        <a:schemeClr val="tx1"/>
-      </a:solidFill>
-      <a:round/>
-    </a:ln>
-    <a:effectLst/>
-  </c:spPr>
-  <c:txPr>
-    <a:bodyPr/>
-    <a:lstStyle/>
-    <a:p>
-      <a:pPr>
-        <a:defRPr sz="2400">
-          <a:solidFill>
-            <a:schemeClr val="tx1"/>
-          </a:solidFill>
-          <a:latin typeface="Century Schoolbook" panose="02040604050505020304" pitchFamily="18" charset="0"/>
-        </a:defRPr>
-      </a:pPr>
-      <a:endParaRPr lang="en-US"/>
-    </a:p>
-  </c:txPr>
-  <c:externalData r:id="rId3">
-    <c:autoUpdate val="0"/>
-  </c:externalData>
-</c:chartSpace>
-</file>
-
-<file path=ppt/charts/chart4.xml><?xml version="1.0" encoding="utf-8"?>
-<c:chartSpace xmlns:c="http://schemas.openxmlformats.org/drawingml/2006/chart" xmlns:a="http://schemas.openxmlformats.org/drawingml/2006/main" xmlns:r="http://schemas.openxmlformats.org/officeDocument/2006/relationships" xmlns:c16r2="http://schemas.microsoft.com/office/drawing/2015/06/chart">
-  <c:date1904 val="0"/>
-  <c:lang val="en-US"/>
-  <c:roundedCorners val="0"/>
-  <mc:AlternateContent xmlns:mc="http://schemas.openxmlformats.org/markup-compatibility/2006">
-    <mc:Choice xmlns:c14="http://schemas.microsoft.com/office/drawing/2007/8/2/chart" Requires="c14">
-      <c14:style val="102"/>
-    </mc:Choice>
-    <mc:Fallback>
-      <c:style val="2"/>
-    </mc:Fallback>
-  </mc:AlternateContent>
-  <c:chart>
-    <c:autoTitleDeleted val="1"/>
-    <c:plotArea>
-      <c:layout/>
       <c:barChart>
         <c:barDir val="col"/>
         <c:grouping val="clustered"/>
@@ -1839,7 +1437,7 @@
 </c:chartSpace>
 </file>
 
-<file path=ppt/charts/chart5.xml><?xml version="1.0" encoding="utf-8"?>
+<file path=ppt/charts/chart4.xml><?xml version="1.0" encoding="utf-8"?>
 <c:chartSpace xmlns:c="http://schemas.openxmlformats.org/drawingml/2006/chart" xmlns:a="http://schemas.openxmlformats.org/drawingml/2006/main" xmlns:r="http://schemas.openxmlformats.org/officeDocument/2006/relationships" xmlns:c16r2="http://schemas.microsoft.com/office/drawing/2015/06/chart">
   <c:date1904 val="0"/>
   <c:lang val="en-US"/>
@@ -2246,46 +1844,6 @@
 </file>
 
 <file path=ppt/charts/colors4.xml><?xml version="1.0" encoding="utf-8"?>
-<cs:colorStyle xmlns:cs="http://schemas.microsoft.com/office/drawing/2012/chartStyle" xmlns:a="http://schemas.openxmlformats.org/drawingml/2006/main" meth="cycle" id="10">
-  <a:schemeClr val="accent1"/>
-  <a:schemeClr val="accent2"/>
-  <a:schemeClr val="accent3"/>
-  <a:schemeClr val="accent4"/>
-  <a:schemeClr val="accent5"/>
-  <a:schemeClr val="accent6"/>
-  <cs:variation/>
-  <cs:variation>
-    <a:lumMod val="60000"/>
-  </cs:variation>
-  <cs:variation>
-    <a:lumMod val="80000"/>
-    <a:lumOff val="20000"/>
-  </cs:variation>
-  <cs:variation>
-    <a:lumMod val="80000"/>
-  </cs:variation>
-  <cs:variation>
-    <a:lumMod val="60000"/>
-    <a:lumOff val="40000"/>
-  </cs:variation>
-  <cs:variation>
-    <a:lumMod val="50000"/>
-  </cs:variation>
-  <cs:variation>
-    <a:lumMod val="70000"/>
-    <a:lumOff val="30000"/>
-  </cs:variation>
-  <cs:variation>
-    <a:lumMod val="70000"/>
-  </cs:variation>
-  <cs:variation>
-    <a:lumMod val="50000"/>
-    <a:lumOff val="50000"/>
-  </cs:variation>
-</cs:colorStyle>
-</file>
-
-<file path=ppt/charts/colors5.xml><?xml version="1.0" encoding="utf-8"?>
 <cs:colorStyle xmlns:cs="http://schemas.microsoft.com/office/drawing/2012/chartStyle" xmlns:a="http://schemas.openxmlformats.org/drawingml/2006/main" meth="cycle" id="10">
   <a:schemeClr val="accent1"/>
   <a:schemeClr val="accent2"/>
@@ -3332,7 +2890,7 @@
 </file>
 
 <file path=ppt/charts/style3.xml><?xml version="1.0" encoding="utf-8"?>
-<cs:chartStyle xmlns:cs="http://schemas.microsoft.com/office/drawing/2012/chartStyle" xmlns:a="http://schemas.openxmlformats.org/drawingml/2006/main" id="332">
+<cs:chartStyle xmlns:cs="http://schemas.microsoft.com/office/drawing/2012/chartStyle" xmlns:a="http://schemas.openxmlformats.org/drawingml/2006/main" id="201">
   <cs:axisTitle>
     <cs:lnRef idx="0"/>
     <cs:fillRef idx="0"/>
@@ -3835,509 +3393,6 @@
 </file>
 
 <file path=ppt/charts/style4.xml><?xml version="1.0" encoding="utf-8"?>
-<cs:chartStyle xmlns:cs="http://schemas.microsoft.com/office/drawing/2012/chartStyle" xmlns:a="http://schemas.openxmlformats.org/drawingml/2006/main" id="201">
-  <cs:axisTitle>
-    <cs:lnRef idx="0"/>
-    <cs:fillRef idx="0"/>
-    <cs:effectRef idx="0"/>
-    <cs:fontRef idx="minor">
-      <a:schemeClr val="tx1">
-        <a:lumMod val="65000"/>
-        <a:lumOff val="35000"/>
-      </a:schemeClr>
-    </cs:fontRef>
-    <cs:defRPr sz="1000" kern="1200"/>
-  </cs:axisTitle>
-  <cs:categoryAxis>
-    <cs:lnRef idx="0"/>
-    <cs:fillRef idx="0"/>
-    <cs:effectRef idx="0"/>
-    <cs:fontRef idx="minor">
-      <a:schemeClr val="tx1">
-        <a:lumMod val="65000"/>
-        <a:lumOff val="35000"/>
-      </a:schemeClr>
-    </cs:fontRef>
-    <cs:spPr>
-      <a:ln w="9525" cap="flat" cmpd="sng" algn="ctr">
-        <a:solidFill>
-          <a:schemeClr val="tx1">
-            <a:lumMod val="15000"/>
-            <a:lumOff val="85000"/>
-          </a:schemeClr>
-        </a:solidFill>
-        <a:round/>
-      </a:ln>
-    </cs:spPr>
-    <cs:defRPr sz="900" kern="1200"/>
-  </cs:categoryAxis>
-  <cs:chartArea mods="allowNoFillOverride allowNoLineOverride">
-    <cs:lnRef idx="0"/>
-    <cs:fillRef idx="0"/>
-    <cs:effectRef idx="0"/>
-    <cs:fontRef idx="minor">
-      <a:schemeClr val="tx1"/>
-    </cs:fontRef>
-    <cs:spPr>
-      <a:solidFill>
-        <a:schemeClr val="bg1"/>
-      </a:solidFill>
-      <a:ln w="9525" cap="flat" cmpd="sng" algn="ctr">
-        <a:solidFill>
-          <a:schemeClr val="tx1">
-            <a:lumMod val="15000"/>
-            <a:lumOff val="85000"/>
-          </a:schemeClr>
-        </a:solidFill>
-        <a:round/>
-      </a:ln>
-    </cs:spPr>
-    <cs:defRPr sz="1000" kern="1200"/>
-  </cs:chartArea>
-  <cs:dataLabel>
-    <cs:lnRef idx="0"/>
-    <cs:fillRef idx="0"/>
-    <cs:effectRef idx="0"/>
-    <cs:fontRef idx="minor">
-      <a:schemeClr val="tx1">
-        <a:lumMod val="75000"/>
-        <a:lumOff val="25000"/>
-      </a:schemeClr>
-    </cs:fontRef>
-    <cs:defRPr sz="900" kern="1200"/>
-  </cs:dataLabel>
-  <cs:dataLabelCallout>
-    <cs:lnRef idx="0"/>
-    <cs:fillRef idx="0"/>
-    <cs:effectRef idx="0"/>
-    <cs:fontRef idx="minor">
-      <a:schemeClr val="dk1">
-        <a:lumMod val="65000"/>
-        <a:lumOff val="35000"/>
-      </a:schemeClr>
-    </cs:fontRef>
-    <cs:spPr>
-      <a:solidFill>
-        <a:schemeClr val="lt1"/>
-      </a:solidFill>
-      <a:ln>
-        <a:solidFill>
-          <a:schemeClr val="dk1">
-            <a:lumMod val="25000"/>
-            <a:lumOff val="75000"/>
-          </a:schemeClr>
-        </a:solidFill>
-      </a:ln>
-    </cs:spPr>
-    <cs:defRPr sz="900" kern="1200"/>
-    <cs:bodyPr rot="0" spcFirstLastPara="1" vertOverflow="clip" horzOverflow="clip" vert="horz" wrap="square" lIns="36576" tIns="18288" rIns="36576" bIns="18288" anchor="ctr" anchorCtr="1">
-      <a:spAutoFit/>
-    </cs:bodyPr>
-  </cs:dataLabelCallout>
-  <cs:dataPoint>
-    <cs:lnRef idx="0"/>
-    <cs:fillRef idx="1">
-      <cs:styleClr val="auto"/>
-    </cs:fillRef>
-    <cs:effectRef idx="0"/>
-    <cs:fontRef idx="minor">
-      <a:schemeClr val="tx1"/>
-    </cs:fontRef>
-  </cs:dataPoint>
-  <cs:dataPoint3D>
-    <cs:lnRef idx="0"/>
-    <cs:fillRef idx="1">
-      <cs:styleClr val="auto"/>
-    </cs:fillRef>
-    <cs:effectRef idx="0"/>
-    <cs:fontRef idx="minor">
-      <a:schemeClr val="tx1"/>
-    </cs:fontRef>
-  </cs:dataPoint3D>
-  <cs:dataPointLine>
-    <cs:lnRef idx="0">
-      <cs:styleClr val="auto"/>
-    </cs:lnRef>
-    <cs:fillRef idx="1"/>
-    <cs:effectRef idx="0"/>
-    <cs:fontRef idx="minor">
-      <a:schemeClr val="tx1"/>
-    </cs:fontRef>
-    <cs:spPr>
-      <a:ln w="28575" cap="rnd">
-        <a:solidFill>
-          <a:schemeClr val="phClr"/>
-        </a:solidFill>
-        <a:round/>
-      </a:ln>
-    </cs:spPr>
-  </cs:dataPointLine>
-  <cs:dataPointMarker>
-    <cs:lnRef idx="0">
-      <cs:styleClr val="auto"/>
-    </cs:lnRef>
-    <cs:fillRef idx="1">
-      <cs:styleClr val="auto"/>
-    </cs:fillRef>
-    <cs:effectRef idx="0"/>
-    <cs:fontRef idx="minor">
-      <a:schemeClr val="tx1"/>
-    </cs:fontRef>
-    <cs:spPr>
-      <a:ln w="9525">
-        <a:solidFill>
-          <a:schemeClr val="phClr"/>
-        </a:solidFill>
-      </a:ln>
-    </cs:spPr>
-  </cs:dataPointMarker>
-  <cs:dataPointMarkerLayout symbol="circle" size="5"/>
-  <cs:dataPointWireframe>
-    <cs:lnRef idx="0">
-      <cs:styleClr val="auto"/>
-    </cs:lnRef>
-    <cs:fillRef idx="1"/>
-    <cs:effectRef idx="0"/>
-    <cs:fontRef idx="minor">
-      <a:schemeClr val="tx1"/>
-    </cs:fontRef>
-    <cs:spPr>
-      <a:ln w="9525" cap="rnd">
-        <a:solidFill>
-          <a:schemeClr val="phClr"/>
-        </a:solidFill>
-        <a:round/>
-      </a:ln>
-    </cs:spPr>
-  </cs:dataPointWireframe>
-  <cs:dataTable>
-    <cs:lnRef idx="0"/>
-    <cs:fillRef idx="0"/>
-    <cs:effectRef idx="0"/>
-    <cs:fontRef idx="minor">
-      <a:schemeClr val="tx1">
-        <a:lumMod val="65000"/>
-        <a:lumOff val="35000"/>
-      </a:schemeClr>
-    </cs:fontRef>
-    <cs:spPr>
-      <a:noFill/>
-      <a:ln w="9525" cap="flat" cmpd="sng" algn="ctr">
-        <a:solidFill>
-          <a:schemeClr val="tx1">
-            <a:lumMod val="15000"/>
-            <a:lumOff val="85000"/>
-          </a:schemeClr>
-        </a:solidFill>
-        <a:round/>
-      </a:ln>
-    </cs:spPr>
-    <cs:defRPr sz="900" kern="1200"/>
-  </cs:dataTable>
-  <cs:downBar>
-    <cs:lnRef idx="0"/>
-    <cs:fillRef idx="0"/>
-    <cs:effectRef idx="0"/>
-    <cs:fontRef idx="minor">
-      <a:schemeClr val="dk1"/>
-    </cs:fontRef>
-    <cs:spPr>
-      <a:solidFill>
-        <a:schemeClr val="dk1">
-          <a:lumMod val="65000"/>
-          <a:lumOff val="35000"/>
-        </a:schemeClr>
-      </a:solidFill>
-      <a:ln w="9525">
-        <a:solidFill>
-          <a:schemeClr val="tx1">
-            <a:lumMod val="65000"/>
-            <a:lumOff val="35000"/>
-          </a:schemeClr>
-        </a:solidFill>
-      </a:ln>
-    </cs:spPr>
-  </cs:downBar>
-  <cs:dropLine>
-    <cs:lnRef idx="0"/>
-    <cs:fillRef idx="0"/>
-    <cs:effectRef idx="0"/>
-    <cs:fontRef idx="minor">
-      <a:schemeClr val="tx1"/>
-    </cs:fontRef>
-    <cs:spPr>
-      <a:ln w="9525" cap="flat" cmpd="sng" algn="ctr">
-        <a:solidFill>
-          <a:schemeClr val="tx1">
-            <a:lumMod val="35000"/>
-            <a:lumOff val="65000"/>
-          </a:schemeClr>
-        </a:solidFill>
-        <a:round/>
-      </a:ln>
-    </cs:spPr>
-  </cs:dropLine>
-  <cs:errorBar>
-    <cs:lnRef idx="0"/>
-    <cs:fillRef idx="0"/>
-    <cs:effectRef idx="0"/>
-    <cs:fontRef idx="minor">
-      <a:schemeClr val="tx1"/>
-    </cs:fontRef>
-    <cs:spPr>
-      <a:ln w="9525" cap="flat" cmpd="sng" algn="ctr">
-        <a:solidFill>
-          <a:schemeClr val="tx1">
-            <a:lumMod val="65000"/>
-            <a:lumOff val="35000"/>
-          </a:schemeClr>
-        </a:solidFill>
-        <a:round/>
-      </a:ln>
-    </cs:spPr>
-  </cs:errorBar>
-  <cs:floor>
-    <cs:lnRef idx="0"/>
-    <cs:fillRef idx="0"/>
-    <cs:effectRef idx="0"/>
-    <cs:fontRef idx="minor">
-      <a:schemeClr val="tx1"/>
-    </cs:fontRef>
-    <cs:spPr>
-      <a:noFill/>
-      <a:ln>
-        <a:noFill/>
-      </a:ln>
-    </cs:spPr>
-  </cs:floor>
-  <cs:gridlineMajor>
-    <cs:lnRef idx="0"/>
-    <cs:fillRef idx="0"/>
-    <cs:effectRef idx="0"/>
-    <cs:fontRef idx="minor">
-      <a:schemeClr val="tx1"/>
-    </cs:fontRef>
-    <cs:spPr>
-      <a:ln w="9525" cap="flat" cmpd="sng" algn="ctr">
-        <a:solidFill>
-          <a:schemeClr val="tx1">
-            <a:lumMod val="15000"/>
-            <a:lumOff val="85000"/>
-          </a:schemeClr>
-        </a:solidFill>
-        <a:round/>
-      </a:ln>
-    </cs:spPr>
-  </cs:gridlineMajor>
-  <cs:gridlineMinor>
-    <cs:lnRef idx="0"/>
-    <cs:fillRef idx="0"/>
-    <cs:effectRef idx="0"/>
-    <cs:fontRef idx="minor">
-      <a:schemeClr val="tx1"/>
-    </cs:fontRef>
-    <cs:spPr>
-      <a:ln w="9525" cap="flat" cmpd="sng" algn="ctr">
-        <a:solidFill>
-          <a:schemeClr val="tx1">
-            <a:lumMod val="5000"/>
-            <a:lumOff val="95000"/>
-          </a:schemeClr>
-        </a:solidFill>
-        <a:round/>
-      </a:ln>
-    </cs:spPr>
-  </cs:gridlineMinor>
-  <cs:hiLoLine>
-    <cs:lnRef idx="0"/>
-    <cs:fillRef idx="0"/>
-    <cs:effectRef idx="0"/>
-    <cs:fontRef idx="minor">
-      <a:schemeClr val="tx1"/>
-    </cs:fontRef>
-    <cs:spPr>
-      <a:ln w="9525" cap="flat" cmpd="sng" algn="ctr">
-        <a:solidFill>
-          <a:schemeClr val="tx1">
-            <a:lumMod val="75000"/>
-            <a:lumOff val="25000"/>
-          </a:schemeClr>
-        </a:solidFill>
-        <a:round/>
-      </a:ln>
-    </cs:spPr>
-  </cs:hiLoLine>
-  <cs:leaderLine>
-    <cs:lnRef idx="0"/>
-    <cs:fillRef idx="0"/>
-    <cs:effectRef idx="0"/>
-    <cs:fontRef idx="minor">
-      <a:schemeClr val="tx1"/>
-    </cs:fontRef>
-    <cs:spPr>
-      <a:ln w="9525" cap="flat" cmpd="sng" algn="ctr">
-        <a:solidFill>
-          <a:schemeClr val="tx1">
-            <a:lumMod val="35000"/>
-            <a:lumOff val="65000"/>
-          </a:schemeClr>
-        </a:solidFill>
-        <a:round/>
-      </a:ln>
-    </cs:spPr>
-  </cs:leaderLine>
-  <cs:legend>
-    <cs:lnRef idx="0"/>
-    <cs:fillRef idx="0"/>
-    <cs:effectRef idx="0"/>
-    <cs:fontRef idx="minor">
-      <a:schemeClr val="tx1">
-        <a:lumMod val="65000"/>
-        <a:lumOff val="35000"/>
-      </a:schemeClr>
-    </cs:fontRef>
-    <cs:defRPr sz="900" kern="1200"/>
-  </cs:legend>
-  <cs:plotArea mods="allowNoFillOverride allowNoLineOverride">
-    <cs:lnRef idx="0"/>
-    <cs:fillRef idx="0"/>
-    <cs:effectRef idx="0"/>
-    <cs:fontRef idx="minor">
-      <a:schemeClr val="tx1"/>
-    </cs:fontRef>
-  </cs:plotArea>
-  <cs:plotArea3D mods="allowNoFillOverride allowNoLineOverride">
-    <cs:lnRef idx="0"/>
-    <cs:fillRef idx="0"/>
-    <cs:effectRef idx="0"/>
-    <cs:fontRef idx="minor">
-      <a:schemeClr val="tx1"/>
-    </cs:fontRef>
-  </cs:plotArea3D>
-  <cs:seriesAxis>
-    <cs:lnRef idx="0"/>
-    <cs:fillRef idx="0"/>
-    <cs:effectRef idx="0"/>
-    <cs:fontRef idx="minor">
-      <a:schemeClr val="tx1">
-        <a:lumMod val="65000"/>
-        <a:lumOff val="35000"/>
-      </a:schemeClr>
-    </cs:fontRef>
-    <cs:defRPr sz="900" kern="1200"/>
-  </cs:seriesAxis>
-  <cs:seriesLine>
-    <cs:lnRef idx="0"/>
-    <cs:fillRef idx="0"/>
-    <cs:effectRef idx="0"/>
-    <cs:fontRef idx="minor">
-      <a:schemeClr val="tx1"/>
-    </cs:fontRef>
-    <cs:spPr>
-      <a:ln w="9525" cap="flat" cmpd="sng" algn="ctr">
-        <a:solidFill>
-          <a:schemeClr val="tx1">
-            <a:lumMod val="35000"/>
-            <a:lumOff val="65000"/>
-          </a:schemeClr>
-        </a:solidFill>
-        <a:round/>
-      </a:ln>
-    </cs:spPr>
-  </cs:seriesLine>
-  <cs:title>
-    <cs:lnRef idx="0"/>
-    <cs:fillRef idx="0"/>
-    <cs:effectRef idx="0"/>
-    <cs:fontRef idx="minor">
-      <a:schemeClr val="tx1">
-        <a:lumMod val="65000"/>
-        <a:lumOff val="35000"/>
-      </a:schemeClr>
-    </cs:fontRef>
-    <cs:defRPr sz="1400" b="0" kern="1200" spc="0" baseline="0"/>
-  </cs:title>
-  <cs:trendline>
-    <cs:lnRef idx="0">
-      <cs:styleClr val="auto"/>
-    </cs:lnRef>
-    <cs:fillRef idx="0"/>
-    <cs:effectRef idx="0"/>
-    <cs:fontRef idx="minor">
-      <a:schemeClr val="tx1"/>
-    </cs:fontRef>
-    <cs:spPr>
-      <a:ln w="19050" cap="rnd">
-        <a:solidFill>
-          <a:schemeClr val="phClr"/>
-        </a:solidFill>
-        <a:prstDash val="sysDot"/>
-      </a:ln>
-    </cs:spPr>
-  </cs:trendline>
-  <cs:trendlineLabel>
-    <cs:lnRef idx="0"/>
-    <cs:fillRef idx="0"/>
-    <cs:effectRef idx="0"/>
-    <cs:fontRef idx="minor">
-      <a:schemeClr val="tx1">
-        <a:lumMod val="65000"/>
-        <a:lumOff val="35000"/>
-      </a:schemeClr>
-    </cs:fontRef>
-    <cs:defRPr sz="900" kern="1200"/>
-  </cs:trendlineLabel>
-  <cs:upBar>
-    <cs:lnRef idx="0"/>
-    <cs:fillRef idx="0"/>
-    <cs:effectRef idx="0"/>
-    <cs:fontRef idx="minor">
-      <a:schemeClr val="dk1"/>
-    </cs:fontRef>
-    <cs:spPr>
-      <a:solidFill>
-        <a:schemeClr val="lt1"/>
-      </a:solidFill>
-      <a:ln w="9525">
-        <a:solidFill>
-          <a:schemeClr val="tx1">
-            <a:lumMod val="15000"/>
-            <a:lumOff val="85000"/>
-          </a:schemeClr>
-        </a:solidFill>
-      </a:ln>
-    </cs:spPr>
-  </cs:upBar>
-  <cs:valueAxis>
-    <cs:lnRef idx="0"/>
-    <cs:fillRef idx="0"/>
-    <cs:effectRef idx="0"/>
-    <cs:fontRef idx="minor">
-      <a:schemeClr val="tx1">
-        <a:lumMod val="65000"/>
-        <a:lumOff val="35000"/>
-      </a:schemeClr>
-    </cs:fontRef>
-    <cs:defRPr sz="900" kern="1200"/>
-  </cs:valueAxis>
-  <cs:wall>
-    <cs:lnRef idx="0"/>
-    <cs:fillRef idx="0"/>
-    <cs:effectRef idx="0"/>
-    <cs:fontRef idx="minor">
-      <a:schemeClr val="tx1"/>
-    </cs:fontRef>
-    <cs:spPr>
-      <a:noFill/>
-      <a:ln>
-        <a:noFill/>
-      </a:ln>
-    </cs:spPr>
-  </cs:wall>
-</cs:chartStyle>
-</file>
-
-<file path=ppt/charts/style5.xml><?xml version="1.0" encoding="utf-8"?>
 <cs:chartStyle xmlns:cs="http://schemas.microsoft.com/office/drawing/2012/chartStyle" xmlns:a="http://schemas.openxmlformats.org/drawingml/2006/main" id="251">
   <cs:axisTitle>
     <cs:lnRef idx="0"/>
@@ -5259,7 +4314,7 @@
           <a:p>
             <a:fld id="{97B34786-0A07-4281-A7C3-7630DD8912B6}" type="datetimeFigureOut">
               <a:rPr lang="en-US" smtClean="0"/>
-              <a:t>6/4/2024</a:t>
+              <a:t>10/26/2024</a:t>
             </a:fld>
             <a:endParaRPr lang="en-US"/>
           </a:p>
@@ -5438,7 +4493,7 @@
           <a:p>
             <a:fld id="{97B34786-0A07-4281-A7C3-7630DD8912B6}" type="datetimeFigureOut">
               <a:rPr lang="en-US" smtClean="0"/>
-              <a:t>6/4/2024</a:t>
+              <a:t>10/26/2024</a:t>
             </a:fld>
             <a:endParaRPr lang="en-US"/>
           </a:p>
@@ -5618,7 +4673,7 @@
           <a:p>
             <a:fld id="{97B34786-0A07-4281-A7C3-7630DD8912B6}" type="datetimeFigureOut">
               <a:rPr lang="en-US" smtClean="0"/>
-              <a:t>6/4/2024</a:t>
+              <a:t>10/26/2024</a:t>
             </a:fld>
             <a:endParaRPr lang="en-US"/>
           </a:p>
@@ -5793,7 +4848,7 @@
           <a:p>
             <a:fld id="{97B34786-0A07-4281-A7C3-7630DD8912B6}" type="datetimeFigureOut">
               <a:rPr lang="en-US" smtClean="0"/>
-              <a:t>6/4/2024</a:t>
+              <a:t>10/26/2024</a:t>
             </a:fld>
             <a:endParaRPr lang="en-US"/>
           </a:p>
@@ -5963,7 +5018,7 @@
           <a:p>
             <a:fld id="{97B34786-0A07-4281-A7C3-7630DD8912B6}" type="datetimeFigureOut">
               <a:rPr lang="en-US" smtClean="0"/>
-              <a:t>6/4/2024</a:t>
+              <a:t>10/26/2024</a:t>
             </a:fld>
             <a:endParaRPr lang="en-US"/>
           </a:p>
@@ -6276,7 +5331,7 @@
           <a:p>
             <a:fld id="{97B34786-0A07-4281-A7C3-7630DD8912B6}" type="datetimeFigureOut">
               <a:rPr lang="en-US" smtClean="0"/>
-              <a:t>6/4/2024</a:t>
+              <a:t>10/26/2024</a:t>
             </a:fld>
             <a:endParaRPr lang="en-US"/>
           </a:p>
@@ -6662,7 +5717,7 @@
           <a:p>
             <a:fld id="{97B34786-0A07-4281-A7C3-7630DD8912B6}" type="datetimeFigureOut">
               <a:rPr lang="en-US" smtClean="0"/>
-              <a:t>6/4/2024</a:t>
+              <a:t>10/26/2024</a:t>
             </a:fld>
             <a:endParaRPr lang="en-US"/>
           </a:p>
@@ -7096,7 +6151,7 @@
           <a:p>
             <a:fld id="{97B34786-0A07-4281-A7C3-7630DD8912B6}" type="datetimeFigureOut">
               <a:rPr lang="en-US" smtClean="0"/>
-              <a:t>6/4/2024</a:t>
+              <a:t>10/26/2024</a:t>
             </a:fld>
             <a:endParaRPr lang="en-US"/>
           </a:p>
@@ -7214,7 +6269,7 @@
           <a:p>
             <a:fld id="{97B34786-0A07-4281-A7C3-7630DD8912B6}" type="datetimeFigureOut">
               <a:rPr lang="en-US" smtClean="0"/>
-              <a:t>6/4/2024</a:t>
+              <a:t>10/26/2024</a:t>
             </a:fld>
             <a:endParaRPr lang="en-US"/>
           </a:p>
@@ -7309,7 +6364,7 @@
           <a:p>
             <a:fld id="{97B34786-0A07-4281-A7C3-7630DD8912B6}" type="datetimeFigureOut">
               <a:rPr lang="en-US" smtClean="0"/>
-              <a:t>6/4/2024</a:t>
+              <a:t>10/26/2024</a:t>
             </a:fld>
             <a:endParaRPr lang="en-US"/>
           </a:p>
@@ -7659,7 +6714,7 @@
           <a:p>
             <a:fld id="{97B34786-0A07-4281-A7C3-7630DD8912B6}" type="datetimeFigureOut">
               <a:rPr lang="en-US" smtClean="0"/>
-              <a:t>6/4/2024</a:t>
+              <a:t>10/26/2024</a:t>
             </a:fld>
             <a:endParaRPr lang="en-US"/>
           </a:p>
@@ -8084,7 +7139,7 @@
           <a:p>
             <a:fld id="{97B34786-0A07-4281-A7C3-7630DD8912B6}" type="datetimeFigureOut">
               <a:rPr lang="en-US" smtClean="0"/>
-              <a:t>6/4/2024</a:t>
+              <a:t>10/26/2024</a:t>
             </a:fld>
             <a:endParaRPr lang="en-US"/>
           </a:p>
@@ -8365,7 +7420,7 @@
           <a:p>
             <a:fld id="{97B34786-0A07-4281-A7C3-7630DD8912B6}" type="datetimeFigureOut">
               <a:rPr lang="en-US" smtClean="0"/>
-              <a:t>6/4/2024</a:t>
+              <a:t>10/26/2024</a:t>
             </a:fld>
             <a:endParaRPr lang="en-US"/>
           </a:p>
@@ -13540,7 +12595,7 @@
             </a:pPr>
             <a:r>
               <a:rPr lang="en-US" sz="3200" dirty="0"/>
-              <a:t>Plot a point above each upper boundary (for less than type) at a height equal to the cumulative frequency of that class</a:t>
+              <a:t>Plot a point above each upper boundary at a height equal to the cumulative frequency of that class</a:t>
             </a:r>
           </a:p>
           <a:p>
@@ -15987,264 +15042,6 @@
           </a:graphicData>
         </a:graphic>
       </p:graphicFrame>
-      <p:sp>
-        <p:nvSpPr>
-          <p:cNvPr id="5" name="TextBox 4">
-            <a:extLst>
-              <a:ext uri="{FF2B5EF4-FFF2-40B4-BE49-F238E27FC236}">
-                <a16:creationId xmlns:a16="http://schemas.microsoft.com/office/drawing/2014/main" id="{3A1949A9-A722-DFC4-81BF-9AF5B2257185}"/>
-              </a:ext>
-            </a:extLst>
-          </p:cNvPr>
-          <p:cNvSpPr txBox="1"/>
-          <p:nvPr/>
-        </p:nvSpPr>
-        <p:spPr>
-          <a:xfrm>
-            <a:off x="9199984" y="1611858"/>
-            <a:ext cx="2873830" cy="584775"/>
-          </a:xfrm>
-          <a:custGeom>
-            <a:avLst/>
-            <a:gdLst>
-              <a:gd name="connsiteX0" fmla="*/ 0 w 2873830"/>
-              <a:gd name="connsiteY0" fmla="*/ 0 h 584775"/>
-              <a:gd name="connsiteX1" fmla="*/ 546028 w 2873830"/>
-              <a:gd name="connsiteY1" fmla="*/ 0 h 584775"/>
-              <a:gd name="connsiteX2" fmla="*/ 1178270 w 2873830"/>
-              <a:gd name="connsiteY2" fmla="*/ 0 h 584775"/>
-              <a:gd name="connsiteX3" fmla="*/ 1724298 w 2873830"/>
-              <a:gd name="connsiteY3" fmla="*/ 0 h 584775"/>
-              <a:gd name="connsiteX4" fmla="*/ 2327802 w 2873830"/>
-              <a:gd name="connsiteY4" fmla="*/ 0 h 584775"/>
-              <a:gd name="connsiteX5" fmla="*/ 2873830 w 2873830"/>
-              <a:gd name="connsiteY5" fmla="*/ 0 h 584775"/>
-              <a:gd name="connsiteX6" fmla="*/ 2873830 w 2873830"/>
-              <a:gd name="connsiteY6" fmla="*/ 584775 h 584775"/>
-              <a:gd name="connsiteX7" fmla="*/ 2241587 w 2873830"/>
-              <a:gd name="connsiteY7" fmla="*/ 584775 h 584775"/>
-              <a:gd name="connsiteX8" fmla="*/ 1638083 w 2873830"/>
-              <a:gd name="connsiteY8" fmla="*/ 584775 h 584775"/>
-              <a:gd name="connsiteX9" fmla="*/ 1120794 w 2873830"/>
-              <a:gd name="connsiteY9" fmla="*/ 584775 h 584775"/>
-              <a:gd name="connsiteX10" fmla="*/ 574766 w 2873830"/>
-              <a:gd name="connsiteY10" fmla="*/ 584775 h 584775"/>
-              <a:gd name="connsiteX11" fmla="*/ 0 w 2873830"/>
-              <a:gd name="connsiteY11" fmla="*/ 584775 h 584775"/>
-              <a:gd name="connsiteX12" fmla="*/ 0 w 2873830"/>
-              <a:gd name="connsiteY12" fmla="*/ 0 h 584775"/>
-            </a:gdLst>
-            <a:ahLst/>
-            <a:cxnLst>
-              <a:cxn ang="0">
-                <a:pos x="connsiteX0" y="connsiteY0"/>
-              </a:cxn>
-              <a:cxn ang="0">
-                <a:pos x="connsiteX1" y="connsiteY1"/>
-              </a:cxn>
-              <a:cxn ang="0">
-                <a:pos x="connsiteX2" y="connsiteY2"/>
-              </a:cxn>
-              <a:cxn ang="0">
-                <a:pos x="connsiteX3" y="connsiteY3"/>
-              </a:cxn>
-              <a:cxn ang="0">
-                <a:pos x="connsiteX4" y="connsiteY4"/>
-              </a:cxn>
-              <a:cxn ang="0">
-                <a:pos x="connsiteX5" y="connsiteY5"/>
-              </a:cxn>
-              <a:cxn ang="0">
-                <a:pos x="connsiteX6" y="connsiteY6"/>
-              </a:cxn>
-              <a:cxn ang="0">
-                <a:pos x="connsiteX7" y="connsiteY7"/>
-              </a:cxn>
-              <a:cxn ang="0">
-                <a:pos x="connsiteX8" y="connsiteY8"/>
-              </a:cxn>
-              <a:cxn ang="0">
-                <a:pos x="connsiteX9" y="connsiteY9"/>
-              </a:cxn>
-              <a:cxn ang="0">
-                <a:pos x="connsiteX10" y="connsiteY10"/>
-              </a:cxn>
-              <a:cxn ang="0">
-                <a:pos x="connsiteX11" y="connsiteY11"/>
-              </a:cxn>
-              <a:cxn ang="0">
-                <a:pos x="connsiteX12" y="connsiteY12"/>
-              </a:cxn>
-            </a:cxnLst>
-            <a:rect l="l" t="t" r="r" b="b"/>
-            <a:pathLst>
-              <a:path w="2873830" h="584775" fill="none" extrusionOk="0">
-                <a:moveTo>
-                  <a:pt x="0" y="0"/>
-                </a:moveTo>
-                <a:cubicBezTo>
-                  <a:pt x="268168" y="26594"/>
-                  <a:pt x="398678" y="-19041"/>
-                  <a:pt x="546028" y="0"/>
-                </a:cubicBezTo>
-                <a:cubicBezTo>
-                  <a:pt x="693378" y="19041"/>
-                  <a:pt x="901164" y="-19975"/>
-                  <a:pt x="1178270" y="0"/>
-                </a:cubicBezTo>
-                <a:cubicBezTo>
-                  <a:pt x="1455376" y="19975"/>
-                  <a:pt x="1455714" y="22330"/>
-                  <a:pt x="1724298" y="0"/>
-                </a:cubicBezTo>
-                <a:cubicBezTo>
-                  <a:pt x="1992882" y="-22330"/>
-                  <a:pt x="2095754" y="-6995"/>
-                  <a:pt x="2327802" y="0"/>
-                </a:cubicBezTo>
-                <a:cubicBezTo>
-                  <a:pt x="2559850" y="6995"/>
-                  <a:pt x="2639663" y="4707"/>
-                  <a:pt x="2873830" y="0"/>
-                </a:cubicBezTo>
-                <a:cubicBezTo>
-                  <a:pt x="2880032" y="227141"/>
-                  <a:pt x="2871419" y="385531"/>
-                  <a:pt x="2873830" y="584775"/>
-                </a:cubicBezTo>
-                <a:cubicBezTo>
-                  <a:pt x="2713361" y="560377"/>
-                  <a:pt x="2443830" y="587402"/>
-                  <a:pt x="2241587" y="584775"/>
-                </a:cubicBezTo>
-                <a:cubicBezTo>
-                  <a:pt x="2039344" y="582148"/>
-                  <a:pt x="1904579" y="558160"/>
-                  <a:pt x="1638083" y="584775"/>
-                </a:cubicBezTo>
-                <a:cubicBezTo>
-                  <a:pt x="1371587" y="611390"/>
-                  <a:pt x="1264519" y="569742"/>
-                  <a:pt x="1120794" y="584775"/>
-                </a:cubicBezTo>
-                <a:cubicBezTo>
-                  <a:pt x="977069" y="599808"/>
-                  <a:pt x="764041" y="576148"/>
-                  <a:pt x="574766" y="584775"/>
-                </a:cubicBezTo>
-                <a:cubicBezTo>
-                  <a:pt x="385491" y="593402"/>
-                  <a:pt x="137201" y="560512"/>
-                  <a:pt x="0" y="584775"/>
-                </a:cubicBezTo>
-                <a:cubicBezTo>
-                  <a:pt x="-23891" y="406155"/>
-                  <a:pt x="24954" y="183945"/>
-                  <a:pt x="0" y="0"/>
-                </a:cubicBezTo>
-                <a:close/>
-              </a:path>
-              <a:path w="2873830" h="584775" stroke="0" extrusionOk="0">
-                <a:moveTo>
-                  <a:pt x="0" y="0"/>
-                </a:moveTo>
-                <a:cubicBezTo>
-                  <a:pt x="124543" y="-13192"/>
-                  <a:pt x="274644" y="3719"/>
-                  <a:pt x="546028" y="0"/>
-                </a:cubicBezTo>
-                <a:cubicBezTo>
-                  <a:pt x="817412" y="-3719"/>
-                  <a:pt x="915858" y="21812"/>
-                  <a:pt x="1092055" y="0"/>
-                </a:cubicBezTo>
-                <a:cubicBezTo>
-                  <a:pt x="1268252" y="-21812"/>
-                  <a:pt x="1429025" y="10763"/>
-                  <a:pt x="1638083" y="0"/>
-                </a:cubicBezTo>
-                <a:cubicBezTo>
-                  <a:pt x="1847141" y="-10763"/>
-                  <a:pt x="1999007" y="3200"/>
-                  <a:pt x="2270326" y="0"/>
-                </a:cubicBezTo>
-                <a:cubicBezTo>
-                  <a:pt x="2541645" y="-3200"/>
-                  <a:pt x="2638079" y="26807"/>
-                  <a:pt x="2873830" y="0"/>
-                </a:cubicBezTo>
-                <a:cubicBezTo>
-                  <a:pt x="2873615" y="200400"/>
-                  <a:pt x="2873764" y="433497"/>
-                  <a:pt x="2873830" y="584775"/>
-                </a:cubicBezTo>
-                <a:cubicBezTo>
-                  <a:pt x="2644584" y="610621"/>
-                  <a:pt x="2418067" y="580469"/>
-                  <a:pt x="2241587" y="584775"/>
-                </a:cubicBezTo>
-                <a:cubicBezTo>
-                  <a:pt x="2065107" y="589081"/>
-                  <a:pt x="1801755" y="609762"/>
-                  <a:pt x="1666821" y="584775"/>
-                </a:cubicBezTo>
-                <a:cubicBezTo>
-                  <a:pt x="1531887" y="559788"/>
-                  <a:pt x="1299380" y="608389"/>
-                  <a:pt x="1034579" y="584775"/>
-                </a:cubicBezTo>
-                <a:cubicBezTo>
-                  <a:pt x="769778" y="561161"/>
-                  <a:pt x="334837" y="546063"/>
-                  <a:pt x="0" y="584775"/>
-                </a:cubicBezTo>
-                <a:cubicBezTo>
-                  <a:pt x="1057" y="429572"/>
-                  <a:pt x="23448" y="205884"/>
-                  <a:pt x="0" y="0"/>
-                </a:cubicBezTo>
-                <a:close/>
-              </a:path>
-            </a:pathLst>
-          </a:custGeom>
-          <a:solidFill>
-            <a:srgbClr val="FFC000"/>
-          </a:solidFill>
-          <a:ln w="12700">
-            <a:solidFill>
-              <a:schemeClr val="tx1"/>
-            </a:solidFill>
-            <a:extLst>
-              <a:ext uri="{C807C97D-BFC1-408E-A445-0C87EB9F89A2}">
-                <ask:lineSketchStyleProps xmlns:ask="http://schemas.microsoft.com/office/drawing/2018/sketchyshapes" sd="198946862">
-                  <a:prstGeom prst="rect">
-                    <a:avLst/>
-                  </a:prstGeom>
-                  <ask:type>
-                    <ask:lineSketchFreehand/>
-                  </ask:type>
-                </ask:lineSketchStyleProps>
-              </a:ext>
-            </a:extLst>
-          </a:ln>
-        </p:spPr>
-        <p:txBody>
-          <a:bodyPr wrap="square" rtlCol="0">
-            <a:spAutoFit/>
-          </a:bodyPr>
-          <a:lstStyle/>
-          <a:p>
-            <a:r>
-              <a:rPr lang="en-US" sz="3200" b="0" i="0" u="none" strike="noStrike" baseline="0" dirty="0">
-                <a:solidFill>
-                  <a:srgbClr val="000000"/>
-                </a:solidFill>
-              </a:rPr>
-              <a:t>Less than type</a:t>
-            </a:r>
-          </a:p>
-        </p:txBody>
-      </p:sp>
     </p:spTree>
     <p:extLst>
       <p:ext uri="{BB962C8B-B14F-4D97-AF65-F5344CB8AC3E}">
@@ -16255,2449 +15052,10 @@
   <p:clrMapOvr>
     <a:masterClrMapping/>
   </p:clrMapOvr>
-  <p:timing>
-    <p:tnLst>
-      <p:par>
-        <p:cTn id="1" dur="indefinite" restart="never" nodeType="tmRoot">
-          <p:childTnLst>
-            <p:seq concurrent="1" nextAc="seek">
-              <p:cTn id="2" dur="indefinite" nodeType="mainSeq">
-                <p:childTnLst>
-                  <p:par>
-                    <p:cTn id="3" fill="hold">
-                      <p:stCondLst>
-                        <p:cond delay="indefinite"/>
-                      </p:stCondLst>
-                      <p:childTnLst>
-                        <p:par>
-                          <p:cTn id="4" fill="hold">
-                            <p:stCondLst>
-                              <p:cond delay="0"/>
-                            </p:stCondLst>
-                            <p:childTnLst>
-                              <p:par>
-                                <p:cTn id="5" presetID="16" presetClass="entr" presetSubtype="21" fill="hold" grpId="0" nodeType="clickEffect">
-                                  <p:stCondLst>
-                                    <p:cond delay="0"/>
-                                  </p:stCondLst>
-                                  <p:childTnLst>
-                                    <p:set>
-                                      <p:cBhvr>
-                                        <p:cTn id="6" dur="1" fill="hold">
-                                          <p:stCondLst>
-                                            <p:cond delay="0"/>
-                                          </p:stCondLst>
-                                        </p:cTn>
-                                        <p:tgtEl>
-                                          <p:spTgt spid="5"/>
-                                        </p:tgtEl>
-                                        <p:attrNameLst>
-                                          <p:attrName>style.visibility</p:attrName>
-                                        </p:attrNameLst>
-                                      </p:cBhvr>
-                                      <p:to>
-                                        <p:strVal val="visible"/>
-                                      </p:to>
-                                    </p:set>
-                                    <p:animEffect transition="in" filter="barn(inVertical)">
-                                      <p:cBhvr>
-                                        <p:cTn id="7" dur="500"/>
-                                        <p:tgtEl>
-                                          <p:spTgt spid="5"/>
-                                        </p:tgtEl>
-                                      </p:cBhvr>
-                                    </p:animEffect>
-                                  </p:childTnLst>
-                                </p:cTn>
-                              </p:par>
-                            </p:childTnLst>
-                          </p:cTn>
-                        </p:par>
-                      </p:childTnLst>
-                    </p:cTn>
-                  </p:par>
-                </p:childTnLst>
-              </p:cTn>
-              <p:prevCondLst>
-                <p:cond evt="onPrev" delay="0">
-                  <p:tgtEl>
-                    <p:sldTgt/>
-                  </p:tgtEl>
-                </p:cond>
-              </p:prevCondLst>
-              <p:nextCondLst>
-                <p:cond evt="onNext" delay="0">
-                  <p:tgtEl>
-                    <p:sldTgt/>
-                  </p:tgtEl>
-                </p:cond>
-              </p:nextCondLst>
-            </p:seq>
-          </p:childTnLst>
-        </p:cTn>
-      </p:par>
-    </p:tnLst>
-    <p:bldLst>
-      <p:bldP spid="5" grpId="0" animBg="1"/>
-    </p:bldLst>
-  </p:timing>
 </p:sld>
 </file>
 
 <file path=ppt/slides/slide18.xml><?xml version="1.0" encoding="utf-8"?>
-<p:sld xmlns:a="http://schemas.openxmlformats.org/drawingml/2006/main" xmlns:r="http://schemas.openxmlformats.org/officeDocument/2006/relationships" xmlns:p="http://schemas.openxmlformats.org/presentationml/2006/main">
-  <p:cSld>
-    <p:spTree>
-      <p:nvGrpSpPr>
-        <p:cNvPr id="1" name=""/>
-        <p:cNvGrpSpPr/>
-        <p:nvPr/>
-      </p:nvGrpSpPr>
-      <p:grpSpPr>
-        <a:xfrm>
-          <a:off x="0" y="0"/>
-          <a:ext cx="0" cy="0"/>
-          <a:chOff x="0" y="0"/>
-          <a:chExt cx="0" cy="0"/>
-        </a:xfrm>
-      </p:grpSpPr>
-      <p:sp>
-        <p:nvSpPr>
-          <p:cNvPr id="2" name="Title 1">
-            <a:extLst>
-              <a:ext uri="{FF2B5EF4-FFF2-40B4-BE49-F238E27FC236}">
-                <a16:creationId xmlns:a16="http://schemas.microsoft.com/office/drawing/2014/main" id="{AE3CE8B8-8455-1913-31F5-C8A759952E32}"/>
-              </a:ext>
-            </a:extLst>
-          </p:cNvPr>
-          <p:cNvSpPr>
-            <a:spLocks noGrp="1"/>
-          </p:cNvSpPr>
-          <p:nvPr>
-            <p:ph type="title"/>
-          </p:nvPr>
-        </p:nvSpPr>
-        <p:spPr>
-          <a:xfrm>
-            <a:off x="1283818" y="97470"/>
-            <a:ext cx="12070080" cy="1931213"/>
-          </a:xfrm>
-        </p:spPr>
-        <p:txBody>
-          <a:bodyPr/>
-          <a:lstStyle/>
-          <a:p>
-            <a:r>
-              <a:rPr lang="en-US" dirty="0"/>
-              <a:t>Ogive Curve</a:t>
-            </a:r>
-          </a:p>
-        </p:txBody>
-      </p:sp>
-      <mc:AlternateContent xmlns:mc="http://schemas.openxmlformats.org/markup-compatibility/2006" xmlns:a14="http://schemas.microsoft.com/office/drawing/2010/main">
-        <mc:Choice Requires="a14">
-          <p:graphicFrame>
-            <p:nvGraphicFramePr>
-              <p:cNvPr id="4" name="Table 3">
-                <a:extLst>
-                  <a:ext uri="{FF2B5EF4-FFF2-40B4-BE49-F238E27FC236}">
-                    <a16:creationId xmlns:a16="http://schemas.microsoft.com/office/drawing/2014/main" id="{2974F248-317E-A0DF-F795-ECB103DB1CDD}"/>
-                  </a:ext>
-                </a:extLst>
-              </p:cNvPr>
-              <p:cNvGraphicFramePr>
-                <a:graphicFrameLocks noGrp="1"/>
-              </p:cNvGraphicFramePr>
-              <p:nvPr>
-                <p:extLst>
-                  <p:ext uri="{D42A27DB-BD31-4B8C-83A1-F6EECF244321}">
-                    <p14:modId xmlns:p14="http://schemas.microsoft.com/office/powerpoint/2010/main" val="1002604001"/>
-                  </p:ext>
-                </p:extLst>
-              </p:nvPr>
-            </p:nvGraphicFramePr>
-            <p:xfrm>
-              <a:off x="331418" y="2364584"/>
-              <a:ext cx="5360256" cy="5767545"/>
-            </p:xfrm>
-            <a:graphic>
-              <a:graphicData uri="http://schemas.openxmlformats.org/drawingml/2006/table">
-                <a:tbl>
-                  <a:tblPr firstRow="1" bandRow="1">
-                    <a:tableStyleId>{5C22544A-7EE6-4342-B048-85BDC9FD1C3A}</a:tableStyleId>
-                  </a:tblPr>
-                  <a:tblGrid>
-                    <a:gridCol w="1786752">
-                      <a:extLst>
-                        <a:ext uri="{9D8B030D-6E8A-4147-A177-3AD203B41FA5}">
-                          <a16:colId xmlns:a16="http://schemas.microsoft.com/office/drawing/2014/main" val="1255119522"/>
-                        </a:ext>
-                      </a:extLst>
-                    </a:gridCol>
-                    <a:gridCol w="1786752">
-                      <a:extLst>
-                        <a:ext uri="{9D8B030D-6E8A-4147-A177-3AD203B41FA5}">
-                          <a16:colId xmlns:a16="http://schemas.microsoft.com/office/drawing/2014/main" val="1242081322"/>
-                        </a:ext>
-                      </a:extLst>
-                    </a:gridCol>
-                    <a:gridCol w="1786752">
-                      <a:extLst>
-                        <a:ext uri="{9D8B030D-6E8A-4147-A177-3AD203B41FA5}">
-                          <a16:colId xmlns:a16="http://schemas.microsoft.com/office/drawing/2014/main" val="4243091343"/>
-                        </a:ext>
-                      </a:extLst>
-                    </a:gridCol>
-                  </a:tblGrid>
-                  <a:tr h="1153509">
-                    <a:tc>
-                      <a:txBody>
-                        <a:bodyPr/>
-                        <a:lstStyle/>
-                        <a:p>
-                          <a:pPr algn="ctr"/>
-                          <a:r>
-                            <a:rPr lang="en-US" dirty="0">
-                              <a:solidFill>
-                                <a:sysClr val="windowText" lastClr="000000"/>
-                              </a:solidFill>
-                            </a:rPr>
-                            <a:t>Class</a:t>
-                          </a:r>
-                        </a:p>
-                      </a:txBody>
-                      <a:tcPr anchor="ctr">
-                        <a:lnL w="12700" cap="flat" cmpd="sng" algn="ctr">
-                          <a:solidFill>
-                            <a:schemeClr val="tx1"/>
-                          </a:solidFill>
-                          <a:prstDash val="solid"/>
-                          <a:round/>
-                          <a:headEnd type="none" w="med" len="med"/>
-                          <a:tailEnd type="none" w="med" len="med"/>
-                        </a:lnL>
-                        <a:lnR w="12700" cap="flat" cmpd="sng" algn="ctr">
-                          <a:solidFill>
-                            <a:schemeClr val="tx1"/>
-                          </a:solidFill>
-                          <a:prstDash val="solid"/>
-                          <a:round/>
-                          <a:headEnd type="none" w="med" len="med"/>
-                          <a:tailEnd type="none" w="med" len="med"/>
-                        </a:lnR>
-                        <a:lnT w="12700" cap="flat" cmpd="sng" algn="ctr">
-                          <a:solidFill>
-                            <a:schemeClr val="tx1"/>
-                          </a:solidFill>
-                          <a:prstDash val="solid"/>
-                          <a:round/>
-                          <a:headEnd type="none" w="med" len="med"/>
-                          <a:tailEnd type="none" w="med" len="med"/>
-                        </a:lnT>
-                        <a:lnB w="12700" cap="flat" cmpd="sng" algn="ctr">
-                          <a:solidFill>
-                            <a:schemeClr val="tx1"/>
-                          </a:solidFill>
-                          <a:prstDash val="solid"/>
-                          <a:round/>
-                          <a:headEnd type="none" w="med" len="med"/>
-                          <a:tailEnd type="none" w="med" len="med"/>
-                        </a:lnB>
-                        <a:noFill/>
-                      </a:tcPr>
-                    </a:tc>
-                    <a:tc>
-                      <a:txBody>
-                        <a:bodyPr/>
-                        <a:lstStyle/>
-                        <a:p>
-                          <a:pPr algn="ctr"/>
-                          <a:r>
-                            <a:rPr lang="en-US" dirty="0">
-                              <a:solidFill>
-                                <a:sysClr val="windowText" lastClr="000000"/>
-                              </a:solidFill>
-                            </a:rPr>
-                            <a:t>Frequency</a:t>
-                          </a:r>
-                        </a:p>
-                      </a:txBody>
-                      <a:tcPr anchor="ctr">
-                        <a:lnL w="12700" cap="flat" cmpd="sng" algn="ctr">
-                          <a:solidFill>
-                            <a:schemeClr val="tx1"/>
-                          </a:solidFill>
-                          <a:prstDash val="solid"/>
-                          <a:round/>
-                          <a:headEnd type="none" w="med" len="med"/>
-                          <a:tailEnd type="none" w="med" len="med"/>
-                        </a:lnL>
-                        <a:lnR w="12700" cap="flat" cmpd="sng" algn="ctr">
-                          <a:solidFill>
-                            <a:schemeClr val="tx1"/>
-                          </a:solidFill>
-                          <a:prstDash val="solid"/>
-                          <a:round/>
-                          <a:headEnd type="none" w="med" len="med"/>
-                          <a:tailEnd type="none" w="med" len="med"/>
-                        </a:lnR>
-                        <a:lnT w="12700" cap="flat" cmpd="sng" algn="ctr">
-                          <a:solidFill>
-                            <a:schemeClr val="tx1"/>
-                          </a:solidFill>
-                          <a:prstDash val="solid"/>
-                          <a:round/>
-                          <a:headEnd type="none" w="med" len="med"/>
-                          <a:tailEnd type="none" w="med" len="med"/>
-                        </a:lnT>
-                        <a:lnB w="12700" cap="flat" cmpd="sng" algn="ctr">
-                          <a:solidFill>
-                            <a:schemeClr val="tx1"/>
-                          </a:solidFill>
-                          <a:prstDash val="solid"/>
-                          <a:round/>
-                          <a:headEnd type="none" w="med" len="med"/>
-                          <a:tailEnd type="none" w="med" len="med"/>
-                        </a:lnB>
-                        <a:noFill/>
-                      </a:tcPr>
-                    </a:tc>
-                    <a:tc>
-                      <a:txBody>
-                        <a:bodyPr/>
-                        <a:lstStyle/>
-                        <a:p>
-                          <a:pPr algn="ctr"/>
-                          <a14:m>
-                            <m:oMathPara xmlns:m="http://schemas.openxmlformats.org/officeDocument/2006/math">
-                              <m:oMathParaPr>
-                                <m:jc m:val="centerGroup"/>
-                              </m:oMathParaPr>
-                              <m:oMath xmlns:m="http://schemas.openxmlformats.org/officeDocument/2006/math">
-                                <m:r>
-                                  <a:rPr lang="en-US" b="1" i="1" smtClean="0">
-                                    <a:solidFill>
-                                      <a:sysClr val="windowText" lastClr="000000"/>
-                                    </a:solidFill>
-                                    <a:latin typeface="Cambria Math" panose="02040503050406030204" pitchFamily="18" charset="0"/>
-                                  </a:rPr>
-                                  <m:t>𝑪</m:t>
-                                </m:r>
-                                <m:sSub>
-                                  <m:sSubPr>
-                                    <m:ctrlPr>
-                                      <a:rPr lang="en-US" b="1" i="1" smtClean="0">
-                                        <a:solidFill>
-                                          <a:sysClr val="windowText" lastClr="000000"/>
-                                        </a:solidFill>
-                                        <a:latin typeface="Cambria Math" panose="02040503050406030204" pitchFamily="18" charset="0"/>
-                                      </a:rPr>
-                                    </m:ctrlPr>
-                                  </m:sSubPr>
-                                  <m:e>
-                                    <m:r>
-                                      <a:rPr lang="en-US" b="1" i="1" smtClean="0">
-                                        <a:solidFill>
-                                          <a:sysClr val="windowText" lastClr="000000"/>
-                                        </a:solidFill>
-                                        <a:latin typeface="Cambria Math" panose="02040503050406030204" pitchFamily="18" charset="0"/>
-                                      </a:rPr>
-                                      <m:t>𝑭</m:t>
-                                    </m:r>
-                                  </m:e>
-                                  <m:sub>
-                                    <m:r>
-                                      <a:rPr lang="en-US" b="1" i="1" smtClean="0">
-                                        <a:solidFill>
-                                          <a:sysClr val="windowText" lastClr="000000"/>
-                                        </a:solidFill>
-                                        <a:latin typeface="Cambria Math" panose="02040503050406030204" pitchFamily="18" charset="0"/>
-                                      </a:rPr>
-                                      <m:t>𝒊</m:t>
-                                    </m:r>
-                                  </m:sub>
-                                </m:sSub>
-                              </m:oMath>
-                            </m:oMathPara>
-                          </a14:m>
-                          <a:endParaRPr lang="en-US" dirty="0">
-                            <a:solidFill>
-                              <a:sysClr val="windowText" lastClr="000000"/>
-                            </a:solidFill>
-                          </a:endParaRPr>
-                        </a:p>
-                      </a:txBody>
-                      <a:tcPr anchor="ctr">
-                        <a:lnL w="12700" cap="flat" cmpd="sng" algn="ctr">
-                          <a:solidFill>
-                            <a:schemeClr val="tx1"/>
-                          </a:solidFill>
-                          <a:prstDash val="solid"/>
-                          <a:round/>
-                          <a:headEnd type="none" w="med" len="med"/>
-                          <a:tailEnd type="none" w="med" len="med"/>
-                        </a:lnL>
-                        <a:lnR w="12700" cap="flat" cmpd="sng" algn="ctr">
-                          <a:solidFill>
-                            <a:schemeClr val="tx1"/>
-                          </a:solidFill>
-                          <a:prstDash val="solid"/>
-                          <a:round/>
-                          <a:headEnd type="none" w="med" len="med"/>
-                          <a:tailEnd type="none" w="med" len="med"/>
-                        </a:lnR>
-                        <a:lnT w="12700" cap="flat" cmpd="sng" algn="ctr">
-                          <a:solidFill>
-                            <a:schemeClr val="tx1"/>
-                          </a:solidFill>
-                          <a:prstDash val="solid"/>
-                          <a:round/>
-                          <a:headEnd type="none" w="med" len="med"/>
-                          <a:tailEnd type="none" w="med" len="med"/>
-                        </a:lnT>
-                        <a:lnB w="12700" cap="flat" cmpd="sng" algn="ctr">
-                          <a:solidFill>
-                            <a:schemeClr val="tx1"/>
-                          </a:solidFill>
-                          <a:prstDash val="solid"/>
-                          <a:round/>
-                          <a:headEnd type="none" w="med" len="med"/>
-                          <a:tailEnd type="none" w="med" len="med"/>
-                        </a:lnB>
-                        <a:noFill/>
-                      </a:tcPr>
-                    </a:tc>
-                    <a:extLst>
-                      <a:ext uri="{0D108BD9-81ED-4DB2-BD59-A6C34878D82A}">
-                        <a16:rowId xmlns:a16="http://schemas.microsoft.com/office/drawing/2014/main" val="3503933621"/>
-                      </a:ext>
-                    </a:extLst>
-                  </a:tr>
-                  <a:tr h="1153509">
-                    <a:tc>
-                      <a:txBody>
-                        <a:bodyPr/>
-                        <a:lstStyle/>
-                        <a:p>
-                          <a:pPr algn="ctr"/>
-                          <a:r>
-                            <a:rPr lang="en-US" dirty="0">
-                              <a:solidFill>
-                                <a:sysClr val="windowText" lastClr="000000"/>
-                              </a:solidFill>
-                            </a:rPr>
-                            <a:t>5-9</a:t>
-                          </a:r>
-                        </a:p>
-                      </a:txBody>
-                      <a:tcPr anchor="ctr">
-                        <a:lnL w="12700" cap="flat" cmpd="sng" algn="ctr">
-                          <a:solidFill>
-                            <a:schemeClr val="tx1"/>
-                          </a:solidFill>
-                          <a:prstDash val="solid"/>
-                          <a:round/>
-                          <a:headEnd type="none" w="med" len="med"/>
-                          <a:tailEnd type="none" w="med" len="med"/>
-                        </a:lnL>
-                        <a:lnR w="12700" cap="flat" cmpd="sng" algn="ctr">
-                          <a:solidFill>
-                            <a:schemeClr val="tx1"/>
-                          </a:solidFill>
-                          <a:prstDash val="solid"/>
-                          <a:round/>
-                          <a:headEnd type="none" w="med" len="med"/>
-                          <a:tailEnd type="none" w="med" len="med"/>
-                        </a:lnR>
-                        <a:lnT w="12700" cap="flat" cmpd="sng" algn="ctr">
-                          <a:solidFill>
-                            <a:schemeClr val="tx1"/>
-                          </a:solidFill>
-                          <a:prstDash val="solid"/>
-                          <a:round/>
-                          <a:headEnd type="none" w="med" len="med"/>
-                          <a:tailEnd type="none" w="med" len="med"/>
-                        </a:lnT>
-                        <a:lnB w="12700" cap="flat" cmpd="sng" algn="ctr">
-                          <a:solidFill>
-                            <a:schemeClr val="tx1"/>
-                          </a:solidFill>
-                          <a:prstDash val="solid"/>
-                          <a:round/>
-                          <a:headEnd type="none" w="med" len="med"/>
-                          <a:tailEnd type="none" w="med" len="med"/>
-                        </a:lnB>
-                        <a:noFill/>
-                      </a:tcPr>
-                    </a:tc>
-                    <a:tc>
-                      <a:txBody>
-                        <a:bodyPr/>
-                        <a:lstStyle/>
-                        <a:p>
-                          <a:pPr algn="ctr"/>
-                          <a:r>
-                            <a:rPr lang="en-US" dirty="0">
-                              <a:solidFill>
-                                <a:sysClr val="windowText" lastClr="000000"/>
-                              </a:solidFill>
-                            </a:rPr>
-                            <a:t>4</a:t>
-                          </a:r>
-                        </a:p>
-                      </a:txBody>
-                      <a:tcPr anchor="ctr">
-                        <a:lnL w="12700" cap="flat" cmpd="sng" algn="ctr">
-                          <a:solidFill>
-                            <a:schemeClr val="tx1"/>
-                          </a:solidFill>
-                          <a:prstDash val="solid"/>
-                          <a:round/>
-                          <a:headEnd type="none" w="med" len="med"/>
-                          <a:tailEnd type="none" w="med" len="med"/>
-                        </a:lnL>
-                        <a:lnR w="12700" cap="flat" cmpd="sng" algn="ctr">
-                          <a:solidFill>
-                            <a:schemeClr val="tx1"/>
-                          </a:solidFill>
-                          <a:prstDash val="solid"/>
-                          <a:round/>
-                          <a:headEnd type="none" w="med" len="med"/>
-                          <a:tailEnd type="none" w="med" len="med"/>
-                        </a:lnR>
-                        <a:lnT w="12700" cap="flat" cmpd="sng" algn="ctr">
-                          <a:solidFill>
-                            <a:schemeClr val="tx1"/>
-                          </a:solidFill>
-                          <a:prstDash val="solid"/>
-                          <a:round/>
-                          <a:headEnd type="none" w="med" len="med"/>
-                          <a:tailEnd type="none" w="med" len="med"/>
-                        </a:lnT>
-                        <a:lnB w="12700" cap="flat" cmpd="sng" algn="ctr">
-                          <a:solidFill>
-                            <a:schemeClr val="tx1"/>
-                          </a:solidFill>
-                          <a:prstDash val="solid"/>
-                          <a:round/>
-                          <a:headEnd type="none" w="med" len="med"/>
-                          <a:tailEnd type="none" w="med" len="med"/>
-                        </a:lnB>
-                        <a:noFill/>
-                      </a:tcPr>
-                    </a:tc>
-                    <a:tc>
-                      <a:txBody>
-                        <a:bodyPr/>
-                        <a:lstStyle/>
-                        <a:p>
-                          <a:pPr algn="ctr"/>
-                          <a:r>
-                            <a:rPr lang="en-US" dirty="0">
-                              <a:solidFill>
-                                <a:sysClr val="windowText" lastClr="000000"/>
-                              </a:solidFill>
-                            </a:rPr>
-                            <a:t>13</a:t>
-                          </a:r>
-                        </a:p>
-                      </a:txBody>
-                      <a:tcPr anchor="ctr">
-                        <a:lnL w="12700" cap="flat" cmpd="sng" algn="ctr">
-                          <a:solidFill>
-                            <a:schemeClr val="tx1"/>
-                          </a:solidFill>
-                          <a:prstDash val="solid"/>
-                          <a:round/>
-                          <a:headEnd type="none" w="med" len="med"/>
-                          <a:tailEnd type="none" w="med" len="med"/>
-                        </a:lnL>
-                        <a:lnR w="12700" cap="flat" cmpd="sng" algn="ctr">
-                          <a:solidFill>
-                            <a:schemeClr val="tx1"/>
-                          </a:solidFill>
-                          <a:prstDash val="solid"/>
-                          <a:round/>
-                          <a:headEnd type="none" w="med" len="med"/>
-                          <a:tailEnd type="none" w="med" len="med"/>
-                        </a:lnR>
-                        <a:lnT w="12700" cap="flat" cmpd="sng" algn="ctr">
-                          <a:solidFill>
-                            <a:schemeClr val="tx1"/>
-                          </a:solidFill>
-                          <a:prstDash val="solid"/>
-                          <a:round/>
-                          <a:headEnd type="none" w="med" len="med"/>
-                          <a:tailEnd type="none" w="med" len="med"/>
-                        </a:lnT>
-                        <a:lnB w="12700" cap="flat" cmpd="sng" algn="ctr">
-                          <a:solidFill>
-                            <a:schemeClr val="tx1"/>
-                          </a:solidFill>
-                          <a:prstDash val="solid"/>
-                          <a:round/>
-                          <a:headEnd type="none" w="med" len="med"/>
-                          <a:tailEnd type="none" w="med" len="med"/>
-                        </a:lnB>
-                        <a:noFill/>
-                      </a:tcPr>
-                    </a:tc>
-                    <a:extLst>
-                      <a:ext uri="{0D108BD9-81ED-4DB2-BD59-A6C34878D82A}">
-                        <a16:rowId xmlns:a16="http://schemas.microsoft.com/office/drawing/2014/main" val="268017014"/>
-                      </a:ext>
-                    </a:extLst>
-                  </a:tr>
-                  <a:tr h="1153509">
-                    <a:tc>
-                      <a:txBody>
-                        <a:bodyPr/>
-                        <a:lstStyle/>
-                        <a:p>
-                          <a:pPr algn="ctr"/>
-                          <a:r>
-                            <a:rPr lang="en-US" dirty="0">
-                              <a:solidFill>
-                                <a:sysClr val="windowText" lastClr="000000"/>
-                              </a:solidFill>
-                            </a:rPr>
-                            <a:t>9-13</a:t>
-                          </a:r>
-                        </a:p>
-                      </a:txBody>
-                      <a:tcPr anchor="ctr">
-                        <a:lnL w="12700" cap="flat" cmpd="sng" algn="ctr">
-                          <a:solidFill>
-                            <a:schemeClr val="tx1"/>
-                          </a:solidFill>
-                          <a:prstDash val="solid"/>
-                          <a:round/>
-                          <a:headEnd type="none" w="med" len="med"/>
-                          <a:tailEnd type="none" w="med" len="med"/>
-                        </a:lnL>
-                        <a:lnR w="12700" cap="flat" cmpd="sng" algn="ctr">
-                          <a:solidFill>
-                            <a:schemeClr val="tx1"/>
-                          </a:solidFill>
-                          <a:prstDash val="solid"/>
-                          <a:round/>
-                          <a:headEnd type="none" w="med" len="med"/>
-                          <a:tailEnd type="none" w="med" len="med"/>
-                        </a:lnR>
-                        <a:lnT w="12700" cap="flat" cmpd="sng" algn="ctr">
-                          <a:solidFill>
-                            <a:schemeClr val="tx1"/>
-                          </a:solidFill>
-                          <a:prstDash val="solid"/>
-                          <a:round/>
-                          <a:headEnd type="none" w="med" len="med"/>
-                          <a:tailEnd type="none" w="med" len="med"/>
-                        </a:lnT>
-                        <a:lnB w="12700" cap="flat" cmpd="sng" algn="ctr">
-                          <a:solidFill>
-                            <a:schemeClr val="tx1"/>
-                          </a:solidFill>
-                          <a:prstDash val="solid"/>
-                          <a:round/>
-                          <a:headEnd type="none" w="med" len="med"/>
-                          <a:tailEnd type="none" w="med" len="med"/>
-                        </a:lnB>
-                        <a:noFill/>
-                      </a:tcPr>
-                    </a:tc>
-                    <a:tc>
-                      <a:txBody>
-                        <a:bodyPr/>
-                        <a:lstStyle/>
-                        <a:p>
-                          <a:pPr algn="ctr"/>
-                          <a:r>
-                            <a:rPr lang="en-US" dirty="0">
-                              <a:solidFill>
-                                <a:sysClr val="windowText" lastClr="000000"/>
-                              </a:solidFill>
-                            </a:rPr>
-                            <a:t>3</a:t>
-                          </a:r>
-                        </a:p>
-                      </a:txBody>
-                      <a:tcPr anchor="ctr">
-                        <a:lnL w="12700" cap="flat" cmpd="sng" algn="ctr">
-                          <a:solidFill>
-                            <a:schemeClr val="tx1"/>
-                          </a:solidFill>
-                          <a:prstDash val="solid"/>
-                          <a:round/>
-                          <a:headEnd type="none" w="med" len="med"/>
-                          <a:tailEnd type="none" w="med" len="med"/>
-                        </a:lnL>
-                        <a:lnR w="12700" cap="flat" cmpd="sng" algn="ctr">
-                          <a:solidFill>
-                            <a:schemeClr val="tx1"/>
-                          </a:solidFill>
-                          <a:prstDash val="solid"/>
-                          <a:round/>
-                          <a:headEnd type="none" w="med" len="med"/>
-                          <a:tailEnd type="none" w="med" len="med"/>
-                        </a:lnR>
-                        <a:lnT w="12700" cap="flat" cmpd="sng" algn="ctr">
-                          <a:solidFill>
-                            <a:schemeClr val="tx1"/>
-                          </a:solidFill>
-                          <a:prstDash val="solid"/>
-                          <a:round/>
-                          <a:headEnd type="none" w="med" len="med"/>
-                          <a:tailEnd type="none" w="med" len="med"/>
-                        </a:lnT>
-                        <a:lnB w="12700" cap="flat" cmpd="sng" algn="ctr">
-                          <a:solidFill>
-                            <a:schemeClr val="tx1"/>
-                          </a:solidFill>
-                          <a:prstDash val="solid"/>
-                          <a:round/>
-                          <a:headEnd type="none" w="med" len="med"/>
-                          <a:tailEnd type="none" w="med" len="med"/>
-                        </a:lnB>
-                        <a:noFill/>
-                      </a:tcPr>
-                    </a:tc>
-                    <a:tc>
-                      <a:txBody>
-                        <a:bodyPr/>
-                        <a:lstStyle/>
-                        <a:p>
-                          <a:pPr algn="ctr"/>
-                          <a:r>
-                            <a:rPr lang="en-US" dirty="0">
-                              <a:solidFill>
-                                <a:sysClr val="windowText" lastClr="000000"/>
-                              </a:solidFill>
-                            </a:rPr>
-                            <a:t>9</a:t>
-                          </a:r>
-                        </a:p>
-                      </a:txBody>
-                      <a:tcPr anchor="ctr">
-                        <a:lnL w="12700" cap="flat" cmpd="sng" algn="ctr">
-                          <a:solidFill>
-                            <a:schemeClr val="tx1"/>
-                          </a:solidFill>
-                          <a:prstDash val="solid"/>
-                          <a:round/>
-                          <a:headEnd type="none" w="med" len="med"/>
-                          <a:tailEnd type="none" w="med" len="med"/>
-                        </a:lnL>
-                        <a:lnR w="12700" cap="flat" cmpd="sng" algn="ctr">
-                          <a:solidFill>
-                            <a:schemeClr val="tx1"/>
-                          </a:solidFill>
-                          <a:prstDash val="solid"/>
-                          <a:round/>
-                          <a:headEnd type="none" w="med" len="med"/>
-                          <a:tailEnd type="none" w="med" len="med"/>
-                        </a:lnR>
-                        <a:lnT w="12700" cap="flat" cmpd="sng" algn="ctr">
-                          <a:solidFill>
-                            <a:schemeClr val="tx1"/>
-                          </a:solidFill>
-                          <a:prstDash val="solid"/>
-                          <a:round/>
-                          <a:headEnd type="none" w="med" len="med"/>
-                          <a:tailEnd type="none" w="med" len="med"/>
-                        </a:lnT>
-                        <a:lnB w="12700" cap="flat" cmpd="sng" algn="ctr">
-                          <a:solidFill>
-                            <a:schemeClr val="tx1"/>
-                          </a:solidFill>
-                          <a:prstDash val="solid"/>
-                          <a:round/>
-                          <a:headEnd type="none" w="med" len="med"/>
-                          <a:tailEnd type="none" w="med" len="med"/>
-                        </a:lnB>
-                        <a:noFill/>
-                      </a:tcPr>
-                    </a:tc>
-                    <a:extLst>
-                      <a:ext uri="{0D108BD9-81ED-4DB2-BD59-A6C34878D82A}">
-                        <a16:rowId xmlns:a16="http://schemas.microsoft.com/office/drawing/2014/main" val="1470026568"/>
-                      </a:ext>
-                    </a:extLst>
-                  </a:tr>
-                  <a:tr h="1153509">
-                    <a:tc>
-                      <a:txBody>
-                        <a:bodyPr/>
-                        <a:lstStyle/>
-                        <a:p>
-                          <a:pPr algn="ctr"/>
-                          <a:r>
-                            <a:rPr lang="en-US" dirty="0">
-                              <a:solidFill>
-                                <a:sysClr val="windowText" lastClr="000000"/>
-                              </a:solidFill>
-                            </a:rPr>
-                            <a:t>13-17</a:t>
-                          </a:r>
-                        </a:p>
-                      </a:txBody>
-                      <a:tcPr anchor="ctr">
-                        <a:lnL w="12700" cap="flat" cmpd="sng" algn="ctr">
-                          <a:solidFill>
-                            <a:schemeClr val="tx1"/>
-                          </a:solidFill>
-                          <a:prstDash val="solid"/>
-                          <a:round/>
-                          <a:headEnd type="none" w="med" len="med"/>
-                          <a:tailEnd type="none" w="med" len="med"/>
-                        </a:lnL>
-                        <a:lnR w="12700" cap="flat" cmpd="sng" algn="ctr">
-                          <a:solidFill>
-                            <a:schemeClr val="tx1"/>
-                          </a:solidFill>
-                          <a:prstDash val="solid"/>
-                          <a:round/>
-                          <a:headEnd type="none" w="med" len="med"/>
-                          <a:tailEnd type="none" w="med" len="med"/>
-                        </a:lnR>
-                        <a:lnT w="12700" cap="flat" cmpd="sng" algn="ctr">
-                          <a:solidFill>
-                            <a:schemeClr val="tx1"/>
-                          </a:solidFill>
-                          <a:prstDash val="solid"/>
-                          <a:round/>
-                          <a:headEnd type="none" w="med" len="med"/>
-                          <a:tailEnd type="none" w="med" len="med"/>
-                        </a:lnT>
-                        <a:lnB w="12700" cap="flat" cmpd="sng" algn="ctr">
-                          <a:solidFill>
-                            <a:schemeClr val="tx1"/>
-                          </a:solidFill>
-                          <a:prstDash val="solid"/>
-                          <a:round/>
-                          <a:headEnd type="none" w="med" len="med"/>
-                          <a:tailEnd type="none" w="med" len="med"/>
-                        </a:lnB>
-                        <a:noFill/>
-                      </a:tcPr>
-                    </a:tc>
-                    <a:tc>
-                      <a:txBody>
-                        <a:bodyPr/>
-                        <a:lstStyle/>
-                        <a:p>
-                          <a:pPr algn="ctr"/>
-                          <a:r>
-                            <a:rPr lang="en-US" dirty="0">
-                              <a:solidFill>
-                                <a:sysClr val="windowText" lastClr="000000"/>
-                              </a:solidFill>
-                            </a:rPr>
-                            <a:t>3</a:t>
-                          </a:r>
-                        </a:p>
-                      </a:txBody>
-                      <a:tcPr anchor="ctr">
-                        <a:lnL w="12700" cap="flat" cmpd="sng" algn="ctr">
-                          <a:solidFill>
-                            <a:schemeClr val="tx1"/>
-                          </a:solidFill>
-                          <a:prstDash val="solid"/>
-                          <a:round/>
-                          <a:headEnd type="none" w="med" len="med"/>
-                          <a:tailEnd type="none" w="med" len="med"/>
-                        </a:lnL>
-                        <a:lnR w="12700" cap="flat" cmpd="sng" algn="ctr">
-                          <a:solidFill>
-                            <a:schemeClr val="tx1"/>
-                          </a:solidFill>
-                          <a:prstDash val="solid"/>
-                          <a:round/>
-                          <a:headEnd type="none" w="med" len="med"/>
-                          <a:tailEnd type="none" w="med" len="med"/>
-                        </a:lnR>
-                        <a:lnT w="12700" cap="flat" cmpd="sng" algn="ctr">
-                          <a:solidFill>
-                            <a:schemeClr val="tx1"/>
-                          </a:solidFill>
-                          <a:prstDash val="solid"/>
-                          <a:round/>
-                          <a:headEnd type="none" w="med" len="med"/>
-                          <a:tailEnd type="none" w="med" len="med"/>
-                        </a:lnT>
-                        <a:lnB w="12700" cap="flat" cmpd="sng" algn="ctr">
-                          <a:solidFill>
-                            <a:schemeClr val="tx1"/>
-                          </a:solidFill>
-                          <a:prstDash val="solid"/>
-                          <a:round/>
-                          <a:headEnd type="none" w="med" len="med"/>
-                          <a:tailEnd type="none" w="med" len="med"/>
-                        </a:lnB>
-                        <a:noFill/>
-                      </a:tcPr>
-                    </a:tc>
-                    <a:tc>
-                      <a:txBody>
-                        <a:bodyPr/>
-                        <a:lstStyle/>
-                        <a:p>
-                          <a:pPr algn="ctr"/>
-                          <a:r>
-                            <a:rPr lang="en-US" dirty="0">
-                              <a:solidFill>
-                                <a:sysClr val="windowText" lastClr="000000"/>
-                              </a:solidFill>
-                            </a:rPr>
-                            <a:t>6</a:t>
-                          </a:r>
-                        </a:p>
-                      </a:txBody>
-                      <a:tcPr anchor="ctr">
-                        <a:lnL w="12700" cap="flat" cmpd="sng" algn="ctr">
-                          <a:solidFill>
-                            <a:schemeClr val="tx1"/>
-                          </a:solidFill>
-                          <a:prstDash val="solid"/>
-                          <a:round/>
-                          <a:headEnd type="none" w="med" len="med"/>
-                          <a:tailEnd type="none" w="med" len="med"/>
-                        </a:lnL>
-                        <a:lnR w="12700" cap="flat" cmpd="sng" algn="ctr">
-                          <a:solidFill>
-                            <a:schemeClr val="tx1"/>
-                          </a:solidFill>
-                          <a:prstDash val="solid"/>
-                          <a:round/>
-                          <a:headEnd type="none" w="med" len="med"/>
-                          <a:tailEnd type="none" w="med" len="med"/>
-                        </a:lnR>
-                        <a:lnT w="12700" cap="flat" cmpd="sng" algn="ctr">
-                          <a:solidFill>
-                            <a:schemeClr val="tx1"/>
-                          </a:solidFill>
-                          <a:prstDash val="solid"/>
-                          <a:round/>
-                          <a:headEnd type="none" w="med" len="med"/>
-                          <a:tailEnd type="none" w="med" len="med"/>
-                        </a:lnT>
-                        <a:lnB w="12700" cap="flat" cmpd="sng" algn="ctr">
-                          <a:solidFill>
-                            <a:schemeClr val="tx1"/>
-                          </a:solidFill>
-                          <a:prstDash val="solid"/>
-                          <a:round/>
-                          <a:headEnd type="none" w="med" len="med"/>
-                          <a:tailEnd type="none" w="med" len="med"/>
-                        </a:lnB>
-                        <a:noFill/>
-                      </a:tcPr>
-                    </a:tc>
-                    <a:extLst>
-                      <a:ext uri="{0D108BD9-81ED-4DB2-BD59-A6C34878D82A}">
-                        <a16:rowId xmlns:a16="http://schemas.microsoft.com/office/drawing/2014/main" val="490366017"/>
-                      </a:ext>
-                    </a:extLst>
-                  </a:tr>
-                  <a:tr h="1153509">
-                    <a:tc>
-                      <a:txBody>
-                        <a:bodyPr/>
-                        <a:lstStyle/>
-                        <a:p>
-                          <a:pPr algn="ctr"/>
-                          <a:r>
-                            <a:rPr lang="en-US" dirty="0">
-                              <a:solidFill>
-                                <a:sysClr val="windowText" lastClr="000000"/>
-                              </a:solidFill>
-                            </a:rPr>
-                            <a:t>17-21</a:t>
-                          </a:r>
-                        </a:p>
-                      </a:txBody>
-                      <a:tcPr anchor="ctr">
-                        <a:lnL w="12700" cap="flat" cmpd="sng" algn="ctr">
-                          <a:solidFill>
-                            <a:schemeClr val="tx1"/>
-                          </a:solidFill>
-                          <a:prstDash val="solid"/>
-                          <a:round/>
-                          <a:headEnd type="none" w="med" len="med"/>
-                          <a:tailEnd type="none" w="med" len="med"/>
-                        </a:lnL>
-                        <a:lnR w="12700" cap="flat" cmpd="sng" algn="ctr">
-                          <a:solidFill>
-                            <a:schemeClr val="tx1"/>
-                          </a:solidFill>
-                          <a:prstDash val="solid"/>
-                          <a:round/>
-                          <a:headEnd type="none" w="med" len="med"/>
-                          <a:tailEnd type="none" w="med" len="med"/>
-                        </a:lnR>
-                        <a:lnT w="12700" cap="flat" cmpd="sng" algn="ctr">
-                          <a:solidFill>
-                            <a:schemeClr val="tx1"/>
-                          </a:solidFill>
-                          <a:prstDash val="solid"/>
-                          <a:round/>
-                          <a:headEnd type="none" w="med" len="med"/>
-                          <a:tailEnd type="none" w="med" len="med"/>
-                        </a:lnT>
-                        <a:lnB w="12700" cap="flat" cmpd="sng" algn="ctr">
-                          <a:solidFill>
-                            <a:schemeClr val="tx1"/>
-                          </a:solidFill>
-                          <a:prstDash val="solid"/>
-                          <a:round/>
-                          <a:headEnd type="none" w="med" len="med"/>
-                          <a:tailEnd type="none" w="med" len="med"/>
-                        </a:lnB>
-                        <a:noFill/>
-                      </a:tcPr>
-                    </a:tc>
-                    <a:tc>
-                      <a:txBody>
-                        <a:bodyPr/>
-                        <a:lstStyle/>
-                        <a:p>
-                          <a:pPr algn="ctr"/>
-                          <a:r>
-                            <a:rPr lang="en-US" dirty="0">
-                              <a:solidFill>
-                                <a:sysClr val="windowText" lastClr="000000"/>
-                              </a:solidFill>
-                            </a:rPr>
-                            <a:t>3</a:t>
-                          </a:r>
-                        </a:p>
-                      </a:txBody>
-                      <a:tcPr anchor="ctr">
-                        <a:lnL w="12700" cap="flat" cmpd="sng" algn="ctr">
-                          <a:solidFill>
-                            <a:schemeClr val="tx1"/>
-                          </a:solidFill>
-                          <a:prstDash val="solid"/>
-                          <a:round/>
-                          <a:headEnd type="none" w="med" len="med"/>
-                          <a:tailEnd type="none" w="med" len="med"/>
-                        </a:lnL>
-                        <a:lnR w="12700" cap="flat" cmpd="sng" algn="ctr">
-                          <a:solidFill>
-                            <a:schemeClr val="tx1"/>
-                          </a:solidFill>
-                          <a:prstDash val="solid"/>
-                          <a:round/>
-                          <a:headEnd type="none" w="med" len="med"/>
-                          <a:tailEnd type="none" w="med" len="med"/>
-                        </a:lnR>
-                        <a:lnT w="12700" cap="flat" cmpd="sng" algn="ctr">
-                          <a:solidFill>
-                            <a:schemeClr val="tx1"/>
-                          </a:solidFill>
-                          <a:prstDash val="solid"/>
-                          <a:round/>
-                          <a:headEnd type="none" w="med" len="med"/>
-                          <a:tailEnd type="none" w="med" len="med"/>
-                        </a:lnT>
-                        <a:lnB w="12700" cap="flat" cmpd="sng" algn="ctr">
-                          <a:solidFill>
-                            <a:schemeClr val="tx1"/>
-                          </a:solidFill>
-                          <a:prstDash val="solid"/>
-                          <a:round/>
-                          <a:headEnd type="none" w="med" len="med"/>
-                          <a:tailEnd type="none" w="med" len="med"/>
-                        </a:lnB>
-                        <a:noFill/>
-                      </a:tcPr>
-                    </a:tc>
-                    <a:tc>
-                      <a:txBody>
-                        <a:bodyPr/>
-                        <a:lstStyle/>
-                        <a:p>
-                          <a:pPr algn="ctr"/>
-                          <a:r>
-                            <a:rPr lang="en-US" dirty="0">
-                              <a:solidFill>
-                                <a:sysClr val="windowText" lastClr="000000"/>
-                              </a:solidFill>
-                            </a:rPr>
-                            <a:t>3</a:t>
-                          </a:r>
-                        </a:p>
-                      </a:txBody>
-                      <a:tcPr anchor="ctr">
-                        <a:lnL w="12700" cap="flat" cmpd="sng" algn="ctr">
-                          <a:solidFill>
-                            <a:schemeClr val="tx1"/>
-                          </a:solidFill>
-                          <a:prstDash val="solid"/>
-                          <a:round/>
-                          <a:headEnd type="none" w="med" len="med"/>
-                          <a:tailEnd type="none" w="med" len="med"/>
-                        </a:lnL>
-                        <a:lnR w="12700" cap="flat" cmpd="sng" algn="ctr">
-                          <a:solidFill>
-                            <a:schemeClr val="tx1"/>
-                          </a:solidFill>
-                          <a:prstDash val="solid"/>
-                          <a:round/>
-                          <a:headEnd type="none" w="med" len="med"/>
-                          <a:tailEnd type="none" w="med" len="med"/>
-                        </a:lnR>
-                        <a:lnT w="12700" cap="flat" cmpd="sng" algn="ctr">
-                          <a:solidFill>
-                            <a:schemeClr val="tx1"/>
-                          </a:solidFill>
-                          <a:prstDash val="solid"/>
-                          <a:round/>
-                          <a:headEnd type="none" w="med" len="med"/>
-                          <a:tailEnd type="none" w="med" len="med"/>
-                        </a:lnT>
-                        <a:lnB w="12700" cap="flat" cmpd="sng" algn="ctr">
-                          <a:solidFill>
-                            <a:schemeClr val="tx1"/>
-                          </a:solidFill>
-                          <a:prstDash val="solid"/>
-                          <a:round/>
-                          <a:headEnd type="none" w="med" len="med"/>
-                          <a:tailEnd type="none" w="med" len="med"/>
-                        </a:lnB>
-                        <a:noFill/>
-                      </a:tcPr>
-                    </a:tc>
-                    <a:extLst>
-                      <a:ext uri="{0D108BD9-81ED-4DB2-BD59-A6C34878D82A}">
-                        <a16:rowId xmlns:a16="http://schemas.microsoft.com/office/drawing/2014/main" val="379400684"/>
-                      </a:ext>
-                    </a:extLst>
-                  </a:tr>
-                </a:tbl>
-              </a:graphicData>
-            </a:graphic>
-          </p:graphicFrame>
-        </mc:Choice>
-        <mc:Fallback xmlns="">
-          <p:graphicFrame>
-            <p:nvGraphicFramePr>
-              <p:cNvPr id="4" name="Table 3">
-                <a:extLst>
-                  <a:ext uri="{FF2B5EF4-FFF2-40B4-BE49-F238E27FC236}">
-                    <a16:creationId xmlns:a16="http://schemas.microsoft.com/office/drawing/2014/main" id="{2974F248-317E-A0DF-F795-ECB103DB1CDD}"/>
-                  </a:ext>
-                </a:extLst>
-              </p:cNvPr>
-              <p:cNvGraphicFramePr>
-                <a:graphicFrameLocks noGrp="1"/>
-              </p:cNvGraphicFramePr>
-              <p:nvPr>
-                <p:extLst>
-                  <p:ext uri="{D42A27DB-BD31-4B8C-83A1-F6EECF244321}">
-                    <p14:modId xmlns:p14="http://schemas.microsoft.com/office/powerpoint/2010/main" val="1002604001"/>
-                  </p:ext>
-                </p:extLst>
-              </p:nvPr>
-            </p:nvGraphicFramePr>
-            <p:xfrm>
-              <a:off x="331418" y="2364584"/>
-              <a:ext cx="5360256" cy="5767545"/>
-            </p:xfrm>
-            <a:graphic>
-              <a:graphicData uri="http://schemas.openxmlformats.org/drawingml/2006/table">
-                <a:tbl>
-                  <a:tblPr firstRow="1" bandRow="1">
-                    <a:tableStyleId>{5C22544A-7EE6-4342-B048-85BDC9FD1C3A}</a:tableStyleId>
-                  </a:tblPr>
-                  <a:tblGrid>
-                    <a:gridCol w="1786752">
-                      <a:extLst>
-                        <a:ext uri="{9D8B030D-6E8A-4147-A177-3AD203B41FA5}">
-                          <a16:colId xmlns:a16="http://schemas.microsoft.com/office/drawing/2014/main" val="1255119522"/>
-                        </a:ext>
-                      </a:extLst>
-                    </a:gridCol>
-                    <a:gridCol w="1786752">
-                      <a:extLst>
-                        <a:ext uri="{9D8B030D-6E8A-4147-A177-3AD203B41FA5}">
-                          <a16:colId xmlns:a16="http://schemas.microsoft.com/office/drawing/2014/main" val="1242081322"/>
-                        </a:ext>
-                      </a:extLst>
-                    </a:gridCol>
-                    <a:gridCol w="1786752">
-                      <a:extLst>
-                        <a:ext uri="{9D8B030D-6E8A-4147-A177-3AD203B41FA5}">
-                          <a16:colId xmlns:a16="http://schemas.microsoft.com/office/drawing/2014/main" val="4243091343"/>
-                        </a:ext>
-                      </a:extLst>
-                    </a:gridCol>
-                  </a:tblGrid>
-                  <a:tr h="1153509">
-                    <a:tc>
-                      <a:txBody>
-                        <a:bodyPr/>
-                        <a:lstStyle/>
-                        <a:p>
-                          <a:pPr algn="ctr"/>
-                          <a:r>
-                            <a:rPr lang="en-US" dirty="0">
-                              <a:solidFill>
-                                <a:sysClr val="windowText" lastClr="000000"/>
-                              </a:solidFill>
-                            </a:rPr>
-                            <a:t>Class</a:t>
-                          </a:r>
-                        </a:p>
-                      </a:txBody>
-                      <a:tcPr anchor="ctr">
-                        <a:lnL w="12700" cap="flat" cmpd="sng" algn="ctr">
-                          <a:solidFill>
-                            <a:schemeClr val="tx1"/>
-                          </a:solidFill>
-                          <a:prstDash val="solid"/>
-                          <a:round/>
-                          <a:headEnd type="none" w="med" len="med"/>
-                          <a:tailEnd type="none" w="med" len="med"/>
-                        </a:lnL>
-                        <a:lnR w="12700" cap="flat" cmpd="sng" algn="ctr">
-                          <a:solidFill>
-                            <a:schemeClr val="tx1"/>
-                          </a:solidFill>
-                          <a:prstDash val="solid"/>
-                          <a:round/>
-                          <a:headEnd type="none" w="med" len="med"/>
-                          <a:tailEnd type="none" w="med" len="med"/>
-                        </a:lnR>
-                        <a:lnT w="12700" cap="flat" cmpd="sng" algn="ctr">
-                          <a:solidFill>
-                            <a:schemeClr val="tx1"/>
-                          </a:solidFill>
-                          <a:prstDash val="solid"/>
-                          <a:round/>
-                          <a:headEnd type="none" w="med" len="med"/>
-                          <a:tailEnd type="none" w="med" len="med"/>
-                        </a:lnT>
-                        <a:lnB w="12700" cap="flat" cmpd="sng" algn="ctr">
-                          <a:solidFill>
-                            <a:schemeClr val="tx1"/>
-                          </a:solidFill>
-                          <a:prstDash val="solid"/>
-                          <a:round/>
-                          <a:headEnd type="none" w="med" len="med"/>
-                          <a:tailEnd type="none" w="med" len="med"/>
-                        </a:lnB>
-                        <a:noFill/>
-                      </a:tcPr>
-                    </a:tc>
-                    <a:tc>
-                      <a:txBody>
-                        <a:bodyPr/>
-                        <a:lstStyle/>
-                        <a:p>
-                          <a:pPr algn="ctr"/>
-                          <a:r>
-                            <a:rPr lang="en-US" dirty="0">
-                              <a:solidFill>
-                                <a:sysClr val="windowText" lastClr="000000"/>
-                              </a:solidFill>
-                            </a:rPr>
-                            <a:t>Frequency</a:t>
-                          </a:r>
-                        </a:p>
-                      </a:txBody>
-                      <a:tcPr anchor="ctr">
-                        <a:lnL w="12700" cap="flat" cmpd="sng" algn="ctr">
-                          <a:solidFill>
-                            <a:schemeClr val="tx1"/>
-                          </a:solidFill>
-                          <a:prstDash val="solid"/>
-                          <a:round/>
-                          <a:headEnd type="none" w="med" len="med"/>
-                          <a:tailEnd type="none" w="med" len="med"/>
-                        </a:lnL>
-                        <a:lnR w="12700" cap="flat" cmpd="sng" algn="ctr">
-                          <a:solidFill>
-                            <a:schemeClr val="tx1"/>
-                          </a:solidFill>
-                          <a:prstDash val="solid"/>
-                          <a:round/>
-                          <a:headEnd type="none" w="med" len="med"/>
-                          <a:tailEnd type="none" w="med" len="med"/>
-                        </a:lnR>
-                        <a:lnT w="12700" cap="flat" cmpd="sng" algn="ctr">
-                          <a:solidFill>
-                            <a:schemeClr val="tx1"/>
-                          </a:solidFill>
-                          <a:prstDash val="solid"/>
-                          <a:round/>
-                          <a:headEnd type="none" w="med" len="med"/>
-                          <a:tailEnd type="none" w="med" len="med"/>
-                        </a:lnT>
-                        <a:lnB w="12700" cap="flat" cmpd="sng" algn="ctr">
-                          <a:solidFill>
-                            <a:schemeClr val="tx1"/>
-                          </a:solidFill>
-                          <a:prstDash val="solid"/>
-                          <a:round/>
-                          <a:headEnd type="none" w="med" len="med"/>
-                          <a:tailEnd type="none" w="med" len="med"/>
-                        </a:lnB>
-                        <a:noFill/>
-                      </a:tcPr>
-                    </a:tc>
-                    <a:tc>
-                      <a:txBody>
-                        <a:bodyPr/>
-                        <a:lstStyle/>
-                        <a:p>
-                          <a:endParaRPr lang="en-US"/>
-                        </a:p>
-                      </a:txBody>
-                      <a:tcPr anchor="ctr">
-                        <a:lnL w="12700" cap="flat" cmpd="sng" algn="ctr">
-                          <a:solidFill>
-                            <a:schemeClr val="tx1"/>
-                          </a:solidFill>
-                          <a:prstDash val="solid"/>
-                          <a:round/>
-                          <a:headEnd type="none" w="med" len="med"/>
-                          <a:tailEnd type="none" w="med" len="med"/>
-                        </a:lnL>
-                        <a:lnR w="12700" cap="flat" cmpd="sng" algn="ctr">
-                          <a:solidFill>
-                            <a:schemeClr val="tx1"/>
-                          </a:solidFill>
-                          <a:prstDash val="solid"/>
-                          <a:round/>
-                          <a:headEnd type="none" w="med" len="med"/>
-                          <a:tailEnd type="none" w="med" len="med"/>
-                        </a:lnR>
-                        <a:lnT w="12700" cap="flat" cmpd="sng" algn="ctr">
-                          <a:solidFill>
-                            <a:schemeClr val="tx1"/>
-                          </a:solidFill>
-                          <a:prstDash val="solid"/>
-                          <a:round/>
-                          <a:headEnd type="none" w="med" len="med"/>
-                          <a:tailEnd type="none" w="med" len="med"/>
-                        </a:lnT>
-                        <a:lnB w="12700" cap="flat" cmpd="sng" algn="ctr">
-                          <a:solidFill>
-                            <a:schemeClr val="tx1"/>
-                          </a:solidFill>
-                          <a:prstDash val="solid"/>
-                          <a:round/>
-                          <a:headEnd type="none" w="med" len="med"/>
-                          <a:tailEnd type="none" w="med" len="med"/>
-                        </a:lnB>
-                        <a:blipFill>
-                          <a:blip r:embed="rId2"/>
-                          <a:stretch>
-                            <a:fillRect l="-200683" t="-526" r="-683" b="-400000"/>
-                          </a:stretch>
-                        </a:blipFill>
-                      </a:tcPr>
-                    </a:tc>
-                    <a:extLst>
-                      <a:ext uri="{0D108BD9-81ED-4DB2-BD59-A6C34878D82A}">
-                        <a16:rowId xmlns:a16="http://schemas.microsoft.com/office/drawing/2014/main" val="3503933621"/>
-                      </a:ext>
-                    </a:extLst>
-                  </a:tr>
-                  <a:tr h="1153509">
-                    <a:tc>
-                      <a:txBody>
-                        <a:bodyPr/>
-                        <a:lstStyle/>
-                        <a:p>
-                          <a:pPr algn="ctr"/>
-                          <a:r>
-                            <a:rPr lang="en-US" dirty="0">
-                              <a:solidFill>
-                                <a:sysClr val="windowText" lastClr="000000"/>
-                              </a:solidFill>
-                            </a:rPr>
-                            <a:t>5-9</a:t>
-                          </a:r>
-                        </a:p>
-                      </a:txBody>
-                      <a:tcPr anchor="ctr">
-                        <a:lnL w="12700" cap="flat" cmpd="sng" algn="ctr">
-                          <a:solidFill>
-                            <a:schemeClr val="tx1"/>
-                          </a:solidFill>
-                          <a:prstDash val="solid"/>
-                          <a:round/>
-                          <a:headEnd type="none" w="med" len="med"/>
-                          <a:tailEnd type="none" w="med" len="med"/>
-                        </a:lnL>
-                        <a:lnR w="12700" cap="flat" cmpd="sng" algn="ctr">
-                          <a:solidFill>
-                            <a:schemeClr val="tx1"/>
-                          </a:solidFill>
-                          <a:prstDash val="solid"/>
-                          <a:round/>
-                          <a:headEnd type="none" w="med" len="med"/>
-                          <a:tailEnd type="none" w="med" len="med"/>
-                        </a:lnR>
-                        <a:lnT w="12700" cap="flat" cmpd="sng" algn="ctr">
-                          <a:solidFill>
-                            <a:schemeClr val="tx1"/>
-                          </a:solidFill>
-                          <a:prstDash val="solid"/>
-                          <a:round/>
-                          <a:headEnd type="none" w="med" len="med"/>
-                          <a:tailEnd type="none" w="med" len="med"/>
-                        </a:lnT>
-                        <a:lnB w="12700" cap="flat" cmpd="sng" algn="ctr">
-                          <a:solidFill>
-                            <a:schemeClr val="tx1"/>
-                          </a:solidFill>
-                          <a:prstDash val="solid"/>
-                          <a:round/>
-                          <a:headEnd type="none" w="med" len="med"/>
-                          <a:tailEnd type="none" w="med" len="med"/>
-                        </a:lnB>
-                        <a:noFill/>
-                      </a:tcPr>
-                    </a:tc>
-                    <a:tc>
-                      <a:txBody>
-                        <a:bodyPr/>
-                        <a:lstStyle/>
-                        <a:p>
-                          <a:pPr algn="ctr"/>
-                          <a:r>
-                            <a:rPr lang="en-US" dirty="0">
-                              <a:solidFill>
-                                <a:sysClr val="windowText" lastClr="000000"/>
-                              </a:solidFill>
-                            </a:rPr>
-                            <a:t>4</a:t>
-                          </a:r>
-                        </a:p>
-                      </a:txBody>
-                      <a:tcPr anchor="ctr">
-                        <a:lnL w="12700" cap="flat" cmpd="sng" algn="ctr">
-                          <a:solidFill>
-                            <a:schemeClr val="tx1"/>
-                          </a:solidFill>
-                          <a:prstDash val="solid"/>
-                          <a:round/>
-                          <a:headEnd type="none" w="med" len="med"/>
-                          <a:tailEnd type="none" w="med" len="med"/>
-                        </a:lnL>
-                        <a:lnR w="12700" cap="flat" cmpd="sng" algn="ctr">
-                          <a:solidFill>
-                            <a:schemeClr val="tx1"/>
-                          </a:solidFill>
-                          <a:prstDash val="solid"/>
-                          <a:round/>
-                          <a:headEnd type="none" w="med" len="med"/>
-                          <a:tailEnd type="none" w="med" len="med"/>
-                        </a:lnR>
-                        <a:lnT w="12700" cap="flat" cmpd="sng" algn="ctr">
-                          <a:solidFill>
-                            <a:schemeClr val="tx1"/>
-                          </a:solidFill>
-                          <a:prstDash val="solid"/>
-                          <a:round/>
-                          <a:headEnd type="none" w="med" len="med"/>
-                          <a:tailEnd type="none" w="med" len="med"/>
-                        </a:lnT>
-                        <a:lnB w="12700" cap="flat" cmpd="sng" algn="ctr">
-                          <a:solidFill>
-                            <a:schemeClr val="tx1"/>
-                          </a:solidFill>
-                          <a:prstDash val="solid"/>
-                          <a:round/>
-                          <a:headEnd type="none" w="med" len="med"/>
-                          <a:tailEnd type="none" w="med" len="med"/>
-                        </a:lnB>
-                        <a:noFill/>
-                      </a:tcPr>
-                    </a:tc>
-                    <a:tc>
-                      <a:txBody>
-                        <a:bodyPr/>
-                        <a:lstStyle/>
-                        <a:p>
-                          <a:pPr algn="ctr"/>
-                          <a:r>
-                            <a:rPr lang="en-US" dirty="0">
-                              <a:solidFill>
-                                <a:sysClr val="windowText" lastClr="000000"/>
-                              </a:solidFill>
-                            </a:rPr>
-                            <a:t>13</a:t>
-                          </a:r>
-                        </a:p>
-                      </a:txBody>
-                      <a:tcPr anchor="ctr">
-                        <a:lnL w="12700" cap="flat" cmpd="sng" algn="ctr">
-                          <a:solidFill>
-                            <a:schemeClr val="tx1"/>
-                          </a:solidFill>
-                          <a:prstDash val="solid"/>
-                          <a:round/>
-                          <a:headEnd type="none" w="med" len="med"/>
-                          <a:tailEnd type="none" w="med" len="med"/>
-                        </a:lnL>
-                        <a:lnR w="12700" cap="flat" cmpd="sng" algn="ctr">
-                          <a:solidFill>
-                            <a:schemeClr val="tx1"/>
-                          </a:solidFill>
-                          <a:prstDash val="solid"/>
-                          <a:round/>
-                          <a:headEnd type="none" w="med" len="med"/>
-                          <a:tailEnd type="none" w="med" len="med"/>
-                        </a:lnR>
-                        <a:lnT w="12700" cap="flat" cmpd="sng" algn="ctr">
-                          <a:solidFill>
-                            <a:schemeClr val="tx1"/>
-                          </a:solidFill>
-                          <a:prstDash val="solid"/>
-                          <a:round/>
-                          <a:headEnd type="none" w="med" len="med"/>
-                          <a:tailEnd type="none" w="med" len="med"/>
-                        </a:lnT>
-                        <a:lnB w="12700" cap="flat" cmpd="sng" algn="ctr">
-                          <a:solidFill>
-                            <a:schemeClr val="tx1"/>
-                          </a:solidFill>
-                          <a:prstDash val="solid"/>
-                          <a:round/>
-                          <a:headEnd type="none" w="med" len="med"/>
-                          <a:tailEnd type="none" w="med" len="med"/>
-                        </a:lnB>
-                        <a:noFill/>
-                      </a:tcPr>
-                    </a:tc>
-                    <a:extLst>
-                      <a:ext uri="{0D108BD9-81ED-4DB2-BD59-A6C34878D82A}">
-                        <a16:rowId xmlns:a16="http://schemas.microsoft.com/office/drawing/2014/main" val="268017014"/>
-                      </a:ext>
-                    </a:extLst>
-                  </a:tr>
-                  <a:tr h="1153509">
-                    <a:tc>
-                      <a:txBody>
-                        <a:bodyPr/>
-                        <a:lstStyle/>
-                        <a:p>
-                          <a:pPr algn="ctr"/>
-                          <a:r>
-                            <a:rPr lang="en-US" dirty="0">
-                              <a:solidFill>
-                                <a:sysClr val="windowText" lastClr="000000"/>
-                              </a:solidFill>
-                            </a:rPr>
-                            <a:t>9-13</a:t>
-                          </a:r>
-                        </a:p>
-                      </a:txBody>
-                      <a:tcPr anchor="ctr">
-                        <a:lnL w="12700" cap="flat" cmpd="sng" algn="ctr">
-                          <a:solidFill>
-                            <a:schemeClr val="tx1"/>
-                          </a:solidFill>
-                          <a:prstDash val="solid"/>
-                          <a:round/>
-                          <a:headEnd type="none" w="med" len="med"/>
-                          <a:tailEnd type="none" w="med" len="med"/>
-                        </a:lnL>
-                        <a:lnR w="12700" cap="flat" cmpd="sng" algn="ctr">
-                          <a:solidFill>
-                            <a:schemeClr val="tx1"/>
-                          </a:solidFill>
-                          <a:prstDash val="solid"/>
-                          <a:round/>
-                          <a:headEnd type="none" w="med" len="med"/>
-                          <a:tailEnd type="none" w="med" len="med"/>
-                        </a:lnR>
-                        <a:lnT w="12700" cap="flat" cmpd="sng" algn="ctr">
-                          <a:solidFill>
-                            <a:schemeClr val="tx1"/>
-                          </a:solidFill>
-                          <a:prstDash val="solid"/>
-                          <a:round/>
-                          <a:headEnd type="none" w="med" len="med"/>
-                          <a:tailEnd type="none" w="med" len="med"/>
-                        </a:lnT>
-                        <a:lnB w="12700" cap="flat" cmpd="sng" algn="ctr">
-                          <a:solidFill>
-                            <a:schemeClr val="tx1"/>
-                          </a:solidFill>
-                          <a:prstDash val="solid"/>
-                          <a:round/>
-                          <a:headEnd type="none" w="med" len="med"/>
-                          <a:tailEnd type="none" w="med" len="med"/>
-                        </a:lnB>
-                        <a:noFill/>
-                      </a:tcPr>
-                    </a:tc>
-                    <a:tc>
-                      <a:txBody>
-                        <a:bodyPr/>
-                        <a:lstStyle/>
-                        <a:p>
-                          <a:pPr algn="ctr"/>
-                          <a:r>
-                            <a:rPr lang="en-US" dirty="0">
-                              <a:solidFill>
-                                <a:sysClr val="windowText" lastClr="000000"/>
-                              </a:solidFill>
-                            </a:rPr>
-                            <a:t>3</a:t>
-                          </a:r>
-                        </a:p>
-                      </a:txBody>
-                      <a:tcPr anchor="ctr">
-                        <a:lnL w="12700" cap="flat" cmpd="sng" algn="ctr">
-                          <a:solidFill>
-                            <a:schemeClr val="tx1"/>
-                          </a:solidFill>
-                          <a:prstDash val="solid"/>
-                          <a:round/>
-                          <a:headEnd type="none" w="med" len="med"/>
-                          <a:tailEnd type="none" w="med" len="med"/>
-                        </a:lnL>
-                        <a:lnR w="12700" cap="flat" cmpd="sng" algn="ctr">
-                          <a:solidFill>
-                            <a:schemeClr val="tx1"/>
-                          </a:solidFill>
-                          <a:prstDash val="solid"/>
-                          <a:round/>
-                          <a:headEnd type="none" w="med" len="med"/>
-                          <a:tailEnd type="none" w="med" len="med"/>
-                        </a:lnR>
-                        <a:lnT w="12700" cap="flat" cmpd="sng" algn="ctr">
-                          <a:solidFill>
-                            <a:schemeClr val="tx1"/>
-                          </a:solidFill>
-                          <a:prstDash val="solid"/>
-                          <a:round/>
-                          <a:headEnd type="none" w="med" len="med"/>
-                          <a:tailEnd type="none" w="med" len="med"/>
-                        </a:lnT>
-                        <a:lnB w="12700" cap="flat" cmpd="sng" algn="ctr">
-                          <a:solidFill>
-                            <a:schemeClr val="tx1"/>
-                          </a:solidFill>
-                          <a:prstDash val="solid"/>
-                          <a:round/>
-                          <a:headEnd type="none" w="med" len="med"/>
-                          <a:tailEnd type="none" w="med" len="med"/>
-                        </a:lnB>
-                        <a:noFill/>
-                      </a:tcPr>
-                    </a:tc>
-                    <a:tc>
-                      <a:txBody>
-                        <a:bodyPr/>
-                        <a:lstStyle/>
-                        <a:p>
-                          <a:pPr algn="ctr"/>
-                          <a:r>
-                            <a:rPr lang="en-US" dirty="0">
-                              <a:solidFill>
-                                <a:sysClr val="windowText" lastClr="000000"/>
-                              </a:solidFill>
-                            </a:rPr>
-                            <a:t>9</a:t>
-                          </a:r>
-                        </a:p>
-                      </a:txBody>
-                      <a:tcPr anchor="ctr">
-                        <a:lnL w="12700" cap="flat" cmpd="sng" algn="ctr">
-                          <a:solidFill>
-                            <a:schemeClr val="tx1"/>
-                          </a:solidFill>
-                          <a:prstDash val="solid"/>
-                          <a:round/>
-                          <a:headEnd type="none" w="med" len="med"/>
-                          <a:tailEnd type="none" w="med" len="med"/>
-                        </a:lnL>
-                        <a:lnR w="12700" cap="flat" cmpd="sng" algn="ctr">
-                          <a:solidFill>
-                            <a:schemeClr val="tx1"/>
-                          </a:solidFill>
-                          <a:prstDash val="solid"/>
-                          <a:round/>
-                          <a:headEnd type="none" w="med" len="med"/>
-                          <a:tailEnd type="none" w="med" len="med"/>
-                        </a:lnR>
-                        <a:lnT w="12700" cap="flat" cmpd="sng" algn="ctr">
-                          <a:solidFill>
-                            <a:schemeClr val="tx1"/>
-                          </a:solidFill>
-                          <a:prstDash val="solid"/>
-                          <a:round/>
-                          <a:headEnd type="none" w="med" len="med"/>
-                          <a:tailEnd type="none" w="med" len="med"/>
-                        </a:lnT>
-                        <a:lnB w="12700" cap="flat" cmpd="sng" algn="ctr">
-                          <a:solidFill>
-                            <a:schemeClr val="tx1"/>
-                          </a:solidFill>
-                          <a:prstDash val="solid"/>
-                          <a:round/>
-                          <a:headEnd type="none" w="med" len="med"/>
-                          <a:tailEnd type="none" w="med" len="med"/>
-                        </a:lnB>
-                        <a:noFill/>
-                      </a:tcPr>
-                    </a:tc>
-                    <a:extLst>
-                      <a:ext uri="{0D108BD9-81ED-4DB2-BD59-A6C34878D82A}">
-                        <a16:rowId xmlns:a16="http://schemas.microsoft.com/office/drawing/2014/main" val="1470026568"/>
-                      </a:ext>
-                    </a:extLst>
-                  </a:tr>
-                  <a:tr h="1153509">
-                    <a:tc>
-                      <a:txBody>
-                        <a:bodyPr/>
-                        <a:lstStyle/>
-                        <a:p>
-                          <a:pPr algn="ctr"/>
-                          <a:r>
-                            <a:rPr lang="en-US" dirty="0">
-                              <a:solidFill>
-                                <a:sysClr val="windowText" lastClr="000000"/>
-                              </a:solidFill>
-                            </a:rPr>
-                            <a:t>13-17</a:t>
-                          </a:r>
-                        </a:p>
-                      </a:txBody>
-                      <a:tcPr anchor="ctr">
-                        <a:lnL w="12700" cap="flat" cmpd="sng" algn="ctr">
-                          <a:solidFill>
-                            <a:schemeClr val="tx1"/>
-                          </a:solidFill>
-                          <a:prstDash val="solid"/>
-                          <a:round/>
-                          <a:headEnd type="none" w="med" len="med"/>
-                          <a:tailEnd type="none" w="med" len="med"/>
-                        </a:lnL>
-                        <a:lnR w="12700" cap="flat" cmpd="sng" algn="ctr">
-                          <a:solidFill>
-                            <a:schemeClr val="tx1"/>
-                          </a:solidFill>
-                          <a:prstDash val="solid"/>
-                          <a:round/>
-                          <a:headEnd type="none" w="med" len="med"/>
-                          <a:tailEnd type="none" w="med" len="med"/>
-                        </a:lnR>
-                        <a:lnT w="12700" cap="flat" cmpd="sng" algn="ctr">
-                          <a:solidFill>
-                            <a:schemeClr val="tx1"/>
-                          </a:solidFill>
-                          <a:prstDash val="solid"/>
-                          <a:round/>
-                          <a:headEnd type="none" w="med" len="med"/>
-                          <a:tailEnd type="none" w="med" len="med"/>
-                        </a:lnT>
-                        <a:lnB w="12700" cap="flat" cmpd="sng" algn="ctr">
-                          <a:solidFill>
-                            <a:schemeClr val="tx1"/>
-                          </a:solidFill>
-                          <a:prstDash val="solid"/>
-                          <a:round/>
-                          <a:headEnd type="none" w="med" len="med"/>
-                          <a:tailEnd type="none" w="med" len="med"/>
-                        </a:lnB>
-                        <a:noFill/>
-                      </a:tcPr>
-                    </a:tc>
-                    <a:tc>
-                      <a:txBody>
-                        <a:bodyPr/>
-                        <a:lstStyle/>
-                        <a:p>
-                          <a:pPr algn="ctr"/>
-                          <a:r>
-                            <a:rPr lang="en-US" dirty="0">
-                              <a:solidFill>
-                                <a:sysClr val="windowText" lastClr="000000"/>
-                              </a:solidFill>
-                            </a:rPr>
-                            <a:t>3</a:t>
-                          </a:r>
-                        </a:p>
-                      </a:txBody>
-                      <a:tcPr anchor="ctr">
-                        <a:lnL w="12700" cap="flat" cmpd="sng" algn="ctr">
-                          <a:solidFill>
-                            <a:schemeClr val="tx1"/>
-                          </a:solidFill>
-                          <a:prstDash val="solid"/>
-                          <a:round/>
-                          <a:headEnd type="none" w="med" len="med"/>
-                          <a:tailEnd type="none" w="med" len="med"/>
-                        </a:lnL>
-                        <a:lnR w="12700" cap="flat" cmpd="sng" algn="ctr">
-                          <a:solidFill>
-                            <a:schemeClr val="tx1"/>
-                          </a:solidFill>
-                          <a:prstDash val="solid"/>
-                          <a:round/>
-                          <a:headEnd type="none" w="med" len="med"/>
-                          <a:tailEnd type="none" w="med" len="med"/>
-                        </a:lnR>
-                        <a:lnT w="12700" cap="flat" cmpd="sng" algn="ctr">
-                          <a:solidFill>
-                            <a:schemeClr val="tx1"/>
-                          </a:solidFill>
-                          <a:prstDash val="solid"/>
-                          <a:round/>
-                          <a:headEnd type="none" w="med" len="med"/>
-                          <a:tailEnd type="none" w="med" len="med"/>
-                        </a:lnT>
-                        <a:lnB w="12700" cap="flat" cmpd="sng" algn="ctr">
-                          <a:solidFill>
-                            <a:schemeClr val="tx1"/>
-                          </a:solidFill>
-                          <a:prstDash val="solid"/>
-                          <a:round/>
-                          <a:headEnd type="none" w="med" len="med"/>
-                          <a:tailEnd type="none" w="med" len="med"/>
-                        </a:lnB>
-                        <a:noFill/>
-                      </a:tcPr>
-                    </a:tc>
-                    <a:tc>
-                      <a:txBody>
-                        <a:bodyPr/>
-                        <a:lstStyle/>
-                        <a:p>
-                          <a:pPr algn="ctr"/>
-                          <a:r>
-                            <a:rPr lang="en-US" dirty="0">
-                              <a:solidFill>
-                                <a:sysClr val="windowText" lastClr="000000"/>
-                              </a:solidFill>
-                            </a:rPr>
-                            <a:t>6</a:t>
-                          </a:r>
-                        </a:p>
-                      </a:txBody>
-                      <a:tcPr anchor="ctr">
-                        <a:lnL w="12700" cap="flat" cmpd="sng" algn="ctr">
-                          <a:solidFill>
-                            <a:schemeClr val="tx1"/>
-                          </a:solidFill>
-                          <a:prstDash val="solid"/>
-                          <a:round/>
-                          <a:headEnd type="none" w="med" len="med"/>
-                          <a:tailEnd type="none" w="med" len="med"/>
-                        </a:lnL>
-                        <a:lnR w="12700" cap="flat" cmpd="sng" algn="ctr">
-                          <a:solidFill>
-                            <a:schemeClr val="tx1"/>
-                          </a:solidFill>
-                          <a:prstDash val="solid"/>
-                          <a:round/>
-                          <a:headEnd type="none" w="med" len="med"/>
-                          <a:tailEnd type="none" w="med" len="med"/>
-                        </a:lnR>
-                        <a:lnT w="12700" cap="flat" cmpd="sng" algn="ctr">
-                          <a:solidFill>
-                            <a:schemeClr val="tx1"/>
-                          </a:solidFill>
-                          <a:prstDash val="solid"/>
-                          <a:round/>
-                          <a:headEnd type="none" w="med" len="med"/>
-                          <a:tailEnd type="none" w="med" len="med"/>
-                        </a:lnT>
-                        <a:lnB w="12700" cap="flat" cmpd="sng" algn="ctr">
-                          <a:solidFill>
-                            <a:schemeClr val="tx1"/>
-                          </a:solidFill>
-                          <a:prstDash val="solid"/>
-                          <a:round/>
-                          <a:headEnd type="none" w="med" len="med"/>
-                          <a:tailEnd type="none" w="med" len="med"/>
-                        </a:lnB>
-                        <a:noFill/>
-                      </a:tcPr>
-                    </a:tc>
-                    <a:extLst>
-                      <a:ext uri="{0D108BD9-81ED-4DB2-BD59-A6C34878D82A}">
-                        <a16:rowId xmlns:a16="http://schemas.microsoft.com/office/drawing/2014/main" val="490366017"/>
-                      </a:ext>
-                    </a:extLst>
-                  </a:tr>
-                  <a:tr h="1153509">
-                    <a:tc>
-                      <a:txBody>
-                        <a:bodyPr/>
-                        <a:lstStyle/>
-                        <a:p>
-                          <a:pPr algn="ctr"/>
-                          <a:r>
-                            <a:rPr lang="en-US" dirty="0">
-                              <a:solidFill>
-                                <a:sysClr val="windowText" lastClr="000000"/>
-                              </a:solidFill>
-                            </a:rPr>
-                            <a:t>17-21</a:t>
-                          </a:r>
-                        </a:p>
-                      </a:txBody>
-                      <a:tcPr anchor="ctr">
-                        <a:lnL w="12700" cap="flat" cmpd="sng" algn="ctr">
-                          <a:solidFill>
-                            <a:schemeClr val="tx1"/>
-                          </a:solidFill>
-                          <a:prstDash val="solid"/>
-                          <a:round/>
-                          <a:headEnd type="none" w="med" len="med"/>
-                          <a:tailEnd type="none" w="med" len="med"/>
-                        </a:lnL>
-                        <a:lnR w="12700" cap="flat" cmpd="sng" algn="ctr">
-                          <a:solidFill>
-                            <a:schemeClr val="tx1"/>
-                          </a:solidFill>
-                          <a:prstDash val="solid"/>
-                          <a:round/>
-                          <a:headEnd type="none" w="med" len="med"/>
-                          <a:tailEnd type="none" w="med" len="med"/>
-                        </a:lnR>
-                        <a:lnT w="12700" cap="flat" cmpd="sng" algn="ctr">
-                          <a:solidFill>
-                            <a:schemeClr val="tx1"/>
-                          </a:solidFill>
-                          <a:prstDash val="solid"/>
-                          <a:round/>
-                          <a:headEnd type="none" w="med" len="med"/>
-                          <a:tailEnd type="none" w="med" len="med"/>
-                        </a:lnT>
-                        <a:lnB w="12700" cap="flat" cmpd="sng" algn="ctr">
-                          <a:solidFill>
-                            <a:schemeClr val="tx1"/>
-                          </a:solidFill>
-                          <a:prstDash val="solid"/>
-                          <a:round/>
-                          <a:headEnd type="none" w="med" len="med"/>
-                          <a:tailEnd type="none" w="med" len="med"/>
-                        </a:lnB>
-                        <a:noFill/>
-                      </a:tcPr>
-                    </a:tc>
-                    <a:tc>
-                      <a:txBody>
-                        <a:bodyPr/>
-                        <a:lstStyle/>
-                        <a:p>
-                          <a:pPr algn="ctr"/>
-                          <a:r>
-                            <a:rPr lang="en-US" dirty="0">
-                              <a:solidFill>
-                                <a:sysClr val="windowText" lastClr="000000"/>
-                              </a:solidFill>
-                            </a:rPr>
-                            <a:t>3</a:t>
-                          </a:r>
-                        </a:p>
-                      </a:txBody>
-                      <a:tcPr anchor="ctr">
-                        <a:lnL w="12700" cap="flat" cmpd="sng" algn="ctr">
-                          <a:solidFill>
-                            <a:schemeClr val="tx1"/>
-                          </a:solidFill>
-                          <a:prstDash val="solid"/>
-                          <a:round/>
-                          <a:headEnd type="none" w="med" len="med"/>
-                          <a:tailEnd type="none" w="med" len="med"/>
-                        </a:lnL>
-                        <a:lnR w="12700" cap="flat" cmpd="sng" algn="ctr">
-                          <a:solidFill>
-                            <a:schemeClr val="tx1"/>
-                          </a:solidFill>
-                          <a:prstDash val="solid"/>
-                          <a:round/>
-                          <a:headEnd type="none" w="med" len="med"/>
-                          <a:tailEnd type="none" w="med" len="med"/>
-                        </a:lnR>
-                        <a:lnT w="12700" cap="flat" cmpd="sng" algn="ctr">
-                          <a:solidFill>
-                            <a:schemeClr val="tx1"/>
-                          </a:solidFill>
-                          <a:prstDash val="solid"/>
-                          <a:round/>
-                          <a:headEnd type="none" w="med" len="med"/>
-                          <a:tailEnd type="none" w="med" len="med"/>
-                        </a:lnT>
-                        <a:lnB w="12700" cap="flat" cmpd="sng" algn="ctr">
-                          <a:solidFill>
-                            <a:schemeClr val="tx1"/>
-                          </a:solidFill>
-                          <a:prstDash val="solid"/>
-                          <a:round/>
-                          <a:headEnd type="none" w="med" len="med"/>
-                          <a:tailEnd type="none" w="med" len="med"/>
-                        </a:lnB>
-                        <a:noFill/>
-                      </a:tcPr>
-                    </a:tc>
-                    <a:tc>
-                      <a:txBody>
-                        <a:bodyPr/>
-                        <a:lstStyle/>
-                        <a:p>
-                          <a:pPr algn="ctr"/>
-                          <a:r>
-                            <a:rPr lang="en-US" dirty="0">
-                              <a:solidFill>
-                                <a:sysClr val="windowText" lastClr="000000"/>
-                              </a:solidFill>
-                            </a:rPr>
-                            <a:t>3</a:t>
-                          </a:r>
-                        </a:p>
-                      </a:txBody>
-                      <a:tcPr anchor="ctr">
-                        <a:lnL w="12700" cap="flat" cmpd="sng" algn="ctr">
-                          <a:solidFill>
-                            <a:schemeClr val="tx1"/>
-                          </a:solidFill>
-                          <a:prstDash val="solid"/>
-                          <a:round/>
-                          <a:headEnd type="none" w="med" len="med"/>
-                          <a:tailEnd type="none" w="med" len="med"/>
-                        </a:lnL>
-                        <a:lnR w="12700" cap="flat" cmpd="sng" algn="ctr">
-                          <a:solidFill>
-                            <a:schemeClr val="tx1"/>
-                          </a:solidFill>
-                          <a:prstDash val="solid"/>
-                          <a:round/>
-                          <a:headEnd type="none" w="med" len="med"/>
-                          <a:tailEnd type="none" w="med" len="med"/>
-                        </a:lnR>
-                        <a:lnT w="12700" cap="flat" cmpd="sng" algn="ctr">
-                          <a:solidFill>
-                            <a:schemeClr val="tx1"/>
-                          </a:solidFill>
-                          <a:prstDash val="solid"/>
-                          <a:round/>
-                          <a:headEnd type="none" w="med" len="med"/>
-                          <a:tailEnd type="none" w="med" len="med"/>
-                        </a:lnT>
-                        <a:lnB w="12700" cap="flat" cmpd="sng" algn="ctr">
-                          <a:solidFill>
-                            <a:schemeClr val="tx1"/>
-                          </a:solidFill>
-                          <a:prstDash val="solid"/>
-                          <a:round/>
-                          <a:headEnd type="none" w="med" len="med"/>
-                          <a:tailEnd type="none" w="med" len="med"/>
-                        </a:lnB>
-                        <a:noFill/>
-                      </a:tcPr>
-                    </a:tc>
-                    <a:extLst>
-                      <a:ext uri="{0D108BD9-81ED-4DB2-BD59-A6C34878D82A}">
-                        <a16:rowId xmlns:a16="http://schemas.microsoft.com/office/drawing/2014/main" val="379400684"/>
-                      </a:ext>
-                    </a:extLst>
-                  </a:tr>
-                </a:tbl>
-              </a:graphicData>
-            </a:graphic>
-          </p:graphicFrame>
-        </mc:Fallback>
-      </mc:AlternateContent>
-      <p:graphicFrame>
-        <p:nvGraphicFramePr>
-          <p:cNvPr id="5" name="Chart 4">
-            <a:extLst>
-              <a:ext uri="{FF2B5EF4-FFF2-40B4-BE49-F238E27FC236}">
-                <a16:creationId xmlns:a16="http://schemas.microsoft.com/office/drawing/2014/main" id="{37C47A6E-0D91-8404-5678-933F7B709DF4}"/>
-              </a:ext>
-            </a:extLst>
-          </p:cNvPr>
-          <p:cNvGraphicFramePr>
-            <a:graphicFrameLocks/>
-          </p:cNvGraphicFramePr>
-          <p:nvPr>
-            <p:extLst>
-              <p:ext uri="{D42A27DB-BD31-4B8C-83A1-F6EECF244321}">
-                <p14:modId xmlns:p14="http://schemas.microsoft.com/office/powerpoint/2010/main" val="31998797"/>
-              </p:ext>
-            </p:extLst>
-          </p:nvPr>
-        </p:nvGraphicFramePr>
-        <p:xfrm>
-          <a:off x="5887616" y="2364583"/>
-          <a:ext cx="8411366" cy="5603759"/>
-        </p:xfrm>
-        <a:graphic>
-          <a:graphicData uri="http://schemas.openxmlformats.org/drawingml/2006/chart">
-            <c:chart xmlns:c="http://schemas.openxmlformats.org/drawingml/2006/chart" xmlns:r="http://schemas.openxmlformats.org/officeDocument/2006/relationships" r:id="rId3"/>
-          </a:graphicData>
-        </a:graphic>
-      </p:graphicFrame>
-      <p:sp>
-        <p:nvSpPr>
-          <p:cNvPr id="3" name="TextBox 2">
-            <a:extLst>
-              <a:ext uri="{FF2B5EF4-FFF2-40B4-BE49-F238E27FC236}">
-                <a16:creationId xmlns:a16="http://schemas.microsoft.com/office/drawing/2014/main" id="{699482C9-EEE8-CD75-0B32-35131BDFA99B}"/>
-              </a:ext>
-            </a:extLst>
-          </p:cNvPr>
-          <p:cNvSpPr txBox="1"/>
-          <p:nvPr/>
-        </p:nvSpPr>
-        <p:spPr>
-          <a:xfrm>
-            <a:off x="9199983" y="1611858"/>
-            <a:ext cx="3191069" cy="584775"/>
-          </a:xfrm>
-          <a:custGeom>
-            <a:avLst/>
-            <a:gdLst>
-              <a:gd name="connsiteX0" fmla="*/ 0 w 3191069"/>
-              <a:gd name="connsiteY0" fmla="*/ 0 h 584775"/>
-              <a:gd name="connsiteX1" fmla="*/ 606303 w 3191069"/>
-              <a:gd name="connsiteY1" fmla="*/ 0 h 584775"/>
-              <a:gd name="connsiteX2" fmla="*/ 1308338 w 3191069"/>
-              <a:gd name="connsiteY2" fmla="*/ 0 h 584775"/>
-              <a:gd name="connsiteX3" fmla="*/ 1914641 w 3191069"/>
-              <a:gd name="connsiteY3" fmla="*/ 0 h 584775"/>
-              <a:gd name="connsiteX4" fmla="*/ 2584766 w 3191069"/>
-              <a:gd name="connsiteY4" fmla="*/ 0 h 584775"/>
-              <a:gd name="connsiteX5" fmla="*/ 3191069 w 3191069"/>
-              <a:gd name="connsiteY5" fmla="*/ 0 h 584775"/>
-              <a:gd name="connsiteX6" fmla="*/ 3191069 w 3191069"/>
-              <a:gd name="connsiteY6" fmla="*/ 584775 h 584775"/>
-              <a:gd name="connsiteX7" fmla="*/ 2489034 w 3191069"/>
-              <a:gd name="connsiteY7" fmla="*/ 584775 h 584775"/>
-              <a:gd name="connsiteX8" fmla="*/ 1818909 w 3191069"/>
-              <a:gd name="connsiteY8" fmla="*/ 584775 h 584775"/>
-              <a:gd name="connsiteX9" fmla="*/ 1244517 w 3191069"/>
-              <a:gd name="connsiteY9" fmla="*/ 584775 h 584775"/>
-              <a:gd name="connsiteX10" fmla="*/ 638214 w 3191069"/>
-              <a:gd name="connsiteY10" fmla="*/ 584775 h 584775"/>
-              <a:gd name="connsiteX11" fmla="*/ 0 w 3191069"/>
-              <a:gd name="connsiteY11" fmla="*/ 584775 h 584775"/>
-              <a:gd name="connsiteX12" fmla="*/ 0 w 3191069"/>
-              <a:gd name="connsiteY12" fmla="*/ 0 h 584775"/>
-            </a:gdLst>
-            <a:ahLst/>
-            <a:cxnLst>
-              <a:cxn ang="0">
-                <a:pos x="connsiteX0" y="connsiteY0"/>
-              </a:cxn>
-              <a:cxn ang="0">
-                <a:pos x="connsiteX1" y="connsiteY1"/>
-              </a:cxn>
-              <a:cxn ang="0">
-                <a:pos x="connsiteX2" y="connsiteY2"/>
-              </a:cxn>
-              <a:cxn ang="0">
-                <a:pos x="connsiteX3" y="connsiteY3"/>
-              </a:cxn>
-              <a:cxn ang="0">
-                <a:pos x="connsiteX4" y="connsiteY4"/>
-              </a:cxn>
-              <a:cxn ang="0">
-                <a:pos x="connsiteX5" y="connsiteY5"/>
-              </a:cxn>
-              <a:cxn ang="0">
-                <a:pos x="connsiteX6" y="connsiteY6"/>
-              </a:cxn>
-              <a:cxn ang="0">
-                <a:pos x="connsiteX7" y="connsiteY7"/>
-              </a:cxn>
-              <a:cxn ang="0">
-                <a:pos x="connsiteX8" y="connsiteY8"/>
-              </a:cxn>
-              <a:cxn ang="0">
-                <a:pos x="connsiteX9" y="connsiteY9"/>
-              </a:cxn>
-              <a:cxn ang="0">
-                <a:pos x="connsiteX10" y="connsiteY10"/>
-              </a:cxn>
-              <a:cxn ang="0">
-                <a:pos x="connsiteX11" y="connsiteY11"/>
-              </a:cxn>
-              <a:cxn ang="0">
-                <a:pos x="connsiteX12" y="connsiteY12"/>
-              </a:cxn>
-            </a:cxnLst>
-            <a:rect l="l" t="t" r="r" b="b"/>
-            <a:pathLst>
-              <a:path w="3191069" h="584775" fill="none" extrusionOk="0">
-                <a:moveTo>
-                  <a:pt x="0" y="0"/>
-                </a:moveTo>
-                <a:cubicBezTo>
-                  <a:pt x="188644" y="-6507"/>
-                  <a:pt x="480743" y="-16828"/>
-                  <a:pt x="606303" y="0"/>
-                </a:cubicBezTo>
-                <a:cubicBezTo>
-                  <a:pt x="731863" y="16828"/>
-                  <a:pt x="1116443" y="-8889"/>
-                  <a:pt x="1308338" y="0"/>
-                </a:cubicBezTo>
-                <a:cubicBezTo>
-                  <a:pt x="1500233" y="8889"/>
-                  <a:pt x="1734017" y="-21828"/>
-                  <a:pt x="1914641" y="0"/>
-                </a:cubicBezTo>
-                <a:cubicBezTo>
-                  <a:pt x="2095265" y="21828"/>
-                  <a:pt x="2321507" y="-6383"/>
-                  <a:pt x="2584766" y="0"/>
-                </a:cubicBezTo>
-                <a:cubicBezTo>
-                  <a:pt x="2848026" y="6383"/>
-                  <a:pt x="3038051" y="-3523"/>
-                  <a:pt x="3191069" y="0"/>
-                </a:cubicBezTo>
-                <a:cubicBezTo>
-                  <a:pt x="3197271" y="227141"/>
-                  <a:pt x="3188658" y="385531"/>
-                  <a:pt x="3191069" y="584775"/>
-                </a:cubicBezTo>
-                <a:cubicBezTo>
-                  <a:pt x="2853243" y="606601"/>
-                  <a:pt x="2693753" y="618152"/>
-                  <a:pt x="2489034" y="584775"/>
-                </a:cubicBezTo>
-                <a:cubicBezTo>
-                  <a:pt x="2284316" y="551398"/>
-                  <a:pt x="2078897" y="586791"/>
-                  <a:pt x="1818909" y="584775"/>
-                </a:cubicBezTo>
-                <a:cubicBezTo>
-                  <a:pt x="1558922" y="582759"/>
-                  <a:pt x="1520491" y="583870"/>
-                  <a:pt x="1244517" y="584775"/>
-                </a:cubicBezTo>
-                <a:cubicBezTo>
-                  <a:pt x="968543" y="585680"/>
-                  <a:pt x="858029" y="613014"/>
-                  <a:pt x="638214" y="584775"/>
-                </a:cubicBezTo>
-                <a:cubicBezTo>
-                  <a:pt x="418399" y="556536"/>
-                  <a:pt x="203036" y="563873"/>
-                  <a:pt x="0" y="584775"/>
-                </a:cubicBezTo>
-                <a:cubicBezTo>
-                  <a:pt x="-23891" y="406155"/>
-                  <a:pt x="24954" y="183945"/>
-                  <a:pt x="0" y="0"/>
-                </a:cubicBezTo>
-                <a:close/>
-              </a:path>
-              <a:path w="3191069" h="584775" stroke="0" extrusionOk="0">
-                <a:moveTo>
-                  <a:pt x="0" y="0"/>
-                </a:moveTo>
-                <a:cubicBezTo>
-                  <a:pt x="261161" y="-9429"/>
-                  <a:pt x="478525" y="10478"/>
-                  <a:pt x="606303" y="0"/>
-                </a:cubicBezTo>
-                <a:cubicBezTo>
-                  <a:pt x="734081" y="-10478"/>
-                  <a:pt x="1087432" y="18639"/>
-                  <a:pt x="1212606" y="0"/>
-                </a:cubicBezTo>
-                <a:cubicBezTo>
-                  <a:pt x="1337780" y="-18639"/>
-                  <a:pt x="1524519" y="1936"/>
-                  <a:pt x="1818909" y="0"/>
-                </a:cubicBezTo>
-                <a:cubicBezTo>
-                  <a:pt x="2113299" y="-1936"/>
-                  <a:pt x="2322819" y="3129"/>
-                  <a:pt x="2520945" y="0"/>
-                </a:cubicBezTo>
-                <a:cubicBezTo>
-                  <a:pt x="2719071" y="-3129"/>
-                  <a:pt x="2908198" y="9799"/>
-                  <a:pt x="3191069" y="0"/>
-                </a:cubicBezTo>
-                <a:cubicBezTo>
-                  <a:pt x="3190854" y="200400"/>
-                  <a:pt x="3191003" y="433497"/>
-                  <a:pt x="3191069" y="584775"/>
-                </a:cubicBezTo>
-                <a:cubicBezTo>
-                  <a:pt x="2859848" y="578212"/>
-                  <a:pt x="2792298" y="559162"/>
-                  <a:pt x="2489034" y="584775"/>
-                </a:cubicBezTo>
-                <a:cubicBezTo>
-                  <a:pt x="2185771" y="610388"/>
-                  <a:pt x="1986919" y="583013"/>
-                  <a:pt x="1850820" y="584775"/>
-                </a:cubicBezTo>
-                <a:cubicBezTo>
-                  <a:pt x="1714721" y="586537"/>
-                  <a:pt x="1388774" y="582986"/>
-                  <a:pt x="1148785" y="584775"/>
-                </a:cubicBezTo>
-                <a:cubicBezTo>
-                  <a:pt x="908796" y="586564"/>
-                  <a:pt x="443736" y="595492"/>
-                  <a:pt x="0" y="584775"/>
-                </a:cubicBezTo>
-                <a:cubicBezTo>
-                  <a:pt x="1057" y="429572"/>
-                  <a:pt x="23448" y="205884"/>
-                  <a:pt x="0" y="0"/>
-                </a:cubicBezTo>
-                <a:close/>
-              </a:path>
-            </a:pathLst>
-          </a:custGeom>
-          <a:solidFill>
-            <a:srgbClr val="FFC000"/>
-          </a:solidFill>
-          <a:ln w="12700">
-            <a:solidFill>
-              <a:schemeClr val="tx1"/>
-            </a:solidFill>
-            <a:extLst>
-              <a:ext uri="{C807C97D-BFC1-408E-A445-0C87EB9F89A2}">
-                <ask:lineSketchStyleProps xmlns:ask="http://schemas.microsoft.com/office/drawing/2018/sketchyshapes" sd="198946862">
-                  <a:prstGeom prst="rect">
-                    <a:avLst/>
-                  </a:prstGeom>
-                  <ask:type>
-                    <ask:lineSketchFreehand/>
-                  </ask:type>
-                </ask:lineSketchStyleProps>
-              </a:ext>
-            </a:extLst>
-          </a:ln>
-        </p:spPr>
-        <p:txBody>
-          <a:bodyPr wrap="square" rtlCol="0">
-            <a:spAutoFit/>
-          </a:bodyPr>
-          <a:lstStyle/>
-          <a:p>
-            <a:r>
-              <a:rPr lang="en-US" sz="3200" b="0" i="0" u="none" strike="noStrike" baseline="0" dirty="0">
-                <a:solidFill>
-                  <a:srgbClr val="000000"/>
-                </a:solidFill>
-              </a:rPr>
-              <a:t>More than type</a:t>
-            </a:r>
-          </a:p>
-        </p:txBody>
-      </p:sp>
-    </p:spTree>
-    <p:extLst>
-      <p:ext uri="{BB962C8B-B14F-4D97-AF65-F5344CB8AC3E}">
-        <p14:creationId xmlns:p14="http://schemas.microsoft.com/office/powerpoint/2010/main" val="553548727"/>
-      </p:ext>
-    </p:extLst>
-  </p:cSld>
-  <p:clrMapOvr>
-    <a:masterClrMapping/>
-  </p:clrMapOvr>
-  <p:timing>
-    <p:tnLst>
-      <p:par>
-        <p:cTn id="1" dur="indefinite" restart="never" nodeType="tmRoot">
-          <p:childTnLst>
-            <p:seq concurrent="1" nextAc="seek">
-              <p:cTn id="2" dur="indefinite" nodeType="mainSeq">
-                <p:childTnLst>
-                  <p:par>
-                    <p:cTn id="3" fill="hold">
-                      <p:stCondLst>
-                        <p:cond delay="indefinite"/>
-                      </p:stCondLst>
-                      <p:childTnLst>
-                        <p:par>
-                          <p:cTn id="4" fill="hold">
-                            <p:stCondLst>
-                              <p:cond delay="0"/>
-                            </p:stCondLst>
-                            <p:childTnLst>
-                              <p:par>
-                                <p:cTn id="5" presetID="16" presetClass="entr" presetSubtype="21" fill="hold" grpId="0" nodeType="clickEffect">
-                                  <p:stCondLst>
-                                    <p:cond delay="0"/>
-                                  </p:stCondLst>
-                                  <p:childTnLst>
-                                    <p:set>
-                                      <p:cBhvr>
-                                        <p:cTn id="6" dur="1" fill="hold">
-                                          <p:stCondLst>
-                                            <p:cond delay="0"/>
-                                          </p:stCondLst>
-                                        </p:cTn>
-                                        <p:tgtEl>
-                                          <p:spTgt spid="3"/>
-                                        </p:tgtEl>
-                                        <p:attrNameLst>
-                                          <p:attrName>style.visibility</p:attrName>
-                                        </p:attrNameLst>
-                                      </p:cBhvr>
-                                      <p:to>
-                                        <p:strVal val="visible"/>
-                                      </p:to>
-                                    </p:set>
-                                    <p:animEffect transition="in" filter="barn(inVertical)">
-                                      <p:cBhvr>
-                                        <p:cTn id="7" dur="500"/>
-                                        <p:tgtEl>
-                                          <p:spTgt spid="3"/>
-                                        </p:tgtEl>
-                                      </p:cBhvr>
-                                    </p:animEffect>
-                                  </p:childTnLst>
-                                </p:cTn>
-                              </p:par>
-                            </p:childTnLst>
-                          </p:cTn>
-                        </p:par>
-                      </p:childTnLst>
-                    </p:cTn>
-                  </p:par>
-                </p:childTnLst>
-              </p:cTn>
-              <p:prevCondLst>
-                <p:cond evt="onPrev" delay="0">
-                  <p:tgtEl>
-                    <p:sldTgt/>
-                  </p:tgtEl>
-                </p:cond>
-              </p:prevCondLst>
-              <p:nextCondLst>
-                <p:cond evt="onNext" delay="0">
-                  <p:tgtEl>
-                    <p:sldTgt/>
-                  </p:tgtEl>
-                </p:cond>
-              </p:nextCondLst>
-            </p:seq>
-          </p:childTnLst>
-        </p:cTn>
-      </p:par>
-    </p:tnLst>
-    <p:bldLst>
-      <p:bldP spid="3" grpId="0" animBg="1"/>
-    </p:bldLst>
-  </p:timing>
-</p:sld>
-</file>
-
-<file path=ppt/slides/slide19.xml><?xml version="1.0" encoding="utf-8"?>
 <p:sld xmlns:a="http://schemas.openxmlformats.org/drawingml/2006/main" xmlns:r="http://schemas.openxmlformats.org/officeDocument/2006/relationships" xmlns:p="http://schemas.openxmlformats.org/presentationml/2006/main">
   <p:cSld>
     <p:spTree>
@@ -19930,6 +16288,782 @@
 </p:sld>
 </file>
 
+<file path=ppt/slides/slide19.xml><?xml version="1.0" encoding="utf-8"?>
+<p:sld xmlns:a="http://schemas.openxmlformats.org/drawingml/2006/main" xmlns:r="http://schemas.openxmlformats.org/officeDocument/2006/relationships" xmlns:p="http://schemas.openxmlformats.org/presentationml/2006/main">
+  <p:cSld>
+    <p:spTree>
+      <p:nvGrpSpPr>
+        <p:cNvPr id="1" name=""/>
+        <p:cNvGrpSpPr/>
+        <p:nvPr/>
+      </p:nvGrpSpPr>
+      <p:grpSpPr>
+        <a:xfrm>
+          <a:off x="0" y="0"/>
+          <a:ext cx="0" cy="0"/>
+          <a:chOff x="0" y="0"/>
+          <a:chExt cx="0" cy="0"/>
+        </a:xfrm>
+      </p:grpSpPr>
+      <p:sp>
+        <p:nvSpPr>
+          <p:cNvPr id="2" name="Title 1">
+            <a:extLst>
+              <a:ext uri="{FF2B5EF4-FFF2-40B4-BE49-F238E27FC236}">
+                <a16:creationId xmlns:a16="http://schemas.microsoft.com/office/drawing/2014/main" id="{AE3CE8B8-8455-1913-31F5-C8A759952E32}"/>
+              </a:ext>
+            </a:extLst>
+          </p:cNvPr>
+          <p:cNvSpPr>
+            <a:spLocks noGrp="1"/>
+          </p:cNvSpPr>
+          <p:nvPr>
+            <p:ph type="title"/>
+          </p:nvPr>
+        </p:nvSpPr>
+        <p:spPr>
+          <a:xfrm>
+            <a:off x="1283818" y="97470"/>
+            <a:ext cx="12070080" cy="1931213"/>
+          </a:xfrm>
+        </p:spPr>
+        <p:txBody>
+          <a:bodyPr/>
+          <a:lstStyle/>
+          <a:p>
+            <a:r>
+              <a:rPr lang="en-US" dirty="0"/>
+              <a:t>Stem and Leaf</a:t>
+            </a:r>
+          </a:p>
+        </p:txBody>
+      </p:sp>
+      <p:sp>
+        <p:nvSpPr>
+          <p:cNvPr id="3" name="Content Placeholder 2">
+            <a:extLst>
+              <a:ext uri="{FF2B5EF4-FFF2-40B4-BE49-F238E27FC236}">
+                <a16:creationId xmlns:a16="http://schemas.microsoft.com/office/drawing/2014/main" id="{EFDA7E4E-919B-F425-BAF9-7D2CFB21E498}"/>
+              </a:ext>
+            </a:extLst>
+          </p:cNvPr>
+          <p:cNvSpPr>
+            <a:spLocks noGrp="1"/>
+          </p:cNvSpPr>
+          <p:nvPr>
+            <p:ph sz="quarter" idx="13"/>
+          </p:nvPr>
+        </p:nvSpPr>
+        <p:spPr>
+          <a:xfrm>
+            <a:off x="1096529" y="2123350"/>
+            <a:ext cx="12436591" cy="5490429"/>
+          </a:xfrm>
+        </p:spPr>
+        <p:txBody>
+          <a:bodyPr>
+            <a:normAutofit/>
+          </a:bodyPr>
+          <a:lstStyle/>
+          <a:p>
+            <a:pPr algn="just"/>
+            <a:r>
+              <a:rPr lang="en-US" sz="3200" dirty="0"/>
+              <a:t>Hypothetical data set: </a:t>
+            </a:r>
+          </a:p>
+          <a:p>
+            <a:pPr marL="0" indent="0" algn="ctr">
+              <a:buNone/>
+            </a:pPr>
+            <a:r>
+              <a:rPr lang="en-US" sz="3200" dirty="0"/>
+              <a:t>12, 23, 19, 6, 10, 7, 15, 25, 21, 12</a:t>
+            </a:r>
+          </a:p>
+          <a:p>
+            <a:pPr marL="0" indent="0" algn="ctr">
+              <a:buNone/>
+            </a:pPr>
+            <a:endParaRPr lang="en-US" sz="3200" dirty="0"/>
+          </a:p>
+          <a:p>
+            <a:pPr marL="514350" indent="-514350">
+              <a:buFont typeface="+mj-lt"/>
+              <a:buAutoNum type="alphaLcParenR"/>
+            </a:pPr>
+            <a:r>
+              <a:rPr lang="en-US" sz="3200" dirty="0"/>
+              <a:t>Construct the stem and leaf for the data.</a:t>
+            </a:r>
+          </a:p>
+          <a:p>
+            <a:pPr algn="just"/>
+            <a:endParaRPr lang="en-US" sz="3200" dirty="0"/>
+          </a:p>
+        </p:txBody>
+      </p:sp>
+      <p:graphicFrame>
+        <p:nvGraphicFramePr>
+          <p:cNvPr id="4" name="Table 3">
+            <a:extLst>
+              <a:ext uri="{FF2B5EF4-FFF2-40B4-BE49-F238E27FC236}">
+                <a16:creationId xmlns:a16="http://schemas.microsoft.com/office/drawing/2014/main" id="{96E46897-AA4D-F3C8-428E-38F73F5ADBB1}"/>
+              </a:ext>
+            </a:extLst>
+          </p:cNvPr>
+          <p:cNvGraphicFramePr>
+            <a:graphicFrameLocks noGrp="1"/>
+          </p:cNvGraphicFramePr>
+          <p:nvPr>
+            <p:extLst>
+              <p:ext uri="{D42A27DB-BD31-4B8C-83A1-F6EECF244321}">
+                <p14:modId xmlns:p14="http://schemas.microsoft.com/office/powerpoint/2010/main" val="414571802"/>
+              </p:ext>
+            </p:extLst>
+          </p:nvPr>
+        </p:nvGraphicFramePr>
+        <p:xfrm>
+          <a:off x="3620277" y="5267648"/>
+          <a:ext cx="2639878" cy="1078992"/>
+        </p:xfrm>
+        <a:graphic>
+          <a:graphicData uri="http://schemas.openxmlformats.org/drawingml/2006/table">
+            <a:tbl>
+              <a:tblPr firstRow="1" bandRow="1">
+                <a:tableStyleId>{5C22544A-7EE6-4342-B048-85BDC9FD1C3A}</a:tableStyleId>
+              </a:tblPr>
+              <a:tblGrid>
+                <a:gridCol w="1319939">
+                  <a:extLst>
+                    <a:ext uri="{9D8B030D-6E8A-4147-A177-3AD203B41FA5}">
+                      <a16:colId xmlns:a16="http://schemas.microsoft.com/office/drawing/2014/main" val="20298840"/>
+                    </a:ext>
+                  </a:extLst>
+                </a:gridCol>
+                <a:gridCol w="1319939">
+                  <a:extLst>
+                    <a:ext uri="{9D8B030D-6E8A-4147-A177-3AD203B41FA5}">
+                      <a16:colId xmlns:a16="http://schemas.microsoft.com/office/drawing/2014/main" val="33317761"/>
+                    </a:ext>
+                  </a:extLst>
+                </a:gridCol>
+              </a:tblGrid>
+              <a:tr h="410546">
+                <a:tc>
+                  <a:txBody>
+                    <a:bodyPr/>
+                    <a:lstStyle/>
+                    <a:p>
+                      <a:pPr algn="r"/>
+                      <a:r>
+                        <a:rPr lang="en-US" dirty="0">
+                          <a:solidFill>
+                            <a:sysClr val="windowText" lastClr="000000"/>
+                          </a:solidFill>
+                        </a:rPr>
+                        <a:t>0</a:t>
+                      </a:r>
+                    </a:p>
+                    <a:p>
+                      <a:pPr algn="r"/>
+                      <a:r>
+                        <a:rPr lang="en-US" dirty="0">
+                          <a:solidFill>
+                            <a:sysClr val="windowText" lastClr="000000"/>
+                          </a:solidFill>
+                        </a:rPr>
+                        <a:t>1</a:t>
+                      </a:r>
+                    </a:p>
+                    <a:p>
+                      <a:pPr algn="r"/>
+                      <a:r>
+                        <a:rPr lang="en-US" dirty="0">
+                          <a:solidFill>
+                            <a:sysClr val="windowText" lastClr="000000"/>
+                          </a:solidFill>
+                        </a:rPr>
+                        <a:t>2</a:t>
+                      </a:r>
+                    </a:p>
+                  </a:txBody>
+                  <a:tcPr>
+                    <a:lnL w="12700" cap="flat" cmpd="sng" algn="ctr">
+                      <a:solidFill>
+                        <a:schemeClr val="tx1"/>
+                      </a:solidFill>
+                      <a:prstDash val="solid"/>
+                      <a:round/>
+                      <a:headEnd type="none" w="med" len="med"/>
+                      <a:tailEnd type="none" w="med" len="med"/>
+                    </a:lnL>
+                    <a:lnR w="12700" cap="flat" cmpd="sng" algn="ctr">
+                      <a:solidFill>
+                        <a:schemeClr val="tx1"/>
+                      </a:solidFill>
+                      <a:prstDash val="solid"/>
+                      <a:round/>
+                      <a:headEnd type="none" w="med" len="med"/>
+                      <a:tailEnd type="none" w="med" len="med"/>
+                    </a:lnR>
+                    <a:lnT w="12700" cap="flat" cmpd="sng" algn="ctr">
+                      <a:solidFill>
+                        <a:schemeClr val="tx1"/>
+                      </a:solidFill>
+                      <a:prstDash val="solid"/>
+                      <a:round/>
+                      <a:headEnd type="none" w="med" len="med"/>
+                      <a:tailEnd type="none" w="med" len="med"/>
+                    </a:lnT>
+                    <a:lnB w="12700" cap="flat" cmpd="sng" algn="ctr">
+                      <a:solidFill>
+                        <a:schemeClr val="tx1"/>
+                      </a:solidFill>
+                      <a:prstDash val="solid"/>
+                      <a:round/>
+                      <a:headEnd type="none" w="med" len="med"/>
+                      <a:tailEnd type="none" w="med" len="med"/>
+                    </a:lnB>
+                    <a:noFill/>
+                  </a:tcPr>
+                </a:tc>
+                <a:tc>
+                  <a:txBody>
+                    <a:bodyPr/>
+                    <a:lstStyle/>
+                    <a:p>
+                      <a:r>
+                        <a:rPr lang="en-US" dirty="0">
+                          <a:solidFill>
+                            <a:sysClr val="windowText" lastClr="000000"/>
+                          </a:solidFill>
+                        </a:rPr>
+                        <a:t>67</a:t>
+                      </a:r>
+                    </a:p>
+                    <a:p>
+                      <a:r>
+                        <a:rPr lang="en-US" dirty="0">
+                          <a:solidFill>
+                            <a:sysClr val="windowText" lastClr="000000"/>
+                          </a:solidFill>
+                        </a:rPr>
+                        <a:t>29052</a:t>
+                      </a:r>
+                    </a:p>
+                    <a:p>
+                      <a:r>
+                        <a:rPr lang="en-US" dirty="0">
+                          <a:solidFill>
+                            <a:sysClr val="windowText" lastClr="000000"/>
+                          </a:solidFill>
+                        </a:rPr>
+                        <a:t>351</a:t>
+                      </a:r>
+                    </a:p>
+                  </a:txBody>
+                  <a:tcPr>
+                    <a:lnL w="12700" cap="flat" cmpd="sng" algn="ctr">
+                      <a:solidFill>
+                        <a:schemeClr val="tx1"/>
+                      </a:solidFill>
+                      <a:prstDash val="solid"/>
+                      <a:round/>
+                      <a:headEnd type="none" w="med" len="med"/>
+                      <a:tailEnd type="none" w="med" len="med"/>
+                    </a:lnL>
+                    <a:lnR w="12700" cap="flat" cmpd="sng" algn="ctr">
+                      <a:solidFill>
+                        <a:schemeClr val="tx1"/>
+                      </a:solidFill>
+                      <a:prstDash val="solid"/>
+                      <a:round/>
+                      <a:headEnd type="none" w="med" len="med"/>
+                      <a:tailEnd type="none" w="med" len="med"/>
+                    </a:lnR>
+                    <a:lnT w="12700" cap="flat" cmpd="sng" algn="ctr">
+                      <a:solidFill>
+                        <a:schemeClr val="tx1"/>
+                      </a:solidFill>
+                      <a:prstDash val="solid"/>
+                      <a:round/>
+                      <a:headEnd type="none" w="med" len="med"/>
+                      <a:tailEnd type="none" w="med" len="med"/>
+                    </a:lnT>
+                    <a:lnB w="12700" cap="flat" cmpd="sng" algn="ctr">
+                      <a:solidFill>
+                        <a:schemeClr val="tx1"/>
+                      </a:solidFill>
+                      <a:prstDash val="solid"/>
+                      <a:round/>
+                      <a:headEnd type="none" w="med" len="med"/>
+                      <a:tailEnd type="none" w="med" len="med"/>
+                    </a:lnB>
+                    <a:noFill/>
+                  </a:tcPr>
+                </a:tc>
+                <a:extLst>
+                  <a:ext uri="{0D108BD9-81ED-4DB2-BD59-A6C34878D82A}">
+                    <a16:rowId xmlns:a16="http://schemas.microsoft.com/office/drawing/2014/main" val="4181737491"/>
+                  </a:ext>
+                </a:extLst>
+              </a:tr>
+            </a:tbl>
+          </a:graphicData>
+        </a:graphic>
+      </p:graphicFrame>
+      <p:graphicFrame>
+        <p:nvGraphicFramePr>
+          <p:cNvPr id="5" name="Table 4">
+            <a:extLst>
+              <a:ext uri="{FF2B5EF4-FFF2-40B4-BE49-F238E27FC236}">
+                <a16:creationId xmlns:a16="http://schemas.microsoft.com/office/drawing/2014/main" id="{A923B5D9-8CE7-EDA1-7295-6422CA8C1AE7}"/>
+              </a:ext>
+            </a:extLst>
+          </p:cNvPr>
+          <p:cNvGraphicFramePr>
+            <a:graphicFrameLocks noGrp="1"/>
+          </p:cNvGraphicFramePr>
+          <p:nvPr>
+            <p:extLst>
+              <p:ext uri="{D42A27DB-BD31-4B8C-83A1-F6EECF244321}">
+                <p14:modId xmlns:p14="http://schemas.microsoft.com/office/powerpoint/2010/main" val="23619107"/>
+              </p:ext>
+            </p:extLst>
+          </p:nvPr>
+        </p:nvGraphicFramePr>
+        <p:xfrm>
+          <a:off x="7256759" y="5267648"/>
+          <a:ext cx="2639878" cy="1078992"/>
+        </p:xfrm>
+        <a:graphic>
+          <a:graphicData uri="http://schemas.openxmlformats.org/drawingml/2006/table">
+            <a:tbl>
+              <a:tblPr firstRow="1" bandRow="1">
+                <a:tableStyleId>{5C22544A-7EE6-4342-B048-85BDC9FD1C3A}</a:tableStyleId>
+              </a:tblPr>
+              <a:tblGrid>
+                <a:gridCol w="1319939">
+                  <a:extLst>
+                    <a:ext uri="{9D8B030D-6E8A-4147-A177-3AD203B41FA5}">
+                      <a16:colId xmlns:a16="http://schemas.microsoft.com/office/drawing/2014/main" val="20298840"/>
+                    </a:ext>
+                  </a:extLst>
+                </a:gridCol>
+                <a:gridCol w="1319939">
+                  <a:extLst>
+                    <a:ext uri="{9D8B030D-6E8A-4147-A177-3AD203B41FA5}">
+                      <a16:colId xmlns:a16="http://schemas.microsoft.com/office/drawing/2014/main" val="33317761"/>
+                    </a:ext>
+                  </a:extLst>
+                </a:gridCol>
+              </a:tblGrid>
+              <a:tr h="424025">
+                <a:tc>
+                  <a:txBody>
+                    <a:bodyPr/>
+                    <a:lstStyle/>
+                    <a:p>
+                      <a:pPr algn="r"/>
+                      <a:r>
+                        <a:rPr lang="en-US" dirty="0">
+                          <a:solidFill>
+                            <a:sysClr val="windowText" lastClr="000000"/>
+                          </a:solidFill>
+                        </a:rPr>
+                        <a:t>0</a:t>
+                      </a:r>
+                    </a:p>
+                    <a:p>
+                      <a:pPr algn="r"/>
+                      <a:r>
+                        <a:rPr lang="en-US" dirty="0">
+                          <a:solidFill>
+                            <a:sysClr val="windowText" lastClr="000000"/>
+                          </a:solidFill>
+                        </a:rPr>
+                        <a:t>1</a:t>
+                      </a:r>
+                    </a:p>
+                    <a:p>
+                      <a:pPr algn="r"/>
+                      <a:r>
+                        <a:rPr lang="en-US" dirty="0">
+                          <a:solidFill>
+                            <a:sysClr val="windowText" lastClr="000000"/>
+                          </a:solidFill>
+                        </a:rPr>
+                        <a:t>2</a:t>
+                      </a:r>
+                    </a:p>
+                  </a:txBody>
+                  <a:tcPr>
+                    <a:lnL w="12700" cap="flat" cmpd="sng" algn="ctr">
+                      <a:solidFill>
+                        <a:schemeClr val="tx1"/>
+                      </a:solidFill>
+                      <a:prstDash val="solid"/>
+                      <a:round/>
+                      <a:headEnd type="none" w="med" len="med"/>
+                      <a:tailEnd type="none" w="med" len="med"/>
+                    </a:lnL>
+                    <a:lnR w="12700" cap="flat" cmpd="sng" algn="ctr">
+                      <a:solidFill>
+                        <a:schemeClr val="tx1"/>
+                      </a:solidFill>
+                      <a:prstDash val="solid"/>
+                      <a:round/>
+                      <a:headEnd type="none" w="med" len="med"/>
+                      <a:tailEnd type="none" w="med" len="med"/>
+                    </a:lnR>
+                    <a:lnT w="12700" cap="flat" cmpd="sng" algn="ctr">
+                      <a:solidFill>
+                        <a:schemeClr val="tx1"/>
+                      </a:solidFill>
+                      <a:prstDash val="solid"/>
+                      <a:round/>
+                      <a:headEnd type="none" w="med" len="med"/>
+                      <a:tailEnd type="none" w="med" len="med"/>
+                    </a:lnT>
+                    <a:lnB w="12700" cap="flat" cmpd="sng" algn="ctr">
+                      <a:solidFill>
+                        <a:schemeClr val="tx1"/>
+                      </a:solidFill>
+                      <a:prstDash val="solid"/>
+                      <a:round/>
+                      <a:headEnd type="none" w="med" len="med"/>
+                      <a:tailEnd type="none" w="med" len="med"/>
+                    </a:lnB>
+                    <a:noFill/>
+                  </a:tcPr>
+                </a:tc>
+                <a:tc>
+                  <a:txBody>
+                    <a:bodyPr/>
+                    <a:lstStyle/>
+                    <a:p>
+                      <a:r>
+                        <a:rPr lang="en-US" dirty="0">
+                          <a:solidFill>
+                            <a:sysClr val="windowText" lastClr="000000"/>
+                          </a:solidFill>
+                        </a:rPr>
+                        <a:t>67</a:t>
+                      </a:r>
+                    </a:p>
+                    <a:p>
+                      <a:r>
+                        <a:rPr lang="en-US" dirty="0">
+                          <a:solidFill>
+                            <a:sysClr val="windowText" lastClr="000000"/>
+                          </a:solidFill>
+                        </a:rPr>
+                        <a:t>02259</a:t>
+                      </a:r>
+                    </a:p>
+                    <a:p>
+                      <a:r>
+                        <a:rPr lang="en-US" dirty="0">
+                          <a:solidFill>
+                            <a:sysClr val="windowText" lastClr="000000"/>
+                          </a:solidFill>
+                        </a:rPr>
+                        <a:t>135</a:t>
+                      </a:r>
+                    </a:p>
+                  </a:txBody>
+                  <a:tcPr>
+                    <a:lnL w="12700" cap="flat" cmpd="sng" algn="ctr">
+                      <a:solidFill>
+                        <a:schemeClr val="tx1"/>
+                      </a:solidFill>
+                      <a:prstDash val="solid"/>
+                      <a:round/>
+                      <a:headEnd type="none" w="med" len="med"/>
+                      <a:tailEnd type="none" w="med" len="med"/>
+                    </a:lnL>
+                    <a:lnR w="12700" cap="flat" cmpd="sng" algn="ctr">
+                      <a:solidFill>
+                        <a:schemeClr val="tx1"/>
+                      </a:solidFill>
+                      <a:prstDash val="solid"/>
+                      <a:round/>
+                      <a:headEnd type="none" w="med" len="med"/>
+                      <a:tailEnd type="none" w="med" len="med"/>
+                    </a:lnR>
+                    <a:lnT w="12700" cap="flat" cmpd="sng" algn="ctr">
+                      <a:solidFill>
+                        <a:schemeClr val="tx1"/>
+                      </a:solidFill>
+                      <a:prstDash val="solid"/>
+                      <a:round/>
+                      <a:headEnd type="none" w="med" len="med"/>
+                      <a:tailEnd type="none" w="med" len="med"/>
+                    </a:lnT>
+                    <a:lnB w="12700" cap="flat" cmpd="sng" algn="ctr">
+                      <a:solidFill>
+                        <a:schemeClr val="tx1"/>
+                      </a:solidFill>
+                      <a:prstDash val="solid"/>
+                      <a:round/>
+                      <a:headEnd type="none" w="med" len="med"/>
+                      <a:tailEnd type="none" w="med" len="med"/>
+                    </a:lnB>
+                    <a:noFill/>
+                  </a:tcPr>
+                </a:tc>
+                <a:extLst>
+                  <a:ext uri="{0D108BD9-81ED-4DB2-BD59-A6C34878D82A}">
+                    <a16:rowId xmlns:a16="http://schemas.microsoft.com/office/drawing/2014/main" val="4181737491"/>
+                  </a:ext>
+                </a:extLst>
+              </a:tr>
+            </a:tbl>
+          </a:graphicData>
+        </a:graphic>
+      </p:graphicFrame>
+      <p:sp>
+        <p:nvSpPr>
+          <p:cNvPr id="6" name="Arrow: Right 5">
+            <a:extLst>
+              <a:ext uri="{FF2B5EF4-FFF2-40B4-BE49-F238E27FC236}">
+                <a16:creationId xmlns:a16="http://schemas.microsoft.com/office/drawing/2014/main" id="{49BCED18-77F1-5B0C-002F-B19C7B7C65C5}"/>
+              </a:ext>
+            </a:extLst>
+          </p:cNvPr>
+          <p:cNvSpPr/>
+          <p:nvPr/>
+        </p:nvSpPr>
+        <p:spPr>
+          <a:xfrm>
+            <a:off x="6582216" y="5485039"/>
+            <a:ext cx="410547" cy="559837"/>
+          </a:xfrm>
+          <a:prstGeom prst="rightArrow">
+            <a:avLst/>
+          </a:prstGeom>
+          <a:solidFill>
+            <a:srgbClr val="FFC000"/>
+          </a:solidFill>
+          <a:ln>
+            <a:solidFill>
+              <a:schemeClr val="tx1"/>
+            </a:solidFill>
+          </a:ln>
+        </p:spPr>
+        <p:style>
+          <a:lnRef idx="2">
+            <a:schemeClr val="accent1">
+              <a:shade val="15000"/>
+            </a:schemeClr>
+          </a:lnRef>
+          <a:fillRef idx="1">
+            <a:schemeClr val="accent1"/>
+          </a:fillRef>
+          <a:effectRef idx="0">
+            <a:schemeClr val="accent1"/>
+          </a:effectRef>
+          <a:fontRef idx="minor">
+            <a:schemeClr val="lt1"/>
+          </a:fontRef>
+        </p:style>
+        <p:txBody>
+          <a:bodyPr rtlCol="0" anchor="ctr"/>
+          <a:lstStyle/>
+          <a:p>
+            <a:pPr algn="ctr"/>
+            <a:endParaRPr lang="en-US"/>
+          </a:p>
+        </p:txBody>
+      </p:sp>
+    </p:spTree>
+    <p:extLst>
+      <p:ext uri="{BB962C8B-B14F-4D97-AF65-F5344CB8AC3E}">
+        <p14:creationId xmlns:p14="http://schemas.microsoft.com/office/powerpoint/2010/main" val="650465506"/>
+      </p:ext>
+    </p:extLst>
+  </p:cSld>
+  <p:clrMapOvr>
+    <a:masterClrMapping/>
+  </p:clrMapOvr>
+  <p:timing>
+    <p:tnLst>
+      <p:par>
+        <p:cTn id="1" dur="indefinite" restart="never" nodeType="tmRoot">
+          <p:childTnLst>
+            <p:seq concurrent="1" nextAc="seek">
+              <p:cTn id="2" dur="indefinite" nodeType="mainSeq">
+                <p:childTnLst>
+                  <p:par>
+                    <p:cTn id="3" fill="hold">
+                      <p:stCondLst>
+                        <p:cond delay="indefinite"/>
+                      </p:stCondLst>
+                      <p:childTnLst>
+                        <p:par>
+                          <p:cTn id="4" fill="hold">
+                            <p:stCondLst>
+                              <p:cond delay="0"/>
+                            </p:stCondLst>
+                            <p:childTnLst>
+                              <p:par>
+                                <p:cTn id="5" presetID="10" presetClass="entr" presetSubtype="0" fill="hold" nodeType="clickEffect">
+                                  <p:stCondLst>
+                                    <p:cond delay="0"/>
+                                  </p:stCondLst>
+                                  <p:childTnLst>
+                                    <p:set>
+                                      <p:cBhvr>
+                                        <p:cTn id="6" dur="1" fill="hold">
+                                          <p:stCondLst>
+                                            <p:cond delay="0"/>
+                                          </p:stCondLst>
+                                        </p:cTn>
+                                        <p:tgtEl>
+                                          <p:spTgt spid="4"/>
+                                        </p:tgtEl>
+                                        <p:attrNameLst>
+                                          <p:attrName>style.visibility</p:attrName>
+                                        </p:attrNameLst>
+                                      </p:cBhvr>
+                                      <p:to>
+                                        <p:strVal val="visible"/>
+                                      </p:to>
+                                    </p:set>
+                                    <p:animEffect transition="in" filter="fade">
+                                      <p:cBhvr>
+                                        <p:cTn id="7" dur="500"/>
+                                        <p:tgtEl>
+                                          <p:spTgt spid="4"/>
+                                        </p:tgtEl>
+                                      </p:cBhvr>
+                                    </p:animEffect>
+                                  </p:childTnLst>
+                                </p:cTn>
+                              </p:par>
+                            </p:childTnLst>
+                          </p:cTn>
+                        </p:par>
+                      </p:childTnLst>
+                    </p:cTn>
+                  </p:par>
+                  <p:par>
+                    <p:cTn id="8" fill="hold">
+                      <p:stCondLst>
+                        <p:cond delay="indefinite"/>
+                      </p:stCondLst>
+                      <p:childTnLst>
+                        <p:par>
+                          <p:cTn id="9" fill="hold">
+                            <p:stCondLst>
+                              <p:cond delay="0"/>
+                            </p:stCondLst>
+                            <p:childTnLst>
+                              <p:par>
+                                <p:cTn id="10" presetID="10" presetClass="entr" presetSubtype="0" fill="hold" grpId="0" nodeType="clickEffect">
+                                  <p:stCondLst>
+                                    <p:cond delay="0"/>
+                                  </p:stCondLst>
+                                  <p:childTnLst>
+                                    <p:set>
+                                      <p:cBhvr>
+                                        <p:cTn id="11" dur="1" fill="hold">
+                                          <p:stCondLst>
+                                            <p:cond delay="0"/>
+                                          </p:stCondLst>
+                                        </p:cTn>
+                                        <p:tgtEl>
+                                          <p:spTgt spid="6"/>
+                                        </p:tgtEl>
+                                        <p:attrNameLst>
+                                          <p:attrName>style.visibility</p:attrName>
+                                        </p:attrNameLst>
+                                      </p:cBhvr>
+                                      <p:to>
+                                        <p:strVal val="visible"/>
+                                      </p:to>
+                                    </p:set>
+                                    <p:animEffect transition="in" filter="fade">
+                                      <p:cBhvr>
+                                        <p:cTn id="12" dur="500"/>
+                                        <p:tgtEl>
+                                          <p:spTgt spid="6"/>
+                                        </p:tgtEl>
+                                      </p:cBhvr>
+                                    </p:animEffect>
+                                  </p:childTnLst>
+                                </p:cTn>
+                              </p:par>
+                              <p:par>
+                                <p:cTn id="13" presetID="10" presetClass="entr" presetSubtype="0" fill="hold" nodeType="withEffect">
+                                  <p:stCondLst>
+                                    <p:cond delay="0"/>
+                                  </p:stCondLst>
+                                  <p:childTnLst>
+                                    <p:set>
+                                      <p:cBhvr>
+                                        <p:cTn id="14" dur="1" fill="hold">
+                                          <p:stCondLst>
+                                            <p:cond delay="0"/>
+                                          </p:stCondLst>
+                                        </p:cTn>
+                                        <p:tgtEl>
+                                          <p:spTgt spid="5"/>
+                                        </p:tgtEl>
+                                        <p:attrNameLst>
+                                          <p:attrName>style.visibility</p:attrName>
+                                        </p:attrNameLst>
+                                      </p:cBhvr>
+                                      <p:to>
+                                        <p:strVal val="visible"/>
+                                      </p:to>
+                                    </p:set>
+                                    <p:animEffect transition="in" filter="fade">
+                                      <p:cBhvr>
+                                        <p:cTn id="15" dur="500"/>
+                                        <p:tgtEl>
+                                          <p:spTgt spid="5"/>
+                                        </p:tgtEl>
+                                      </p:cBhvr>
+                                    </p:animEffect>
+                                  </p:childTnLst>
+                                </p:cTn>
+                              </p:par>
+                            </p:childTnLst>
+                          </p:cTn>
+                        </p:par>
+                      </p:childTnLst>
+                    </p:cTn>
+                  </p:par>
+                </p:childTnLst>
+              </p:cTn>
+              <p:prevCondLst>
+                <p:cond evt="onPrev" delay="0">
+                  <p:tgtEl>
+                    <p:sldTgt/>
+                  </p:tgtEl>
+                </p:cond>
+              </p:prevCondLst>
+              <p:nextCondLst>
+                <p:cond evt="onNext" delay="0">
+                  <p:tgtEl>
+                    <p:sldTgt/>
+                  </p:tgtEl>
+                </p:cond>
+              </p:nextCondLst>
+            </p:seq>
+          </p:childTnLst>
+        </p:cTn>
+      </p:par>
+    </p:tnLst>
+    <p:bldLst>
+      <p:bldP spid="6" grpId="0" animBg="1"/>
+    </p:bldLst>
+  </p:timing>
+</p:sld>
+</file>
+
 <file path=ppt/slides/slide2.xml><?xml version="1.0" encoding="utf-8"?>
 <p:sld xmlns:a="http://schemas.openxmlformats.org/drawingml/2006/main" xmlns:r="http://schemas.openxmlformats.org/officeDocument/2006/relationships" xmlns:p="http://schemas.openxmlformats.org/presentationml/2006/main">
   <p:cSld>
@@ -20423,782 +17557,6 @@
           <a:p>
             <a:r>
               <a:rPr lang="en-US" dirty="0"/>
-              <a:t>Stem and Leaf</a:t>
-            </a:r>
-          </a:p>
-        </p:txBody>
-      </p:sp>
-      <p:sp>
-        <p:nvSpPr>
-          <p:cNvPr id="3" name="Content Placeholder 2">
-            <a:extLst>
-              <a:ext uri="{FF2B5EF4-FFF2-40B4-BE49-F238E27FC236}">
-                <a16:creationId xmlns:a16="http://schemas.microsoft.com/office/drawing/2014/main" id="{EFDA7E4E-919B-F425-BAF9-7D2CFB21E498}"/>
-              </a:ext>
-            </a:extLst>
-          </p:cNvPr>
-          <p:cNvSpPr>
-            <a:spLocks noGrp="1"/>
-          </p:cNvSpPr>
-          <p:nvPr>
-            <p:ph sz="quarter" idx="13"/>
-          </p:nvPr>
-        </p:nvSpPr>
-        <p:spPr>
-          <a:xfrm>
-            <a:off x="1096529" y="2123350"/>
-            <a:ext cx="12436591" cy="5490429"/>
-          </a:xfrm>
-        </p:spPr>
-        <p:txBody>
-          <a:bodyPr>
-            <a:normAutofit/>
-          </a:bodyPr>
-          <a:lstStyle/>
-          <a:p>
-            <a:pPr algn="just"/>
-            <a:r>
-              <a:rPr lang="en-US" sz="3200" dirty="0"/>
-              <a:t>Hypothetical data set: </a:t>
-            </a:r>
-          </a:p>
-          <a:p>
-            <a:pPr marL="0" indent="0" algn="ctr">
-              <a:buNone/>
-            </a:pPr>
-            <a:r>
-              <a:rPr lang="en-US" sz="3200" dirty="0"/>
-              <a:t>12, 23, 19, 6, 10, 7, 15, 25, 21, 12</a:t>
-            </a:r>
-          </a:p>
-          <a:p>
-            <a:pPr marL="0" indent="0" algn="ctr">
-              <a:buNone/>
-            </a:pPr>
-            <a:endParaRPr lang="en-US" sz="3200" dirty="0"/>
-          </a:p>
-          <a:p>
-            <a:pPr marL="514350" indent="-514350">
-              <a:buFont typeface="+mj-lt"/>
-              <a:buAutoNum type="alphaLcParenR"/>
-            </a:pPr>
-            <a:r>
-              <a:rPr lang="en-US" sz="3200" dirty="0"/>
-              <a:t>Construct the stem and leaf for the data.</a:t>
-            </a:r>
-          </a:p>
-          <a:p>
-            <a:pPr algn="just"/>
-            <a:endParaRPr lang="en-US" sz="3200" dirty="0"/>
-          </a:p>
-        </p:txBody>
-      </p:sp>
-      <p:graphicFrame>
-        <p:nvGraphicFramePr>
-          <p:cNvPr id="4" name="Table 3">
-            <a:extLst>
-              <a:ext uri="{FF2B5EF4-FFF2-40B4-BE49-F238E27FC236}">
-                <a16:creationId xmlns:a16="http://schemas.microsoft.com/office/drawing/2014/main" id="{96E46897-AA4D-F3C8-428E-38F73F5ADBB1}"/>
-              </a:ext>
-            </a:extLst>
-          </p:cNvPr>
-          <p:cNvGraphicFramePr>
-            <a:graphicFrameLocks noGrp="1"/>
-          </p:cNvGraphicFramePr>
-          <p:nvPr>
-            <p:extLst>
-              <p:ext uri="{D42A27DB-BD31-4B8C-83A1-F6EECF244321}">
-                <p14:modId xmlns:p14="http://schemas.microsoft.com/office/powerpoint/2010/main" val="414571802"/>
-              </p:ext>
-            </p:extLst>
-          </p:nvPr>
-        </p:nvGraphicFramePr>
-        <p:xfrm>
-          <a:off x="3620277" y="5267648"/>
-          <a:ext cx="2639878" cy="1078992"/>
-        </p:xfrm>
-        <a:graphic>
-          <a:graphicData uri="http://schemas.openxmlformats.org/drawingml/2006/table">
-            <a:tbl>
-              <a:tblPr firstRow="1" bandRow="1">
-                <a:tableStyleId>{5C22544A-7EE6-4342-B048-85BDC9FD1C3A}</a:tableStyleId>
-              </a:tblPr>
-              <a:tblGrid>
-                <a:gridCol w="1319939">
-                  <a:extLst>
-                    <a:ext uri="{9D8B030D-6E8A-4147-A177-3AD203B41FA5}">
-                      <a16:colId xmlns:a16="http://schemas.microsoft.com/office/drawing/2014/main" val="20298840"/>
-                    </a:ext>
-                  </a:extLst>
-                </a:gridCol>
-                <a:gridCol w="1319939">
-                  <a:extLst>
-                    <a:ext uri="{9D8B030D-6E8A-4147-A177-3AD203B41FA5}">
-                      <a16:colId xmlns:a16="http://schemas.microsoft.com/office/drawing/2014/main" val="33317761"/>
-                    </a:ext>
-                  </a:extLst>
-                </a:gridCol>
-              </a:tblGrid>
-              <a:tr h="410546">
-                <a:tc>
-                  <a:txBody>
-                    <a:bodyPr/>
-                    <a:lstStyle/>
-                    <a:p>
-                      <a:pPr algn="r"/>
-                      <a:r>
-                        <a:rPr lang="en-US" dirty="0">
-                          <a:solidFill>
-                            <a:sysClr val="windowText" lastClr="000000"/>
-                          </a:solidFill>
-                        </a:rPr>
-                        <a:t>0</a:t>
-                      </a:r>
-                    </a:p>
-                    <a:p>
-                      <a:pPr algn="r"/>
-                      <a:r>
-                        <a:rPr lang="en-US" dirty="0">
-                          <a:solidFill>
-                            <a:sysClr val="windowText" lastClr="000000"/>
-                          </a:solidFill>
-                        </a:rPr>
-                        <a:t>1</a:t>
-                      </a:r>
-                    </a:p>
-                    <a:p>
-                      <a:pPr algn="r"/>
-                      <a:r>
-                        <a:rPr lang="en-US" dirty="0">
-                          <a:solidFill>
-                            <a:sysClr val="windowText" lastClr="000000"/>
-                          </a:solidFill>
-                        </a:rPr>
-                        <a:t>2</a:t>
-                      </a:r>
-                    </a:p>
-                  </a:txBody>
-                  <a:tcPr>
-                    <a:lnL w="12700" cap="flat" cmpd="sng" algn="ctr">
-                      <a:solidFill>
-                        <a:schemeClr val="tx1"/>
-                      </a:solidFill>
-                      <a:prstDash val="solid"/>
-                      <a:round/>
-                      <a:headEnd type="none" w="med" len="med"/>
-                      <a:tailEnd type="none" w="med" len="med"/>
-                    </a:lnL>
-                    <a:lnR w="12700" cap="flat" cmpd="sng" algn="ctr">
-                      <a:solidFill>
-                        <a:schemeClr val="tx1"/>
-                      </a:solidFill>
-                      <a:prstDash val="solid"/>
-                      <a:round/>
-                      <a:headEnd type="none" w="med" len="med"/>
-                      <a:tailEnd type="none" w="med" len="med"/>
-                    </a:lnR>
-                    <a:lnT w="12700" cap="flat" cmpd="sng" algn="ctr">
-                      <a:solidFill>
-                        <a:schemeClr val="tx1"/>
-                      </a:solidFill>
-                      <a:prstDash val="solid"/>
-                      <a:round/>
-                      <a:headEnd type="none" w="med" len="med"/>
-                      <a:tailEnd type="none" w="med" len="med"/>
-                    </a:lnT>
-                    <a:lnB w="12700" cap="flat" cmpd="sng" algn="ctr">
-                      <a:solidFill>
-                        <a:schemeClr val="tx1"/>
-                      </a:solidFill>
-                      <a:prstDash val="solid"/>
-                      <a:round/>
-                      <a:headEnd type="none" w="med" len="med"/>
-                      <a:tailEnd type="none" w="med" len="med"/>
-                    </a:lnB>
-                    <a:noFill/>
-                  </a:tcPr>
-                </a:tc>
-                <a:tc>
-                  <a:txBody>
-                    <a:bodyPr/>
-                    <a:lstStyle/>
-                    <a:p>
-                      <a:r>
-                        <a:rPr lang="en-US" dirty="0">
-                          <a:solidFill>
-                            <a:sysClr val="windowText" lastClr="000000"/>
-                          </a:solidFill>
-                        </a:rPr>
-                        <a:t>67</a:t>
-                      </a:r>
-                    </a:p>
-                    <a:p>
-                      <a:r>
-                        <a:rPr lang="en-US" dirty="0">
-                          <a:solidFill>
-                            <a:sysClr val="windowText" lastClr="000000"/>
-                          </a:solidFill>
-                        </a:rPr>
-                        <a:t>29052</a:t>
-                      </a:r>
-                    </a:p>
-                    <a:p>
-                      <a:r>
-                        <a:rPr lang="en-US" dirty="0">
-                          <a:solidFill>
-                            <a:sysClr val="windowText" lastClr="000000"/>
-                          </a:solidFill>
-                        </a:rPr>
-                        <a:t>351</a:t>
-                      </a:r>
-                    </a:p>
-                  </a:txBody>
-                  <a:tcPr>
-                    <a:lnL w="12700" cap="flat" cmpd="sng" algn="ctr">
-                      <a:solidFill>
-                        <a:schemeClr val="tx1"/>
-                      </a:solidFill>
-                      <a:prstDash val="solid"/>
-                      <a:round/>
-                      <a:headEnd type="none" w="med" len="med"/>
-                      <a:tailEnd type="none" w="med" len="med"/>
-                    </a:lnL>
-                    <a:lnR w="12700" cap="flat" cmpd="sng" algn="ctr">
-                      <a:solidFill>
-                        <a:schemeClr val="tx1"/>
-                      </a:solidFill>
-                      <a:prstDash val="solid"/>
-                      <a:round/>
-                      <a:headEnd type="none" w="med" len="med"/>
-                      <a:tailEnd type="none" w="med" len="med"/>
-                    </a:lnR>
-                    <a:lnT w="12700" cap="flat" cmpd="sng" algn="ctr">
-                      <a:solidFill>
-                        <a:schemeClr val="tx1"/>
-                      </a:solidFill>
-                      <a:prstDash val="solid"/>
-                      <a:round/>
-                      <a:headEnd type="none" w="med" len="med"/>
-                      <a:tailEnd type="none" w="med" len="med"/>
-                    </a:lnT>
-                    <a:lnB w="12700" cap="flat" cmpd="sng" algn="ctr">
-                      <a:solidFill>
-                        <a:schemeClr val="tx1"/>
-                      </a:solidFill>
-                      <a:prstDash val="solid"/>
-                      <a:round/>
-                      <a:headEnd type="none" w="med" len="med"/>
-                      <a:tailEnd type="none" w="med" len="med"/>
-                    </a:lnB>
-                    <a:noFill/>
-                  </a:tcPr>
-                </a:tc>
-                <a:extLst>
-                  <a:ext uri="{0D108BD9-81ED-4DB2-BD59-A6C34878D82A}">
-                    <a16:rowId xmlns:a16="http://schemas.microsoft.com/office/drawing/2014/main" val="4181737491"/>
-                  </a:ext>
-                </a:extLst>
-              </a:tr>
-            </a:tbl>
-          </a:graphicData>
-        </a:graphic>
-      </p:graphicFrame>
-      <p:graphicFrame>
-        <p:nvGraphicFramePr>
-          <p:cNvPr id="5" name="Table 4">
-            <a:extLst>
-              <a:ext uri="{FF2B5EF4-FFF2-40B4-BE49-F238E27FC236}">
-                <a16:creationId xmlns:a16="http://schemas.microsoft.com/office/drawing/2014/main" id="{A923B5D9-8CE7-EDA1-7295-6422CA8C1AE7}"/>
-              </a:ext>
-            </a:extLst>
-          </p:cNvPr>
-          <p:cNvGraphicFramePr>
-            <a:graphicFrameLocks noGrp="1"/>
-          </p:cNvGraphicFramePr>
-          <p:nvPr>
-            <p:extLst>
-              <p:ext uri="{D42A27DB-BD31-4B8C-83A1-F6EECF244321}">
-                <p14:modId xmlns:p14="http://schemas.microsoft.com/office/powerpoint/2010/main" val="23619107"/>
-              </p:ext>
-            </p:extLst>
-          </p:nvPr>
-        </p:nvGraphicFramePr>
-        <p:xfrm>
-          <a:off x="7256759" y="5267648"/>
-          <a:ext cx="2639878" cy="1078992"/>
-        </p:xfrm>
-        <a:graphic>
-          <a:graphicData uri="http://schemas.openxmlformats.org/drawingml/2006/table">
-            <a:tbl>
-              <a:tblPr firstRow="1" bandRow="1">
-                <a:tableStyleId>{5C22544A-7EE6-4342-B048-85BDC9FD1C3A}</a:tableStyleId>
-              </a:tblPr>
-              <a:tblGrid>
-                <a:gridCol w="1319939">
-                  <a:extLst>
-                    <a:ext uri="{9D8B030D-6E8A-4147-A177-3AD203B41FA5}">
-                      <a16:colId xmlns:a16="http://schemas.microsoft.com/office/drawing/2014/main" val="20298840"/>
-                    </a:ext>
-                  </a:extLst>
-                </a:gridCol>
-                <a:gridCol w="1319939">
-                  <a:extLst>
-                    <a:ext uri="{9D8B030D-6E8A-4147-A177-3AD203B41FA5}">
-                      <a16:colId xmlns:a16="http://schemas.microsoft.com/office/drawing/2014/main" val="33317761"/>
-                    </a:ext>
-                  </a:extLst>
-                </a:gridCol>
-              </a:tblGrid>
-              <a:tr h="424025">
-                <a:tc>
-                  <a:txBody>
-                    <a:bodyPr/>
-                    <a:lstStyle/>
-                    <a:p>
-                      <a:pPr algn="r"/>
-                      <a:r>
-                        <a:rPr lang="en-US" dirty="0">
-                          <a:solidFill>
-                            <a:sysClr val="windowText" lastClr="000000"/>
-                          </a:solidFill>
-                        </a:rPr>
-                        <a:t>0</a:t>
-                      </a:r>
-                    </a:p>
-                    <a:p>
-                      <a:pPr algn="r"/>
-                      <a:r>
-                        <a:rPr lang="en-US" dirty="0">
-                          <a:solidFill>
-                            <a:sysClr val="windowText" lastClr="000000"/>
-                          </a:solidFill>
-                        </a:rPr>
-                        <a:t>1</a:t>
-                      </a:r>
-                    </a:p>
-                    <a:p>
-                      <a:pPr algn="r"/>
-                      <a:r>
-                        <a:rPr lang="en-US" dirty="0">
-                          <a:solidFill>
-                            <a:sysClr val="windowText" lastClr="000000"/>
-                          </a:solidFill>
-                        </a:rPr>
-                        <a:t>2</a:t>
-                      </a:r>
-                    </a:p>
-                  </a:txBody>
-                  <a:tcPr>
-                    <a:lnL w="12700" cap="flat" cmpd="sng" algn="ctr">
-                      <a:solidFill>
-                        <a:schemeClr val="tx1"/>
-                      </a:solidFill>
-                      <a:prstDash val="solid"/>
-                      <a:round/>
-                      <a:headEnd type="none" w="med" len="med"/>
-                      <a:tailEnd type="none" w="med" len="med"/>
-                    </a:lnL>
-                    <a:lnR w="12700" cap="flat" cmpd="sng" algn="ctr">
-                      <a:solidFill>
-                        <a:schemeClr val="tx1"/>
-                      </a:solidFill>
-                      <a:prstDash val="solid"/>
-                      <a:round/>
-                      <a:headEnd type="none" w="med" len="med"/>
-                      <a:tailEnd type="none" w="med" len="med"/>
-                    </a:lnR>
-                    <a:lnT w="12700" cap="flat" cmpd="sng" algn="ctr">
-                      <a:solidFill>
-                        <a:schemeClr val="tx1"/>
-                      </a:solidFill>
-                      <a:prstDash val="solid"/>
-                      <a:round/>
-                      <a:headEnd type="none" w="med" len="med"/>
-                      <a:tailEnd type="none" w="med" len="med"/>
-                    </a:lnT>
-                    <a:lnB w="12700" cap="flat" cmpd="sng" algn="ctr">
-                      <a:solidFill>
-                        <a:schemeClr val="tx1"/>
-                      </a:solidFill>
-                      <a:prstDash val="solid"/>
-                      <a:round/>
-                      <a:headEnd type="none" w="med" len="med"/>
-                      <a:tailEnd type="none" w="med" len="med"/>
-                    </a:lnB>
-                    <a:noFill/>
-                  </a:tcPr>
-                </a:tc>
-                <a:tc>
-                  <a:txBody>
-                    <a:bodyPr/>
-                    <a:lstStyle/>
-                    <a:p>
-                      <a:r>
-                        <a:rPr lang="en-US" dirty="0">
-                          <a:solidFill>
-                            <a:sysClr val="windowText" lastClr="000000"/>
-                          </a:solidFill>
-                        </a:rPr>
-                        <a:t>67</a:t>
-                      </a:r>
-                    </a:p>
-                    <a:p>
-                      <a:r>
-                        <a:rPr lang="en-US" dirty="0">
-                          <a:solidFill>
-                            <a:sysClr val="windowText" lastClr="000000"/>
-                          </a:solidFill>
-                        </a:rPr>
-                        <a:t>02259</a:t>
-                      </a:r>
-                    </a:p>
-                    <a:p>
-                      <a:r>
-                        <a:rPr lang="en-US" dirty="0">
-                          <a:solidFill>
-                            <a:sysClr val="windowText" lastClr="000000"/>
-                          </a:solidFill>
-                        </a:rPr>
-                        <a:t>135</a:t>
-                      </a:r>
-                    </a:p>
-                  </a:txBody>
-                  <a:tcPr>
-                    <a:lnL w="12700" cap="flat" cmpd="sng" algn="ctr">
-                      <a:solidFill>
-                        <a:schemeClr val="tx1"/>
-                      </a:solidFill>
-                      <a:prstDash val="solid"/>
-                      <a:round/>
-                      <a:headEnd type="none" w="med" len="med"/>
-                      <a:tailEnd type="none" w="med" len="med"/>
-                    </a:lnL>
-                    <a:lnR w="12700" cap="flat" cmpd="sng" algn="ctr">
-                      <a:solidFill>
-                        <a:schemeClr val="tx1"/>
-                      </a:solidFill>
-                      <a:prstDash val="solid"/>
-                      <a:round/>
-                      <a:headEnd type="none" w="med" len="med"/>
-                      <a:tailEnd type="none" w="med" len="med"/>
-                    </a:lnR>
-                    <a:lnT w="12700" cap="flat" cmpd="sng" algn="ctr">
-                      <a:solidFill>
-                        <a:schemeClr val="tx1"/>
-                      </a:solidFill>
-                      <a:prstDash val="solid"/>
-                      <a:round/>
-                      <a:headEnd type="none" w="med" len="med"/>
-                      <a:tailEnd type="none" w="med" len="med"/>
-                    </a:lnT>
-                    <a:lnB w="12700" cap="flat" cmpd="sng" algn="ctr">
-                      <a:solidFill>
-                        <a:schemeClr val="tx1"/>
-                      </a:solidFill>
-                      <a:prstDash val="solid"/>
-                      <a:round/>
-                      <a:headEnd type="none" w="med" len="med"/>
-                      <a:tailEnd type="none" w="med" len="med"/>
-                    </a:lnB>
-                    <a:noFill/>
-                  </a:tcPr>
-                </a:tc>
-                <a:extLst>
-                  <a:ext uri="{0D108BD9-81ED-4DB2-BD59-A6C34878D82A}">
-                    <a16:rowId xmlns:a16="http://schemas.microsoft.com/office/drawing/2014/main" val="4181737491"/>
-                  </a:ext>
-                </a:extLst>
-              </a:tr>
-            </a:tbl>
-          </a:graphicData>
-        </a:graphic>
-      </p:graphicFrame>
-      <p:sp>
-        <p:nvSpPr>
-          <p:cNvPr id="6" name="Arrow: Right 5">
-            <a:extLst>
-              <a:ext uri="{FF2B5EF4-FFF2-40B4-BE49-F238E27FC236}">
-                <a16:creationId xmlns:a16="http://schemas.microsoft.com/office/drawing/2014/main" id="{49BCED18-77F1-5B0C-002F-B19C7B7C65C5}"/>
-              </a:ext>
-            </a:extLst>
-          </p:cNvPr>
-          <p:cNvSpPr/>
-          <p:nvPr/>
-        </p:nvSpPr>
-        <p:spPr>
-          <a:xfrm>
-            <a:off x="6582216" y="5485039"/>
-            <a:ext cx="410547" cy="559837"/>
-          </a:xfrm>
-          <a:prstGeom prst="rightArrow">
-            <a:avLst/>
-          </a:prstGeom>
-          <a:solidFill>
-            <a:srgbClr val="FFC000"/>
-          </a:solidFill>
-          <a:ln>
-            <a:solidFill>
-              <a:schemeClr val="tx1"/>
-            </a:solidFill>
-          </a:ln>
-        </p:spPr>
-        <p:style>
-          <a:lnRef idx="2">
-            <a:schemeClr val="accent1">
-              <a:shade val="15000"/>
-            </a:schemeClr>
-          </a:lnRef>
-          <a:fillRef idx="1">
-            <a:schemeClr val="accent1"/>
-          </a:fillRef>
-          <a:effectRef idx="0">
-            <a:schemeClr val="accent1"/>
-          </a:effectRef>
-          <a:fontRef idx="minor">
-            <a:schemeClr val="lt1"/>
-          </a:fontRef>
-        </p:style>
-        <p:txBody>
-          <a:bodyPr rtlCol="0" anchor="ctr"/>
-          <a:lstStyle/>
-          <a:p>
-            <a:pPr algn="ctr"/>
-            <a:endParaRPr lang="en-US"/>
-          </a:p>
-        </p:txBody>
-      </p:sp>
-    </p:spTree>
-    <p:extLst>
-      <p:ext uri="{BB962C8B-B14F-4D97-AF65-F5344CB8AC3E}">
-        <p14:creationId xmlns:p14="http://schemas.microsoft.com/office/powerpoint/2010/main" val="650465506"/>
-      </p:ext>
-    </p:extLst>
-  </p:cSld>
-  <p:clrMapOvr>
-    <a:masterClrMapping/>
-  </p:clrMapOvr>
-  <p:timing>
-    <p:tnLst>
-      <p:par>
-        <p:cTn id="1" dur="indefinite" restart="never" nodeType="tmRoot">
-          <p:childTnLst>
-            <p:seq concurrent="1" nextAc="seek">
-              <p:cTn id="2" dur="indefinite" nodeType="mainSeq">
-                <p:childTnLst>
-                  <p:par>
-                    <p:cTn id="3" fill="hold">
-                      <p:stCondLst>
-                        <p:cond delay="indefinite"/>
-                      </p:stCondLst>
-                      <p:childTnLst>
-                        <p:par>
-                          <p:cTn id="4" fill="hold">
-                            <p:stCondLst>
-                              <p:cond delay="0"/>
-                            </p:stCondLst>
-                            <p:childTnLst>
-                              <p:par>
-                                <p:cTn id="5" presetID="10" presetClass="entr" presetSubtype="0" fill="hold" nodeType="clickEffect">
-                                  <p:stCondLst>
-                                    <p:cond delay="0"/>
-                                  </p:stCondLst>
-                                  <p:childTnLst>
-                                    <p:set>
-                                      <p:cBhvr>
-                                        <p:cTn id="6" dur="1" fill="hold">
-                                          <p:stCondLst>
-                                            <p:cond delay="0"/>
-                                          </p:stCondLst>
-                                        </p:cTn>
-                                        <p:tgtEl>
-                                          <p:spTgt spid="4"/>
-                                        </p:tgtEl>
-                                        <p:attrNameLst>
-                                          <p:attrName>style.visibility</p:attrName>
-                                        </p:attrNameLst>
-                                      </p:cBhvr>
-                                      <p:to>
-                                        <p:strVal val="visible"/>
-                                      </p:to>
-                                    </p:set>
-                                    <p:animEffect transition="in" filter="fade">
-                                      <p:cBhvr>
-                                        <p:cTn id="7" dur="500"/>
-                                        <p:tgtEl>
-                                          <p:spTgt spid="4"/>
-                                        </p:tgtEl>
-                                      </p:cBhvr>
-                                    </p:animEffect>
-                                  </p:childTnLst>
-                                </p:cTn>
-                              </p:par>
-                            </p:childTnLst>
-                          </p:cTn>
-                        </p:par>
-                      </p:childTnLst>
-                    </p:cTn>
-                  </p:par>
-                  <p:par>
-                    <p:cTn id="8" fill="hold">
-                      <p:stCondLst>
-                        <p:cond delay="indefinite"/>
-                      </p:stCondLst>
-                      <p:childTnLst>
-                        <p:par>
-                          <p:cTn id="9" fill="hold">
-                            <p:stCondLst>
-                              <p:cond delay="0"/>
-                            </p:stCondLst>
-                            <p:childTnLst>
-                              <p:par>
-                                <p:cTn id="10" presetID="10" presetClass="entr" presetSubtype="0" fill="hold" grpId="0" nodeType="clickEffect">
-                                  <p:stCondLst>
-                                    <p:cond delay="0"/>
-                                  </p:stCondLst>
-                                  <p:childTnLst>
-                                    <p:set>
-                                      <p:cBhvr>
-                                        <p:cTn id="11" dur="1" fill="hold">
-                                          <p:stCondLst>
-                                            <p:cond delay="0"/>
-                                          </p:stCondLst>
-                                        </p:cTn>
-                                        <p:tgtEl>
-                                          <p:spTgt spid="6"/>
-                                        </p:tgtEl>
-                                        <p:attrNameLst>
-                                          <p:attrName>style.visibility</p:attrName>
-                                        </p:attrNameLst>
-                                      </p:cBhvr>
-                                      <p:to>
-                                        <p:strVal val="visible"/>
-                                      </p:to>
-                                    </p:set>
-                                    <p:animEffect transition="in" filter="fade">
-                                      <p:cBhvr>
-                                        <p:cTn id="12" dur="500"/>
-                                        <p:tgtEl>
-                                          <p:spTgt spid="6"/>
-                                        </p:tgtEl>
-                                      </p:cBhvr>
-                                    </p:animEffect>
-                                  </p:childTnLst>
-                                </p:cTn>
-                              </p:par>
-                              <p:par>
-                                <p:cTn id="13" presetID="10" presetClass="entr" presetSubtype="0" fill="hold" nodeType="withEffect">
-                                  <p:stCondLst>
-                                    <p:cond delay="0"/>
-                                  </p:stCondLst>
-                                  <p:childTnLst>
-                                    <p:set>
-                                      <p:cBhvr>
-                                        <p:cTn id="14" dur="1" fill="hold">
-                                          <p:stCondLst>
-                                            <p:cond delay="0"/>
-                                          </p:stCondLst>
-                                        </p:cTn>
-                                        <p:tgtEl>
-                                          <p:spTgt spid="5"/>
-                                        </p:tgtEl>
-                                        <p:attrNameLst>
-                                          <p:attrName>style.visibility</p:attrName>
-                                        </p:attrNameLst>
-                                      </p:cBhvr>
-                                      <p:to>
-                                        <p:strVal val="visible"/>
-                                      </p:to>
-                                    </p:set>
-                                    <p:animEffect transition="in" filter="fade">
-                                      <p:cBhvr>
-                                        <p:cTn id="15" dur="500"/>
-                                        <p:tgtEl>
-                                          <p:spTgt spid="5"/>
-                                        </p:tgtEl>
-                                      </p:cBhvr>
-                                    </p:animEffect>
-                                  </p:childTnLst>
-                                </p:cTn>
-                              </p:par>
-                            </p:childTnLst>
-                          </p:cTn>
-                        </p:par>
-                      </p:childTnLst>
-                    </p:cTn>
-                  </p:par>
-                </p:childTnLst>
-              </p:cTn>
-              <p:prevCondLst>
-                <p:cond evt="onPrev" delay="0">
-                  <p:tgtEl>
-                    <p:sldTgt/>
-                  </p:tgtEl>
-                </p:cond>
-              </p:prevCondLst>
-              <p:nextCondLst>
-                <p:cond evt="onNext" delay="0">
-                  <p:tgtEl>
-                    <p:sldTgt/>
-                  </p:tgtEl>
-                </p:cond>
-              </p:nextCondLst>
-            </p:seq>
-          </p:childTnLst>
-        </p:cTn>
-      </p:par>
-    </p:tnLst>
-    <p:bldLst>
-      <p:bldP spid="6" grpId="0" animBg="1"/>
-    </p:bldLst>
-  </p:timing>
-</p:sld>
-</file>
-
-<file path=ppt/slides/slide21.xml><?xml version="1.0" encoding="utf-8"?>
-<p:sld xmlns:a="http://schemas.openxmlformats.org/drawingml/2006/main" xmlns:r="http://schemas.openxmlformats.org/officeDocument/2006/relationships" xmlns:p="http://schemas.openxmlformats.org/presentationml/2006/main">
-  <p:cSld>
-    <p:spTree>
-      <p:nvGrpSpPr>
-        <p:cNvPr id="1" name=""/>
-        <p:cNvGrpSpPr/>
-        <p:nvPr/>
-      </p:nvGrpSpPr>
-      <p:grpSpPr>
-        <a:xfrm>
-          <a:off x="0" y="0"/>
-          <a:ext cx="0" cy="0"/>
-          <a:chOff x="0" y="0"/>
-          <a:chExt cx="0" cy="0"/>
-        </a:xfrm>
-      </p:grpSpPr>
-      <p:sp>
-        <p:nvSpPr>
-          <p:cNvPr id="2" name="Title 1">
-            <a:extLst>
-              <a:ext uri="{FF2B5EF4-FFF2-40B4-BE49-F238E27FC236}">
-                <a16:creationId xmlns:a16="http://schemas.microsoft.com/office/drawing/2014/main" id="{AE3CE8B8-8455-1913-31F5-C8A759952E32}"/>
-              </a:ext>
-            </a:extLst>
-          </p:cNvPr>
-          <p:cNvSpPr>
-            <a:spLocks noGrp="1"/>
-          </p:cNvSpPr>
-          <p:nvPr>
-            <p:ph type="title"/>
-          </p:nvPr>
-        </p:nvSpPr>
-        <p:spPr>
-          <a:xfrm>
-            <a:off x="1283818" y="97470"/>
-            <a:ext cx="12070080" cy="1931213"/>
-          </a:xfrm>
-        </p:spPr>
-        <p:txBody>
-          <a:bodyPr/>
-          <a:lstStyle/>
-          <a:p>
-            <a:r>
-              <a:rPr lang="en-US" dirty="0"/>
               <a:t>Graphs for Qualitative</a:t>
             </a:r>
           </a:p>
@@ -21457,7 +17815,7 @@
 </p:sld>
 </file>
 
-<file path=ppt/slides/slide22.xml><?xml version="1.0" encoding="utf-8"?>
+<file path=ppt/slides/slide21.xml><?xml version="1.0" encoding="utf-8"?>
 <p:sld xmlns:a="http://schemas.openxmlformats.org/drawingml/2006/main" xmlns:r="http://schemas.openxmlformats.org/officeDocument/2006/relationships" xmlns:p="http://schemas.openxmlformats.org/presentationml/2006/main">
   <p:cSld>
     <p:spTree>
@@ -23095,7 +19453,7 @@
 </p:sld>
 </file>
 
-<file path=ppt/slides/slide23.xml><?xml version="1.0" encoding="utf-8"?>
+<file path=ppt/slides/slide22.xml><?xml version="1.0" encoding="utf-8"?>
 <p:sld xmlns:a="http://schemas.openxmlformats.org/drawingml/2006/main" xmlns:r="http://schemas.openxmlformats.org/officeDocument/2006/relationships" xmlns:p="http://schemas.openxmlformats.org/presentationml/2006/main">
   <p:cSld>
     <p:spTree>
@@ -25472,7 +21830,7 @@
 </p:sld>
 </file>
 
-<file path=ppt/slides/slide24.xml><?xml version="1.0" encoding="utf-8"?>
+<file path=ppt/slides/slide23.xml><?xml version="1.0" encoding="utf-8"?>
 <p:sld xmlns:a="http://schemas.openxmlformats.org/drawingml/2006/main" xmlns:r="http://schemas.openxmlformats.org/officeDocument/2006/relationships" xmlns:p="http://schemas.openxmlformats.org/presentationml/2006/main">
   <p:cSld>
     <p:spTree>
@@ -25517,7 +21875,7 @@
           <a:p>
             <a:r>
               <a:rPr lang="en-US" dirty="0"/>
-              <a:t>Class work</a:t>
+              <a:t>Self Practice!!!</a:t>
             </a:r>
           </a:p>
         </p:txBody>
@@ -27490,7 +23848,7 @@
 </p:sld>
 </file>
 
-<file path=ppt/slides/slide25.xml><?xml version="1.0" encoding="utf-8"?>
+<file path=ppt/slides/slide24.xml><?xml version="1.0" encoding="utf-8"?>
 <p:sld xmlns:a="http://schemas.openxmlformats.org/drawingml/2006/main" xmlns:r="http://schemas.openxmlformats.org/officeDocument/2006/relationships" xmlns:p="http://schemas.openxmlformats.org/presentationml/2006/main">
   <p:cSld>
     <p:spTree>
@@ -27731,7 +24089,7 @@
 </p:sld>
 </file>
 
-<file path=ppt/slides/slide26.xml><?xml version="1.0" encoding="utf-8"?>
+<file path=ppt/slides/slide25.xml><?xml version="1.0" encoding="utf-8"?>
 <p:sld xmlns:a="http://schemas.openxmlformats.org/drawingml/2006/main" xmlns:r="http://schemas.openxmlformats.org/officeDocument/2006/relationships" xmlns:p="http://schemas.openxmlformats.org/presentationml/2006/main">
   <p:cSld>
     <p:spTree>
@@ -27775,10 +24133,9 @@
           <a:lstStyle/>
           <a:p>
             <a:r>
-              <a:rPr lang="en-US"/>
-              <a:t>Class Work</a:t>
+              <a:rPr lang="en-US" dirty="0"/>
+              <a:t>Self Practice!!!</a:t>
             </a:r>
-            <a:endParaRPr lang="en-US" dirty="0"/>
           </a:p>
         </p:txBody>
       </p:sp>
@@ -31431,7 +27788,7 @@
 </p:sld>
 </file>
 
-<file path=ppt/slides/slide27.xml><?xml version="1.0" encoding="utf-8"?>
+<file path=ppt/slides/slide26.xml><?xml version="1.0" encoding="utf-8"?>
 <p:sld xmlns:a="http://schemas.openxmlformats.org/drawingml/2006/main" xmlns:r="http://schemas.openxmlformats.org/officeDocument/2006/relationships" xmlns:p="http://schemas.openxmlformats.org/presentationml/2006/main">
   <p:cSld>
     <p:spTree>
@@ -31573,7 +27930,7 @@
 </p:sld>
 </file>
 
-<file path=ppt/slides/slide28.xml><?xml version="1.0" encoding="utf-8"?>
+<file path=ppt/slides/slide27.xml><?xml version="1.0" encoding="utf-8"?>
 <p:sld xmlns:a="http://schemas.openxmlformats.org/drawingml/2006/main" xmlns:r="http://schemas.openxmlformats.org/officeDocument/2006/relationships" xmlns:p="http://schemas.openxmlformats.org/presentationml/2006/main">
   <p:cSld>
     <p:spTree>

--- a/2.2 Data Presentations (STA101).pptx
+++ b/2.2 Data Presentations (STA101).pptx
@@ -30,8 +30,9 @@
     <p:sldId id="427" r:id="rId24"/>
     <p:sldId id="428" r:id="rId25"/>
     <p:sldId id="432" r:id="rId26"/>
-    <p:sldId id="405" r:id="rId27"/>
-    <p:sldId id="363" r:id="rId28"/>
+    <p:sldId id="433" r:id="rId27"/>
+    <p:sldId id="405" r:id="rId28"/>
+    <p:sldId id="363" r:id="rId29"/>
   </p:sldIdLst>
   <p:sldSz cx="14630400" cy="8229600"/>
   <p:notesSz cx="6858000" cy="9144000"/>
@@ -4314,7 +4315,7 @@
           <a:p>
             <a:fld id="{97B34786-0A07-4281-A7C3-7630DD8912B6}" type="datetimeFigureOut">
               <a:rPr lang="en-US" smtClean="0"/>
-              <a:t>10/26/2024</a:t>
+              <a:t>2/8/2025</a:t>
             </a:fld>
             <a:endParaRPr lang="en-US"/>
           </a:p>
@@ -4493,7 +4494,7 @@
           <a:p>
             <a:fld id="{97B34786-0A07-4281-A7C3-7630DD8912B6}" type="datetimeFigureOut">
               <a:rPr lang="en-US" smtClean="0"/>
-              <a:t>10/26/2024</a:t>
+              <a:t>2/8/2025</a:t>
             </a:fld>
             <a:endParaRPr lang="en-US"/>
           </a:p>
@@ -4673,7 +4674,7 @@
           <a:p>
             <a:fld id="{97B34786-0A07-4281-A7C3-7630DD8912B6}" type="datetimeFigureOut">
               <a:rPr lang="en-US" smtClean="0"/>
-              <a:t>10/26/2024</a:t>
+              <a:t>2/8/2025</a:t>
             </a:fld>
             <a:endParaRPr lang="en-US"/>
           </a:p>
@@ -4848,7 +4849,7 @@
           <a:p>
             <a:fld id="{97B34786-0A07-4281-A7C3-7630DD8912B6}" type="datetimeFigureOut">
               <a:rPr lang="en-US" smtClean="0"/>
-              <a:t>10/26/2024</a:t>
+              <a:t>2/8/2025</a:t>
             </a:fld>
             <a:endParaRPr lang="en-US"/>
           </a:p>
@@ -5018,7 +5019,7 @@
           <a:p>
             <a:fld id="{97B34786-0A07-4281-A7C3-7630DD8912B6}" type="datetimeFigureOut">
               <a:rPr lang="en-US" smtClean="0"/>
-              <a:t>10/26/2024</a:t>
+              <a:t>2/8/2025</a:t>
             </a:fld>
             <a:endParaRPr lang="en-US"/>
           </a:p>
@@ -5331,7 +5332,7 @@
           <a:p>
             <a:fld id="{97B34786-0A07-4281-A7C3-7630DD8912B6}" type="datetimeFigureOut">
               <a:rPr lang="en-US" smtClean="0"/>
-              <a:t>10/26/2024</a:t>
+              <a:t>2/8/2025</a:t>
             </a:fld>
             <a:endParaRPr lang="en-US"/>
           </a:p>
@@ -5717,7 +5718,7 @@
           <a:p>
             <a:fld id="{97B34786-0A07-4281-A7C3-7630DD8912B6}" type="datetimeFigureOut">
               <a:rPr lang="en-US" smtClean="0"/>
-              <a:t>10/26/2024</a:t>
+              <a:t>2/8/2025</a:t>
             </a:fld>
             <a:endParaRPr lang="en-US"/>
           </a:p>
@@ -6151,7 +6152,7 @@
           <a:p>
             <a:fld id="{97B34786-0A07-4281-A7C3-7630DD8912B6}" type="datetimeFigureOut">
               <a:rPr lang="en-US" smtClean="0"/>
-              <a:t>10/26/2024</a:t>
+              <a:t>2/8/2025</a:t>
             </a:fld>
             <a:endParaRPr lang="en-US"/>
           </a:p>
@@ -6269,7 +6270,7 @@
           <a:p>
             <a:fld id="{97B34786-0A07-4281-A7C3-7630DD8912B6}" type="datetimeFigureOut">
               <a:rPr lang="en-US" smtClean="0"/>
-              <a:t>10/26/2024</a:t>
+              <a:t>2/8/2025</a:t>
             </a:fld>
             <a:endParaRPr lang="en-US"/>
           </a:p>
@@ -6364,7 +6365,7 @@
           <a:p>
             <a:fld id="{97B34786-0A07-4281-A7C3-7630DD8912B6}" type="datetimeFigureOut">
               <a:rPr lang="en-US" smtClean="0"/>
-              <a:t>10/26/2024</a:t>
+              <a:t>2/8/2025</a:t>
             </a:fld>
             <a:endParaRPr lang="en-US"/>
           </a:p>
@@ -6714,7 +6715,7 @@
           <a:p>
             <a:fld id="{97B34786-0A07-4281-A7C3-7630DD8912B6}" type="datetimeFigureOut">
               <a:rPr lang="en-US" smtClean="0"/>
-              <a:t>10/26/2024</a:t>
+              <a:t>2/8/2025</a:t>
             </a:fld>
             <a:endParaRPr lang="en-US"/>
           </a:p>
@@ -7139,7 +7140,7 @@
           <a:p>
             <a:fld id="{97B34786-0A07-4281-A7C3-7630DD8912B6}" type="datetimeFigureOut">
               <a:rPr lang="en-US" smtClean="0"/>
-              <a:t>10/26/2024</a:t>
+              <a:t>2/8/2025</a:t>
             </a:fld>
             <a:endParaRPr lang="en-US"/>
           </a:p>
@@ -7420,7 +7421,7 @@
           <a:p>
             <a:fld id="{97B34786-0A07-4281-A7C3-7630DD8912B6}" type="datetimeFigureOut">
               <a:rPr lang="en-US" smtClean="0"/>
-              <a:t>10/26/2024</a:t>
+              <a:t>2/8/2025</a:t>
             </a:fld>
             <a:endParaRPr lang="en-US"/>
           </a:p>
@@ -24151,17 +24152,11 @@
           <p:cNvGraphicFramePr>
             <a:graphicFrameLocks noGrp="1"/>
           </p:cNvGraphicFramePr>
-          <p:nvPr>
-            <p:extLst>
-              <p:ext uri="{D42A27DB-BD31-4B8C-83A1-F6EECF244321}">
-                <p14:modId xmlns:p14="http://schemas.microsoft.com/office/powerpoint/2010/main" val="1873476849"/>
-              </p:ext>
-            </p:extLst>
-          </p:nvPr>
+          <p:nvPr/>
         </p:nvGraphicFramePr>
         <p:xfrm>
-          <a:off x="198783" y="2028683"/>
-          <a:ext cx="14272600" cy="1170432"/>
+          <a:off x="457200" y="2100774"/>
+          <a:ext cx="13716000" cy="841248"/>
         </p:xfrm>
         <a:graphic>
           <a:graphicData uri="http://schemas.openxmlformats.org/drawingml/2006/table">
@@ -24170,70 +24165,70 @@
                 <a:tableStyleId>{5C22544A-7EE6-4342-B048-85BDC9FD1C3A}</a:tableStyleId>
               </a:tblPr>
               <a:tblGrid>
-                <a:gridCol w="1427260">
+                <a:gridCol w="2194560">
                   <a:extLst>
                     <a:ext uri="{9D8B030D-6E8A-4147-A177-3AD203B41FA5}">
                       <a16:colId xmlns:a16="http://schemas.microsoft.com/office/drawing/2014/main" val="1870704351"/>
                     </a:ext>
                   </a:extLst>
                 </a:gridCol>
-                <a:gridCol w="1427260">
+                <a:gridCol w="1280160">
                   <a:extLst>
                     <a:ext uri="{9D8B030D-6E8A-4147-A177-3AD203B41FA5}">
                       <a16:colId xmlns:a16="http://schemas.microsoft.com/office/drawing/2014/main" val="1690800666"/>
                     </a:ext>
                   </a:extLst>
                 </a:gridCol>
-                <a:gridCol w="1427260">
+                <a:gridCol w="1280160">
                   <a:extLst>
                     <a:ext uri="{9D8B030D-6E8A-4147-A177-3AD203B41FA5}">
                       <a16:colId xmlns:a16="http://schemas.microsoft.com/office/drawing/2014/main" val="2405969519"/>
                     </a:ext>
                   </a:extLst>
                 </a:gridCol>
-                <a:gridCol w="1427260">
+                <a:gridCol w="1280160">
                   <a:extLst>
                     <a:ext uri="{9D8B030D-6E8A-4147-A177-3AD203B41FA5}">
                       <a16:colId xmlns:a16="http://schemas.microsoft.com/office/drawing/2014/main" val="504724645"/>
                     </a:ext>
                   </a:extLst>
                 </a:gridCol>
-                <a:gridCol w="1427260">
+                <a:gridCol w="1280160">
                   <a:extLst>
                     <a:ext uri="{9D8B030D-6E8A-4147-A177-3AD203B41FA5}">
                       <a16:colId xmlns:a16="http://schemas.microsoft.com/office/drawing/2014/main" val="425019524"/>
                     </a:ext>
                   </a:extLst>
                 </a:gridCol>
-                <a:gridCol w="1427260">
+                <a:gridCol w="1280160">
                   <a:extLst>
                     <a:ext uri="{9D8B030D-6E8A-4147-A177-3AD203B41FA5}">
                       <a16:colId xmlns:a16="http://schemas.microsoft.com/office/drawing/2014/main" val="923157939"/>
                     </a:ext>
                   </a:extLst>
                 </a:gridCol>
-                <a:gridCol w="1427260">
+                <a:gridCol w="1280160">
                   <a:extLst>
                     <a:ext uri="{9D8B030D-6E8A-4147-A177-3AD203B41FA5}">
                       <a16:colId xmlns:a16="http://schemas.microsoft.com/office/drawing/2014/main" val="2773376430"/>
                     </a:ext>
                   </a:extLst>
                 </a:gridCol>
-                <a:gridCol w="1427260">
+                <a:gridCol w="1280160">
                   <a:extLst>
                     <a:ext uri="{9D8B030D-6E8A-4147-A177-3AD203B41FA5}">
                       <a16:colId xmlns:a16="http://schemas.microsoft.com/office/drawing/2014/main" val="2090785049"/>
                     </a:ext>
                   </a:extLst>
                 </a:gridCol>
-                <a:gridCol w="1427260">
+                <a:gridCol w="1280160">
                   <a:extLst>
                     <a:ext uri="{9D8B030D-6E8A-4147-A177-3AD203B41FA5}">
                       <a16:colId xmlns:a16="http://schemas.microsoft.com/office/drawing/2014/main" val="3245759288"/>
                     </a:ext>
                   </a:extLst>
                 </a:gridCol>
-                <a:gridCol w="1427260">
+                <a:gridCol w="1280160">
                   <a:extLst>
                     <a:ext uri="{9D8B030D-6E8A-4147-A177-3AD203B41FA5}">
                       <a16:colId xmlns:a16="http://schemas.microsoft.com/office/drawing/2014/main" val="2546866277"/>
@@ -24241,7 +24236,7 @@
                   </a:extLst>
                 </a:gridCol>
               </a:tblGrid>
-              <a:tr h="370840">
+              <a:tr h="365760">
                 <a:tc>
                   <a:txBody>
                     <a:bodyPr/>
@@ -24887,7 +24882,7 @@
                   </a:ext>
                 </a:extLst>
               </a:tr>
-              <a:tr h="370840">
+              <a:tr h="315229">
                 <a:tc>
                   <a:txBody>
                     <a:bodyPr/>
@@ -27793,6 +27788,3654 @@
   <p:cSld>
     <p:spTree>
       <p:nvGrpSpPr>
+        <p:cNvPr id="1" name="">
+          <a:extLst>
+            <a:ext uri="{FF2B5EF4-FFF2-40B4-BE49-F238E27FC236}">
+              <a16:creationId xmlns:a16="http://schemas.microsoft.com/office/drawing/2014/main" id="{8EE2C856-B140-064F-BEF7-0FA542AC6462}"/>
+            </a:ext>
+          </a:extLst>
+        </p:cNvPr>
+        <p:cNvGrpSpPr/>
+        <p:nvPr/>
+      </p:nvGrpSpPr>
+      <p:grpSpPr>
+        <a:xfrm>
+          <a:off x="0" y="0"/>
+          <a:ext cx="0" cy="0"/>
+          <a:chOff x="0" y="0"/>
+          <a:chExt cx="0" cy="0"/>
+        </a:xfrm>
+      </p:grpSpPr>
+      <p:sp>
+        <p:nvSpPr>
+          <p:cNvPr id="2" name="Title 1">
+            <a:extLst>
+              <a:ext uri="{FF2B5EF4-FFF2-40B4-BE49-F238E27FC236}">
+                <a16:creationId xmlns:a16="http://schemas.microsoft.com/office/drawing/2014/main" id="{EB7043D6-EF31-3889-0A42-D0187F3E0EB9}"/>
+              </a:ext>
+            </a:extLst>
+          </p:cNvPr>
+          <p:cNvSpPr>
+            <a:spLocks noGrp="1"/>
+          </p:cNvSpPr>
+          <p:nvPr>
+            <p:ph type="title"/>
+          </p:nvPr>
+        </p:nvSpPr>
+        <p:spPr>
+          <a:xfrm>
+            <a:off x="1283818" y="97470"/>
+            <a:ext cx="12070080" cy="1931213"/>
+          </a:xfrm>
+        </p:spPr>
+        <p:txBody>
+          <a:bodyPr/>
+          <a:lstStyle/>
+          <a:p>
+            <a:r>
+              <a:rPr lang="en-US" dirty="0"/>
+              <a:t>Self Practice!!!</a:t>
+            </a:r>
+          </a:p>
+        </p:txBody>
+      </p:sp>
+      <p:graphicFrame>
+        <p:nvGraphicFramePr>
+          <p:cNvPr id="5" name="Table 4">
+            <a:extLst>
+              <a:ext uri="{FF2B5EF4-FFF2-40B4-BE49-F238E27FC236}">
+                <a16:creationId xmlns:a16="http://schemas.microsoft.com/office/drawing/2014/main" id="{4C522D1B-526C-5FBB-8039-D0A510852416}"/>
+              </a:ext>
+            </a:extLst>
+          </p:cNvPr>
+          <p:cNvGraphicFramePr>
+            <a:graphicFrameLocks noGrp="1"/>
+          </p:cNvGraphicFramePr>
+          <p:nvPr/>
+        </p:nvGraphicFramePr>
+        <p:xfrm>
+          <a:off x="320040" y="3290944"/>
+          <a:ext cx="13990320" cy="841248"/>
+        </p:xfrm>
+        <a:graphic>
+          <a:graphicData uri="http://schemas.openxmlformats.org/drawingml/2006/table">
+            <a:tbl>
+              <a:tblPr firstRow="1" bandRow="1">
+                <a:tableStyleId>{5C22544A-7EE6-4342-B048-85BDC9FD1C3A}</a:tableStyleId>
+              </a:tblPr>
+              <a:tblGrid>
+                <a:gridCol w="4114800">
+                  <a:extLst>
+                    <a:ext uri="{9D8B030D-6E8A-4147-A177-3AD203B41FA5}">
+                      <a16:colId xmlns:a16="http://schemas.microsoft.com/office/drawing/2014/main" val="1870704351"/>
+                    </a:ext>
+                  </a:extLst>
+                </a:gridCol>
+                <a:gridCol w="1097280">
+                  <a:extLst>
+                    <a:ext uri="{9D8B030D-6E8A-4147-A177-3AD203B41FA5}">
+                      <a16:colId xmlns:a16="http://schemas.microsoft.com/office/drawing/2014/main" val="1690800666"/>
+                    </a:ext>
+                  </a:extLst>
+                </a:gridCol>
+                <a:gridCol w="1097280">
+                  <a:extLst>
+                    <a:ext uri="{9D8B030D-6E8A-4147-A177-3AD203B41FA5}">
+                      <a16:colId xmlns:a16="http://schemas.microsoft.com/office/drawing/2014/main" val="2405969519"/>
+                    </a:ext>
+                  </a:extLst>
+                </a:gridCol>
+                <a:gridCol w="1097280">
+                  <a:extLst>
+                    <a:ext uri="{9D8B030D-6E8A-4147-A177-3AD203B41FA5}">
+                      <a16:colId xmlns:a16="http://schemas.microsoft.com/office/drawing/2014/main" val="504724645"/>
+                    </a:ext>
+                  </a:extLst>
+                </a:gridCol>
+                <a:gridCol w="1097280">
+                  <a:extLst>
+                    <a:ext uri="{9D8B030D-6E8A-4147-A177-3AD203B41FA5}">
+                      <a16:colId xmlns:a16="http://schemas.microsoft.com/office/drawing/2014/main" val="425019524"/>
+                    </a:ext>
+                  </a:extLst>
+                </a:gridCol>
+                <a:gridCol w="1097280">
+                  <a:extLst>
+                    <a:ext uri="{9D8B030D-6E8A-4147-A177-3AD203B41FA5}">
+                      <a16:colId xmlns:a16="http://schemas.microsoft.com/office/drawing/2014/main" val="923157939"/>
+                    </a:ext>
+                  </a:extLst>
+                </a:gridCol>
+                <a:gridCol w="1097280">
+                  <a:extLst>
+                    <a:ext uri="{9D8B030D-6E8A-4147-A177-3AD203B41FA5}">
+                      <a16:colId xmlns:a16="http://schemas.microsoft.com/office/drawing/2014/main" val="2773376430"/>
+                    </a:ext>
+                  </a:extLst>
+                </a:gridCol>
+                <a:gridCol w="1097280">
+                  <a:extLst>
+                    <a:ext uri="{9D8B030D-6E8A-4147-A177-3AD203B41FA5}">
+                      <a16:colId xmlns:a16="http://schemas.microsoft.com/office/drawing/2014/main" val="2090785049"/>
+                    </a:ext>
+                  </a:extLst>
+                </a:gridCol>
+                <a:gridCol w="1097280">
+                  <a:extLst>
+                    <a:ext uri="{9D8B030D-6E8A-4147-A177-3AD203B41FA5}">
+                      <a16:colId xmlns:a16="http://schemas.microsoft.com/office/drawing/2014/main" val="3245759288"/>
+                    </a:ext>
+                  </a:extLst>
+                </a:gridCol>
+                <a:gridCol w="1097280">
+                  <a:extLst>
+                    <a:ext uri="{9D8B030D-6E8A-4147-A177-3AD203B41FA5}">
+                      <a16:colId xmlns:a16="http://schemas.microsoft.com/office/drawing/2014/main" val="2546866277"/>
+                    </a:ext>
+                  </a:extLst>
+                </a:gridCol>
+              </a:tblGrid>
+              <a:tr h="0">
+                <a:tc>
+                  <a:txBody>
+                    <a:bodyPr/>
+                    <a:lstStyle/>
+                    <a:p>
+                      <a:r>
+                        <a:rPr lang="en-US" b="0" dirty="0">
+                          <a:solidFill>
+                            <a:sysClr val="windowText" lastClr="000000"/>
+                          </a:solidFill>
+                        </a:rPr>
+                        <a:t>Funding Amount (Million $)</a:t>
+                      </a:r>
+                    </a:p>
+                  </a:txBody>
+                  <a:tcPr>
+                    <a:lnL w="12700" cap="flat" cmpd="sng" algn="ctr">
+                      <a:solidFill>
+                        <a:schemeClr val="tx1"/>
+                      </a:solidFill>
+                      <a:prstDash val="solid"/>
+                      <a:round/>
+                      <a:headEnd type="none" w="med" len="med"/>
+                      <a:tailEnd type="none" w="med" len="med"/>
+                    </a:lnL>
+                    <a:lnR w="12700" cap="flat" cmpd="sng" algn="ctr">
+                      <a:solidFill>
+                        <a:schemeClr val="tx1"/>
+                      </a:solidFill>
+                      <a:prstDash val="solid"/>
+                      <a:round/>
+                      <a:headEnd type="none" w="med" len="med"/>
+                      <a:tailEnd type="none" w="med" len="med"/>
+                    </a:lnR>
+                    <a:lnT w="12700" cap="flat" cmpd="sng" algn="ctr">
+                      <a:solidFill>
+                        <a:schemeClr val="tx1"/>
+                      </a:solidFill>
+                      <a:prstDash val="solid"/>
+                      <a:round/>
+                      <a:headEnd type="none" w="med" len="med"/>
+                      <a:tailEnd type="none" w="med" len="med"/>
+                    </a:lnT>
+                    <a:lnB w="12700" cap="flat" cmpd="sng" algn="ctr">
+                      <a:solidFill>
+                        <a:schemeClr val="tx1"/>
+                      </a:solidFill>
+                      <a:prstDash val="solid"/>
+                      <a:round/>
+                      <a:headEnd type="none" w="med" len="med"/>
+                      <a:tailEnd type="none" w="med" len="med"/>
+                    </a:lnB>
+                    <a:lnTlToBr w="12700" cmpd="sng">
+                      <a:noFill/>
+                      <a:prstDash val="solid"/>
+                    </a:lnTlToBr>
+                    <a:lnBlToTr w="12700" cmpd="sng">
+                      <a:noFill/>
+                      <a:prstDash val="solid"/>
+                    </a:lnBlToTr>
+                    <a:noFill/>
+                  </a:tcPr>
+                </a:tc>
+                <a:tc>
+                  <a:txBody>
+                    <a:bodyPr/>
+                    <a:lstStyle/>
+                    <a:p>
+                      <a:pPr algn="ctr"/>
+                      <a:r>
+                        <a:rPr lang="en-US" b="0" dirty="0">
+                          <a:solidFill>
+                            <a:sysClr val="windowText" lastClr="000000"/>
+                          </a:solidFill>
+                        </a:rPr>
+                        <a:t>0-5</a:t>
+                      </a:r>
+                    </a:p>
+                  </a:txBody>
+                  <a:tcPr>
+                    <a:lnL w="12700" cap="flat" cmpd="sng" algn="ctr">
+                      <a:solidFill>
+                        <a:schemeClr val="tx1"/>
+                      </a:solidFill>
+                      <a:prstDash val="solid"/>
+                      <a:round/>
+                      <a:headEnd type="none" w="med" len="med"/>
+                      <a:tailEnd type="none" w="med" len="med"/>
+                    </a:lnL>
+                    <a:lnR w="12700" cap="flat" cmpd="sng" algn="ctr">
+                      <a:solidFill>
+                        <a:schemeClr val="tx1"/>
+                      </a:solidFill>
+                      <a:prstDash val="solid"/>
+                      <a:round/>
+                      <a:headEnd type="none" w="med" len="med"/>
+                      <a:tailEnd type="none" w="med" len="med"/>
+                    </a:lnR>
+                    <a:lnT w="12700" cap="flat" cmpd="sng" algn="ctr">
+                      <a:solidFill>
+                        <a:schemeClr val="tx1"/>
+                      </a:solidFill>
+                      <a:prstDash val="solid"/>
+                      <a:round/>
+                      <a:headEnd type="none" w="med" len="med"/>
+                      <a:tailEnd type="none" w="med" len="med"/>
+                    </a:lnT>
+                    <a:lnB w="12700" cap="flat" cmpd="sng" algn="ctr">
+                      <a:solidFill>
+                        <a:schemeClr val="tx1"/>
+                      </a:solidFill>
+                      <a:prstDash val="solid"/>
+                      <a:round/>
+                      <a:headEnd type="none" w="med" len="med"/>
+                      <a:tailEnd type="none" w="med" len="med"/>
+                    </a:lnB>
+                    <a:lnTlToBr w="12700" cmpd="sng">
+                      <a:noFill/>
+                      <a:prstDash val="solid"/>
+                    </a:lnTlToBr>
+                    <a:lnBlToTr w="12700" cmpd="sng">
+                      <a:noFill/>
+                      <a:prstDash val="solid"/>
+                    </a:lnBlToTr>
+                    <a:noFill/>
+                  </a:tcPr>
+                </a:tc>
+                <a:tc>
+                  <a:txBody>
+                    <a:bodyPr/>
+                    <a:lstStyle/>
+                    <a:p>
+                      <a:pPr algn="ctr"/>
+                      <a:r>
+                        <a:rPr lang="en-US" b="0" dirty="0">
+                          <a:solidFill>
+                            <a:sysClr val="windowText" lastClr="000000"/>
+                          </a:solidFill>
+                        </a:rPr>
+                        <a:t>5-10</a:t>
+                      </a:r>
+                    </a:p>
+                  </a:txBody>
+                  <a:tcPr>
+                    <a:lnL w="12700" cap="flat" cmpd="sng" algn="ctr">
+                      <a:solidFill>
+                        <a:schemeClr val="tx1"/>
+                      </a:solidFill>
+                      <a:prstDash val="solid"/>
+                      <a:round/>
+                      <a:headEnd type="none" w="med" len="med"/>
+                      <a:tailEnd type="none" w="med" len="med"/>
+                    </a:lnL>
+                    <a:lnR w="12700" cap="flat" cmpd="sng" algn="ctr">
+                      <a:solidFill>
+                        <a:schemeClr val="tx1"/>
+                      </a:solidFill>
+                      <a:prstDash val="solid"/>
+                      <a:round/>
+                      <a:headEnd type="none" w="med" len="med"/>
+                      <a:tailEnd type="none" w="med" len="med"/>
+                    </a:lnR>
+                    <a:lnT w="12700" cap="flat" cmpd="sng" algn="ctr">
+                      <a:solidFill>
+                        <a:schemeClr val="tx1"/>
+                      </a:solidFill>
+                      <a:prstDash val="solid"/>
+                      <a:round/>
+                      <a:headEnd type="none" w="med" len="med"/>
+                      <a:tailEnd type="none" w="med" len="med"/>
+                    </a:lnT>
+                    <a:lnB w="12700" cap="flat" cmpd="sng" algn="ctr">
+                      <a:solidFill>
+                        <a:schemeClr val="tx1"/>
+                      </a:solidFill>
+                      <a:prstDash val="solid"/>
+                      <a:round/>
+                      <a:headEnd type="none" w="med" len="med"/>
+                      <a:tailEnd type="none" w="med" len="med"/>
+                    </a:lnB>
+                    <a:lnTlToBr w="12700" cmpd="sng">
+                      <a:noFill/>
+                      <a:prstDash val="solid"/>
+                    </a:lnTlToBr>
+                    <a:lnBlToTr w="12700" cmpd="sng">
+                      <a:noFill/>
+                      <a:prstDash val="solid"/>
+                    </a:lnBlToTr>
+                    <a:noFill/>
+                  </a:tcPr>
+                </a:tc>
+                <a:tc>
+                  <a:txBody>
+                    <a:bodyPr/>
+                    <a:lstStyle/>
+                    <a:p>
+                      <a:pPr algn="ctr"/>
+                      <a:r>
+                        <a:rPr lang="en-US" b="0" dirty="0">
+                          <a:solidFill>
+                            <a:sysClr val="windowText" lastClr="000000"/>
+                          </a:solidFill>
+                        </a:rPr>
+                        <a:t>10-15</a:t>
+                      </a:r>
+                    </a:p>
+                  </a:txBody>
+                  <a:tcPr>
+                    <a:lnL w="12700" cap="flat" cmpd="sng" algn="ctr">
+                      <a:solidFill>
+                        <a:schemeClr val="tx1"/>
+                      </a:solidFill>
+                      <a:prstDash val="solid"/>
+                      <a:round/>
+                      <a:headEnd type="none" w="med" len="med"/>
+                      <a:tailEnd type="none" w="med" len="med"/>
+                    </a:lnL>
+                    <a:lnR w="12700" cap="flat" cmpd="sng" algn="ctr">
+                      <a:solidFill>
+                        <a:schemeClr val="tx1"/>
+                      </a:solidFill>
+                      <a:prstDash val="solid"/>
+                      <a:round/>
+                      <a:headEnd type="none" w="med" len="med"/>
+                      <a:tailEnd type="none" w="med" len="med"/>
+                    </a:lnR>
+                    <a:lnT w="12700" cap="flat" cmpd="sng" algn="ctr">
+                      <a:solidFill>
+                        <a:schemeClr val="tx1"/>
+                      </a:solidFill>
+                      <a:prstDash val="solid"/>
+                      <a:round/>
+                      <a:headEnd type="none" w="med" len="med"/>
+                      <a:tailEnd type="none" w="med" len="med"/>
+                    </a:lnT>
+                    <a:lnB w="12700" cap="flat" cmpd="sng" algn="ctr">
+                      <a:solidFill>
+                        <a:schemeClr val="tx1"/>
+                      </a:solidFill>
+                      <a:prstDash val="solid"/>
+                      <a:round/>
+                      <a:headEnd type="none" w="med" len="med"/>
+                      <a:tailEnd type="none" w="med" len="med"/>
+                    </a:lnB>
+                    <a:lnTlToBr w="12700" cmpd="sng">
+                      <a:noFill/>
+                      <a:prstDash val="solid"/>
+                    </a:lnTlToBr>
+                    <a:lnBlToTr w="12700" cmpd="sng">
+                      <a:noFill/>
+                      <a:prstDash val="solid"/>
+                    </a:lnBlToTr>
+                    <a:noFill/>
+                  </a:tcPr>
+                </a:tc>
+                <a:tc>
+                  <a:txBody>
+                    <a:bodyPr/>
+                    <a:lstStyle/>
+                    <a:p>
+                      <a:pPr algn="ctr"/>
+                      <a:r>
+                        <a:rPr lang="en-US" b="0" dirty="0">
+                          <a:solidFill>
+                            <a:sysClr val="windowText" lastClr="000000"/>
+                          </a:solidFill>
+                        </a:rPr>
+                        <a:t>15-20</a:t>
+                      </a:r>
+                    </a:p>
+                  </a:txBody>
+                  <a:tcPr>
+                    <a:lnL w="12700" cap="flat" cmpd="sng" algn="ctr">
+                      <a:solidFill>
+                        <a:schemeClr val="tx1"/>
+                      </a:solidFill>
+                      <a:prstDash val="solid"/>
+                      <a:round/>
+                      <a:headEnd type="none" w="med" len="med"/>
+                      <a:tailEnd type="none" w="med" len="med"/>
+                    </a:lnL>
+                    <a:lnR w="12700" cap="flat" cmpd="sng" algn="ctr">
+                      <a:solidFill>
+                        <a:schemeClr val="tx1"/>
+                      </a:solidFill>
+                      <a:prstDash val="solid"/>
+                      <a:round/>
+                      <a:headEnd type="none" w="med" len="med"/>
+                      <a:tailEnd type="none" w="med" len="med"/>
+                    </a:lnR>
+                    <a:lnT w="12700" cap="flat" cmpd="sng" algn="ctr">
+                      <a:solidFill>
+                        <a:schemeClr val="tx1"/>
+                      </a:solidFill>
+                      <a:prstDash val="solid"/>
+                      <a:round/>
+                      <a:headEnd type="none" w="med" len="med"/>
+                      <a:tailEnd type="none" w="med" len="med"/>
+                    </a:lnT>
+                    <a:lnB w="12700" cap="flat" cmpd="sng" algn="ctr">
+                      <a:solidFill>
+                        <a:schemeClr val="tx1"/>
+                      </a:solidFill>
+                      <a:prstDash val="solid"/>
+                      <a:round/>
+                      <a:headEnd type="none" w="med" len="med"/>
+                      <a:tailEnd type="none" w="med" len="med"/>
+                    </a:lnB>
+                    <a:lnTlToBr w="12700" cmpd="sng">
+                      <a:noFill/>
+                      <a:prstDash val="solid"/>
+                    </a:lnTlToBr>
+                    <a:lnBlToTr w="12700" cmpd="sng">
+                      <a:noFill/>
+                      <a:prstDash val="solid"/>
+                    </a:lnBlToTr>
+                    <a:noFill/>
+                  </a:tcPr>
+                </a:tc>
+                <a:tc>
+                  <a:txBody>
+                    <a:bodyPr/>
+                    <a:lstStyle/>
+                    <a:p>
+                      <a:pPr algn="ctr"/>
+                      <a:r>
+                        <a:rPr lang="en-US" b="0" dirty="0">
+                          <a:solidFill>
+                            <a:sysClr val="windowText" lastClr="000000"/>
+                          </a:solidFill>
+                        </a:rPr>
+                        <a:t>20-25</a:t>
+                      </a:r>
+                    </a:p>
+                  </a:txBody>
+                  <a:tcPr>
+                    <a:lnL w="12700" cap="flat" cmpd="sng" algn="ctr">
+                      <a:solidFill>
+                        <a:schemeClr val="tx1"/>
+                      </a:solidFill>
+                      <a:prstDash val="solid"/>
+                      <a:round/>
+                      <a:headEnd type="none" w="med" len="med"/>
+                      <a:tailEnd type="none" w="med" len="med"/>
+                    </a:lnL>
+                    <a:lnR w="12700" cap="flat" cmpd="sng" algn="ctr">
+                      <a:solidFill>
+                        <a:schemeClr val="tx1"/>
+                      </a:solidFill>
+                      <a:prstDash val="solid"/>
+                      <a:round/>
+                      <a:headEnd type="none" w="med" len="med"/>
+                      <a:tailEnd type="none" w="med" len="med"/>
+                    </a:lnR>
+                    <a:lnT w="12700" cap="flat" cmpd="sng" algn="ctr">
+                      <a:solidFill>
+                        <a:schemeClr val="tx1"/>
+                      </a:solidFill>
+                      <a:prstDash val="solid"/>
+                      <a:round/>
+                      <a:headEnd type="none" w="med" len="med"/>
+                      <a:tailEnd type="none" w="med" len="med"/>
+                    </a:lnT>
+                    <a:lnB w="12700" cap="flat" cmpd="sng" algn="ctr">
+                      <a:solidFill>
+                        <a:schemeClr val="tx1"/>
+                      </a:solidFill>
+                      <a:prstDash val="solid"/>
+                      <a:round/>
+                      <a:headEnd type="none" w="med" len="med"/>
+                      <a:tailEnd type="none" w="med" len="med"/>
+                    </a:lnB>
+                    <a:lnTlToBr w="12700" cmpd="sng">
+                      <a:noFill/>
+                      <a:prstDash val="solid"/>
+                    </a:lnTlToBr>
+                    <a:lnBlToTr w="12700" cmpd="sng">
+                      <a:noFill/>
+                      <a:prstDash val="solid"/>
+                    </a:lnBlToTr>
+                    <a:noFill/>
+                  </a:tcPr>
+                </a:tc>
+                <a:tc>
+                  <a:txBody>
+                    <a:bodyPr/>
+                    <a:lstStyle/>
+                    <a:p>
+                      <a:pPr algn="ctr"/>
+                      <a:r>
+                        <a:rPr lang="en-US" b="0" dirty="0">
+                          <a:solidFill>
+                            <a:sysClr val="windowText" lastClr="000000"/>
+                          </a:solidFill>
+                        </a:rPr>
+                        <a:t>25-30</a:t>
+                      </a:r>
+                    </a:p>
+                  </a:txBody>
+                  <a:tcPr>
+                    <a:lnL w="12700" cap="flat" cmpd="sng" algn="ctr">
+                      <a:solidFill>
+                        <a:schemeClr val="tx1"/>
+                      </a:solidFill>
+                      <a:prstDash val="solid"/>
+                      <a:round/>
+                      <a:headEnd type="none" w="med" len="med"/>
+                      <a:tailEnd type="none" w="med" len="med"/>
+                    </a:lnL>
+                    <a:lnR w="12700" cap="flat" cmpd="sng" algn="ctr">
+                      <a:solidFill>
+                        <a:schemeClr val="tx1"/>
+                      </a:solidFill>
+                      <a:prstDash val="solid"/>
+                      <a:round/>
+                      <a:headEnd type="none" w="med" len="med"/>
+                      <a:tailEnd type="none" w="med" len="med"/>
+                    </a:lnR>
+                    <a:lnT w="12700" cap="flat" cmpd="sng" algn="ctr">
+                      <a:solidFill>
+                        <a:schemeClr val="tx1"/>
+                      </a:solidFill>
+                      <a:prstDash val="solid"/>
+                      <a:round/>
+                      <a:headEnd type="none" w="med" len="med"/>
+                      <a:tailEnd type="none" w="med" len="med"/>
+                    </a:lnT>
+                    <a:lnB w="12700" cap="flat" cmpd="sng" algn="ctr">
+                      <a:solidFill>
+                        <a:schemeClr val="tx1"/>
+                      </a:solidFill>
+                      <a:prstDash val="solid"/>
+                      <a:round/>
+                      <a:headEnd type="none" w="med" len="med"/>
+                      <a:tailEnd type="none" w="med" len="med"/>
+                    </a:lnB>
+                    <a:lnTlToBr w="12700" cmpd="sng">
+                      <a:noFill/>
+                      <a:prstDash val="solid"/>
+                    </a:lnTlToBr>
+                    <a:lnBlToTr w="12700" cmpd="sng">
+                      <a:noFill/>
+                      <a:prstDash val="solid"/>
+                    </a:lnBlToTr>
+                    <a:noFill/>
+                  </a:tcPr>
+                </a:tc>
+                <a:tc>
+                  <a:txBody>
+                    <a:bodyPr/>
+                    <a:lstStyle/>
+                    <a:p>
+                      <a:pPr algn="ctr"/>
+                      <a:r>
+                        <a:rPr lang="en-US" b="0" dirty="0">
+                          <a:solidFill>
+                            <a:sysClr val="windowText" lastClr="000000"/>
+                          </a:solidFill>
+                        </a:rPr>
+                        <a:t>30-35</a:t>
+                      </a:r>
+                    </a:p>
+                  </a:txBody>
+                  <a:tcPr>
+                    <a:lnL w="12700" cap="flat" cmpd="sng" algn="ctr">
+                      <a:solidFill>
+                        <a:schemeClr val="tx1"/>
+                      </a:solidFill>
+                      <a:prstDash val="solid"/>
+                      <a:round/>
+                      <a:headEnd type="none" w="med" len="med"/>
+                      <a:tailEnd type="none" w="med" len="med"/>
+                    </a:lnL>
+                    <a:lnR w="12700" cap="flat" cmpd="sng" algn="ctr">
+                      <a:solidFill>
+                        <a:schemeClr val="tx1"/>
+                      </a:solidFill>
+                      <a:prstDash val="solid"/>
+                      <a:round/>
+                      <a:headEnd type="none" w="med" len="med"/>
+                      <a:tailEnd type="none" w="med" len="med"/>
+                    </a:lnR>
+                    <a:lnT w="12700" cap="flat" cmpd="sng" algn="ctr">
+                      <a:solidFill>
+                        <a:schemeClr val="tx1"/>
+                      </a:solidFill>
+                      <a:prstDash val="solid"/>
+                      <a:round/>
+                      <a:headEnd type="none" w="med" len="med"/>
+                      <a:tailEnd type="none" w="med" len="med"/>
+                    </a:lnT>
+                    <a:lnB w="12700" cap="flat" cmpd="sng" algn="ctr">
+                      <a:solidFill>
+                        <a:schemeClr val="tx1"/>
+                      </a:solidFill>
+                      <a:prstDash val="solid"/>
+                      <a:round/>
+                      <a:headEnd type="none" w="med" len="med"/>
+                      <a:tailEnd type="none" w="med" len="med"/>
+                    </a:lnB>
+                    <a:lnTlToBr w="12700" cmpd="sng">
+                      <a:noFill/>
+                      <a:prstDash val="solid"/>
+                    </a:lnTlToBr>
+                    <a:lnBlToTr w="12700" cmpd="sng">
+                      <a:noFill/>
+                      <a:prstDash val="solid"/>
+                    </a:lnBlToTr>
+                    <a:noFill/>
+                  </a:tcPr>
+                </a:tc>
+                <a:tc>
+                  <a:txBody>
+                    <a:bodyPr/>
+                    <a:lstStyle/>
+                    <a:p>
+                      <a:pPr algn="ctr"/>
+                      <a:r>
+                        <a:rPr lang="en-US" b="0" dirty="0">
+                          <a:solidFill>
+                            <a:sysClr val="windowText" lastClr="000000"/>
+                          </a:solidFill>
+                        </a:rPr>
+                        <a:t>35-40</a:t>
+                      </a:r>
+                    </a:p>
+                  </a:txBody>
+                  <a:tcPr>
+                    <a:lnL w="12700" cap="flat" cmpd="sng" algn="ctr">
+                      <a:solidFill>
+                        <a:schemeClr val="tx1"/>
+                      </a:solidFill>
+                      <a:prstDash val="solid"/>
+                      <a:round/>
+                      <a:headEnd type="none" w="med" len="med"/>
+                      <a:tailEnd type="none" w="med" len="med"/>
+                    </a:lnL>
+                    <a:lnR w="12700" cap="flat" cmpd="sng" algn="ctr">
+                      <a:solidFill>
+                        <a:schemeClr val="tx1"/>
+                      </a:solidFill>
+                      <a:prstDash val="solid"/>
+                      <a:round/>
+                      <a:headEnd type="none" w="med" len="med"/>
+                      <a:tailEnd type="none" w="med" len="med"/>
+                    </a:lnR>
+                    <a:lnT w="12700" cap="flat" cmpd="sng" algn="ctr">
+                      <a:solidFill>
+                        <a:schemeClr val="tx1"/>
+                      </a:solidFill>
+                      <a:prstDash val="solid"/>
+                      <a:round/>
+                      <a:headEnd type="none" w="med" len="med"/>
+                      <a:tailEnd type="none" w="med" len="med"/>
+                    </a:lnT>
+                    <a:lnB w="12700" cap="flat" cmpd="sng" algn="ctr">
+                      <a:solidFill>
+                        <a:schemeClr val="tx1"/>
+                      </a:solidFill>
+                      <a:prstDash val="solid"/>
+                      <a:round/>
+                      <a:headEnd type="none" w="med" len="med"/>
+                      <a:tailEnd type="none" w="med" len="med"/>
+                    </a:lnB>
+                    <a:lnTlToBr w="12700" cmpd="sng">
+                      <a:noFill/>
+                      <a:prstDash val="solid"/>
+                    </a:lnTlToBr>
+                    <a:lnBlToTr w="12700" cmpd="sng">
+                      <a:noFill/>
+                      <a:prstDash val="solid"/>
+                    </a:lnBlToTr>
+                    <a:noFill/>
+                  </a:tcPr>
+                </a:tc>
+                <a:tc>
+                  <a:txBody>
+                    <a:bodyPr/>
+                    <a:lstStyle/>
+                    <a:p>
+                      <a:pPr algn="ctr"/>
+                      <a:r>
+                        <a:rPr lang="en-US" b="0" dirty="0">
+                          <a:solidFill>
+                            <a:sysClr val="windowText" lastClr="000000"/>
+                          </a:solidFill>
+                        </a:rPr>
+                        <a:t>40-55</a:t>
+                      </a:r>
+                    </a:p>
+                  </a:txBody>
+                  <a:tcPr>
+                    <a:lnL w="12700" cap="flat" cmpd="sng" algn="ctr">
+                      <a:solidFill>
+                        <a:schemeClr val="tx1"/>
+                      </a:solidFill>
+                      <a:prstDash val="solid"/>
+                      <a:round/>
+                      <a:headEnd type="none" w="med" len="med"/>
+                      <a:tailEnd type="none" w="med" len="med"/>
+                    </a:lnL>
+                    <a:lnR w="12700" cap="flat" cmpd="sng" algn="ctr">
+                      <a:solidFill>
+                        <a:schemeClr val="tx1"/>
+                      </a:solidFill>
+                      <a:prstDash val="solid"/>
+                      <a:round/>
+                      <a:headEnd type="none" w="med" len="med"/>
+                      <a:tailEnd type="none" w="med" len="med"/>
+                    </a:lnR>
+                    <a:lnT w="12700" cap="flat" cmpd="sng" algn="ctr">
+                      <a:solidFill>
+                        <a:schemeClr val="tx1"/>
+                      </a:solidFill>
+                      <a:prstDash val="solid"/>
+                      <a:round/>
+                      <a:headEnd type="none" w="med" len="med"/>
+                      <a:tailEnd type="none" w="med" len="med"/>
+                    </a:lnT>
+                    <a:lnB w="12700" cap="flat" cmpd="sng" algn="ctr">
+                      <a:solidFill>
+                        <a:schemeClr val="tx1"/>
+                      </a:solidFill>
+                      <a:prstDash val="solid"/>
+                      <a:round/>
+                      <a:headEnd type="none" w="med" len="med"/>
+                      <a:tailEnd type="none" w="med" len="med"/>
+                    </a:lnB>
+                    <a:lnTlToBr w="12700" cmpd="sng">
+                      <a:noFill/>
+                      <a:prstDash val="solid"/>
+                    </a:lnTlToBr>
+                    <a:lnBlToTr w="12700" cmpd="sng">
+                      <a:noFill/>
+                      <a:prstDash val="solid"/>
+                    </a:lnBlToTr>
+                    <a:noFill/>
+                  </a:tcPr>
+                </a:tc>
+                <a:extLst>
+                  <a:ext uri="{0D108BD9-81ED-4DB2-BD59-A6C34878D82A}">
+                    <a16:rowId xmlns:a16="http://schemas.microsoft.com/office/drawing/2014/main" val="1022772416"/>
+                  </a:ext>
+                </a:extLst>
+              </a:tr>
+              <a:tr h="0">
+                <a:tc>
+                  <a:txBody>
+                    <a:bodyPr/>
+                    <a:lstStyle/>
+                    <a:p>
+                      <a:r>
+                        <a:rPr lang="en-US" sz="2100" b="0" dirty="0">
+                          <a:solidFill>
+                            <a:sysClr val="windowText" lastClr="000000"/>
+                          </a:solidFill>
+                        </a:rPr>
+                        <a:t>Frequency (Number of Startups)</a:t>
+                      </a:r>
+                    </a:p>
+                  </a:txBody>
+                  <a:tcPr>
+                    <a:lnL w="12700" cap="flat" cmpd="sng" algn="ctr">
+                      <a:solidFill>
+                        <a:schemeClr val="tx1"/>
+                      </a:solidFill>
+                      <a:prstDash val="solid"/>
+                      <a:round/>
+                      <a:headEnd type="none" w="med" len="med"/>
+                      <a:tailEnd type="none" w="med" len="med"/>
+                    </a:lnL>
+                    <a:lnR w="12700" cap="flat" cmpd="sng" algn="ctr">
+                      <a:solidFill>
+                        <a:schemeClr val="tx1"/>
+                      </a:solidFill>
+                      <a:prstDash val="solid"/>
+                      <a:round/>
+                      <a:headEnd type="none" w="med" len="med"/>
+                      <a:tailEnd type="none" w="med" len="med"/>
+                    </a:lnR>
+                    <a:lnT w="12700" cap="flat" cmpd="sng" algn="ctr">
+                      <a:solidFill>
+                        <a:schemeClr val="tx1"/>
+                      </a:solidFill>
+                      <a:prstDash val="solid"/>
+                      <a:round/>
+                      <a:headEnd type="none" w="med" len="med"/>
+                      <a:tailEnd type="none" w="med" len="med"/>
+                    </a:lnT>
+                    <a:lnB w="12700" cap="flat" cmpd="sng" algn="ctr">
+                      <a:solidFill>
+                        <a:schemeClr val="tx1"/>
+                      </a:solidFill>
+                      <a:prstDash val="solid"/>
+                      <a:round/>
+                      <a:headEnd type="none" w="med" len="med"/>
+                      <a:tailEnd type="none" w="med" len="med"/>
+                    </a:lnB>
+                    <a:lnTlToBr w="12700" cmpd="sng">
+                      <a:noFill/>
+                      <a:prstDash val="solid"/>
+                    </a:lnTlToBr>
+                    <a:lnBlToTr w="12700" cmpd="sng">
+                      <a:noFill/>
+                      <a:prstDash val="solid"/>
+                    </a:lnBlToTr>
+                    <a:noFill/>
+                  </a:tcPr>
+                </a:tc>
+                <a:tc>
+                  <a:txBody>
+                    <a:bodyPr/>
+                    <a:lstStyle/>
+                    <a:p>
+                      <a:pPr algn="ctr"/>
+                      <a:r>
+                        <a:rPr lang="en-US" b="0" dirty="0">
+                          <a:solidFill>
+                            <a:sysClr val="windowText" lastClr="000000"/>
+                          </a:solidFill>
+                        </a:rPr>
+                        <a:t>2</a:t>
+                      </a:r>
+                    </a:p>
+                  </a:txBody>
+                  <a:tcPr>
+                    <a:lnL w="12700" cap="flat" cmpd="sng" algn="ctr">
+                      <a:solidFill>
+                        <a:schemeClr val="tx1"/>
+                      </a:solidFill>
+                      <a:prstDash val="solid"/>
+                      <a:round/>
+                      <a:headEnd type="none" w="med" len="med"/>
+                      <a:tailEnd type="none" w="med" len="med"/>
+                    </a:lnL>
+                    <a:lnR w="12700" cap="flat" cmpd="sng" algn="ctr">
+                      <a:solidFill>
+                        <a:schemeClr val="tx1"/>
+                      </a:solidFill>
+                      <a:prstDash val="solid"/>
+                      <a:round/>
+                      <a:headEnd type="none" w="med" len="med"/>
+                      <a:tailEnd type="none" w="med" len="med"/>
+                    </a:lnR>
+                    <a:lnT w="12700" cap="flat" cmpd="sng" algn="ctr">
+                      <a:solidFill>
+                        <a:schemeClr val="tx1"/>
+                      </a:solidFill>
+                      <a:prstDash val="solid"/>
+                      <a:round/>
+                      <a:headEnd type="none" w="med" len="med"/>
+                      <a:tailEnd type="none" w="med" len="med"/>
+                    </a:lnT>
+                    <a:lnB w="12700" cap="flat" cmpd="sng" algn="ctr">
+                      <a:solidFill>
+                        <a:schemeClr val="tx1"/>
+                      </a:solidFill>
+                      <a:prstDash val="solid"/>
+                      <a:round/>
+                      <a:headEnd type="none" w="med" len="med"/>
+                      <a:tailEnd type="none" w="med" len="med"/>
+                    </a:lnB>
+                    <a:lnTlToBr w="12700" cmpd="sng">
+                      <a:noFill/>
+                      <a:prstDash val="solid"/>
+                    </a:lnTlToBr>
+                    <a:lnBlToTr w="12700" cmpd="sng">
+                      <a:noFill/>
+                      <a:prstDash val="solid"/>
+                    </a:lnBlToTr>
+                    <a:noFill/>
+                  </a:tcPr>
+                </a:tc>
+                <a:tc>
+                  <a:txBody>
+                    <a:bodyPr/>
+                    <a:lstStyle/>
+                    <a:p>
+                      <a:pPr algn="ctr"/>
+                      <a:r>
+                        <a:rPr lang="en-US" b="0" dirty="0">
+                          <a:solidFill>
+                            <a:sysClr val="windowText" lastClr="000000"/>
+                          </a:solidFill>
+                        </a:rPr>
+                        <a:t>4</a:t>
+                      </a:r>
+                    </a:p>
+                  </a:txBody>
+                  <a:tcPr>
+                    <a:lnL w="12700" cap="flat" cmpd="sng" algn="ctr">
+                      <a:solidFill>
+                        <a:schemeClr val="tx1"/>
+                      </a:solidFill>
+                      <a:prstDash val="solid"/>
+                      <a:round/>
+                      <a:headEnd type="none" w="med" len="med"/>
+                      <a:tailEnd type="none" w="med" len="med"/>
+                    </a:lnL>
+                    <a:lnR w="12700" cap="flat" cmpd="sng" algn="ctr">
+                      <a:solidFill>
+                        <a:schemeClr val="tx1"/>
+                      </a:solidFill>
+                      <a:prstDash val="solid"/>
+                      <a:round/>
+                      <a:headEnd type="none" w="med" len="med"/>
+                      <a:tailEnd type="none" w="med" len="med"/>
+                    </a:lnR>
+                    <a:lnT w="12700" cap="flat" cmpd="sng" algn="ctr">
+                      <a:solidFill>
+                        <a:schemeClr val="tx1"/>
+                      </a:solidFill>
+                      <a:prstDash val="solid"/>
+                      <a:round/>
+                      <a:headEnd type="none" w="med" len="med"/>
+                      <a:tailEnd type="none" w="med" len="med"/>
+                    </a:lnT>
+                    <a:lnB w="12700" cap="flat" cmpd="sng" algn="ctr">
+                      <a:solidFill>
+                        <a:schemeClr val="tx1"/>
+                      </a:solidFill>
+                      <a:prstDash val="solid"/>
+                      <a:round/>
+                      <a:headEnd type="none" w="med" len="med"/>
+                      <a:tailEnd type="none" w="med" len="med"/>
+                    </a:lnB>
+                    <a:lnTlToBr w="12700" cmpd="sng">
+                      <a:noFill/>
+                      <a:prstDash val="solid"/>
+                    </a:lnTlToBr>
+                    <a:lnBlToTr w="12700" cmpd="sng">
+                      <a:noFill/>
+                      <a:prstDash val="solid"/>
+                    </a:lnBlToTr>
+                    <a:noFill/>
+                  </a:tcPr>
+                </a:tc>
+                <a:tc>
+                  <a:txBody>
+                    <a:bodyPr/>
+                    <a:lstStyle/>
+                    <a:p>
+                      <a:pPr algn="ctr"/>
+                      <a:r>
+                        <a:rPr lang="en-US" b="0" dirty="0">
+                          <a:solidFill>
+                            <a:sysClr val="windowText" lastClr="000000"/>
+                          </a:solidFill>
+                        </a:rPr>
+                        <a:t>8</a:t>
+                      </a:r>
+                    </a:p>
+                  </a:txBody>
+                  <a:tcPr>
+                    <a:lnL w="12700" cap="flat" cmpd="sng" algn="ctr">
+                      <a:solidFill>
+                        <a:schemeClr val="tx1"/>
+                      </a:solidFill>
+                      <a:prstDash val="solid"/>
+                      <a:round/>
+                      <a:headEnd type="none" w="med" len="med"/>
+                      <a:tailEnd type="none" w="med" len="med"/>
+                    </a:lnL>
+                    <a:lnR w="12700" cap="flat" cmpd="sng" algn="ctr">
+                      <a:solidFill>
+                        <a:schemeClr val="tx1"/>
+                      </a:solidFill>
+                      <a:prstDash val="solid"/>
+                      <a:round/>
+                      <a:headEnd type="none" w="med" len="med"/>
+                      <a:tailEnd type="none" w="med" len="med"/>
+                    </a:lnR>
+                    <a:lnT w="12700" cap="flat" cmpd="sng" algn="ctr">
+                      <a:solidFill>
+                        <a:schemeClr val="tx1"/>
+                      </a:solidFill>
+                      <a:prstDash val="solid"/>
+                      <a:round/>
+                      <a:headEnd type="none" w="med" len="med"/>
+                      <a:tailEnd type="none" w="med" len="med"/>
+                    </a:lnT>
+                    <a:lnB w="12700" cap="flat" cmpd="sng" algn="ctr">
+                      <a:solidFill>
+                        <a:schemeClr val="tx1"/>
+                      </a:solidFill>
+                      <a:prstDash val="solid"/>
+                      <a:round/>
+                      <a:headEnd type="none" w="med" len="med"/>
+                      <a:tailEnd type="none" w="med" len="med"/>
+                    </a:lnB>
+                    <a:lnTlToBr w="12700" cmpd="sng">
+                      <a:noFill/>
+                      <a:prstDash val="solid"/>
+                    </a:lnTlToBr>
+                    <a:lnBlToTr w="12700" cmpd="sng">
+                      <a:noFill/>
+                      <a:prstDash val="solid"/>
+                    </a:lnBlToTr>
+                    <a:noFill/>
+                  </a:tcPr>
+                </a:tc>
+                <a:tc>
+                  <a:txBody>
+                    <a:bodyPr/>
+                    <a:lstStyle/>
+                    <a:p>
+                      <a:pPr algn="ctr"/>
+                      <a:r>
+                        <a:rPr lang="en-US" b="0" dirty="0">
+                          <a:solidFill>
+                            <a:sysClr val="windowText" lastClr="000000"/>
+                          </a:solidFill>
+                        </a:rPr>
+                        <a:t>15</a:t>
+                      </a:r>
+                    </a:p>
+                  </a:txBody>
+                  <a:tcPr>
+                    <a:lnL w="12700" cap="flat" cmpd="sng" algn="ctr">
+                      <a:solidFill>
+                        <a:schemeClr val="tx1"/>
+                      </a:solidFill>
+                      <a:prstDash val="solid"/>
+                      <a:round/>
+                      <a:headEnd type="none" w="med" len="med"/>
+                      <a:tailEnd type="none" w="med" len="med"/>
+                    </a:lnL>
+                    <a:lnR w="12700" cap="flat" cmpd="sng" algn="ctr">
+                      <a:solidFill>
+                        <a:schemeClr val="tx1"/>
+                      </a:solidFill>
+                      <a:prstDash val="solid"/>
+                      <a:round/>
+                      <a:headEnd type="none" w="med" len="med"/>
+                      <a:tailEnd type="none" w="med" len="med"/>
+                    </a:lnR>
+                    <a:lnT w="12700" cap="flat" cmpd="sng" algn="ctr">
+                      <a:solidFill>
+                        <a:schemeClr val="tx1"/>
+                      </a:solidFill>
+                      <a:prstDash val="solid"/>
+                      <a:round/>
+                      <a:headEnd type="none" w="med" len="med"/>
+                      <a:tailEnd type="none" w="med" len="med"/>
+                    </a:lnT>
+                    <a:lnB w="12700" cap="flat" cmpd="sng" algn="ctr">
+                      <a:solidFill>
+                        <a:schemeClr val="tx1"/>
+                      </a:solidFill>
+                      <a:prstDash val="solid"/>
+                      <a:round/>
+                      <a:headEnd type="none" w="med" len="med"/>
+                      <a:tailEnd type="none" w="med" len="med"/>
+                    </a:lnB>
+                    <a:lnTlToBr w="12700" cmpd="sng">
+                      <a:noFill/>
+                      <a:prstDash val="solid"/>
+                    </a:lnTlToBr>
+                    <a:lnBlToTr w="12700" cmpd="sng">
+                      <a:noFill/>
+                      <a:prstDash val="solid"/>
+                    </a:lnBlToTr>
+                    <a:noFill/>
+                  </a:tcPr>
+                </a:tc>
+                <a:tc>
+                  <a:txBody>
+                    <a:bodyPr/>
+                    <a:lstStyle/>
+                    <a:p>
+                      <a:pPr algn="ctr"/>
+                      <a:r>
+                        <a:rPr lang="en-US" b="0" dirty="0">
+                          <a:solidFill>
+                            <a:sysClr val="windowText" lastClr="000000"/>
+                          </a:solidFill>
+                        </a:rPr>
+                        <a:t>22</a:t>
+                      </a:r>
+                    </a:p>
+                  </a:txBody>
+                  <a:tcPr>
+                    <a:lnL w="12700" cap="flat" cmpd="sng" algn="ctr">
+                      <a:solidFill>
+                        <a:schemeClr val="tx1"/>
+                      </a:solidFill>
+                      <a:prstDash val="solid"/>
+                      <a:round/>
+                      <a:headEnd type="none" w="med" len="med"/>
+                      <a:tailEnd type="none" w="med" len="med"/>
+                    </a:lnL>
+                    <a:lnR w="12700" cap="flat" cmpd="sng" algn="ctr">
+                      <a:solidFill>
+                        <a:schemeClr val="tx1"/>
+                      </a:solidFill>
+                      <a:prstDash val="solid"/>
+                      <a:round/>
+                      <a:headEnd type="none" w="med" len="med"/>
+                      <a:tailEnd type="none" w="med" len="med"/>
+                    </a:lnR>
+                    <a:lnT w="12700" cap="flat" cmpd="sng" algn="ctr">
+                      <a:solidFill>
+                        <a:schemeClr val="tx1"/>
+                      </a:solidFill>
+                      <a:prstDash val="solid"/>
+                      <a:round/>
+                      <a:headEnd type="none" w="med" len="med"/>
+                      <a:tailEnd type="none" w="med" len="med"/>
+                    </a:lnT>
+                    <a:lnB w="12700" cap="flat" cmpd="sng" algn="ctr">
+                      <a:solidFill>
+                        <a:schemeClr val="tx1"/>
+                      </a:solidFill>
+                      <a:prstDash val="solid"/>
+                      <a:round/>
+                      <a:headEnd type="none" w="med" len="med"/>
+                      <a:tailEnd type="none" w="med" len="med"/>
+                    </a:lnB>
+                    <a:lnTlToBr w="12700" cmpd="sng">
+                      <a:noFill/>
+                      <a:prstDash val="solid"/>
+                    </a:lnTlToBr>
+                    <a:lnBlToTr w="12700" cmpd="sng">
+                      <a:noFill/>
+                      <a:prstDash val="solid"/>
+                    </a:lnBlToTr>
+                    <a:noFill/>
+                  </a:tcPr>
+                </a:tc>
+                <a:tc>
+                  <a:txBody>
+                    <a:bodyPr/>
+                    <a:lstStyle/>
+                    <a:p>
+                      <a:pPr algn="ctr"/>
+                      <a:r>
+                        <a:rPr lang="en-US" b="0" dirty="0">
+                          <a:solidFill>
+                            <a:sysClr val="windowText" lastClr="000000"/>
+                          </a:solidFill>
+                        </a:rPr>
+                        <a:t>30</a:t>
+                      </a:r>
+                    </a:p>
+                  </a:txBody>
+                  <a:tcPr>
+                    <a:lnL w="12700" cap="flat" cmpd="sng" algn="ctr">
+                      <a:solidFill>
+                        <a:schemeClr val="tx1"/>
+                      </a:solidFill>
+                      <a:prstDash val="solid"/>
+                      <a:round/>
+                      <a:headEnd type="none" w="med" len="med"/>
+                      <a:tailEnd type="none" w="med" len="med"/>
+                    </a:lnL>
+                    <a:lnR w="12700" cap="flat" cmpd="sng" algn="ctr">
+                      <a:solidFill>
+                        <a:schemeClr val="tx1"/>
+                      </a:solidFill>
+                      <a:prstDash val="solid"/>
+                      <a:round/>
+                      <a:headEnd type="none" w="med" len="med"/>
+                      <a:tailEnd type="none" w="med" len="med"/>
+                    </a:lnR>
+                    <a:lnT w="12700" cap="flat" cmpd="sng" algn="ctr">
+                      <a:solidFill>
+                        <a:schemeClr val="tx1"/>
+                      </a:solidFill>
+                      <a:prstDash val="solid"/>
+                      <a:round/>
+                      <a:headEnd type="none" w="med" len="med"/>
+                      <a:tailEnd type="none" w="med" len="med"/>
+                    </a:lnT>
+                    <a:lnB w="12700" cap="flat" cmpd="sng" algn="ctr">
+                      <a:solidFill>
+                        <a:schemeClr val="tx1"/>
+                      </a:solidFill>
+                      <a:prstDash val="solid"/>
+                      <a:round/>
+                      <a:headEnd type="none" w="med" len="med"/>
+                      <a:tailEnd type="none" w="med" len="med"/>
+                    </a:lnB>
+                    <a:lnTlToBr w="12700" cmpd="sng">
+                      <a:noFill/>
+                      <a:prstDash val="solid"/>
+                    </a:lnTlToBr>
+                    <a:lnBlToTr w="12700" cmpd="sng">
+                      <a:noFill/>
+                      <a:prstDash val="solid"/>
+                    </a:lnBlToTr>
+                    <a:noFill/>
+                  </a:tcPr>
+                </a:tc>
+                <a:tc>
+                  <a:txBody>
+                    <a:bodyPr/>
+                    <a:lstStyle/>
+                    <a:p>
+                      <a:pPr algn="ctr"/>
+                      <a:r>
+                        <a:rPr lang="en-US" b="0" dirty="0">
+                          <a:solidFill>
+                            <a:sysClr val="windowText" lastClr="000000"/>
+                          </a:solidFill>
+                        </a:rPr>
+                        <a:t>18</a:t>
+                      </a:r>
+                    </a:p>
+                  </a:txBody>
+                  <a:tcPr>
+                    <a:lnL w="12700" cap="flat" cmpd="sng" algn="ctr">
+                      <a:solidFill>
+                        <a:schemeClr val="tx1"/>
+                      </a:solidFill>
+                      <a:prstDash val="solid"/>
+                      <a:round/>
+                      <a:headEnd type="none" w="med" len="med"/>
+                      <a:tailEnd type="none" w="med" len="med"/>
+                    </a:lnL>
+                    <a:lnR w="12700" cap="flat" cmpd="sng" algn="ctr">
+                      <a:solidFill>
+                        <a:schemeClr val="tx1"/>
+                      </a:solidFill>
+                      <a:prstDash val="solid"/>
+                      <a:round/>
+                      <a:headEnd type="none" w="med" len="med"/>
+                      <a:tailEnd type="none" w="med" len="med"/>
+                    </a:lnR>
+                    <a:lnT w="12700" cap="flat" cmpd="sng" algn="ctr">
+                      <a:solidFill>
+                        <a:schemeClr val="tx1"/>
+                      </a:solidFill>
+                      <a:prstDash val="solid"/>
+                      <a:round/>
+                      <a:headEnd type="none" w="med" len="med"/>
+                      <a:tailEnd type="none" w="med" len="med"/>
+                    </a:lnT>
+                    <a:lnB w="12700" cap="flat" cmpd="sng" algn="ctr">
+                      <a:solidFill>
+                        <a:schemeClr val="tx1"/>
+                      </a:solidFill>
+                      <a:prstDash val="solid"/>
+                      <a:round/>
+                      <a:headEnd type="none" w="med" len="med"/>
+                      <a:tailEnd type="none" w="med" len="med"/>
+                    </a:lnB>
+                    <a:lnTlToBr w="12700" cmpd="sng">
+                      <a:noFill/>
+                      <a:prstDash val="solid"/>
+                    </a:lnTlToBr>
+                    <a:lnBlToTr w="12700" cmpd="sng">
+                      <a:noFill/>
+                      <a:prstDash val="solid"/>
+                    </a:lnBlToTr>
+                    <a:noFill/>
+                  </a:tcPr>
+                </a:tc>
+                <a:tc>
+                  <a:txBody>
+                    <a:bodyPr/>
+                    <a:lstStyle/>
+                    <a:p>
+                      <a:pPr algn="ctr"/>
+                      <a:r>
+                        <a:rPr lang="en-US" b="0" dirty="0">
+                          <a:solidFill>
+                            <a:sysClr val="windowText" lastClr="000000"/>
+                          </a:solidFill>
+                        </a:rPr>
+                        <a:t>12</a:t>
+                      </a:r>
+                    </a:p>
+                  </a:txBody>
+                  <a:tcPr>
+                    <a:lnL w="12700" cap="flat" cmpd="sng" algn="ctr">
+                      <a:solidFill>
+                        <a:schemeClr val="tx1"/>
+                      </a:solidFill>
+                      <a:prstDash val="solid"/>
+                      <a:round/>
+                      <a:headEnd type="none" w="med" len="med"/>
+                      <a:tailEnd type="none" w="med" len="med"/>
+                    </a:lnL>
+                    <a:lnR w="12700" cap="flat" cmpd="sng" algn="ctr">
+                      <a:solidFill>
+                        <a:schemeClr val="tx1"/>
+                      </a:solidFill>
+                      <a:prstDash val="solid"/>
+                      <a:round/>
+                      <a:headEnd type="none" w="med" len="med"/>
+                      <a:tailEnd type="none" w="med" len="med"/>
+                    </a:lnR>
+                    <a:lnT w="12700" cap="flat" cmpd="sng" algn="ctr">
+                      <a:solidFill>
+                        <a:schemeClr val="tx1"/>
+                      </a:solidFill>
+                      <a:prstDash val="solid"/>
+                      <a:round/>
+                      <a:headEnd type="none" w="med" len="med"/>
+                      <a:tailEnd type="none" w="med" len="med"/>
+                    </a:lnT>
+                    <a:lnB w="12700" cap="flat" cmpd="sng" algn="ctr">
+                      <a:solidFill>
+                        <a:schemeClr val="tx1"/>
+                      </a:solidFill>
+                      <a:prstDash val="solid"/>
+                      <a:round/>
+                      <a:headEnd type="none" w="med" len="med"/>
+                      <a:tailEnd type="none" w="med" len="med"/>
+                    </a:lnB>
+                    <a:lnTlToBr w="12700" cmpd="sng">
+                      <a:noFill/>
+                      <a:prstDash val="solid"/>
+                    </a:lnTlToBr>
+                    <a:lnBlToTr w="12700" cmpd="sng">
+                      <a:noFill/>
+                      <a:prstDash val="solid"/>
+                    </a:lnBlToTr>
+                    <a:noFill/>
+                  </a:tcPr>
+                </a:tc>
+                <a:tc>
+                  <a:txBody>
+                    <a:bodyPr/>
+                    <a:lstStyle/>
+                    <a:p>
+                      <a:pPr algn="ctr"/>
+                      <a:r>
+                        <a:rPr lang="en-US" b="0" dirty="0">
+                          <a:solidFill>
+                            <a:sysClr val="windowText" lastClr="000000"/>
+                          </a:solidFill>
+                        </a:rPr>
+                        <a:t>7</a:t>
+                      </a:r>
+                    </a:p>
+                  </a:txBody>
+                  <a:tcPr>
+                    <a:lnL w="12700" cap="flat" cmpd="sng" algn="ctr">
+                      <a:solidFill>
+                        <a:schemeClr val="tx1"/>
+                      </a:solidFill>
+                      <a:prstDash val="solid"/>
+                      <a:round/>
+                      <a:headEnd type="none" w="med" len="med"/>
+                      <a:tailEnd type="none" w="med" len="med"/>
+                    </a:lnL>
+                    <a:lnR w="12700" cap="flat" cmpd="sng" algn="ctr">
+                      <a:solidFill>
+                        <a:schemeClr val="tx1"/>
+                      </a:solidFill>
+                      <a:prstDash val="solid"/>
+                      <a:round/>
+                      <a:headEnd type="none" w="med" len="med"/>
+                      <a:tailEnd type="none" w="med" len="med"/>
+                    </a:lnR>
+                    <a:lnT w="12700" cap="flat" cmpd="sng" algn="ctr">
+                      <a:solidFill>
+                        <a:schemeClr val="tx1"/>
+                      </a:solidFill>
+                      <a:prstDash val="solid"/>
+                      <a:round/>
+                      <a:headEnd type="none" w="med" len="med"/>
+                      <a:tailEnd type="none" w="med" len="med"/>
+                    </a:lnT>
+                    <a:lnB w="12700" cap="flat" cmpd="sng" algn="ctr">
+                      <a:solidFill>
+                        <a:schemeClr val="tx1"/>
+                      </a:solidFill>
+                      <a:prstDash val="solid"/>
+                      <a:round/>
+                      <a:headEnd type="none" w="med" len="med"/>
+                      <a:tailEnd type="none" w="med" len="med"/>
+                    </a:lnB>
+                    <a:lnTlToBr w="12700" cmpd="sng">
+                      <a:noFill/>
+                      <a:prstDash val="solid"/>
+                    </a:lnTlToBr>
+                    <a:lnBlToTr w="12700" cmpd="sng">
+                      <a:noFill/>
+                      <a:prstDash val="solid"/>
+                    </a:lnBlToTr>
+                    <a:noFill/>
+                  </a:tcPr>
+                </a:tc>
+                <a:extLst>
+                  <a:ext uri="{0D108BD9-81ED-4DB2-BD59-A6C34878D82A}">
+                    <a16:rowId xmlns:a16="http://schemas.microsoft.com/office/drawing/2014/main" val="294119443"/>
+                  </a:ext>
+                </a:extLst>
+              </a:tr>
+            </a:tbl>
+          </a:graphicData>
+        </a:graphic>
+      </p:graphicFrame>
+      <p:sp>
+        <p:nvSpPr>
+          <p:cNvPr id="6" name="TextBox 5">
+            <a:extLst>
+              <a:ext uri="{FF2B5EF4-FFF2-40B4-BE49-F238E27FC236}">
+                <a16:creationId xmlns:a16="http://schemas.microsoft.com/office/drawing/2014/main" id="{F8B02CE7-54CD-2171-B2CD-061469EF4999}"/>
+              </a:ext>
+            </a:extLst>
+          </p:cNvPr>
+          <p:cNvSpPr txBox="1"/>
+          <p:nvPr/>
+        </p:nvSpPr>
+        <p:spPr>
+          <a:xfrm>
+            <a:off x="1283817" y="4371072"/>
+            <a:ext cx="12213599" cy="523220"/>
+          </a:xfrm>
+          <a:custGeom>
+            <a:avLst/>
+            <a:gdLst>
+              <a:gd name="connsiteX0" fmla="*/ 0 w 12213599"/>
+              <a:gd name="connsiteY0" fmla="*/ 0 h 523220"/>
+              <a:gd name="connsiteX1" fmla="*/ 556397 w 12213599"/>
+              <a:gd name="connsiteY1" fmla="*/ 0 h 523220"/>
+              <a:gd name="connsiteX2" fmla="*/ 868523 w 12213599"/>
+              <a:gd name="connsiteY2" fmla="*/ 0 h 523220"/>
+              <a:gd name="connsiteX3" fmla="*/ 1669192 w 12213599"/>
+              <a:gd name="connsiteY3" fmla="*/ 0 h 523220"/>
+              <a:gd name="connsiteX4" fmla="*/ 2591997 w 12213599"/>
+              <a:gd name="connsiteY4" fmla="*/ 0 h 523220"/>
+              <a:gd name="connsiteX5" fmla="*/ 3392666 w 12213599"/>
+              <a:gd name="connsiteY5" fmla="*/ 0 h 523220"/>
+              <a:gd name="connsiteX6" fmla="*/ 4193336 w 12213599"/>
+              <a:gd name="connsiteY6" fmla="*/ 0 h 523220"/>
+              <a:gd name="connsiteX7" fmla="*/ 4749733 w 12213599"/>
+              <a:gd name="connsiteY7" fmla="*/ 0 h 523220"/>
+              <a:gd name="connsiteX8" fmla="*/ 5550402 w 12213599"/>
+              <a:gd name="connsiteY8" fmla="*/ 0 h 523220"/>
+              <a:gd name="connsiteX9" fmla="*/ 6106799 w 12213599"/>
+              <a:gd name="connsiteY9" fmla="*/ 0 h 523220"/>
+              <a:gd name="connsiteX10" fmla="*/ 7029605 w 12213599"/>
+              <a:gd name="connsiteY10" fmla="*/ 0 h 523220"/>
+              <a:gd name="connsiteX11" fmla="*/ 7830274 w 12213599"/>
+              <a:gd name="connsiteY11" fmla="*/ 0 h 523220"/>
+              <a:gd name="connsiteX12" fmla="*/ 8508807 w 12213599"/>
+              <a:gd name="connsiteY12" fmla="*/ 0 h 523220"/>
+              <a:gd name="connsiteX13" fmla="*/ 9309477 w 12213599"/>
+              <a:gd name="connsiteY13" fmla="*/ 0 h 523220"/>
+              <a:gd name="connsiteX14" fmla="*/ 9743738 w 12213599"/>
+              <a:gd name="connsiteY14" fmla="*/ 0 h 523220"/>
+              <a:gd name="connsiteX15" fmla="*/ 10422271 w 12213599"/>
+              <a:gd name="connsiteY15" fmla="*/ 0 h 523220"/>
+              <a:gd name="connsiteX16" fmla="*/ 11345076 w 12213599"/>
+              <a:gd name="connsiteY16" fmla="*/ 0 h 523220"/>
+              <a:gd name="connsiteX17" fmla="*/ 12213599 w 12213599"/>
+              <a:gd name="connsiteY17" fmla="*/ 0 h 523220"/>
+              <a:gd name="connsiteX18" fmla="*/ 12213599 w 12213599"/>
+              <a:gd name="connsiteY18" fmla="*/ 523220 h 523220"/>
+              <a:gd name="connsiteX19" fmla="*/ 11779338 w 12213599"/>
+              <a:gd name="connsiteY19" fmla="*/ 523220 h 523220"/>
+              <a:gd name="connsiteX20" fmla="*/ 11222940 w 12213599"/>
+              <a:gd name="connsiteY20" fmla="*/ 523220 h 523220"/>
+              <a:gd name="connsiteX21" fmla="*/ 10666543 w 12213599"/>
+              <a:gd name="connsiteY21" fmla="*/ 523220 h 523220"/>
+              <a:gd name="connsiteX22" fmla="*/ 10110146 w 12213599"/>
+              <a:gd name="connsiteY22" fmla="*/ 523220 h 523220"/>
+              <a:gd name="connsiteX23" fmla="*/ 9309477 w 12213599"/>
+              <a:gd name="connsiteY23" fmla="*/ 523220 h 523220"/>
+              <a:gd name="connsiteX24" fmla="*/ 8630943 w 12213599"/>
+              <a:gd name="connsiteY24" fmla="*/ 523220 h 523220"/>
+              <a:gd name="connsiteX25" fmla="*/ 8318818 w 12213599"/>
+              <a:gd name="connsiteY25" fmla="*/ 523220 h 523220"/>
+              <a:gd name="connsiteX26" fmla="*/ 7762421 w 12213599"/>
+              <a:gd name="connsiteY26" fmla="*/ 523220 h 523220"/>
+              <a:gd name="connsiteX27" fmla="*/ 6961751 w 12213599"/>
+              <a:gd name="connsiteY27" fmla="*/ 523220 h 523220"/>
+              <a:gd name="connsiteX28" fmla="*/ 6161082 w 12213599"/>
+              <a:gd name="connsiteY28" fmla="*/ 523220 h 523220"/>
+              <a:gd name="connsiteX29" fmla="*/ 5726821 w 12213599"/>
+              <a:gd name="connsiteY29" fmla="*/ 523220 h 523220"/>
+              <a:gd name="connsiteX30" fmla="*/ 4926152 w 12213599"/>
+              <a:gd name="connsiteY30" fmla="*/ 523220 h 523220"/>
+              <a:gd name="connsiteX31" fmla="*/ 4614026 w 12213599"/>
+              <a:gd name="connsiteY31" fmla="*/ 523220 h 523220"/>
+              <a:gd name="connsiteX32" fmla="*/ 4057629 w 12213599"/>
+              <a:gd name="connsiteY32" fmla="*/ 523220 h 523220"/>
+              <a:gd name="connsiteX33" fmla="*/ 3379096 w 12213599"/>
+              <a:gd name="connsiteY33" fmla="*/ 523220 h 523220"/>
+              <a:gd name="connsiteX34" fmla="*/ 3066970 w 12213599"/>
+              <a:gd name="connsiteY34" fmla="*/ 523220 h 523220"/>
+              <a:gd name="connsiteX35" fmla="*/ 2510573 w 12213599"/>
+              <a:gd name="connsiteY35" fmla="*/ 523220 h 523220"/>
+              <a:gd name="connsiteX36" fmla="*/ 2198448 w 12213599"/>
+              <a:gd name="connsiteY36" fmla="*/ 523220 h 523220"/>
+              <a:gd name="connsiteX37" fmla="*/ 1397779 w 12213599"/>
+              <a:gd name="connsiteY37" fmla="*/ 523220 h 523220"/>
+              <a:gd name="connsiteX38" fmla="*/ 841381 w 12213599"/>
+              <a:gd name="connsiteY38" fmla="*/ 523220 h 523220"/>
+              <a:gd name="connsiteX39" fmla="*/ 0 w 12213599"/>
+              <a:gd name="connsiteY39" fmla="*/ 523220 h 523220"/>
+              <a:gd name="connsiteX40" fmla="*/ 0 w 12213599"/>
+              <a:gd name="connsiteY40" fmla="*/ 0 h 523220"/>
+            </a:gdLst>
+            <a:ahLst/>
+            <a:cxnLst>
+              <a:cxn ang="0">
+                <a:pos x="connsiteX0" y="connsiteY0"/>
+              </a:cxn>
+              <a:cxn ang="0">
+                <a:pos x="connsiteX1" y="connsiteY1"/>
+              </a:cxn>
+              <a:cxn ang="0">
+                <a:pos x="connsiteX2" y="connsiteY2"/>
+              </a:cxn>
+              <a:cxn ang="0">
+                <a:pos x="connsiteX3" y="connsiteY3"/>
+              </a:cxn>
+              <a:cxn ang="0">
+                <a:pos x="connsiteX4" y="connsiteY4"/>
+              </a:cxn>
+              <a:cxn ang="0">
+                <a:pos x="connsiteX5" y="connsiteY5"/>
+              </a:cxn>
+              <a:cxn ang="0">
+                <a:pos x="connsiteX6" y="connsiteY6"/>
+              </a:cxn>
+              <a:cxn ang="0">
+                <a:pos x="connsiteX7" y="connsiteY7"/>
+              </a:cxn>
+              <a:cxn ang="0">
+                <a:pos x="connsiteX8" y="connsiteY8"/>
+              </a:cxn>
+              <a:cxn ang="0">
+                <a:pos x="connsiteX9" y="connsiteY9"/>
+              </a:cxn>
+              <a:cxn ang="0">
+                <a:pos x="connsiteX10" y="connsiteY10"/>
+              </a:cxn>
+              <a:cxn ang="0">
+                <a:pos x="connsiteX11" y="connsiteY11"/>
+              </a:cxn>
+              <a:cxn ang="0">
+                <a:pos x="connsiteX12" y="connsiteY12"/>
+              </a:cxn>
+              <a:cxn ang="0">
+                <a:pos x="connsiteX13" y="connsiteY13"/>
+              </a:cxn>
+              <a:cxn ang="0">
+                <a:pos x="connsiteX14" y="connsiteY14"/>
+              </a:cxn>
+              <a:cxn ang="0">
+                <a:pos x="connsiteX15" y="connsiteY15"/>
+              </a:cxn>
+              <a:cxn ang="0">
+                <a:pos x="connsiteX16" y="connsiteY16"/>
+              </a:cxn>
+              <a:cxn ang="0">
+                <a:pos x="connsiteX17" y="connsiteY17"/>
+              </a:cxn>
+              <a:cxn ang="0">
+                <a:pos x="connsiteX18" y="connsiteY18"/>
+              </a:cxn>
+              <a:cxn ang="0">
+                <a:pos x="connsiteX19" y="connsiteY19"/>
+              </a:cxn>
+              <a:cxn ang="0">
+                <a:pos x="connsiteX20" y="connsiteY20"/>
+              </a:cxn>
+              <a:cxn ang="0">
+                <a:pos x="connsiteX21" y="connsiteY21"/>
+              </a:cxn>
+              <a:cxn ang="0">
+                <a:pos x="connsiteX22" y="connsiteY22"/>
+              </a:cxn>
+              <a:cxn ang="0">
+                <a:pos x="connsiteX23" y="connsiteY23"/>
+              </a:cxn>
+              <a:cxn ang="0">
+                <a:pos x="connsiteX24" y="connsiteY24"/>
+              </a:cxn>
+              <a:cxn ang="0">
+                <a:pos x="connsiteX25" y="connsiteY25"/>
+              </a:cxn>
+              <a:cxn ang="0">
+                <a:pos x="connsiteX26" y="connsiteY26"/>
+              </a:cxn>
+              <a:cxn ang="0">
+                <a:pos x="connsiteX27" y="connsiteY27"/>
+              </a:cxn>
+              <a:cxn ang="0">
+                <a:pos x="connsiteX28" y="connsiteY28"/>
+              </a:cxn>
+              <a:cxn ang="0">
+                <a:pos x="connsiteX29" y="connsiteY29"/>
+              </a:cxn>
+              <a:cxn ang="0">
+                <a:pos x="connsiteX30" y="connsiteY30"/>
+              </a:cxn>
+              <a:cxn ang="0">
+                <a:pos x="connsiteX31" y="connsiteY31"/>
+              </a:cxn>
+              <a:cxn ang="0">
+                <a:pos x="connsiteX32" y="connsiteY32"/>
+              </a:cxn>
+              <a:cxn ang="0">
+                <a:pos x="connsiteX33" y="connsiteY33"/>
+              </a:cxn>
+              <a:cxn ang="0">
+                <a:pos x="connsiteX34" y="connsiteY34"/>
+              </a:cxn>
+              <a:cxn ang="0">
+                <a:pos x="connsiteX35" y="connsiteY35"/>
+              </a:cxn>
+              <a:cxn ang="0">
+                <a:pos x="connsiteX36" y="connsiteY36"/>
+              </a:cxn>
+              <a:cxn ang="0">
+                <a:pos x="connsiteX37" y="connsiteY37"/>
+              </a:cxn>
+              <a:cxn ang="0">
+                <a:pos x="connsiteX38" y="connsiteY38"/>
+              </a:cxn>
+              <a:cxn ang="0">
+                <a:pos x="connsiteX39" y="connsiteY39"/>
+              </a:cxn>
+              <a:cxn ang="0">
+                <a:pos x="connsiteX40" y="connsiteY40"/>
+              </a:cxn>
+            </a:cxnLst>
+            <a:rect l="l" t="t" r="r" b="b"/>
+            <a:pathLst>
+              <a:path w="12213599" h="523220" fill="none" extrusionOk="0">
+                <a:moveTo>
+                  <a:pt x="0" y="0"/>
+                </a:moveTo>
+                <a:cubicBezTo>
+                  <a:pt x="196795" y="-1392"/>
+                  <a:pt x="322177" y="23491"/>
+                  <a:pt x="556397" y="0"/>
+                </a:cubicBezTo>
+                <a:cubicBezTo>
+                  <a:pt x="790617" y="-23491"/>
+                  <a:pt x="785170" y="-1415"/>
+                  <a:pt x="868523" y="0"/>
+                </a:cubicBezTo>
+                <a:cubicBezTo>
+                  <a:pt x="951876" y="1415"/>
+                  <a:pt x="1347994" y="1348"/>
+                  <a:pt x="1669192" y="0"/>
+                </a:cubicBezTo>
+                <a:cubicBezTo>
+                  <a:pt x="1990390" y="-1348"/>
+                  <a:pt x="2219268" y="40060"/>
+                  <a:pt x="2591997" y="0"/>
+                </a:cubicBezTo>
+                <a:cubicBezTo>
+                  <a:pt x="2964727" y="-40060"/>
+                  <a:pt x="3127745" y="8337"/>
+                  <a:pt x="3392666" y="0"/>
+                </a:cubicBezTo>
+                <a:cubicBezTo>
+                  <a:pt x="3657587" y="-8337"/>
+                  <a:pt x="3871208" y="33616"/>
+                  <a:pt x="4193336" y="0"/>
+                </a:cubicBezTo>
+                <a:cubicBezTo>
+                  <a:pt x="4515464" y="-33616"/>
+                  <a:pt x="4494725" y="4300"/>
+                  <a:pt x="4749733" y="0"/>
+                </a:cubicBezTo>
+                <a:cubicBezTo>
+                  <a:pt x="5004741" y="-4300"/>
+                  <a:pt x="5254035" y="29955"/>
+                  <a:pt x="5550402" y="0"/>
+                </a:cubicBezTo>
+                <a:cubicBezTo>
+                  <a:pt x="5846769" y="-29955"/>
+                  <a:pt x="5915770" y="-22089"/>
+                  <a:pt x="6106799" y="0"/>
+                </a:cubicBezTo>
+                <a:cubicBezTo>
+                  <a:pt x="6297828" y="22089"/>
+                  <a:pt x="6767488" y="5405"/>
+                  <a:pt x="7029605" y="0"/>
+                </a:cubicBezTo>
+                <a:cubicBezTo>
+                  <a:pt x="7291722" y="-5405"/>
+                  <a:pt x="7521828" y="32710"/>
+                  <a:pt x="7830274" y="0"/>
+                </a:cubicBezTo>
+                <a:cubicBezTo>
+                  <a:pt x="8138720" y="-32710"/>
+                  <a:pt x="8182346" y="-26723"/>
+                  <a:pt x="8508807" y="0"/>
+                </a:cubicBezTo>
+                <a:cubicBezTo>
+                  <a:pt x="8835268" y="26723"/>
+                  <a:pt x="8991540" y="-5174"/>
+                  <a:pt x="9309477" y="0"/>
+                </a:cubicBezTo>
+                <a:cubicBezTo>
+                  <a:pt x="9627414" y="5174"/>
+                  <a:pt x="9614278" y="6476"/>
+                  <a:pt x="9743738" y="0"/>
+                </a:cubicBezTo>
+                <a:cubicBezTo>
+                  <a:pt x="9873198" y="-6476"/>
+                  <a:pt x="10222393" y="-4057"/>
+                  <a:pt x="10422271" y="0"/>
+                </a:cubicBezTo>
+                <a:cubicBezTo>
+                  <a:pt x="10622149" y="4057"/>
+                  <a:pt x="10893778" y="34936"/>
+                  <a:pt x="11345076" y="0"/>
+                </a:cubicBezTo>
+                <a:cubicBezTo>
+                  <a:pt x="11796375" y="-34936"/>
+                  <a:pt x="11960044" y="-11369"/>
+                  <a:pt x="12213599" y="0"/>
+                </a:cubicBezTo>
+                <a:cubicBezTo>
+                  <a:pt x="12218485" y="231361"/>
+                  <a:pt x="12228182" y="409337"/>
+                  <a:pt x="12213599" y="523220"/>
+                </a:cubicBezTo>
+                <a:cubicBezTo>
+                  <a:pt x="12030180" y="540175"/>
+                  <a:pt x="11989224" y="502236"/>
+                  <a:pt x="11779338" y="523220"/>
+                </a:cubicBezTo>
+                <a:cubicBezTo>
+                  <a:pt x="11569453" y="544204"/>
+                  <a:pt x="11452419" y="509254"/>
+                  <a:pt x="11222940" y="523220"/>
+                </a:cubicBezTo>
+                <a:cubicBezTo>
+                  <a:pt x="10993461" y="537186"/>
+                  <a:pt x="10810618" y="537170"/>
+                  <a:pt x="10666543" y="523220"/>
+                </a:cubicBezTo>
+                <a:cubicBezTo>
+                  <a:pt x="10522468" y="509270"/>
+                  <a:pt x="10255953" y="528926"/>
+                  <a:pt x="10110146" y="523220"/>
+                </a:cubicBezTo>
+                <a:cubicBezTo>
+                  <a:pt x="9964339" y="517514"/>
+                  <a:pt x="9494269" y="521877"/>
+                  <a:pt x="9309477" y="523220"/>
+                </a:cubicBezTo>
+                <a:cubicBezTo>
+                  <a:pt x="9124685" y="524563"/>
+                  <a:pt x="8794773" y="544271"/>
+                  <a:pt x="8630943" y="523220"/>
+                </a:cubicBezTo>
+                <a:cubicBezTo>
+                  <a:pt x="8467113" y="502169"/>
+                  <a:pt x="8458894" y="517295"/>
+                  <a:pt x="8318818" y="523220"/>
+                </a:cubicBezTo>
+                <a:cubicBezTo>
+                  <a:pt x="8178742" y="529145"/>
+                  <a:pt x="7968202" y="530771"/>
+                  <a:pt x="7762421" y="523220"/>
+                </a:cubicBezTo>
+                <a:cubicBezTo>
+                  <a:pt x="7556640" y="515669"/>
+                  <a:pt x="7276443" y="558326"/>
+                  <a:pt x="6961751" y="523220"/>
+                </a:cubicBezTo>
+                <a:cubicBezTo>
+                  <a:pt x="6647059" y="488115"/>
+                  <a:pt x="6484312" y="536139"/>
+                  <a:pt x="6161082" y="523220"/>
+                </a:cubicBezTo>
+                <a:cubicBezTo>
+                  <a:pt x="5837852" y="510301"/>
+                  <a:pt x="5940937" y="514365"/>
+                  <a:pt x="5726821" y="523220"/>
+                </a:cubicBezTo>
+                <a:cubicBezTo>
+                  <a:pt x="5512705" y="532075"/>
+                  <a:pt x="5242705" y="521621"/>
+                  <a:pt x="4926152" y="523220"/>
+                </a:cubicBezTo>
+                <a:cubicBezTo>
+                  <a:pt x="4609599" y="524819"/>
+                  <a:pt x="4715204" y="522840"/>
+                  <a:pt x="4614026" y="523220"/>
+                </a:cubicBezTo>
+                <a:cubicBezTo>
+                  <a:pt x="4512848" y="523600"/>
+                  <a:pt x="4215545" y="523033"/>
+                  <a:pt x="4057629" y="523220"/>
+                </a:cubicBezTo>
+                <a:cubicBezTo>
+                  <a:pt x="3899713" y="523407"/>
+                  <a:pt x="3583857" y="528993"/>
+                  <a:pt x="3379096" y="523220"/>
+                </a:cubicBezTo>
+                <a:cubicBezTo>
+                  <a:pt x="3174335" y="517447"/>
+                  <a:pt x="3158785" y="507814"/>
+                  <a:pt x="3066970" y="523220"/>
+                </a:cubicBezTo>
+                <a:cubicBezTo>
+                  <a:pt x="2975155" y="538626"/>
+                  <a:pt x="2722656" y="540150"/>
+                  <a:pt x="2510573" y="523220"/>
+                </a:cubicBezTo>
+                <a:cubicBezTo>
+                  <a:pt x="2298490" y="506290"/>
+                  <a:pt x="2262750" y="526647"/>
+                  <a:pt x="2198448" y="523220"/>
+                </a:cubicBezTo>
+                <a:cubicBezTo>
+                  <a:pt x="2134147" y="519793"/>
+                  <a:pt x="1725742" y="531951"/>
+                  <a:pt x="1397779" y="523220"/>
+                </a:cubicBezTo>
+                <a:cubicBezTo>
+                  <a:pt x="1069816" y="514489"/>
+                  <a:pt x="1080567" y="519311"/>
+                  <a:pt x="841381" y="523220"/>
+                </a:cubicBezTo>
+                <a:cubicBezTo>
+                  <a:pt x="602195" y="527129"/>
+                  <a:pt x="265716" y="498995"/>
+                  <a:pt x="0" y="523220"/>
+                </a:cubicBezTo>
+                <a:cubicBezTo>
+                  <a:pt x="21217" y="387436"/>
+                  <a:pt x="16440" y="184953"/>
+                  <a:pt x="0" y="0"/>
+                </a:cubicBezTo>
+                <a:close/>
+              </a:path>
+              <a:path w="12213599" h="523220" stroke="0" extrusionOk="0">
+                <a:moveTo>
+                  <a:pt x="0" y="0"/>
+                </a:moveTo>
+                <a:cubicBezTo>
+                  <a:pt x="194518" y="-19775"/>
+                  <a:pt x="322055" y="-21870"/>
+                  <a:pt x="556397" y="0"/>
+                </a:cubicBezTo>
+                <a:cubicBezTo>
+                  <a:pt x="790739" y="21870"/>
+                  <a:pt x="784732" y="268"/>
+                  <a:pt x="868523" y="0"/>
+                </a:cubicBezTo>
+                <a:cubicBezTo>
+                  <a:pt x="952314" y="-268"/>
+                  <a:pt x="1223071" y="-19607"/>
+                  <a:pt x="1424920" y="0"/>
+                </a:cubicBezTo>
+                <a:cubicBezTo>
+                  <a:pt x="1626769" y="19607"/>
+                  <a:pt x="2033754" y="-23836"/>
+                  <a:pt x="2347725" y="0"/>
+                </a:cubicBezTo>
+                <a:cubicBezTo>
+                  <a:pt x="2661696" y="23836"/>
+                  <a:pt x="2966698" y="-23475"/>
+                  <a:pt x="3270530" y="0"/>
+                </a:cubicBezTo>
+                <a:cubicBezTo>
+                  <a:pt x="3574362" y="23475"/>
+                  <a:pt x="3991835" y="32163"/>
+                  <a:pt x="4193336" y="0"/>
+                </a:cubicBezTo>
+                <a:cubicBezTo>
+                  <a:pt x="4394837" y="-32163"/>
+                  <a:pt x="4648648" y="26516"/>
+                  <a:pt x="4871869" y="0"/>
+                </a:cubicBezTo>
+                <a:cubicBezTo>
+                  <a:pt x="5095090" y="-26516"/>
+                  <a:pt x="5117373" y="-14810"/>
+                  <a:pt x="5183994" y="0"/>
+                </a:cubicBezTo>
+                <a:cubicBezTo>
+                  <a:pt x="5250615" y="14810"/>
+                  <a:pt x="5720008" y="31149"/>
+                  <a:pt x="5862528" y="0"/>
+                </a:cubicBezTo>
+                <a:cubicBezTo>
+                  <a:pt x="6005048" y="-31149"/>
+                  <a:pt x="6395471" y="17428"/>
+                  <a:pt x="6541061" y="0"/>
+                </a:cubicBezTo>
+                <a:cubicBezTo>
+                  <a:pt x="6686651" y="-17428"/>
+                  <a:pt x="6760352" y="15392"/>
+                  <a:pt x="6853186" y="0"/>
+                </a:cubicBezTo>
+                <a:cubicBezTo>
+                  <a:pt x="6946020" y="-15392"/>
+                  <a:pt x="7269174" y="-14015"/>
+                  <a:pt x="7531719" y="0"/>
+                </a:cubicBezTo>
+                <a:cubicBezTo>
+                  <a:pt x="7794264" y="14015"/>
+                  <a:pt x="7758635" y="7949"/>
+                  <a:pt x="7843845" y="0"/>
+                </a:cubicBezTo>
+                <a:cubicBezTo>
+                  <a:pt x="7929055" y="-7949"/>
+                  <a:pt x="8478947" y="-4100"/>
+                  <a:pt x="8644514" y="0"/>
+                </a:cubicBezTo>
+                <a:cubicBezTo>
+                  <a:pt x="8810081" y="4100"/>
+                  <a:pt x="8896084" y="348"/>
+                  <a:pt x="9078775" y="0"/>
+                </a:cubicBezTo>
+                <a:cubicBezTo>
+                  <a:pt x="9261466" y="-348"/>
+                  <a:pt x="9797243" y="-25915"/>
+                  <a:pt x="10001581" y="0"/>
+                </a:cubicBezTo>
+                <a:cubicBezTo>
+                  <a:pt x="10205919" y="25915"/>
+                  <a:pt x="10273706" y="17622"/>
+                  <a:pt x="10435842" y="0"/>
+                </a:cubicBezTo>
+                <a:cubicBezTo>
+                  <a:pt x="10597978" y="-17622"/>
+                  <a:pt x="10948989" y="25008"/>
+                  <a:pt x="11114375" y="0"/>
+                </a:cubicBezTo>
+                <a:cubicBezTo>
+                  <a:pt x="11279761" y="-25008"/>
+                  <a:pt x="11797758" y="21739"/>
+                  <a:pt x="12213599" y="0"/>
+                </a:cubicBezTo>
+                <a:cubicBezTo>
+                  <a:pt x="12232003" y="240983"/>
+                  <a:pt x="12195801" y="415075"/>
+                  <a:pt x="12213599" y="523220"/>
+                </a:cubicBezTo>
+                <a:cubicBezTo>
+                  <a:pt x="12079856" y="523626"/>
+                  <a:pt x="11852667" y="503533"/>
+                  <a:pt x="11657202" y="523220"/>
+                </a:cubicBezTo>
+                <a:cubicBezTo>
+                  <a:pt x="11461737" y="542907"/>
+                  <a:pt x="11307169" y="522684"/>
+                  <a:pt x="10978668" y="523220"/>
+                </a:cubicBezTo>
+                <a:cubicBezTo>
+                  <a:pt x="10650167" y="523756"/>
+                  <a:pt x="10457306" y="504459"/>
+                  <a:pt x="10300135" y="523220"/>
+                </a:cubicBezTo>
+                <a:cubicBezTo>
+                  <a:pt x="10142964" y="541981"/>
+                  <a:pt x="9832092" y="564258"/>
+                  <a:pt x="9377330" y="523220"/>
+                </a:cubicBezTo>
+                <a:cubicBezTo>
+                  <a:pt x="8922568" y="482182"/>
+                  <a:pt x="8884109" y="489334"/>
+                  <a:pt x="8576661" y="523220"/>
+                </a:cubicBezTo>
+                <a:cubicBezTo>
+                  <a:pt x="8269213" y="557106"/>
+                  <a:pt x="8266244" y="535251"/>
+                  <a:pt x="8142399" y="523220"/>
+                </a:cubicBezTo>
+                <a:cubicBezTo>
+                  <a:pt x="8018554" y="511189"/>
+                  <a:pt x="7898974" y="529536"/>
+                  <a:pt x="7830274" y="523220"/>
+                </a:cubicBezTo>
+                <a:cubicBezTo>
+                  <a:pt x="7761574" y="516904"/>
+                  <a:pt x="7333473" y="557133"/>
+                  <a:pt x="6907469" y="523220"/>
+                </a:cubicBezTo>
+                <a:cubicBezTo>
+                  <a:pt x="6481465" y="489307"/>
+                  <a:pt x="6466775" y="512128"/>
+                  <a:pt x="6106800" y="523220"/>
+                </a:cubicBezTo>
+                <a:cubicBezTo>
+                  <a:pt x="5746825" y="534312"/>
+                  <a:pt x="5878792" y="513929"/>
+                  <a:pt x="5672538" y="523220"/>
+                </a:cubicBezTo>
+                <a:cubicBezTo>
+                  <a:pt x="5466284" y="532511"/>
+                  <a:pt x="5143236" y="563221"/>
+                  <a:pt x="4749733" y="523220"/>
+                </a:cubicBezTo>
+                <a:cubicBezTo>
+                  <a:pt x="4356231" y="483219"/>
+                  <a:pt x="4223091" y="502928"/>
+                  <a:pt x="3826928" y="523220"/>
+                </a:cubicBezTo>
+                <a:cubicBezTo>
+                  <a:pt x="3430765" y="543512"/>
+                  <a:pt x="3571065" y="532119"/>
+                  <a:pt x="3392666" y="523220"/>
+                </a:cubicBezTo>
+                <a:cubicBezTo>
+                  <a:pt x="3214267" y="514321"/>
+                  <a:pt x="2980284" y="540188"/>
+                  <a:pt x="2714133" y="523220"/>
+                </a:cubicBezTo>
+                <a:cubicBezTo>
+                  <a:pt x="2447982" y="506252"/>
+                  <a:pt x="2292531" y="514991"/>
+                  <a:pt x="2157736" y="523220"/>
+                </a:cubicBezTo>
+                <a:cubicBezTo>
+                  <a:pt x="2022941" y="531449"/>
+                  <a:pt x="1667423" y="501846"/>
+                  <a:pt x="1357067" y="523220"/>
+                </a:cubicBezTo>
+                <a:cubicBezTo>
+                  <a:pt x="1046711" y="544594"/>
+                  <a:pt x="967723" y="515248"/>
+                  <a:pt x="800669" y="523220"/>
+                </a:cubicBezTo>
+                <a:cubicBezTo>
+                  <a:pt x="633615" y="531192"/>
+                  <a:pt x="236734" y="515668"/>
+                  <a:pt x="0" y="523220"/>
+                </a:cubicBezTo>
+                <a:cubicBezTo>
+                  <a:pt x="-11056" y="275464"/>
+                  <a:pt x="-2054" y="244296"/>
+                  <a:pt x="0" y="0"/>
+                </a:cubicBezTo>
+                <a:close/>
+              </a:path>
+            </a:pathLst>
+          </a:custGeom>
+          <a:solidFill>
+            <a:srgbClr val="FFC000"/>
+          </a:solidFill>
+          <a:ln w="12700">
+            <a:solidFill>
+              <a:schemeClr val="tx1"/>
+            </a:solidFill>
+            <a:extLst>
+              <a:ext uri="{C807C97D-BFC1-408E-A445-0C87EB9F89A2}">
+                <ask:lineSketchStyleProps xmlns:ask="http://schemas.microsoft.com/office/drawing/2018/sketchyshapes" sd="102006926">
+                  <a:prstGeom prst="rect">
+                    <a:avLst/>
+                  </a:prstGeom>
+                  <ask:type>
+                    <ask:lineSketchFreehand/>
+                  </ask:type>
+                </ask:lineSketchStyleProps>
+              </a:ext>
+            </a:extLst>
+          </a:ln>
+        </p:spPr>
+        <p:txBody>
+          <a:bodyPr wrap="square" rtlCol="0">
+            <a:spAutoFit/>
+          </a:bodyPr>
+          <a:lstStyle/>
+          <a:p>
+            <a:r>
+              <a:rPr lang="en-US" sz="2800" dirty="0"/>
+              <a:t>Construct a histogram based on relative frequencies of funding levels.</a:t>
+            </a:r>
+          </a:p>
+        </p:txBody>
+      </p:sp>
+      <p:sp>
+        <p:nvSpPr>
+          <p:cNvPr id="7" name="TextBox 6">
+            <a:extLst>
+              <a:ext uri="{FF2B5EF4-FFF2-40B4-BE49-F238E27FC236}">
+                <a16:creationId xmlns:a16="http://schemas.microsoft.com/office/drawing/2014/main" id="{882688CF-5675-1A7B-3D70-529DEAD1AA2A}"/>
+              </a:ext>
+            </a:extLst>
+          </p:cNvPr>
+          <p:cNvSpPr txBox="1"/>
+          <p:nvPr/>
+        </p:nvSpPr>
+        <p:spPr>
+          <a:xfrm>
+            <a:off x="1283816" y="5410037"/>
+            <a:ext cx="12213599" cy="954107"/>
+          </a:xfrm>
+          <a:custGeom>
+            <a:avLst/>
+            <a:gdLst>
+              <a:gd name="connsiteX0" fmla="*/ 0 w 12213599"/>
+              <a:gd name="connsiteY0" fmla="*/ 0 h 954107"/>
+              <a:gd name="connsiteX1" fmla="*/ 800669 w 12213599"/>
+              <a:gd name="connsiteY1" fmla="*/ 0 h 954107"/>
+              <a:gd name="connsiteX2" fmla="*/ 1723475 w 12213599"/>
+              <a:gd name="connsiteY2" fmla="*/ 0 h 954107"/>
+              <a:gd name="connsiteX3" fmla="*/ 2524144 w 12213599"/>
+              <a:gd name="connsiteY3" fmla="*/ 0 h 954107"/>
+              <a:gd name="connsiteX4" fmla="*/ 3324813 w 12213599"/>
+              <a:gd name="connsiteY4" fmla="*/ 0 h 954107"/>
+              <a:gd name="connsiteX5" fmla="*/ 3881210 w 12213599"/>
+              <a:gd name="connsiteY5" fmla="*/ 0 h 954107"/>
+              <a:gd name="connsiteX6" fmla="*/ 4681880 w 12213599"/>
+              <a:gd name="connsiteY6" fmla="*/ 0 h 954107"/>
+              <a:gd name="connsiteX7" fmla="*/ 5238277 w 12213599"/>
+              <a:gd name="connsiteY7" fmla="*/ 0 h 954107"/>
+              <a:gd name="connsiteX8" fmla="*/ 6161082 w 12213599"/>
+              <a:gd name="connsiteY8" fmla="*/ 0 h 954107"/>
+              <a:gd name="connsiteX9" fmla="*/ 6961751 w 12213599"/>
+              <a:gd name="connsiteY9" fmla="*/ 0 h 954107"/>
+              <a:gd name="connsiteX10" fmla="*/ 7640285 w 12213599"/>
+              <a:gd name="connsiteY10" fmla="*/ 0 h 954107"/>
+              <a:gd name="connsiteX11" fmla="*/ 8440954 w 12213599"/>
+              <a:gd name="connsiteY11" fmla="*/ 0 h 954107"/>
+              <a:gd name="connsiteX12" fmla="*/ 8875215 w 12213599"/>
+              <a:gd name="connsiteY12" fmla="*/ 0 h 954107"/>
+              <a:gd name="connsiteX13" fmla="*/ 9553749 w 12213599"/>
+              <a:gd name="connsiteY13" fmla="*/ 0 h 954107"/>
+              <a:gd name="connsiteX14" fmla="*/ 10476554 w 12213599"/>
+              <a:gd name="connsiteY14" fmla="*/ 0 h 954107"/>
+              <a:gd name="connsiteX15" fmla="*/ 11277223 w 12213599"/>
+              <a:gd name="connsiteY15" fmla="*/ 0 h 954107"/>
+              <a:gd name="connsiteX16" fmla="*/ 12213599 w 12213599"/>
+              <a:gd name="connsiteY16" fmla="*/ 0 h 954107"/>
+              <a:gd name="connsiteX17" fmla="*/ 12213599 w 12213599"/>
+              <a:gd name="connsiteY17" fmla="*/ 486595 h 954107"/>
+              <a:gd name="connsiteX18" fmla="*/ 12213599 w 12213599"/>
+              <a:gd name="connsiteY18" fmla="*/ 954107 h 954107"/>
+              <a:gd name="connsiteX19" fmla="*/ 11779338 w 12213599"/>
+              <a:gd name="connsiteY19" fmla="*/ 954107 h 954107"/>
+              <a:gd name="connsiteX20" fmla="*/ 11222940 w 12213599"/>
+              <a:gd name="connsiteY20" fmla="*/ 954107 h 954107"/>
+              <a:gd name="connsiteX21" fmla="*/ 10422271 w 12213599"/>
+              <a:gd name="connsiteY21" fmla="*/ 954107 h 954107"/>
+              <a:gd name="connsiteX22" fmla="*/ 9743738 w 12213599"/>
+              <a:gd name="connsiteY22" fmla="*/ 954107 h 954107"/>
+              <a:gd name="connsiteX23" fmla="*/ 9431613 w 12213599"/>
+              <a:gd name="connsiteY23" fmla="*/ 954107 h 954107"/>
+              <a:gd name="connsiteX24" fmla="*/ 8875215 w 12213599"/>
+              <a:gd name="connsiteY24" fmla="*/ 954107 h 954107"/>
+              <a:gd name="connsiteX25" fmla="*/ 8074546 w 12213599"/>
+              <a:gd name="connsiteY25" fmla="*/ 954107 h 954107"/>
+              <a:gd name="connsiteX26" fmla="*/ 7273877 w 12213599"/>
+              <a:gd name="connsiteY26" fmla="*/ 954107 h 954107"/>
+              <a:gd name="connsiteX27" fmla="*/ 6839615 w 12213599"/>
+              <a:gd name="connsiteY27" fmla="*/ 954107 h 954107"/>
+              <a:gd name="connsiteX28" fmla="*/ 6038946 w 12213599"/>
+              <a:gd name="connsiteY28" fmla="*/ 954107 h 954107"/>
+              <a:gd name="connsiteX29" fmla="*/ 5726821 w 12213599"/>
+              <a:gd name="connsiteY29" fmla="*/ 954107 h 954107"/>
+              <a:gd name="connsiteX30" fmla="*/ 5170424 w 12213599"/>
+              <a:gd name="connsiteY30" fmla="*/ 954107 h 954107"/>
+              <a:gd name="connsiteX31" fmla="*/ 4491890 w 12213599"/>
+              <a:gd name="connsiteY31" fmla="*/ 954107 h 954107"/>
+              <a:gd name="connsiteX32" fmla="*/ 4179765 w 12213599"/>
+              <a:gd name="connsiteY32" fmla="*/ 954107 h 954107"/>
+              <a:gd name="connsiteX33" fmla="*/ 3623368 w 12213599"/>
+              <a:gd name="connsiteY33" fmla="*/ 954107 h 954107"/>
+              <a:gd name="connsiteX34" fmla="*/ 3311242 w 12213599"/>
+              <a:gd name="connsiteY34" fmla="*/ 954107 h 954107"/>
+              <a:gd name="connsiteX35" fmla="*/ 2510573 w 12213599"/>
+              <a:gd name="connsiteY35" fmla="*/ 954107 h 954107"/>
+              <a:gd name="connsiteX36" fmla="*/ 1954176 w 12213599"/>
+              <a:gd name="connsiteY36" fmla="*/ 954107 h 954107"/>
+              <a:gd name="connsiteX37" fmla="*/ 1519915 w 12213599"/>
+              <a:gd name="connsiteY37" fmla="*/ 954107 h 954107"/>
+              <a:gd name="connsiteX38" fmla="*/ 597109 w 12213599"/>
+              <a:gd name="connsiteY38" fmla="*/ 954107 h 954107"/>
+              <a:gd name="connsiteX39" fmla="*/ 0 w 12213599"/>
+              <a:gd name="connsiteY39" fmla="*/ 954107 h 954107"/>
+              <a:gd name="connsiteX40" fmla="*/ 0 w 12213599"/>
+              <a:gd name="connsiteY40" fmla="*/ 477054 h 954107"/>
+              <a:gd name="connsiteX41" fmla="*/ 0 w 12213599"/>
+              <a:gd name="connsiteY41" fmla="*/ 0 h 954107"/>
+            </a:gdLst>
+            <a:ahLst/>
+            <a:cxnLst>
+              <a:cxn ang="0">
+                <a:pos x="connsiteX0" y="connsiteY0"/>
+              </a:cxn>
+              <a:cxn ang="0">
+                <a:pos x="connsiteX1" y="connsiteY1"/>
+              </a:cxn>
+              <a:cxn ang="0">
+                <a:pos x="connsiteX2" y="connsiteY2"/>
+              </a:cxn>
+              <a:cxn ang="0">
+                <a:pos x="connsiteX3" y="connsiteY3"/>
+              </a:cxn>
+              <a:cxn ang="0">
+                <a:pos x="connsiteX4" y="connsiteY4"/>
+              </a:cxn>
+              <a:cxn ang="0">
+                <a:pos x="connsiteX5" y="connsiteY5"/>
+              </a:cxn>
+              <a:cxn ang="0">
+                <a:pos x="connsiteX6" y="connsiteY6"/>
+              </a:cxn>
+              <a:cxn ang="0">
+                <a:pos x="connsiteX7" y="connsiteY7"/>
+              </a:cxn>
+              <a:cxn ang="0">
+                <a:pos x="connsiteX8" y="connsiteY8"/>
+              </a:cxn>
+              <a:cxn ang="0">
+                <a:pos x="connsiteX9" y="connsiteY9"/>
+              </a:cxn>
+              <a:cxn ang="0">
+                <a:pos x="connsiteX10" y="connsiteY10"/>
+              </a:cxn>
+              <a:cxn ang="0">
+                <a:pos x="connsiteX11" y="connsiteY11"/>
+              </a:cxn>
+              <a:cxn ang="0">
+                <a:pos x="connsiteX12" y="connsiteY12"/>
+              </a:cxn>
+              <a:cxn ang="0">
+                <a:pos x="connsiteX13" y="connsiteY13"/>
+              </a:cxn>
+              <a:cxn ang="0">
+                <a:pos x="connsiteX14" y="connsiteY14"/>
+              </a:cxn>
+              <a:cxn ang="0">
+                <a:pos x="connsiteX15" y="connsiteY15"/>
+              </a:cxn>
+              <a:cxn ang="0">
+                <a:pos x="connsiteX16" y="connsiteY16"/>
+              </a:cxn>
+              <a:cxn ang="0">
+                <a:pos x="connsiteX17" y="connsiteY17"/>
+              </a:cxn>
+              <a:cxn ang="0">
+                <a:pos x="connsiteX18" y="connsiteY18"/>
+              </a:cxn>
+              <a:cxn ang="0">
+                <a:pos x="connsiteX19" y="connsiteY19"/>
+              </a:cxn>
+              <a:cxn ang="0">
+                <a:pos x="connsiteX20" y="connsiteY20"/>
+              </a:cxn>
+              <a:cxn ang="0">
+                <a:pos x="connsiteX21" y="connsiteY21"/>
+              </a:cxn>
+              <a:cxn ang="0">
+                <a:pos x="connsiteX22" y="connsiteY22"/>
+              </a:cxn>
+              <a:cxn ang="0">
+                <a:pos x="connsiteX23" y="connsiteY23"/>
+              </a:cxn>
+              <a:cxn ang="0">
+                <a:pos x="connsiteX24" y="connsiteY24"/>
+              </a:cxn>
+              <a:cxn ang="0">
+                <a:pos x="connsiteX25" y="connsiteY25"/>
+              </a:cxn>
+              <a:cxn ang="0">
+                <a:pos x="connsiteX26" y="connsiteY26"/>
+              </a:cxn>
+              <a:cxn ang="0">
+                <a:pos x="connsiteX27" y="connsiteY27"/>
+              </a:cxn>
+              <a:cxn ang="0">
+                <a:pos x="connsiteX28" y="connsiteY28"/>
+              </a:cxn>
+              <a:cxn ang="0">
+                <a:pos x="connsiteX29" y="connsiteY29"/>
+              </a:cxn>
+              <a:cxn ang="0">
+                <a:pos x="connsiteX30" y="connsiteY30"/>
+              </a:cxn>
+              <a:cxn ang="0">
+                <a:pos x="connsiteX31" y="connsiteY31"/>
+              </a:cxn>
+              <a:cxn ang="0">
+                <a:pos x="connsiteX32" y="connsiteY32"/>
+              </a:cxn>
+              <a:cxn ang="0">
+                <a:pos x="connsiteX33" y="connsiteY33"/>
+              </a:cxn>
+              <a:cxn ang="0">
+                <a:pos x="connsiteX34" y="connsiteY34"/>
+              </a:cxn>
+              <a:cxn ang="0">
+                <a:pos x="connsiteX35" y="connsiteY35"/>
+              </a:cxn>
+              <a:cxn ang="0">
+                <a:pos x="connsiteX36" y="connsiteY36"/>
+              </a:cxn>
+              <a:cxn ang="0">
+                <a:pos x="connsiteX37" y="connsiteY37"/>
+              </a:cxn>
+              <a:cxn ang="0">
+                <a:pos x="connsiteX38" y="connsiteY38"/>
+              </a:cxn>
+              <a:cxn ang="0">
+                <a:pos x="connsiteX39" y="connsiteY39"/>
+              </a:cxn>
+              <a:cxn ang="0">
+                <a:pos x="connsiteX40" y="connsiteY40"/>
+              </a:cxn>
+              <a:cxn ang="0">
+                <a:pos x="connsiteX41" y="connsiteY41"/>
+              </a:cxn>
+            </a:cxnLst>
+            <a:rect l="l" t="t" r="r" b="b"/>
+            <a:pathLst>
+              <a:path w="12213599" h="954107" fill="none" extrusionOk="0">
+                <a:moveTo>
+                  <a:pt x="0" y="0"/>
+                </a:moveTo>
+                <a:cubicBezTo>
+                  <a:pt x="337244" y="6855"/>
+                  <a:pt x="479471" y="1348"/>
+                  <a:pt x="800669" y="0"/>
+                </a:cubicBezTo>
+                <a:cubicBezTo>
+                  <a:pt x="1121867" y="-1348"/>
+                  <a:pt x="1349501" y="36024"/>
+                  <a:pt x="1723475" y="0"/>
+                </a:cubicBezTo>
+                <a:cubicBezTo>
+                  <a:pt x="2097449" y="-36024"/>
+                  <a:pt x="2259223" y="8337"/>
+                  <a:pt x="2524144" y="0"/>
+                </a:cubicBezTo>
+                <a:cubicBezTo>
+                  <a:pt x="2789065" y="-8337"/>
+                  <a:pt x="3005476" y="38156"/>
+                  <a:pt x="3324813" y="0"/>
+                </a:cubicBezTo>
+                <a:cubicBezTo>
+                  <a:pt x="3644150" y="-38156"/>
+                  <a:pt x="3626202" y="4300"/>
+                  <a:pt x="3881210" y="0"/>
+                </a:cubicBezTo>
+                <a:cubicBezTo>
+                  <a:pt x="4136218" y="-4300"/>
+                  <a:pt x="4380868" y="28543"/>
+                  <a:pt x="4681880" y="0"/>
+                </a:cubicBezTo>
+                <a:cubicBezTo>
+                  <a:pt x="4982892" y="-28543"/>
+                  <a:pt x="5047248" y="-22089"/>
+                  <a:pt x="5238277" y="0"/>
+                </a:cubicBezTo>
+                <a:cubicBezTo>
+                  <a:pt x="5429306" y="22089"/>
+                  <a:pt x="5902090" y="8746"/>
+                  <a:pt x="6161082" y="0"/>
+                </a:cubicBezTo>
+                <a:cubicBezTo>
+                  <a:pt x="6420075" y="-8746"/>
+                  <a:pt x="6653305" y="32710"/>
+                  <a:pt x="6961751" y="0"/>
+                </a:cubicBezTo>
+                <a:cubicBezTo>
+                  <a:pt x="7270197" y="-32710"/>
+                  <a:pt x="7311476" y="-31399"/>
+                  <a:pt x="7640285" y="0"/>
+                </a:cubicBezTo>
+                <a:cubicBezTo>
+                  <a:pt x="7969094" y="31399"/>
+                  <a:pt x="8123438" y="-827"/>
+                  <a:pt x="8440954" y="0"/>
+                </a:cubicBezTo>
+                <a:cubicBezTo>
+                  <a:pt x="8758470" y="827"/>
+                  <a:pt x="8745755" y="6476"/>
+                  <a:pt x="8875215" y="0"/>
+                </a:cubicBezTo>
+                <a:cubicBezTo>
+                  <a:pt x="9004675" y="-6476"/>
+                  <a:pt x="9351521" y="-5499"/>
+                  <a:pt x="9553749" y="0"/>
+                </a:cubicBezTo>
+                <a:cubicBezTo>
+                  <a:pt x="9755977" y="5499"/>
+                  <a:pt x="10025256" y="34936"/>
+                  <a:pt x="10476554" y="0"/>
+                </a:cubicBezTo>
+                <a:cubicBezTo>
+                  <a:pt x="10927853" y="-34936"/>
+                  <a:pt x="10945012" y="13151"/>
+                  <a:pt x="11277223" y="0"/>
+                </a:cubicBezTo>
+                <a:cubicBezTo>
+                  <a:pt x="11609434" y="-13151"/>
+                  <a:pt x="11806936" y="-28939"/>
+                  <a:pt x="12213599" y="0"/>
+                </a:cubicBezTo>
+                <a:cubicBezTo>
+                  <a:pt x="12221614" y="123797"/>
+                  <a:pt x="12191145" y="297962"/>
+                  <a:pt x="12213599" y="486595"/>
+                </a:cubicBezTo>
+                <a:cubicBezTo>
+                  <a:pt x="12236053" y="675229"/>
+                  <a:pt x="12232229" y="829139"/>
+                  <a:pt x="12213599" y="954107"/>
+                </a:cubicBezTo>
+                <a:cubicBezTo>
+                  <a:pt x="12098716" y="970757"/>
+                  <a:pt x="11928996" y="957857"/>
+                  <a:pt x="11779338" y="954107"/>
+                </a:cubicBezTo>
+                <a:cubicBezTo>
+                  <a:pt x="11629680" y="950357"/>
+                  <a:pt x="11368793" y="960859"/>
+                  <a:pt x="11222940" y="954107"/>
+                </a:cubicBezTo>
+                <a:cubicBezTo>
+                  <a:pt x="11077087" y="947355"/>
+                  <a:pt x="10607063" y="952764"/>
+                  <a:pt x="10422271" y="954107"/>
+                </a:cubicBezTo>
+                <a:cubicBezTo>
+                  <a:pt x="10237479" y="955450"/>
+                  <a:pt x="9907061" y="971394"/>
+                  <a:pt x="9743738" y="954107"/>
+                </a:cubicBezTo>
+                <a:cubicBezTo>
+                  <a:pt x="9580415" y="936820"/>
+                  <a:pt x="9571689" y="948182"/>
+                  <a:pt x="9431613" y="954107"/>
+                </a:cubicBezTo>
+                <a:cubicBezTo>
+                  <a:pt x="9291537" y="960032"/>
+                  <a:pt x="9081251" y="966957"/>
+                  <a:pt x="8875215" y="954107"/>
+                </a:cubicBezTo>
+                <a:cubicBezTo>
+                  <a:pt x="8669179" y="941257"/>
+                  <a:pt x="8384398" y="989035"/>
+                  <a:pt x="8074546" y="954107"/>
+                </a:cubicBezTo>
+                <a:cubicBezTo>
+                  <a:pt x="7764694" y="919179"/>
+                  <a:pt x="7597107" y="967026"/>
+                  <a:pt x="7273877" y="954107"/>
+                </a:cubicBezTo>
+                <a:cubicBezTo>
+                  <a:pt x="6950647" y="941188"/>
+                  <a:pt x="6933061" y="949579"/>
+                  <a:pt x="6839615" y="954107"/>
+                </a:cubicBezTo>
+                <a:cubicBezTo>
+                  <a:pt x="6746169" y="958635"/>
+                  <a:pt x="6355499" y="952508"/>
+                  <a:pt x="6038946" y="954107"/>
+                </a:cubicBezTo>
+                <a:cubicBezTo>
+                  <a:pt x="5722393" y="955706"/>
+                  <a:pt x="5826266" y="943292"/>
+                  <a:pt x="5726821" y="954107"/>
+                </a:cubicBezTo>
+                <a:cubicBezTo>
+                  <a:pt x="5627377" y="964922"/>
+                  <a:pt x="5328340" y="953920"/>
+                  <a:pt x="5170424" y="954107"/>
+                </a:cubicBezTo>
+                <a:cubicBezTo>
+                  <a:pt x="5012508" y="954294"/>
+                  <a:pt x="4697274" y="960575"/>
+                  <a:pt x="4491890" y="954107"/>
+                </a:cubicBezTo>
+                <a:cubicBezTo>
+                  <a:pt x="4286506" y="947639"/>
+                  <a:pt x="4264750" y="961326"/>
+                  <a:pt x="4179765" y="954107"/>
+                </a:cubicBezTo>
+                <a:cubicBezTo>
+                  <a:pt x="4094781" y="946888"/>
+                  <a:pt x="3835451" y="971037"/>
+                  <a:pt x="3623368" y="954107"/>
+                </a:cubicBezTo>
+                <a:cubicBezTo>
+                  <a:pt x="3411285" y="937177"/>
+                  <a:pt x="3387020" y="967720"/>
+                  <a:pt x="3311242" y="954107"/>
+                </a:cubicBezTo>
+                <a:cubicBezTo>
+                  <a:pt x="3235464" y="940494"/>
+                  <a:pt x="2838536" y="962838"/>
+                  <a:pt x="2510573" y="954107"/>
+                </a:cubicBezTo>
+                <a:cubicBezTo>
+                  <a:pt x="2182610" y="945376"/>
+                  <a:pt x="2192312" y="944048"/>
+                  <a:pt x="1954176" y="954107"/>
+                </a:cubicBezTo>
+                <a:cubicBezTo>
+                  <a:pt x="1716040" y="964166"/>
+                  <a:pt x="1694981" y="959898"/>
+                  <a:pt x="1519915" y="954107"/>
+                </a:cubicBezTo>
+                <a:cubicBezTo>
+                  <a:pt x="1344849" y="948316"/>
+                  <a:pt x="975392" y="916605"/>
+                  <a:pt x="597109" y="954107"/>
+                </a:cubicBezTo>
+                <a:cubicBezTo>
+                  <a:pt x="218826" y="991609"/>
+                  <a:pt x="220411" y="947006"/>
+                  <a:pt x="0" y="954107"/>
+                </a:cubicBezTo>
+                <a:cubicBezTo>
+                  <a:pt x="-3648" y="750339"/>
+                  <a:pt x="2603" y="696035"/>
+                  <a:pt x="0" y="477054"/>
+                </a:cubicBezTo>
+                <a:cubicBezTo>
+                  <a:pt x="-2603" y="258073"/>
+                  <a:pt x="-13773" y="130077"/>
+                  <a:pt x="0" y="0"/>
+                </a:cubicBezTo>
+                <a:close/>
+              </a:path>
+              <a:path w="12213599" h="954107" stroke="0" extrusionOk="0">
+                <a:moveTo>
+                  <a:pt x="0" y="0"/>
+                </a:moveTo>
+                <a:cubicBezTo>
+                  <a:pt x="194518" y="-19775"/>
+                  <a:pt x="322055" y="-21870"/>
+                  <a:pt x="556397" y="0"/>
+                </a:cubicBezTo>
+                <a:cubicBezTo>
+                  <a:pt x="790739" y="21870"/>
+                  <a:pt x="784732" y="268"/>
+                  <a:pt x="868523" y="0"/>
+                </a:cubicBezTo>
+                <a:cubicBezTo>
+                  <a:pt x="952314" y="-268"/>
+                  <a:pt x="1223071" y="-19607"/>
+                  <a:pt x="1424920" y="0"/>
+                </a:cubicBezTo>
+                <a:cubicBezTo>
+                  <a:pt x="1626769" y="19607"/>
+                  <a:pt x="2033754" y="-23836"/>
+                  <a:pt x="2347725" y="0"/>
+                </a:cubicBezTo>
+                <a:cubicBezTo>
+                  <a:pt x="2661696" y="23836"/>
+                  <a:pt x="2966698" y="-23475"/>
+                  <a:pt x="3270530" y="0"/>
+                </a:cubicBezTo>
+                <a:cubicBezTo>
+                  <a:pt x="3574362" y="23475"/>
+                  <a:pt x="3991835" y="32163"/>
+                  <a:pt x="4193336" y="0"/>
+                </a:cubicBezTo>
+                <a:cubicBezTo>
+                  <a:pt x="4394837" y="-32163"/>
+                  <a:pt x="4648648" y="26516"/>
+                  <a:pt x="4871869" y="0"/>
+                </a:cubicBezTo>
+                <a:cubicBezTo>
+                  <a:pt x="5095090" y="-26516"/>
+                  <a:pt x="5117373" y="-14810"/>
+                  <a:pt x="5183994" y="0"/>
+                </a:cubicBezTo>
+                <a:cubicBezTo>
+                  <a:pt x="5250615" y="14810"/>
+                  <a:pt x="5720008" y="31149"/>
+                  <a:pt x="5862528" y="0"/>
+                </a:cubicBezTo>
+                <a:cubicBezTo>
+                  <a:pt x="6005048" y="-31149"/>
+                  <a:pt x="6395471" y="17428"/>
+                  <a:pt x="6541061" y="0"/>
+                </a:cubicBezTo>
+                <a:cubicBezTo>
+                  <a:pt x="6686651" y="-17428"/>
+                  <a:pt x="6760352" y="15392"/>
+                  <a:pt x="6853186" y="0"/>
+                </a:cubicBezTo>
+                <a:cubicBezTo>
+                  <a:pt x="6946020" y="-15392"/>
+                  <a:pt x="7269174" y="-14015"/>
+                  <a:pt x="7531719" y="0"/>
+                </a:cubicBezTo>
+                <a:cubicBezTo>
+                  <a:pt x="7794264" y="14015"/>
+                  <a:pt x="7758635" y="7949"/>
+                  <a:pt x="7843845" y="0"/>
+                </a:cubicBezTo>
+                <a:cubicBezTo>
+                  <a:pt x="7929055" y="-7949"/>
+                  <a:pt x="8478947" y="-4100"/>
+                  <a:pt x="8644514" y="0"/>
+                </a:cubicBezTo>
+                <a:cubicBezTo>
+                  <a:pt x="8810081" y="4100"/>
+                  <a:pt x="8896084" y="348"/>
+                  <a:pt x="9078775" y="0"/>
+                </a:cubicBezTo>
+                <a:cubicBezTo>
+                  <a:pt x="9261466" y="-348"/>
+                  <a:pt x="9797243" y="-25915"/>
+                  <a:pt x="10001581" y="0"/>
+                </a:cubicBezTo>
+                <a:cubicBezTo>
+                  <a:pt x="10205919" y="25915"/>
+                  <a:pt x="10273706" y="17622"/>
+                  <a:pt x="10435842" y="0"/>
+                </a:cubicBezTo>
+                <a:cubicBezTo>
+                  <a:pt x="10597978" y="-17622"/>
+                  <a:pt x="10948989" y="25008"/>
+                  <a:pt x="11114375" y="0"/>
+                </a:cubicBezTo>
+                <a:cubicBezTo>
+                  <a:pt x="11279761" y="-25008"/>
+                  <a:pt x="11797758" y="21739"/>
+                  <a:pt x="12213599" y="0"/>
+                </a:cubicBezTo>
+                <a:cubicBezTo>
+                  <a:pt x="12219349" y="210150"/>
+                  <a:pt x="12191486" y="348068"/>
+                  <a:pt x="12213599" y="457971"/>
+                </a:cubicBezTo>
+                <a:cubicBezTo>
+                  <a:pt x="12235712" y="567874"/>
+                  <a:pt x="12236589" y="728558"/>
+                  <a:pt x="12213599" y="954107"/>
+                </a:cubicBezTo>
+                <a:cubicBezTo>
+                  <a:pt x="11945039" y="956359"/>
+                  <a:pt x="11797183" y="961743"/>
+                  <a:pt x="11412930" y="954107"/>
+                </a:cubicBezTo>
+                <a:cubicBezTo>
+                  <a:pt x="11028677" y="946471"/>
+                  <a:pt x="10895451" y="938879"/>
+                  <a:pt x="10734396" y="954107"/>
+                </a:cubicBezTo>
+                <a:cubicBezTo>
+                  <a:pt x="10573341" y="969335"/>
+                  <a:pt x="10266353" y="995145"/>
+                  <a:pt x="9811591" y="954107"/>
+                </a:cubicBezTo>
+                <a:cubicBezTo>
+                  <a:pt x="9356829" y="913069"/>
+                  <a:pt x="9318370" y="920221"/>
+                  <a:pt x="9010922" y="954107"/>
+                </a:cubicBezTo>
+                <a:cubicBezTo>
+                  <a:pt x="8703474" y="987993"/>
+                  <a:pt x="8699818" y="964187"/>
+                  <a:pt x="8576661" y="954107"/>
+                </a:cubicBezTo>
+                <a:cubicBezTo>
+                  <a:pt x="8453504" y="944027"/>
+                  <a:pt x="8342280" y="967843"/>
+                  <a:pt x="8264535" y="954107"/>
+                </a:cubicBezTo>
+                <a:cubicBezTo>
+                  <a:pt x="8186790" y="940371"/>
+                  <a:pt x="7767734" y="988020"/>
+                  <a:pt x="7341730" y="954107"/>
+                </a:cubicBezTo>
+                <a:cubicBezTo>
+                  <a:pt x="6915726" y="920194"/>
+                  <a:pt x="6901036" y="943015"/>
+                  <a:pt x="6541061" y="954107"/>
+                </a:cubicBezTo>
+                <a:cubicBezTo>
+                  <a:pt x="6181086" y="965199"/>
+                  <a:pt x="6304101" y="936537"/>
+                  <a:pt x="6106800" y="954107"/>
+                </a:cubicBezTo>
+                <a:cubicBezTo>
+                  <a:pt x="5909499" y="971677"/>
+                  <a:pt x="5580358" y="996955"/>
+                  <a:pt x="5183994" y="954107"/>
+                </a:cubicBezTo>
+                <a:cubicBezTo>
+                  <a:pt x="4787630" y="911259"/>
+                  <a:pt x="4657352" y="933815"/>
+                  <a:pt x="4261189" y="954107"/>
+                </a:cubicBezTo>
+                <a:cubicBezTo>
+                  <a:pt x="3865026" y="974399"/>
+                  <a:pt x="4000779" y="958321"/>
+                  <a:pt x="3826928" y="954107"/>
+                </a:cubicBezTo>
+                <a:cubicBezTo>
+                  <a:pt x="3653077" y="949893"/>
+                  <a:pt x="3416207" y="976852"/>
+                  <a:pt x="3148394" y="954107"/>
+                </a:cubicBezTo>
+                <a:cubicBezTo>
+                  <a:pt x="2880581" y="931362"/>
+                  <a:pt x="2726792" y="945878"/>
+                  <a:pt x="2591997" y="954107"/>
+                </a:cubicBezTo>
+                <a:cubicBezTo>
+                  <a:pt x="2457202" y="962336"/>
+                  <a:pt x="2101684" y="932733"/>
+                  <a:pt x="1791328" y="954107"/>
+                </a:cubicBezTo>
+                <a:cubicBezTo>
+                  <a:pt x="1480972" y="975481"/>
+                  <a:pt x="1396490" y="940701"/>
+                  <a:pt x="1234931" y="954107"/>
+                </a:cubicBezTo>
+                <a:cubicBezTo>
+                  <a:pt x="1073372" y="967513"/>
+                  <a:pt x="972928" y="974834"/>
+                  <a:pt x="800669" y="954107"/>
+                </a:cubicBezTo>
+                <a:cubicBezTo>
+                  <a:pt x="628410" y="933380"/>
+                  <a:pt x="164539" y="935597"/>
+                  <a:pt x="0" y="954107"/>
+                </a:cubicBezTo>
+                <a:cubicBezTo>
+                  <a:pt x="16781" y="783300"/>
+                  <a:pt x="-14331" y="681151"/>
+                  <a:pt x="0" y="505677"/>
+                </a:cubicBezTo>
+                <a:cubicBezTo>
+                  <a:pt x="14331" y="330203"/>
+                  <a:pt x="-8203" y="176885"/>
+                  <a:pt x="0" y="0"/>
+                </a:cubicBezTo>
+                <a:close/>
+              </a:path>
+            </a:pathLst>
+          </a:custGeom>
+          <a:solidFill>
+            <a:srgbClr val="FFC000"/>
+          </a:solidFill>
+          <a:ln w="12700">
+            <a:solidFill>
+              <a:schemeClr val="tx1"/>
+            </a:solidFill>
+            <a:extLst>
+              <a:ext uri="{C807C97D-BFC1-408E-A445-0C87EB9F89A2}">
+                <ask:lineSketchStyleProps xmlns:ask="http://schemas.microsoft.com/office/drawing/2018/sketchyshapes" sd="102006926">
+                  <a:prstGeom prst="rect">
+                    <a:avLst/>
+                  </a:prstGeom>
+                  <ask:type>
+                    <ask:lineSketchFreehand/>
+                  </ask:type>
+                </ask:lineSketchStyleProps>
+              </a:ext>
+            </a:extLst>
+          </a:ln>
+        </p:spPr>
+        <p:txBody>
+          <a:bodyPr wrap="square" rtlCol="0">
+            <a:spAutoFit/>
+          </a:bodyPr>
+          <a:lstStyle/>
+          <a:p>
+            <a:r>
+              <a:rPr lang="en-US" sz="2800" dirty="0"/>
+              <a:t>Modify the frequency distribution so that the last category includes startups with at least $35 million in funding.</a:t>
+            </a:r>
+          </a:p>
+        </p:txBody>
+      </p:sp>
+      <p:sp>
+        <p:nvSpPr>
+          <p:cNvPr id="4" name="TextBox 3">
+            <a:extLst>
+              <a:ext uri="{FF2B5EF4-FFF2-40B4-BE49-F238E27FC236}">
+                <a16:creationId xmlns:a16="http://schemas.microsoft.com/office/drawing/2014/main" id="{52D1AE0B-E65C-BDB4-9D85-27DA6320BFC7}"/>
+              </a:ext>
+            </a:extLst>
+          </p:cNvPr>
+          <p:cNvSpPr txBox="1"/>
+          <p:nvPr/>
+        </p:nvSpPr>
+        <p:spPr>
+          <a:xfrm>
+            <a:off x="1026367" y="1667069"/>
+            <a:ext cx="12471049" cy="1384995"/>
+          </a:xfrm>
+          <a:custGeom>
+            <a:avLst/>
+            <a:gdLst>
+              <a:gd name="connsiteX0" fmla="*/ 0 w 12471049"/>
+              <a:gd name="connsiteY0" fmla="*/ 0 h 1384995"/>
+              <a:gd name="connsiteX1" fmla="*/ 817547 w 12471049"/>
+              <a:gd name="connsiteY1" fmla="*/ 0 h 1384995"/>
+              <a:gd name="connsiteX2" fmla="*/ 1759804 w 12471049"/>
+              <a:gd name="connsiteY2" fmla="*/ 0 h 1384995"/>
+              <a:gd name="connsiteX3" fmla="*/ 2577350 w 12471049"/>
+              <a:gd name="connsiteY3" fmla="*/ 0 h 1384995"/>
+              <a:gd name="connsiteX4" fmla="*/ 3394897 w 12471049"/>
+              <a:gd name="connsiteY4" fmla="*/ 0 h 1384995"/>
+              <a:gd name="connsiteX5" fmla="*/ 3963022 w 12471049"/>
+              <a:gd name="connsiteY5" fmla="*/ 0 h 1384995"/>
+              <a:gd name="connsiteX6" fmla="*/ 4780569 w 12471049"/>
+              <a:gd name="connsiteY6" fmla="*/ 0 h 1384995"/>
+              <a:gd name="connsiteX7" fmla="*/ 5348694 w 12471049"/>
+              <a:gd name="connsiteY7" fmla="*/ 0 h 1384995"/>
+              <a:gd name="connsiteX8" fmla="*/ 6290951 w 12471049"/>
+              <a:gd name="connsiteY8" fmla="*/ 0 h 1384995"/>
+              <a:gd name="connsiteX9" fmla="*/ 7108498 w 12471049"/>
+              <a:gd name="connsiteY9" fmla="*/ 0 h 1384995"/>
+              <a:gd name="connsiteX10" fmla="*/ 7801334 w 12471049"/>
+              <a:gd name="connsiteY10" fmla="*/ 0 h 1384995"/>
+              <a:gd name="connsiteX11" fmla="*/ 8618881 w 12471049"/>
+              <a:gd name="connsiteY11" fmla="*/ 0 h 1384995"/>
+              <a:gd name="connsiteX12" fmla="*/ 9062296 w 12471049"/>
+              <a:gd name="connsiteY12" fmla="*/ 0 h 1384995"/>
+              <a:gd name="connsiteX13" fmla="*/ 9755132 w 12471049"/>
+              <a:gd name="connsiteY13" fmla="*/ 0 h 1384995"/>
+              <a:gd name="connsiteX14" fmla="*/ 10697389 w 12471049"/>
+              <a:gd name="connsiteY14" fmla="*/ 0 h 1384995"/>
+              <a:gd name="connsiteX15" fmla="*/ 11514935 w 12471049"/>
+              <a:gd name="connsiteY15" fmla="*/ 0 h 1384995"/>
+              <a:gd name="connsiteX16" fmla="*/ 12471049 w 12471049"/>
+              <a:gd name="connsiteY16" fmla="*/ 0 h 1384995"/>
+              <a:gd name="connsiteX17" fmla="*/ 12471049 w 12471049"/>
+              <a:gd name="connsiteY17" fmla="*/ 706347 h 1384995"/>
+              <a:gd name="connsiteX18" fmla="*/ 12471049 w 12471049"/>
+              <a:gd name="connsiteY18" fmla="*/ 1384995 h 1384995"/>
+              <a:gd name="connsiteX19" fmla="*/ 12027634 w 12471049"/>
+              <a:gd name="connsiteY19" fmla="*/ 1384995 h 1384995"/>
+              <a:gd name="connsiteX20" fmla="*/ 11459508 w 12471049"/>
+              <a:gd name="connsiteY20" fmla="*/ 1384995 h 1384995"/>
+              <a:gd name="connsiteX21" fmla="*/ 10641962 w 12471049"/>
+              <a:gd name="connsiteY21" fmla="*/ 1384995 h 1384995"/>
+              <a:gd name="connsiteX22" fmla="*/ 9949126 w 12471049"/>
+              <a:gd name="connsiteY22" fmla="*/ 1384995 h 1384995"/>
+              <a:gd name="connsiteX23" fmla="*/ 9630421 w 12471049"/>
+              <a:gd name="connsiteY23" fmla="*/ 1384995 h 1384995"/>
+              <a:gd name="connsiteX24" fmla="*/ 9062296 w 12471049"/>
+              <a:gd name="connsiteY24" fmla="*/ 1384995 h 1384995"/>
+              <a:gd name="connsiteX25" fmla="*/ 8244749 w 12471049"/>
+              <a:gd name="connsiteY25" fmla="*/ 1384995 h 1384995"/>
+              <a:gd name="connsiteX26" fmla="*/ 7427203 w 12471049"/>
+              <a:gd name="connsiteY26" fmla="*/ 1384995 h 1384995"/>
+              <a:gd name="connsiteX27" fmla="*/ 6983787 w 12471049"/>
+              <a:gd name="connsiteY27" fmla="*/ 1384995 h 1384995"/>
+              <a:gd name="connsiteX28" fmla="*/ 6166241 w 12471049"/>
+              <a:gd name="connsiteY28" fmla="*/ 1384995 h 1384995"/>
+              <a:gd name="connsiteX29" fmla="*/ 5847536 w 12471049"/>
+              <a:gd name="connsiteY29" fmla="*/ 1384995 h 1384995"/>
+              <a:gd name="connsiteX30" fmla="*/ 5279411 w 12471049"/>
+              <a:gd name="connsiteY30" fmla="*/ 1384995 h 1384995"/>
+              <a:gd name="connsiteX31" fmla="*/ 4586575 w 12471049"/>
+              <a:gd name="connsiteY31" fmla="*/ 1384995 h 1384995"/>
+              <a:gd name="connsiteX32" fmla="*/ 4267870 w 12471049"/>
+              <a:gd name="connsiteY32" fmla="*/ 1384995 h 1384995"/>
+              <a:gd name="connsiteX33" fmla="*/ 3699745 w 12471049"/>
+              <a:gd name="connsiteY33" fmla="*/ 1384995 h 1384995"/>
+              <a:gd name="connsiteX34" fmla="*/ 3381040 w 12471049"/>
+              <a:gd name="connsiteY34" fmla="*/ 1384995 h 1384995"/>
+              <a:gd name="connsiteX35" fmla="*/ 2563493 w 12471049"/>
+              <a:gd name="connsiteY35" fmla="*/ 1384995 h 1384995"/>
+              <a:gd name="connsiteX36" fmla="*/ 1995368 w 12471049"/>
+              <a:gd name="connsiteY36" fmla="*/ 1384995 h 1384995"/>
+              <a:gd name="connsiteX37" fmla="*/ 1551953 w 12471049"/>
+              <a:gd name="connsiteY37" fmla="*/ 1384995 h 1384995"/>
+              <a:gd name="connsiteX38" fmla="*/ 609696 w 12471049"/>
+              <a:gd name="connsiteY38" fmla="*/ 1384995 h 1384995"/>
+              <a:gd name="connsiteX39" fmla="*/ 0 w 12471049"/>
+              <a:gd name="connsiteY39" fmla="*/ 1384995 h 1384995"/>
+              <a:gd name="connsiteX40" fmla="*/ 0 w 12471049"/>
+              <a:gd name="connsiteY40" fmla="*/ 692498 h 1384995"/>
+              <a:gd name="connsiteX41" fmla="*/ 0 w 12471049"/>
+              <a:gd name="connsiteY41" fmla="*/ 0 h 1384995"/>
+            </a:gdLst>
+            <a:ahLst/>
+            <a:cxnLst>
+              <a:cxn ang="0">
+                <a:pos x="connsiteX0" y="connsiteY0"/>
+              </a:cxn>
+              <a:cxn ang="0">
+                <a:pos x="connsiteX1" y="connsiteY1"/>
+              </a:cxn>
+              <a:cxn ang="0">
+                <a:pos x="connsiteX2" y="connsiteY2"/>
+              </a:cxn>
+              <a:cxn ang="0">
+                <a:pos x="connsiteX3" y="connsiteY3"/>
+              </a:cxn>
+              <a:cxn ang="0">
+                <a:pos x="connsiteX4" y="connsiteY4"/>
+              </a:cxn>
+              <a:cxn ang="0">
+                <a:pos x="connsiteX5" y="connsiteY5"/>
+              </a:cxn>
+              <a:cxn ang="0">
+                <a:pos x="connsiteX6" y="connsiteY6"/>
+              </a:cxn>
+              <a:cxn ang="0">
+                <a:pos x="connsiteX7" y="connsiteY7"/>
+              </a:cxn>
+              <a:cxn ang="0">
+                <a:pos x="connsiteX8" y="connsiteY8"/>
+              </a:cxn>
+              <a:cxn ang="0">
+                <a:pos x="connsiteX9" y="connsiteY9"/>
+              </a:cxn>
+              <a:cxn ang="0">
+                <a:pos x="connsiteX10" y="connsiteY10"/>
+              </a:cxn>
+              <a:cxn ang="0">
+                <a:pos x="connsiteX11" y="connsiteY11"/>
+              </a:cxn>
+              <a:cxn ang="0">
+                <a:pos x="connsiteX12" y="connsiteY12"/>
+              </a:cxn>
+              <a:cxn ang="0">
+                <a:pos x="connsiteX13" y="connsiteY13"/>
+              </a:cxn>
+              <a:cxn ang="0">
+                <a:pos x="connsiteX14" y="connsiteY14"/>
+              </a:cxn>
+              <a:cxn ang="0">
+                <a:pos x="connsiteX15" y="connsiteY15"/>
+              </a:cxn>
+              <a:cxn ang="0">
+                <a:pos x="connsiteX16" y="connsiteY16"/>
+              </a:cxn>
+              <a:cxn ang="0">
+                <a:pos x="connsiteX17" y="connsiteY17"/>
+              </a:cxn>
+              <a:cxn ang="0">
+                <a:pos x="connsiteX18" y="connsiteY18"/>
+              </a:cxn>
+              <a:cxn ang="0">
+                <a:pos x="connsiteX19" y="connsiteY19"/>
+              </a:cxn>
+              <a:cxn ang="0">
+                <a:pos x="connsiteX20" y="connsiteY20"/>
+              </a:cxn>
+              <a:cxn ang="0">
+                <a:pos x="connsiteX21" y="connsiteY21"/>
+              </a:cxn>
+              <a:cxn ang="0">
+                <a:pos x="connsiteX22" y="connsiteY22"/>
+              </a:cxn>
+              <a:cxn ang="0">
+                <a:pos x="connsiteX23" y="connsiteY23"/>
+              </a:cxn>
+              <a:cxn ang="0">
+                <a:pos x="connsiteX24" y="connsiteY24"/>
+              </a:cxn>
+              <a:cxn ang="0">
+                <a:pos x="connsiteX25" y="connsiteY25"/>
+              </a:cxn>
+              <a:cxn ang="0">
+                <a:pos x="connsiteX26" y="connsiteY26"/>
+              </a:cxn>
+              <a:cxn ang="0">
+                <a:pos x="connsiteX27" y="connsiteY27"/>
+              </a:cxn>
+              <a:cxn ang="0">
+                <a:pos x="connsiteX28" y="connsiteY28"/>
+              </a:cxn>
+              <a:cxn ang="0">
+                <a:pos x="connsiteX29" y="connsiteY29"/>
+              </a:cxn>
+              <a:cxn ang="0">
+                <a:pos x="connsiteX30" y="connsiteY30"/>
+              </a:cxn>
+              <a:cxn ang="0">
+                <a:pos x="connsiteX31" y="connsiteY31"/>
+              </a:cxn>
+              <a:cxn ang="0">
+                <a:pos x="connsiteX32" y="connsiteY32"/>
+              </a:cxn>
+              <a:cxn ang="0">
+                <a:pos x="connsiteX33" y="connsiteY33"/>
+              </a:cxn>
+              <a:cxn ang="0">
+                <a:pos x="connsiteX34" y="connsiteY34"/>
+              </a:cxn>
+              <a:cxn ang="0">
+                <a:pos x="connsiteX35" y="connsiteY35"/>
+              </a:cxn>
+              <a:cxn ang="0">
+                <a:pos x="connsiteX36" y="connsiteY36"/>
+              </a:cxn>
+              <a:cxn ang="0">
+                <a:pos x="connsiteX37" y="connsiteY37"/>
+              </a:cxn>
+              <a:cxn ang="0">
+                <a:pos x="connsiteX38" y="connsiteY38"/>
+              </a:cxn>
+              <a:cxn ang="0">
+                <a:pos x="connsiteX39" y="connsiteY39"/>
+              </a:cxn>
+              <a:cxn ang="0">
+                <a:pos x="connsiteX40" y="connsiteY40"/>
+              </a:cxn>
+              <a:cxn ang="0">
+                <a:pos x="connsiteX41" y="connsiteY41"/>
+              </a:cxn>
+            </a:cxnLst>
+            <a:rect l="l" t="t" r="r" b="b"/>
+            <a:pathLst>
+              <a:path w="12471049" h="1384995" fill="none" extrusionOk="0">
+                <a:moveTo>
+                  <a:pt x="0" y="0"/>
+                </a:moveTo>
+                <a:cubicBezTo>
+                  <a:pt x="177778" y="-9462"/>
+                  <a:pt x="579987" y="-14828"/>
+                  <a:pt x="817547" y="0"/>
+                </a:cubicBezTo>
+                <a:cubicBezTo>
+                  <a:pt x="1055107" y="14828"/>
+                  <a:pt x="1493268" y="20823"/>
+                  <a:pt x="1759804" y="0"/>
+                </a:cubicBezTo>
+                <a:cubicBezTo>
+                  <a:pt x="2026340" y="-20823"/>
+                  <a:pt x="2291219" y="-617"/>
+                  <a:pt x="2577350" y="0"/>
+                </a:cubicBezTo>
+                <a:cubicBezTo>
+                  <a:pt x="2863481" y="617"/>
+                  <a:pt x="3053210" y="10282"/>
+                  <a:pt x="3394897" y="0"/>
+                </a:cubicBezTo>
+                <a:cubicBezTo>
+                  <a:pt x="3736584" y="-10282"/>
+                  <a:pt x="3824411" y="-2967"/>
+                  <a:pt x="3963022" y="0"/>
+                </a:cubicBezTo>
+                <a:cubicBezTo>
+                  <a:pt x="4101633" y="2967"/>
+                  <a:pt x="4569036" y="-15383"/>
+                  <a:pt x="4780569" y="0"/>
+                </a:cubicBezTo>
+                <a:cubicBezTo>
+                  <a:pt x="4992102" y="15383"/>
+                  <a:pt x="5138969" y="16050"/>
+                  <a:pt x="5348694" y="0"/>
+                </a:cubicBezTo>
+                <a:cubicBezTo>
+                  <a:pt x="5558419" y="-16050"/>
+                  <a:pt x="6037757" y="28539"/>
+                  <a:pt x="6290951" y="0"/>
+                </a:cubicBezTo>
+                <a:cubicBezTo>
+                  <a:pt x="6544145" y="-28539"/>
+                  <a:pt x="6779838" y="28487"/>
+                  <a:pt x="7108498" y="0"/>
+                </a:cubicBezTo>
+                <a:cubicBezTo>
+                  <a:pt x="7437158" y="-28487"/>
+                  <a:pt x="7572002" y="25412"/>
+                  <a:pt x="7801334" y="0"/>
+                </a:cubicBezTo>
+                <a:cubicBezTo>
+                  <a:pt x="8030666" y="-25412"/>
+                  <a:pt x="8316853" y="-21181"/>
+                  <a:pt x="8618881" y="0"/>
+                </a:cubicBezTo>
+                <a:cubicBezTo>
+                  <a:pt x="8920909" y="21181"/>
+                  <a:pt x="8919643" y="695"/>
+                  <a:pt x="9062296" y="0"/>
+                </a:cubicBezTo>
+                <a:cubicBezTo>
+                  <a:pt x="9204949" y="-695"/>
+                  <a:pt x="9613765" y="12524"/>
+                  <a:pt x="9755132" y="0"/>
+                </a:cubicBezTo>
+                <a:cubicBezTo>
+                  <a:pt x="9896499" y="-12524"/>
+                  <a:pt x="10263423" y="34832"/>
+                  <a:pt x="10697389" y="0"/>
+                </a:cubicBezTo>
+                <a:cubicBezTo>
+                  <a:pt x="11131355" y="-34832"/>
+                  <a:pt x="11321401" y="-24022"/>
+                  <a:pt x="11514935" y="0"/>
+                </a:cubicBezTo>
+                <a:cubicBezTo>
+                  <a:pt x="11708469" y="24022"/>
+                  <a:pt x="12153284" y="-11413"/>
+                  <a:pt x="12471049" y="0"/>
+                </a:cubicBezTo>
+                <a:cubicBezTo>
+                  <a:pt x="12505417" y="280111"/>
+                  <a:pt x="12460111" y="422606"/>
+                  <a:pt x="12471049" y="706347"/>
+                </a:cubicBezTo>
+                <a:cubicBezTo>
+                  <a:pt x="12481987" y="990088"/>
+                  <a:pt x="12488260" y="1244887"/>
+                  <a:pt x="12471049" y="1384995"/>
+                </a:cubicBezTo>
+                <a:cubicBezTo>
+                  <a:pt x="12318579" y="1385364"/>
+                  <a:pt x="12164031" y="1385827"/>
+                  <a:pt x="12027634" y="1384995"/>
+                </a:cubicBezTo>
+                <a:cubicBezTo>
+                  <a:pt x="11891237" y="1384163"/>
+                  <a:pt x="11627669" y="1391819"/>
+                  <a:pt x="11459508" y="1384995"/>
+                </a:cubicBezTo>
+                <a:cubicBezTo>
+                  <a:pt x="11291347" y="1378171"/>
+                  <a:pt x="10963260" y="1344726"/>
+                  <a:pt x="10641962" y="1384995"/>
+                </a:cubicBezTo>
+                <a:cubicBezTo>
+                  <a:pt x="10320664" y="1425264"/>
+                  <a:pt x="10087826" y="1404702"/>
+                  <a:pt x="9949126" y="1384995"/>
+                </a:cubicBezTo>
+                <a:cubicBezTo>
+                  <a:pt x="9810426" y="1365288"/>
+                  <a:pt x="9747944" y="1387682"/>
+                  <a:pt x="9630421" y="1384995"/>
+                </a:cubicBezTo>
+                <a:cubicBezTo>
+                  <a:pt x="9512899" y="1382308"/>
+                  <a:pt x="9189652" y="1391620"/>
+                  <a:pt x="9062296" y="1384995"/>
+                </a:cubicBezTo>
+                <a:cubicBezTo>
+                  <a:pt x="8934941" y="1378370"/>
+                  <a:pt x="8577593" y="1396751"/>
+                  <a:pt x="8244749" y="1384995"/>
+                </a:cubicBezTo>
+                <a:cubicBezTo>
+                  <a:pt x="7911905" y="1373239"/>
+                  <a:pt x="7775551" y="1355084"/>
+                  <a:pt x="7427203" y="1384995"/>
+                </a:cubicBezTo>
+                <a:cubicBezTo>
+                  <a:pt x="7078855" y="1414906"/>
+                  <a:pt x="7107050" y="1387741"/>
+                  <a:pt x="6983787" y="1384995"/>
+                </a:cubicBezTo>
+                <a:cubicBezTo>
+                  <a:pt x="6860524" y="1382249"/>
+                  <a:pt x="6404257" y="1398969"/>
+                  <a:pt x="6166241" y="1384995"/>
+                </a:cubicBezTo>
+                <a:cubicBezTo>
+                  <a:pt x="5928225" y="1371021"/>
+                  <a:pt x="5974207" y="1382488"/>
+                  <a:pt x="5847536" y="1384995"/>
+                </a:cubicBezTo>
+                <a:cubicBezTo>
+                  <a:pt x="5720865" y="1387502"/>
+                  <a:pt x="5450607" y="1356707"/>
+                  <a:pt x="5279411" y="1384995"/>
+                </a:cubicBezTo>
+                <a:cubicBezTo>
+                  <a:pt x="5108215" y="1413283"/>
+                  <a:pt x="4764478" y="1360951"/>
+                  <a:pt x="4586575" y="1384995"/>
+                </a:cubicBezTo>
+                <a:cubicBezTo>
+                  <a:pt x="4408672" y="1409039"/>
+                  <a:pt x="4358354" y="1395844"/>
+                  <a:pt x="4267870" y="1384995"/>
+                </a:cubicBezTo>
+                <a:cubicBezTo>
+                  <a:pt x="4177387" y="1374146"/>
+                  <a:pt x="3917533" y="1389822"/>
+                  <a:pt x="3699745" y="1384995"/>
+                </a:cubicBezTo>
+                <a:cubicBezTo>
+                  <a:pt x="3481958" y="1380168"/>
+                  <a:pt x="3523765" y="1387654"/>
+                  <a:pt x="3381040" y="1384995"/>
+                </a:cubicBezTo>
+                <a:cubicBezTo>
+                  <a:pt x="3238315" y="1382336"/>
+                  <a:pt x="2787092" y="1384028"/>
+                  <a:pt x="2563493" y="1384995"/>
+                </a:cubicBezTo>
+                <a:cubicBezTo>
+                  <a:pt x="2339894" y="1385962"/>
+                  <a:pt x="2115276" y="1408832"/>
+                  <a:pt x="1995368" y="1384995"/>
+                </a:cubicBezTo>
+                <a:cubicBezTo>
+                  <a:pt x="1875461" y="1361158"/>
+                  <a:pt x="1678463" y="1373592"/>
+                  <a:pt x="1551953" y="1384995"/>
+                </a:cubicBezTo>
+                <a:cubicBezTo>
+                  <a:pt x="1425443" y="1396398"/>
+                  <a:pt x="878925" y="1424320"/>
+                  <a:pt x="609696" y="1384995"/>
+                </a:cubicBezTo>
+                <a:cubicBezTo>
+                  <a:pt x="340467" y="1345670"/>
+                  <a:pt x="292290" y="1405532"/>
+                  <a:pt x="0" y="1384995"/>
+                </a:cubicBezTo>
+                <a:cubicBezTo>
+                  <a:pt x="-9416" y="1219902"/>
+                  <a:pt x="-8697" y="941881"/>
+                  <a:pt x="0" y="692498"/>
+                </a:cubicBezTo>
+                <a:cubicBezTo>
+                  <a:pt x="8697" y="443115"/>
+                  <a:pt x="10790" y="222707"/>
+                  <a:pt x="0" y="0"/>
+                </a:cubicBezTo>
+                <a:close/>
+              </a:path>
+              <a:path w="12471049" h="1384995" stroke="0" extrusionOk="0">
+                <a:moveTo>
+                  <a:pt x="0" y="0"/>
+                </a:moveTo>
+                <a:cubicBezTo>
+                  <a:pt x="193118" y="27585"/>
+                  <a:pt x="291933" y="-28072"/>
+                  <a:pt x="568126" y="0"/>
+                </a:cubicBezTo>
+                <a:cubicBezTo>
+                  <a:pt x="844319" y="28072"/>
+                  <a:pt x="741519" y="6481"/>
+                  <a:pt x="886830" y="0"/>
+                </a:cubicBezTo>
+                <a:cubicBezTo>
+                  <a:pt x="1032141" y="-6481"/>
+                  <a:pt x="1226254" y="-1846"/>
+                  <a:pt x="1454956" y="0"/>
+                </a:cubicBezTo>
+                <a:cubicBezTo>
+                  <a:pt x="1683658" y="1846"/>
+                  <a:pt x="1991530" y="-14964"/>
+                  <a:pt x="2397213" y="0"/>
+                </a:cubicBezTo>
+                <a:cubicBezTo>
+                  <a:pt x="2802896" y="14964"/>
+                  <a:pt x="2961173" y="-47077"/>
+                  <a:pt x="3339470" y="0"/>
+                </a:cubicBezTo>
+                <a:cubicBezTo>
+                  <a:pt x="3717767" y="47077"/>
+                  <a:pt x="4053451" y="3708"/>
+                  <a:pt x="4281727" y="0"/>
+                </a:cubicBezTo>
+                <a:cubicBezTo>
+                  <a:pt x="4510003" y="-3708"/>
+                  <a:pt x="4771824" y="26323"/>
+                  <a:pt x="4974563" y="0"/>
+                </a:cubicBezTo>
+                <a:cubicBezTo>
+                  <a:pt x="5177302" y="-26323"/>
+                  <a:pt x="5161272" y="-2781"/>
+                  <a:pt x="5293267" y="0"/>
+                </a:cubicBezTo>
+                <a:cubicBezTo>
+                  <a:pt x="5425262" y="2781"/>
+                  <a:pt x="5752797" y="-12342"/>
+                  <a:pt x="5986104" y="0"/>
+                </a:cubicBezTo>
+                <a:cubicBezTo>
+                  <a:pt x="6219411" y="12342"/>
+                  <a:pt x="6424289" y="13700"/>
+                  <a:pt x="6678940" y="0"/>
+                </a:cubicBezTo>
+                <a:cubicBezTo>
+                  <a:pt x="6933591" y="-13700"/>
+                  <a:pt x="6872316" y="-10177"/>
+                  <a:pt x="6997644" y="0"/>
+                </a:cubicBezTo>
+                <a:cubicBezTo>
+                  <a:pt x="7122972" y="10177"/>
+                  <a:pt x="7391473" y="-12802"/>
+                  <a:pt x="7690480" y="0"/>
+                </a:cubicBezTo>
+                <a:cubicBezTo>
+                  <a:pt x="7989487" y="12802"/>
+                  <a:pt x="7929228" y="-12961"/>
+                  <a:pt x="8009185" y="0"/>
+                </a:cubicBezTo>
+                <a:cubicBezTo>
+                  <a:pt x="8089143" y="12961"/>
+                  <a:pt x="8449485" y="4011"/>
+                  <a:pt x="8826731" y="0"/>
+                </a:cubicBezTo>
+                <a:cubicBezTo>
+                  <a:pt x="9203977" y="-4011"/>
+                  <a:pt x="9093486" y="-3690"/>
+                  <a:pt x="9270146" y="0"/>
+                </a:cubicBezTo>
+                <a:cubicBezTo>
+                  <a:pt x="9446807" y="3690"/>
+                  <a:pt x="9805159" y="38183"/>
+                  <a:pt x="10212403" y="0"/>
+                </a:cubicBezTo>
+                <a:cubicBezTo>
+                  <a:pt x="10619647" y="-38183"/>
+                  <a:pt x="10565346" y="-1113"/>
+                  <a:pt x="10655819" y="0"/>
+                </a:cubicBezTo>
+                <a:cubicBezTo>
+                  <a:pt x="10746292" y="1113"/>
+                  <a:pt x="11005569" y="18584"/>
+                  <a:pt x="11348655" y="0"/>
+                </a:cubicBezTo>
+                <a:cubicBezTo>
+                  <a:pt x="11691741" y="-18584"/>
+                  <a:pt x="12052184" y="-9151"/>
+                  <a:pt x="12471049" y="0"/>
+                </a:cubicBezTo>
+                <a:cubicBezTo>
+                  <a:pt x="12472757" y="291568"/>
+                  <a:pt x="12500543" y="402831"/>
+                  <a:pt x="12471049" y="664798"/>
+                </a:cubicBezTo>
+                <a:cubicBezTo>
+                  <a:pt x="12441555" y="926765"/>
+                  <a:pt x="12474956" y="1139135"/>
+                  <a:pt x="12471049" y="1384995"/>
+                </a:cubicBezTo>
+                <a:cubicBezTo>
+                  <a:pt x="12268635" y="1356901"/>
+                  <a:pt x="11957748" y="1399217"/>
+                  <a:pt x="11653502" y="1384995"/>
+                </a:cubicBezTo>
+                <a:cubicBezTo>
+                  <a:pt x="11349256" y="1370773"/>
+                  <a:pt x="11178549" y="1387413"/>
+                  <a:pt x="10960666" y="1384995"/>
+                </a:cubicBezTo>
+                <a:cubicBezTo>
+                  <a:pt x="10742783" y="1382577"/>
+                  <a:pt x="10479960" y="1363637"/>
+                  <a:pt x="10018409" y="1384995"/>
+                </a:cubicBezTo>
+                <a:cubicBezTo>
+                  <a:pt x="9556858" y="1406353"/>
+                  <a:pt x="9369507" y="1372654"/>
+                  <a:pt x="9200863" y="1384995"/>
+                </a:cubicBezTo>
+                <a:cubicBezTo>
+                  <a:pt x="9032219" y="1397336"/>
+                  <a:pt x="8921782" y="1382616"/>
+                  <a:pt x="8757448" y="1384995"/>
+                </a:cubicBezTo>
+                <a:cubicBezTo>
+                  <a:pt x="8593114" y="1387374"/>
+                  <a:pt x="8553884" y="1387002"/>
+                  <a:pt x="8438743" y="1384995"/>
+                </a:cubicBezTo>
+                <a:cubicBezTo>
+                  <a:pt x="8323602" y="1382988"/>
+                  <a:pt x="7735050" y="1380332"/>
+                  <a:pt x="7496486" y="1384995"/>
+                </a:cubicBezTo>
+                <a:cubicBezTo>
+                  <a:pt x="7257922" y="1389658"/>
+                  <a:pt x="6887464" y="1404298"/>
+                  <a:pt x="6678940" y="1384995"/>
+                </a:cubicBezTo>
+                <a:cubicBezTo>
+                  <a:pt x="6470416" y="1365692"/>
+                  <a:pt x="6451288" y="1373310"/>
+                  <a:pt x="6235525" y="1384995"/>
+                </a:cubicBezTo>
+                <a:cubicBezTo>
+                  <a:pt x="6019763" y="1396680"/>
+                  <a:pt x="5659994" y="1392218"/>
+                  <a:pt x="5293267" y="1384995"/>
+                </a:cubicBezTo>
+                <a:cubicBezTo>
+                  <a:pt x="4926540" y="1377772"/>
+                  <a:pt x="4557710" y="1415082"/>
+                  <a:pt x="4351010" y="1384995"/>
+                </a:cubicBezTo>
+                <a:cubicBezTo>
+                  <a:pt x="4144310" y="1354908"/>
+                  <a:pt x="4075941" y="1402503"/>
+                  <a:pt x="3907595" y="1384995"/>
+                </a:cubicBezTo>
+                <a:cubicBezTo>
+                  <a:pt x="3739249" y="1367487"/>
+                  <a:pt x="3560251" y="1380065"/>
+                  <a:pt x="3214759" y="1384995"/>
+                </a:cubicBezTo>
+                <a:cubicBezTo>
+                  <a:pt x="2869267" y="1389925"/>
+                  <a:pt x="2763206" y="1362437"/>
+                  <a:pt x="2646634" y="1384995"/>
+                </a:cubicBezTo>
+                <a:cubicBezTo>
+                  <a:pt x="2530063" y="1407553"/>
+                  <a:pt x="2050271" y="1385414"/>
+                  <a:pt x="1829087" y="1384995"/>
+                </a:cubicBezTo>
+                <a:cubicBezTo>
+                  <a:pt x="1607903" y="1384576"/>
+                  <a:pt x="1445647" y="1363193"/>
+                  <a:pt x="1260962" y="1384995"/>
+                </a:cubicBezTo>
+                <a:cubicBezTo>
+                  <a:pt x="1076278" y="1406797"/>
+                  <a:pt x="1026077" y="1382361"/>
+                  <a:pt x="817547" y="1384995"/>
+                </a:cubicBezTo>
+                <a:cubicBezTo>
+                  <a:pt x="609017" y="1387629"/>
+                  <a:pt x="238635" y="1374558"/>
+                  <a:pt x="0" y="1384995"/>
+                </a:cubicBezTo>
+                <a:cubicBezTo>
+                  <a:pt x="327" y="1216251"/>
+                  <a:pt x="23336" y="992528"/>
+                  <a:pt x="0" y="734047"/>
+                </a:cubicBezTo>
+                <a:cubicBezTo>
+                  <a:pt x="-23336" y="475566"/>
+                  <a:pt x="15792" y="170018"/>
+                  <a:pt x="0" y="0"/>
+                </a:cubicBezTo>
+                <a:close/>
+              </a:path>
+            </a:pathLst>
+          </a:custGeom>
+          <a:solidFill>
+            <a:srgbClr val="FFC000"/>
+          </a:solidFill>
+          <a:ln w="12700">
+            <a:solidFill>
+              <a:schemeClr val="tx1"/>
+            </a:solidFill>
+            <a:extLst>
+              <a:ext uri="{C807C97D-BFC1-408E-A445-0C87EB9F89A2}">
+                <ask:lineSketchStyleProps xmlns:ask="http://schemas.microsoft.com/office/drawing/2018/sketchyshapes" sd="102006926">
+                  <a:prstGeom prst="rect">
+                    <a:avLst/>
+                  </a:prstGeom>
+                  <ask:type>
+                    <ask:lineSketchFreehand/>
+                  </ask:type>
+                </ask:lineSketchStyleProps>
+              </a:ext>
+            </a:extLst>
+          </a:ln>
+        </p:spPr>
+        <p:txBody>
+          <a:bodyPr wrap="square" rtlCol="0">
+            <a:spAutoFit/>
+          </a:bodyPr>
+          <a:lstStyle/>
+          <a:p>
+            <a:pPr algn="just"/>
+            <a:r>
+              <a:rPr lang="en-US" sz="2800" dirty="0"/>
+              <a:t>A researcher is studying the funding levels of biotechnology startups to understand how investment is distributed in the sector. The funding amounts (in million dollars) and their frequencies are summarized below:</a:t>
+            </a:r>
+          </a:p>
+        </p:txBody>
+      </p:sp>
+    </p:spTree>
+    <p:extLst>
+      <p:ext uri="{BB962C8B-B14F-4D97-AF65-F5344CB8AC3E}">
+        <p14:creationId xmlns:p14="http://schemas.microsoft.com/office/powerpoint/2010/main" val="214424387"/>
+      </p:ext>
+    </p:extLst>
+  </p:cSld>
+  <p:clrMapOvr>
+    <a:masterClrMapping/>
+  </p:clrMapOvr>
+  <p:timing>
+    <p:tnLst>
+      <p:par>
+        <p:cTn id="1" dur="indefinite" restart="never" nodeType="tmRoot">
+          <p:childTnLst>
+            <p:seq concurrent="1" nextAc="seek">
+              <p:cTn id="2" dur="indefinite" nodeType="mainSeq">
+                <p:childTnLst>
+                  <p:par>
+                    <p:cTn id="3" fill="hold">
+                      <p:stCondLst>
+                        <p:cond delay="indefinite"/>
+                      </p:stCondLst>
+                      <p:childTnLst>
+                        <p:par>
+                          <p:cTn id="4" fill="hold">
+                            <p:stCondLst>
+                              <p:cond delay="0"/>
+                            </p:stCondLst>
+                            <p:childTnLst>
+                              <p:par>
+                                <p:cTn id="5" presetID="1" presetClass="entr" presetSubtype="0" fill="hold" grpId="0" nodeType="clickEffect">
+                                  <p:stCondLst>
+                                    <p:cond delay="0"/>
+                                  </p:stCondLst>
+                                  <p:childTnLst>
+                                    <p:set>
+                                      <p:cBhvr>
+                                        <p:cTn id="6" dur="1" fill="hold">
+                                          <p:stCondLst>
+                                            <p:cond delay="0"/>
+                                          </p:stCondLst>
+                                        </p:cTn>
+                                        <p:tgtEl>
+                                          <p:spTgt spid="6"/>
+                                        </p:tgtEl>
+                                        <p:attrNameLst>
+                                          <p:attrName>style.visibility</p:attrName>
+                                        </p:attrNameLst>
+                                      </p:cBhvr>
+                                      <p:to>
+                                        <p:strVal val="visible"/>
+                                      </p:to>
+                                    </p:set>
+                                  </p:childTnLst>
+                                </p:cTn>
+                              </p:par>
+                            </p:childTnLst>
+                          </p:cTn>
+                        </p:par>
+                      </p:childTnLst>
+                    </p:cTn>
+                  </p:par>
+                  <p:par>
+                    <p:cTn id="7" fill="hold">
+                      <p:stCondLst>
+                        <p:cond delay="indefinite"/>
+                      </p:stCondLst>
+                      <p:childTnLst>
+                        <p:par>
+                          <p:cTn id="8" fill="hold">
+                            <p:stCondLst>
+                              <p:cond delay="0"/>
+                            </p:stCondLst>
+                            <p:childTnLst>
+                              <p:par>
+                                <p:cTn id="9" presetID="1" presetClass="entr" presetSubtype="0" fill="hold" grpId="0" nodeType="clickEffect">
+                                  <p:stCondLst>
+                                    <p:cond delay="0"/>
+                                  </p:stCondLst>
+                                  <p:childTnLst>
+                                    <p:set>
+                                      <p:cBhvr>
+                                        <p:cTn id="10" dur="1" fill="hold">
+                                          <p:stCondLst>
+                                            <p:cond delay="0"/>
+                                          </p:stCondLst>
+                                        </p:cTn>
+                                        <p:tgtEl>
+                                          <p:spTgt spid="7"/>
+                                        </p:tgtEl>
+                                        <p:attrNameLst>
+                                          <p:attrName>style.visibility</p:attrName>
+                                        </p:attrNameLst>
+                                      </p:cBhvr>
+                                      <p:to>
+                                        <p:strVal val="visible"/>
+                                      </p:to>
+                                    </p:set>
+                                  </p:childTnLst>
+                                </p:cTn>
+                              </p:par>
+                            </p:childTnLst>
+                          </p:cTn>
+                        </p:par>
+                      </p:childTnLst>
+                    </p:cTn>
+                  </p:par>
+                </p:childTnLst>
+              </p:cTn>
+              <p:prevCondLst>
+                <p:cond evt="onPrev" delay="0">
+                  <p:tgtEl>
+                    <p:sldTgt/>
+                  </p:tgtEl>
+                </p:cond>
+              </p:prevCondLst>
+              <p:nextCondLst>
+                <p:cond evt="onNext" delay="0">
+                  <p:tgtEl>
+                    <p:sldTgt/>
+                  </p:tgtEl>
+                </p:cond>
+              </p:nextCondLst>
+            </p:seq>
+          </p:childTnLst>
+        </p:cTn>
+      </p:par>
+    </p:tnLst>
+    <p:bldLst>
+      <p:bldP spid="6" grpId="0" animBg="1"/>
+      <p:bldP spid="7" grpId="0" animBg="1"/>
+    </p:bldLst>
+  </p:timing>
+</p:sld>
+</file>
+
+<file path=ppt/slides/slide27.xml><?xml version="1.0" encoding="utf-8"?>
+<p:sld xmlns:a="http://schemas.openxmlformats.org/drawingml/2006/main" xmlns:r="http://schemas.openxmlformats.org/officeDocument/2006/relationships" xmlns:p="http://schemas.openxmlformats.org/presentationml/2006/main">
+  <p:cSld>
+    <p:spTree>
+      <p:nvGrpSpPr>
         <p:cNvPr id="1" name=""/>
         <p:cNvGrpSpPr/>
         <p:nvPr/>
@@ -27930,7 +31573,7 @@
 </p:sld>
 </file>
 
-<file path=ppt/slides/slide27.xml><?xml version="1.0" encoding="utf-8"?>
+<file path=ppt/slides/slide28.xml><?xml version="1.0" encoding="utf-8"?>
 <p:sld xmlns:a="http://schemas.openxmlformats.org/drawingml/2006/main" xmlns:r="http://schemas.openxmlformats.org/officeDocument/2006/relationships" xmlns:p="http://schemas.openxmlformats.org/presentationml/2006/main">
   <p:cSld>
     <p:spTree>
